--- a/AI-ML-Course-Induction-and-General/cross_validation_ml_advice/imbalanced_classes.pptx
+++ b/AI-ML-Course-Induction-and-General/cross_validation_ml_advice/imbalanced_classes.pptx
@@ -285,11 +285,11 @@
           </c:spPr>
         </c:dropLines>
         <c:marker val="1"/>
-        <c:axId val="164235520"/>
-        <c:axId val="164249984"/>
+        <c:axId val="59837056"/>
+        <c:axId val="59859712"/>
       </c:lineChart>
       <c:catAx>
-        <c:axId val="164235520"/>
+        <c:axId val="59837056"/>
         <c:scaling>
           <c:orientation val="minMax"/>
         </c:scaling>
@@ -364,14 +364,14 @@
             <a:endParaRPr lang="en-US"/>
           </a:p>
         </c:txPr>
-        <c:crossAx val="164249984"/>
+        <c:crossAx val="59859712"/>
         <c:crosses val="autoZero"/>
         <c:auto val="1"/>
         <c:lblAlgn val="ctr"/>
         <c:lblOffset val="100"/>
       </c:catAx>
       <c:valAx>
-        <c:axId val="164249984"/>
+        <c:axId val="59859712"/>
         <c:scaling>
           <c:orientation val="minMax"/>
         </c:scaling>
@@ -454,7 +454,7 @@
             <a:endParaRPr lang="en-US"/>
           </a:p>
         </c:txPr>
-        <c:crossAx val="164235520"/>
+        <c:crossAx val="59837056"/>
         <c:crosses val="autoZero"/>
         <c:crossBetween val="between"/>
       </c:valAx>
@@ -572,7 +572,8 @@
           <a:p>
             <a:fld id="{3A6D3B18-A9CE-463D-8A62-6601F79831A1}" type="datetimeFigureOut">
               <a:rPr lang="en-US" smtClean="0"/>
-              <a:t>5/24/2021</a:t>
+              <a:pPr/>
+              <a:t>6/19/2021</a:t>
             </a:fld>
             <a:endParaRPr lang="en-US"/>
           </a:p>
@@ -733,6 +734,7 @@
           <a:p>
             <a:fld id="{CD67B147-3F70-4EF4-AA21-5C0710399A1D}" type="slidenum">
               <a:rPr lang="en-US" smtClean="0"/>
+              <a:pPr/>
               <a:t>‹#›</a:t>
             </a:fld>
             <a:endParaRPr lang="en-US"/>
@@ -935,7 +937,7 @@
     </p:spTree>
     <p:extLst>
       <p:ext uri="{BB962C8B-B14F-4D97-AF65-F5344CB8AC3E}">
-        <p14:creationId xmlns:p14="http://schemas.microsoft.com/office/powerpoint/2010/main" xmlns="" val="2563142751"/>
+        <p14:creationId xmlns="" xmlns:p14="http://schemas.microsoft.com/office/powerpoint/2010/main" val="2563142751"/>
       </p:ext>
     </p:extLst>
   </p:cSld>
@@ -1084,7 +1086,7 @@
     </p:spTree>
     <p:extLst>
       <p:ext uri="{BB962C8B-B14F-4D97-AF65-F5344CB8AC3E}">
-        <p14:creationId xmlns:p14="http://schemas.microsoft.com/office/powerpoint/2010/main" xmlns="" val="1219004654"/>
+        <p14:creationId xmlns="" xmlns:p14="http://schemas.microsoft.com/office/powerpoint/2010/main" val="1219004654"/>
       </p:ext>
     </p:extLst>
   </p:cSld>
@@ -1169,7 +1171,7 @@
     </p:spTree>
     <p:extLst>
       <p:ext uri="{BB962C8B-B14F-4D97-AF65-F5344CB8AC3E}">
-        <p14:creationId xmlns:p14="http://schemas.microsoft.com/office/powerpoint/2010/main" xmlns="" val="775913632"/>
+        <p14:creationId xmlns="" xmlns:p14="http://schemas.microsoft.com/office/powerpoint/2010/main" val="775913632"/>
       </p:ext>
     </p:extLst>
   </p:cSld>
@@ -1282,7 +1284,7 @@
     </p:spTree>
     <p:extLst>
       <p:ext uri="{BB962C8B-B14F-4D97-AF65-F5344CB8AC3E}">
-        <p14:creationId xmlns:p14="http://schemas.microsoft.com/office/powerpoint/2010/main" xmlns="" val="2014011933"/>
+        <p14:creationId xmlns="" xmlns:p14="http://schemas.microsoft.com/office/powerpoint/2010/main" val="2014011933"/>
       </p:ext>
     </p:extLst>
   </p:cSld>
@@ -1370,7 +1372,7 @@
     </p:spTree>
     <p:extLst>
       <p:ext uri="{BB962C8B-B14F-4D97-AF65-F5344CB8AC3E}">
-        <p14:creationId xmlns:p14="http://schemas.microsoft.com/office/powerpoint/2010/main" xmlns="" val="3932297592"/>
+        <p14:creationId xmlns="" xmlns:p14="http://schemas.microsoft.com/office/powerpoint/2010/main" val="3932297592"/>
       </p:ext>
     </p:extLst>
   </p:cSld>
@@ -1458,7 +1460,7 @@
     </p:spTree>
     <p:extLst>
       <p:ext uri="{BB962C8B-B14F-4D97-AF65-F5344CB8AC3E}">
-        <p14:creationId xmlns:p14="http://schemas.microsoft.com/office/powerpoint/2010/main" xmlns="" val="2872808088"/>
+        <p14:creationId xmlns="" xmlns:p14="http://schemas.microsoft.com/office/powerpoint/2010/main" val="2872808088"/>
       </p:ext>
     </p:extLst>
   </p:cSld>
@@ -1547,7 +1549,7 @@
     </p:spTree>
     <p:extLst>
       <p:ext uri="{BB962C8B-B14F-4D97-AF65-F5344CB8AC3E}">
-        <p14:creationId xmlns:p14="http://schemas.microsoft.com/office/powerpoint/2010/main" xmlns="" val="1705752961"/>
+        <p14:creationId xmlns="" xmlns:p14="http://schemas.microsoft.com/office/powerpoint/2010/main" val="1705752961"/>
       </p:ext>
     </p:extLst>
   </p:cSld>
@@ -1652,7 +1654,7 @@
     </p:spTree>
     <p:extLst>
       <p:ext uri="{BB962C8B-B14F-4D97-AF65-F5344CB8AC3E}">
-        <p14:creationId xmlns:p14="http://schemas.microsoft.com/office/powerpoint/2010/main" xmlns="" val="1044291649"/>
+        <p14:creationId xmlns="" xmlns:p14="http://schemas.microsoft.com/office/powerpoint/2010/main" val="1044291649"/>
       </p:ext>
     </p:extLst>
   </p:cSld>
@@ -1737,7 +1739,7 @@
     </p:spTree>
     <p:extLst>
       <p:ext uri="{BB962C8B-B14F-4D97-AF65-F5344CB8AC3E}">
-        <p14:creationId xmlns:p14="http://schemas.microsoft.com/office/powerpoint/2010/main" xmlns="" val="1286518721"/>
+        <p14:creationId xmlns="" xmlns:p14="http://schemas.microsoft.com/office/powerpoint/2010/main" val="1286518721"/>
       </p:ext>
     </p:extLst>
   </p:cSld>
@@ -1825,7 +1827,7 @@
     </p:spTree>
     <p:extLst>
       <p:ext uri="{BB962C8B-B14F-4D97-AF65-F5344CB8AC3E}">
-        <p14:creationId xmlns:p14="http://schemas.microsoft.com/office/powerpoint/2010/main" xmlns="" val="2290190607"/>
+        <p14:creationId xmlns="" xmlns:p14="http://schemas.microsoft.com/office/powerpoint/2010/main" val="2290190607"/>
       </p:ext>
     </p:extLst>
   </p:cSld>
@@ -2037,7 +2039,7 @@
     </p:spTree>
     <p:extLst>
       <p:ext uri="{BB962C8B-B14F-4D97-AF65-F5344CB8AC3E}">
-        <p14:creationId xmlns:p14="http://schemas.microsoft.com/office/powerpoint/2010/main" xmlns="" val="3395544650"/>
+        <p14:creationId xmlns="" xmlns:p14="http://schemas.microsoft.com/office/powerpoint/2010/main" val="3395544650"/>
       </p:ext>
     </p:extLst>
   </p:cSld>
@@ -2249,7 +2251,7 @@
     </p:spTree>
     <p:extLst>
       <p:ext uri="{BB962C8B-B14F-4D97-AF65-F5344CB8AC3E}">
-        <p14:creationId xmlns:p14="http://schemas.microsoft.com/office/powerpoint/2010/main" xmlns="" val="308665894"/>
+        <p14:creationId xmlns="" xmlns:p14="http://schemas.microsoft.com/office/powerpoint/2010/main" val="308665894"/>
       </p:ext>
     </p:extLst>
   </p:cSld>
@@ -2461,7 +2463,7 @@
     </p:spTree>
     <p:extLst>
       <p:ext uri="{BB962C8B-B14F-4D97-AF65-F5344CB8AC3E}">
-        <p14:creationId xmlns:p14="http://schemas.microsoft.com/office/powerpoint/2010/main" xmlns="" val="3423823337"/>
+        <p14:creationId xmlns="" xmlns:p14="http://schemas.microsoft.com/office/powerpoint/2010/main" val="3423823337"/>
       </p:ext>
     </p:extLst>
   </p:cSld>
@@ -2584,7 +2586,7 @@
     </p:spTree>
     <p:extLst>
       <p:ext uri="{BB962C8B-B14F-4D97-AF65-F5344CB8AC3E}">
-        <p14:creationId xmlns:p14="http://schemas.microsoft.com/office/powerpoint/2010/main" xmlns="" val="1340294274"/>
+        <p14:creationId xmlns="" xmlns:p14="http://schemas.microsoft.com/office/powerpoint/2010/main" val="1340294274"/>
       </p:ext>
     </p:extLst>
   </p:cSld>
@@ -2687,7 +2689,7 @@
     </p:spTree>
     <p:extLst>
       <p:ext uri="{BB962C8B-B14F-4D97-AF65-F5344CB8AC3E}">
-        <p14:creationId xmlns:p14="http://schemas.microsoft.com/office/powerpoint/2010/main" xmlns="" val="3821806238"/>
+        <p14:creationId xmlns="" xmlns:p14="http://schemas.microsoft.com/office/powerpoint/2010/main" val="3821806238"/>
       </p:ext>
     </p:extLst>
   </p:cSld>
@@ -2878,7 +2880,8 @@
           <a:p>
             <a:fld id="{56883D5B-00E9-45D5-A2E2-F245B222604F}" type="datetimeFigureOut">
               <a:rPr lang="en-US" smtClean="0"/>
-              <a:t>5/24/2021</a:t>
+              <a:pPr/>
+              <a:t>6/19/2021</a:t>
             </a:fld>
             <a:endParaRPr lang="en-US"/>
           </a:p>
@@ -2920,6 +2923,7 @@
           <a:p>
             <a:fld id="{205DB548-61DB-431E-A9AB-119AECD1872C}" type="slidenum">
               <a:rPr lang="en-US" smtClean="0"/>
+              <a:pPr/>
               <a:t>‹#›</a:t>
             </a:fld>
             <a:endParaRPr lang="en-US"/>
@@ -3043,7 +3047,8 @@
           <a:p>
             <a:fld id="{56883D5B-00E9-45D5-A2E2-F245B222604F}" type="datetimeFigureOut">
               <a:rPr lang="en-US" smtClean="0"/>
-              <a:t>5/24/2021</a:t>
+              <a:pPr/>
+              <a:t>6/19/2021</a:t>
             </a:fld>
             <a:endParaRPr lang="en-US"/>
           </a:p>
@@ -3085,6 +3090,7 @@
           <a:p>
             <a:fld id="{205DB548-61DB-431E-A9AB-119AECD1872C}" type="slidenum">
               <a:rPr lang="en-US" smtClean="0"/>
+              <a:pPr/>
               <a:t>‹#›</a:t>
             </a:fld>
             <a:endParaRPr lang="en-US"/>
@@ -3218,7 +3224,8 @@
           <a:p>
             <a:fld id="{56883D5B-00E9-45D5-A2E2-F245B222604F}" type="datetimeFigureOut">
               <a:rPr lang="en-US" smtClean="0"/>
-              <a:t>5/24/2021</a:t>
+              <a:pPr/>
+              <a:t>6/19/2021</a:t>
             </a:fld>
             <a:endParaRPr lang="en-US"/>
           </a:p>
@@ -3260,6 +3267,7 @@
           <a:p>
             <a:fld id="{205DB548-61DB-431E-A9AB-119AECD1872C}" type="slidenum">
               <a:rPr lang="en-US" smtClean="0"/>
+              <a:pPr/>
               <a:t>‹#›</a:t>
             </a:fld>
             <a:endParaRPr lang="en-US"/>
@@ -3383,7 +3391,8 @@
           <a:p>
             <a:fld id="{56883D5B-00E9-45D5-A2E2-F245B222604F}" type="datetimeFigureOut">
               <a:rPr lang="en-US" smtClean="0"/>
-              <a:t>5/24/2021</a:t>
+              <a:pPr/>
+              <a:t>6/19/2021</a:t>
             </a:fld>
             <a:endParaRPr lang="en-US"/>
           </a:p>
@@ -3425,6 +3434,7 @@
           <a:p>
             <a:fld id="{205DB548-61DB-431E-A9AB-119AECD1872C}" type="slidenum">
               <a:rPr lang="en-US" smtClean="0"/>
+              <a:pPr/>
               <a:t>‹#›</a:t>
             </a:fld>
             <a:endParaRPr lang="en-US"/>
@@ -3624,7 +3634,8 @@
           <a:p>
             <a:fld id="{56883D5B-00E9-45D5-A2E2-F245B222604F}" type="datetimeFigureOut">
               <a:rPr lang="en-US" smtClean="0"/>
-              <a:t>5/24/2021</a:t>
+              <a:pPr/>
+              <a:t>6/19/2021</a:t>
             </a:fld>
             <a:endParaRPr lang="en-US"/>
           </a:p>
@@ -3666,6 +3677,7 @@
           <a:p>
             <a:fld id="{205DB548-61DB-431E-A9AB-119AECD1872C}" type="slidenum">
               <a:rPr lang="en-US" smtClean="0"/>
+              <a:pPr/>
               <a:t>‹#›</a:t>
             </a:fld>
             <a:endParaRPr lang="en-US"/>
@@ -3907,7 +3919,8 @@
           <a:p>
             <a:fld id="{56883D5B-00E9-45D5-A2E2-F245B222604F}" type="datetimeFigureOut">
               <a:rPr lang="en-US" smtClean="0"/>
-              <a:t>5/24/2021</a:t>
+              <a:pPr/>
+              <a:t>6/19/2021</a:t>
             </a:fld>
             <a:endParaRPr lang="en-US"/>
           </a:p>
@@ -3949,6 +3962,7 @@
           <a:p>
             <a:fld id="{205DB548-61DB-431E-A9AB-119AECD1872C}" type="slidenum">
               <a:rPr lang="en-US" smtClean="0"/>
+              <a:pPr/>
               <a:t>‹#›</a:t>
             </a:fld>
             <a:endParaRPr lang="en-US"/>
@@ -4324,7 +4338,8 @@
           <a:p>
             <a:fld id="{56883D5B-00E9-45D5-A2E2-F245B222604F}" type="datetimeFigureOut">
               <a:rPr lang="en-US" smtClean="0"/>
-              <a:t>5/24/2021</a:t>
+              <a:pPr/>
+              <a:t>6/19/2021</a:t>
             </a:fld>
             <a:endParaRPr lang="en-US"/>
           </a:p>
@@ -4366,6 +4381,7 @@
           <a:p>
             <a:fld id="{205DB548-61DB-431E-A9AB-119AECD1872C}" type="slidenum">
               <a:rPr lang="en-US" smtClean="0"/>
+              <a:pPr/>
               <a:t>‹#›</a:t>
             </a:fld>
             <a:endParaRPr lang="en-US"/>
@@ -4437,7 +4453,8 @@
           <a:p>
             <a:fld id="{56883D5B-00E9-45D5-A2E2-F245B222604F}" type="datetimeFigureOut">
               <a:rPr lang="en-US" smtClean="0"/>
-              <a:t>5/24/2021</a:t>
+              <a:pPr/>
+              <a:t>6/19/2021</a:t>
             </a:fld>
             <a:endParaRPr lang="en-US"/>
           </a:p>
@@ -4479,6 +4496,7 @@
           <a:p>
             <a:fld id="{205DB548-61DB-431E-A9AB-119AECD1872C}" type="slidenum">
               <a:rPr lang="en-US" smtClean="0"/>
+              <a:pPr/>
               <a:t>‹#›</a:t>
             </a:fld>
             <a:endParaRPr lang="en-US"/>
@@ -4527,7 +4545,8 @@
           <a:p>
             <a:fld id="{56883D5B-00E9-45D5-A2E2-F245B222604F}" type="datetimeFigureOut">
               <a:rPr lang="en-US" smtClean="0"/>
-              <a:t>5/24/2021</a:t>
+              <a:pPr/>
+              <a:t>6/19/2021</a:t>
             </a:fld>
             <a:endParaRPr lang="en-US"/>
           </a:p>
@@ -4569,6 +4588,7 @@
           <a:p>
             <a:fld id="{205DB548-61DB-431E-A9AB-119AECD1872C}" type="slidenum">
               <a:rPr lang="en-US" smtClean="0"/>
+              <a:pPr/>
               <a:t>‹#›</a:t>
             </a:fld>
             <a:endParaRPr lang="en-US"/>
@@ -4799,7 +4819,8 @@
           <a:p>
             <a:fld id="{56883D5B-00E9-45D5-A2E2-F245B222604F}" type="datetimeFigureOut">
               <a:rPr lang="en-US" smtClean="0"/>
-              <a:t>5/24/2021</a:t>
+              <a:pPr/>
+              <a:t>6/19/2021</a:t>
             </a:fld>
             <a:endParaRPr lang="en-US"/>
           </a:p>
@@ -4841,6 +4862,7 @@
           <a:p>
             <a:fld id="{205DB548-61DB-431E-A9AB-119AECD1872C}" type="slidenum">
               <a:rPr lang="en-US" smtClean="0"/>
+              <a:pPr/>
               <a:t>‹#›</a:t>
             </a:fld>
             <a:endParaRPr lang="en-US"/>
@@ -5047,7 +5069,8 @@
           <a:p>
             <a:fld id="{56883D5B-00E9-45D5-A2E2-F245B222604F}" type="datetimeFigureOut">
               <a:rPr lang="en-US" smtClean="0"/>
-              <a:t>5/24/2021</a:t>
+              <a:pPr/>
+              <a:t>6/19/2021</a:t>
             </a:fld>
             <a:endParaRPr lang="en-US"/>
           </a:p>
@@ -5089,6 +5112,7 @@
           <a:p>
             <a:fld id="{205DB548-61DB-431E-A9AB-119AECD1872C}" type="slidenum">
               <a:rPr lang="en-US" smtClean="0"/>
+              <a:pPr/>
               <a:t>‹#›</a:t>
             </a:fld>
             <a:endParaRPr lang="en-US"/>
@@ -5255,7 +5279,8 @@
           <a:p>
             <a:fld id="{56883D5B-00E9-45D5-A2E2-F245B222604F}" type="datetimeFigureOut">
               <a:rPr lang="en-US" smtClean="0"/>
-              <a:t>5/24/2021</a:t>
+              <a:pPr/>
+              <a:t>6/19/2021</a:t>
             </a:fld>
             <a:endParaRPr lang="en-US"/>
           </a:p>
@@ -5333,6 +5358,7 @@
           <a:p>
             <a:fld id="{205DB548-61DB-431E-A9AB-119AECD1872C}" type="slidenum">
               <a:rPr lang="en-US" smtClean="0"/>
+              <a:pPr/>
               <a:t>‹#›</a:t>
             </a:fld>
             <a:endParaRPr lang="en-US"/>
@@ -5640,26 +5666,11 @@
           <a:bodyPr/>
           <a:lstStyle/>
           <a:p>
-            <a:endParaRPr lang="en-US"/>
-          </a:p>
-        </p:txBody>
-      </p:sp>
-      <p:sp>
-        <p:nvSpPr>
-          <p:cNvPr id="3" name="Subtitle 2"/>
-          <p:cNvSpPr>
-            <a:spLocks noGrp="1"/>
-          </p:cNvSpPr>
-          <p:nvPr>
-            <p:ph type="subTitle" idx="1"/>
-          </p:nvPr>
-        </p:nvSpPr>
-        <p:spPr/>
-        <p:txBody>
-          <a:bodyPr/>
-          <a:lstStyle/>
-          <a:p>
-            <a:endParaRPr lang="en-US"/>
+            <a:r>
+              <a:rPr lang="en-IN" dirty="0" smtClean="0"/>
+              <a:t>Performance metrics, cross validation etc</a:t>
+            </a:r>
+            <a:endParaRPr lang="en-US" dirty="0"/>
           </a:p>
         </p:txBody>
       </p:sp>
@@ -5836,7 +5847,7 @@
     </p:spTree>
     <p:extLst>
       <p:ext uri="{BB962C8B-B14F-4D97-AF65-F5344CB8AC3E}">
-        <p14:creationId xmlns:p14="http://schemas.microsoft.com/office/powerpoint/2010/main" xmlns="" val="3951805854"/>
+        <p14:creationId xmlns="" xmlns:p14="http://schemas.microsoft.com/office/powerpoint/2010/main" val="3951805854"/>
       </p:ext>
     </p:extLst>
   </p:cSld>
@@ -6261,7 +6272,7 @@
     </p:spTree>
     <p:extLst>
       <p:ext uri="{BB962C8B-B14F-4D97-AF65-F5344CB8AC3E}">
-        <p14:creationId xmlns:p14="http://schemas.microsoft.com/office/powerpoint/2010/main" xmlns="" val="4177320915"/>
+        <p14:creationId xmlns="" xmlns:p14="http://schemas.microsoft.com/office/powerpoint/2010/main" val="4177320915"/>
       </p:ext>
     </p:extLst>
   </p:cSld>
@@ -6904,7 +6915,7 @@
     </p:spTree>
     <p:extLst>
       <p:ext uri="{BB962C8B-B14F-4D97-AF65-F5344CB8AC3E}">
-        <p14:creationId xmlns:p14="http://schemas.microsoft.com/office/powerpoint/2010/main" xmlns="" val="2865352675"/>
+        <p14:creationId xmlns="" xmlns:p14="http://schemas.microsoft.com/office/powerpoint/2010/main" val="2865352675"/>
       </p:ext>
     </p:extLst>
   </p:cSld>
@@ -7513,7 +7524,7 @@
     </p:spTree>
     <p:extLst>
       <p:ext uri="{BB962C8B-B14F-4D97-AF65-F5344CB8AC3E}">
-        <p14:creationId xmlns:p14="http://schemas.microsoft.com/office/powerpoint/2010/main" xmlns="" val="584524520"/>
+        <p14:creationId xmlns="" xmlns:p14="http://schemas.microsoft.com/office/powerpoint/2010/main" val="584524520"/>
       </p:ext>
     </p:extLst>
   </p:cSld>
@@ -7843,7 +7854,7 @@
     </p:spTree>
     <p:extLst>
       <p:ext uri="{BB962C8B-B14F-4D97-AF65-F5344CB8AC3E}">
-        <p14:creationId xmlns:p14="http://schemas.microsoft.com/office/powerpoint/2010/main" xmlns="" val="3644349158"/>
+        <p14:creationId xmlns="" xmlns:p14="http://schemas.microsoft.com/office/powerpoint/2010/main" val="3644349158"/>
       </p:ext>
     </p:extLst>
   </p:cSld>
@@ -8119,7 +8130,7 @@
           <a:blip r:embed="rId2" cstate="print">
             <a:extLst>
               <a:ext uri="{28A0092B-C50C-407E-A947-70E740481C1C}">
-                <a14:useLocalDpi xmlns:a14="http://schemas.microsoft.com/office/drawing/2010/main" xmlns="" val="0"/>
+                <a14:useLocalDpi xmlns="" xmlns:a14="http://schemas.microsoft.com/office/drawing/2010/main" val="0"/>
               </a:ext>
             </a:extLst>
           </a:blip>
@@ -8139,7 +8150,7 @@
           <a:noFill/>
           <a:extLst>
             <a:ext uri="{909E8E84-426E-40DD-AFC4-6F175D3DCCD1}">
-              <a14:hiddenFill xmlns:a14="http://schemas.microsoft.com/office/drawing/2010/main" xmlns="">
+              <a14:hiddenFill xmlns="" xmlns:a14="http://schemas.microsoft.com/office/drawing/2010/main">
                 <a:solidFill>
                   <a:srgbClr val="FFFFFF"/>
                 </a:solidFill>
@@ -8160,7 +8171,7 @@
           <a:blip r:embed="rId3" cstate="print">
             <a:extLst>
               <a:ext uri="{28A0092B-C50C-407E-A947-70E740481C1C}">
-                <a14:useLocalDpi xmlns:a14="http://schemas.microsoft.com/office/drawing/2010/main" xmlns="" val="0"/>
+                <a14:useLocalDpi xmlns="" xmlns:a14="http://schemas.microsoft.com/office/drawing/2010/main" val="0"/>
               </a:ext>
             </a:extLst>
           </a:blip>
@@ -8180,7 +8191,7 @@
           <a:noFill/>
           <a:extLst>
             <a:ext uri="{909E8E84-426E-40DD-AFC4-6F175D3DCCD1}">
-              <a14:hiddenFill xmlns:a14="http://schemas.microsoft.com/office/drawing/2010/main" xmlns="">
+              <a14:hiddenFill xmlns="" xmlns:a14="http://schemas.microsoft.com/office/drawing/2010/main">
                 <a:solidFill>
                   <a:srgbClr val="FFFFFF"/>
                 </a:solidFill>
@@ -8221,7 +8232,7 @@
     </p:spTree>
     <p:extLst>
       <p:ext uri="{BB962C8B-B14F-4D97-AF65-F5344CB8AC3E}">
-        <p14:creationId xmlns:p14="http://schemas.microsoft.com/office/powerpoint/2010/main" xmlns="" val="718754243"/>
+        <p14:creationId xmlns="" xmlns:p14="http://schemas.microsoft.com/office/powerpoint/2010/main" val="718754243"/>
       </p:ext>
     </p:extLst>
   </p:cSld>
@@ -8758,7 +8769,7 @@
     </p:spTree>
     <p:extLst>
       <p:ext uri="{BB962C8B-B14F-4D97-AF65-F5344CB8AC3E}">
-        <p14:creationId xmlns:p14="http://schemas.microsoft.com/office/powerpoint/2010/main" xmlns="" val="1181055916"/>
+        <p14:creationId xmlns="" xmlns:p14="http://schemas.microsoft.com/office/powerpoint/2010/main" val="1181055916"/>
       </p:ext>
     </p:extLst>
   </p:cSld>
@@ -9090,7 +9101,7 @@
     </p:spTree>
     <p:extLst>
       <p:ext uri="{BB962C8B-B14F-4D97-AF65-F5344CB8AC3E}">
-        <p14:creationId xmlns:p14="http://schemas.microsoft.com/office/powerpoint/2010/main" xmlns="" val="4103476336"/>
+        <p14:creationId xmlns="" xmlns:p14="http://schemas.microsoft.com/office/powerpoint/2010/main" val="4103476336"/>
       </p:ext>
     </p:extLst>
   </p:cSld>
@@ -9311,7 +9322,7 @@
     </p:spTree>
     <p:extLst>
       <p:ext uri="{BB962C8B-B14F-4D97-AF65-F5344CB8AC3E}">
-        <p14:creationId xmlns:p14="http://schemas.microsoft.com/office/powerpoint/2010/main" xmlns="" val="1323717311"/>
+        <p14:creationId xmlns="" xmlns:p14="http://schemas.microsoft.com/office/powerpoint/2010/main" val="1323717311"/>
       </p:ext>
     </p:extLst>
   </p:cSld>
@@ -9729,7 +9740,7 @@
     </p:spTree>
     <p:extLst>
       <p:ext uri="{BB962C8B-B14F-4D97-AF65-F5344CB8AC3E}">
-        <p14:creationId xmlns:p14="http://schemas.microsoft.com/office/powerpoint/2010/main" xmlns="" val="694185338"/>
+        <p14:creationId xmlns="" xmlns:p14="http://schemas.microsoft.com/office/powerpoint/2010/main" val="694185338"/>
       </p:ext>
     </p:extLst>
   </p:cSld>
@@ -9876,7 +9887,7 @@
     </p:spTree>
     <p:extLst>
       <p:ext uri="{BB962C8B-B14F-4D97-AF65-F5344CB8AC3E}">
-        <p14:creationId xmlns:p14="http://schemas.microsoft.com/office/powerpoint/2010/main" xmlns="" val="1408454243"/>
+        <p14:creationId xmlns="" xmlns:p14="http://schemas.microsoft.com/office/powerpoint/2010/main" val="1408454243"/>
       </p:ext>
     </p:extLst>
   </p:cSld>
@@ -10184,14 +10195,14 @@
           <a:effectLst/>
           <a:extLst>
             <a:ext uri="{909E8E84-426E-40DD-AFC4-6F175D3DCCD1}">
-              <a14:hiddenFill xmlns:a14="http://schemas.microsoft.com/office/drawing/2010/main" xmlns="">
+              <a14:hiddenFill xmlns="" xmlns:a14="http://schemas.microsoft.com/office/drawing/2010/main">
                 <a:solidFill>
                   <a:srgbClr val="FFFF99"/>
                 </a:solidFill>
               </a14:hiddenFill>
             </a:ext>
             <a:ext uri="{91240B29-F687-4F45-9708-019B960494DF}">
-              <a14:hiddenLine xmlns:a14="http://schemas.microsoft.com/office/drawing/2010/main" xmlns="" w="6350">
+              <a14:hiddenLine xmlns="" xmlns:a14="http://schemas.microsoft.com/office/drawing/2010/main" w="6350">
                 <a:solidFill>
                   <a:schemeClr val="tx1"/>
                 </a:solidFill>
@@ -10201,7 +10212,7 @@
               </a14:hiddenLine>
             </a:ext>
             <a:ext uri="{AF507438-7753-43E0-B8FC-AC1667EBCBE1}">
-              <a14:hiddenEffects xmlns:a14="http://schemas.microsoft.com/office/drawing/2010/main" xmlns="">
+              <a14:hiddenEffects xmlns="" xmlns:a14="http://schemas.microsoft.com/office/drawing/2010/main">
                 <a:effectLst>
                   <a:outerShdw dist="35921" dir="2700000" algn="ctr" rotWithShape="0">
                     <a:schemeClr val="bg2"/>
@@ -10689,12 +10700,12 @@
             <a:effectLst/>
             <a:extLst>
               <a:ext uri="{909E8E84-426E-40DD-AFC4-6F175D3DCCD1}">
-                <a14:hiddenFill xmlns:a14="http://schemas.microsoft.com/office/drawing/2010/main" xmlns="">
+                <a14:hiddenFill xmlns="" xmlns:a14="http://schemas.microsoft.com/office/drawing/2010/main">
                   <a:noFill/>
                 </a14:hiddenFill>
               </a:ext>
               <a:ext uri="{AF507438-7753-43E0-B8FC-AC1667EBCBE1}">
-                <a14:hiddenEffects xmlns:a14="http://schemas.microsoft.com/office/drawing/2010/main" xmlns="">
+                <a14:hiddenEffects xmlns="" xmlns:a14="http://schemas.microsoft.com/office/drawing/2010/main">
                   <a:effectLst>
                     <a:outerShdw dist="35921" dir="2700000" algn="ctr" rotWithShape="0">
                       <a:schemeClr val="bg2"/>
@@ -10740,12 +10751,12 @@
             <a:effectLst/>
             <a:extLst>
               <a:ext uri="{909E8E84-426E-40DD-AFC4-6F175D3DCCD1}">
-                <a14:hiddenFill xmlns:a14="http://schemas.microsoft.com/office/drawing/2010/main" xmlns="">
+                <a14:hiddenFill xmlns="" xmlns:a14="http://schemas.microsoft.com/office/drawing/2010/main">
                   <a:noFill/>
                 </a14:hiddenFill>
               </a:ext>
               <a:ext uri="{AF507438-7753-43E0-B8FC-AC1667EBCBE1}">
-                <a14:hiddenEffects xmlns:a14="http://schemas.microsoft.com/office/drawing/2010/main" xmlns="">
+                <a14:hiddenEffects xmlns="" xmlns:a14="http://schemas.microsoft.com/office/drawing/2010/main">
                   <a:effectLst>
                     <a:outerShdw dist="35921" dir="2700000" algn="ctr" rotWithShape="0">
                       <a:schemeClr val="bg2"/>
@@ -10793,7 +10804,7 @@
             <a:effectLst/>
             <a:extLst>
               <a:ext uri="{AF507438-7753-43E0-B8FC-AC1667EBCBE1}">
-                <a14:hiddenEffects xmlns:a14="http://schemas.microsoft.com/office/drawing/2010/main" xmlns="">
+                <a14:hiddenEffects xmlns="" xmlns:a14="http://schemas.microsoft.com/office/drawing/2010/main">
                   <a:effectLst>
                     <a:outerShdw dist="35921" dir="2700000" algn="ctr" rotWithShape="0">
                       <a:schemeClr val="bg2"/>
@@ -10996,7 +11007,7 @@
             <a:effectLst/>
             <a:extLst>
               <a:ext uri="{AF507438-7753-43E0-B8FC-AC1667EBCBE1}">
-                <a14:hiddenEffects xmlns:a14="http://schemas.microsoft.com/office/drawing/2010/main" xmlns="">
+                <a14:hiddenEffects xmlns="" xmlns:a14="http://schemas.microsoft.com/office/drawing/2010/main">
                   <a:effectLst>
                     <a:outerShdw dist="35921" dir="2700000" algn="ctr" rotWithShape="0">
                       <a:schemeClr val="bg2"/>
@@ -11199,7 +11210,7 @@
             <a:effectLst/>
             <a:extLst>
               <a:ext uri="{AF507438-7753-43E0-B8FC-AC1667EBCBE1}">
-                <a14:hiddenEffects xmlns:a14="http://schemas.microsoft.com/office/drawing/2010/main" xmlns="">
+                <a14:hiddenEffects xmlns="" xmlns:a14="http://schemas.microsoft.com/office/drawing/2010/main">
                   <a:effectLst>
                     <a:outerShdw dist="35921" dir="2700000" algn="ctr" rotWithShape="0">
                       <a:schemeClr val="bg2"/>
@@ -11402,7 +11413,7 @@
             <a:effectLst/>
             <a:extLst>
               <a:ext uri="{AF507438-7753-43E0-B8FC-AC1667EBCBE1}">
-                <a14:hiddenEffects xmlns:a14="http://schemas.microsoft.com/office/drawing/2010/main" xmlns="">
+                <a14:hiddenEffects xmlns="" xmlns:a14="http://schemas.microsoft.com/office/drawing/2010/main">
                   <a:effectLst>
                     <a:outerShdw dist="35921" dir="2700000" algn="ctr" rotWithShape="0">
                       <a:schemeClr val="bg2"/>
@@ -11605,7 +11616,7 @@
             <a:effectLst/>
             <a:extLst>
               <a:ext uri="{AF507438-7753-43E0-B8FC-AC1667EBCBE1}">
-                <a14:hiddenEffects xmlns:a14="http://schemas.microsoft.com/office/drawing/2010/main" xmlns="">
+                <a14:hiddenEffects xmlns="" xmlns:a14="http://schemas.microsoft.com/office/drawing/2010/main">
                   <a:effectLst>
                     <a:outerShdw dist="35921" dir="2700000" algn="ctr" rotWithShape="0">
                       <a:schemeClr val="bg2"/>
@@ -11808,7 +11819,7 @@
             <a:effectLst/>
             <a:extLst>
               <a:ext uri="{AF507438-7753-43E0-B8FC-AC1667EBCBE1}">
-                <a14:hiddenEffects xmlns:a14="http://schemas.microsoft.com/office/drawing/2010/main" xmlns="">
+                <a14:hiddenEffects xmlns="" xmlns:a14="http://schemas.microsoft.com/office/drawing/2010/main">
                   <a:effectLst>
                     <a:outerShdw dist="35921" dir="2700000" algn="ctr" rotWithShape="0">
                       <a:schemeClr val="bg2"/>
@@ -12011,7 +12022,7 @@
             <a:effectLst/>
             <a:extLst>
               <a:ext uri="{AF507438-7753-43E0-B8FC-AC1667EBCBE1}">
-                <a14:hiddenEffects xmlns:a14="http://schemas.microsoft.com/office/drawing/2010/main" xmlns="">
+                <a14:hiddenEffects xmlns="" xmlns:a14="http://schemas.microsoft.com/office/drawing/2010/main">
                   <a:effectLst>
                     <a:outerShdw dist="35921" dir="2700000" algn="ctr" rotWithShape="0">
                       <a:schemeClr val="bg2"/>
@@ -12214,7 +12225,7 @@
             <a:effectLst/>
             <a:extLst>
               <a:ext uri="{AF507438-7753-43E0-B8FC-AC1667EBCBE1}">
-                <a14:hiddenEffects xmlns:a14="http://schemas.microsoft.com/office/drawing/2010/main" xmlns="">
+                <a14:hiddenEffects xmlns="" xmlns:a14="http://schemas.microsoft.com/office/drawing/2010/main">
                   <a:effectLst>
                     <a:outerShdw dist="35921" dir="2700000" algn="ctr" rotWithShape="0">
                       <a:schemeClr val="bg2"/>
@@ -12417,7 +12428,7 @@
             <a:effectLst/>
             <a:extLst>
               <a:ext uri="{AF507438-7753-43E0-B8FC-AC1667EBCBE1}">
-                <a14:hiddenEffects xmlns:a14="http://schemas.microsoft.com/office/drawing/2010/main" xmlns="">
+                <a14:hiddenEffects xmlns="" xmlns:a14="http://schemas.microsoft.com/office/drawing/2010/main">
                   <a:effectLst>
                     <a:outerShdw dist="35921" dir="2700000" algn="ctr" rotWithShape="0">
                       <a:schemeClr val="bg2"/>
@@ -12613,14 +12624,14 @@
             <a:effectLst/>
             <a:extLst>
               <a:ext uri="{909E8E84-426E-40DD-AFC4-6F175D3DCCD1}">
-                <a14:hiddenFill xmlns:a14="http://schemas.microsoft.com/office/drawing/2010/main" xmlns="">
+                <a14:hiddenFill xmlns="" xmlns:a14="http://schemas.microsoft.com/office/drawing/2010/main">
                   <a:solidFill>
                     <a:srgbClr val="FFFF99"/>
                   </a:solidFill>
                 </a14:hiddenFill>
               </a:ext>
               <a:ext uri="{91240B29-F687-4F45-9708-019B960494DF}">
-                <a14:hiddenLine xmlns:a14="http://schemas.microsoft.com/office/drawing/2010/main" xmlns="" w="9525">
+                <a14:hiddenLine xmlns="" xmlns:a14="http://schemas.microsoft.com/office/drawing/2010/main" w="9525">
                   <a:solidFill>
                     <a:schemeClr val="tx1"/>
                   </a:solidFill>
@@ -12630,7 +12641,7 @@
                 </a14:hiddenLine>
               </a:ext>
               <a:ext uri="{AF507438-7753-43E0-B8FC-AC1667EBCBE1}">
-                <a14:hiddenEffects xmlns:a14="http://schemas.microsoft.com/office/drawing/2010/main" xmlns="">
+                <a14:hiddenEffects xmlns="" xmlns:a14="http://schemas.microsoft.com/office/drawing/2010/main">
                   <a:effectLst>
                     <a:outerShdw dist="35921" dir="2700000" algn="ctr" rotWithShape="0">
                       <a:schemeClr val="bg2"/>
@@ -12836,12 +12847,12 @@
             <a:effectLst/>
             <a:extLst>
               <a:ext uri="{909E8E84-426E-40DD-AFC4-6F175D3DCCD1}">
-                <a14:hiddenFill xmlns:a14="http://schemas.microsoft.com/office/drawing/2010/main" xmlns="">
+                <a14:hiddenFill xmlns="" xmlns:a14="http://schemas.microsoft.com/office/drawing/2010/main">
                   <a:noFill/>
                 </a14:hiddenFill>
               </a:ext>
               <a:ext uri="{AF507438-7753-43E0-B8FC-AC1667EBCBE1}">
-                <a14:hiddenEffects xmlns:a14="http://schemas.microsoft.com/office/drawing/2010/main" xmlns="">
+                <a14:hiddenEffects xmlns="" xmlns:a14="http://schemas.microsoft.com/office/drawing/2010/main">
                   <a:effectLst>
                     <a:outerShdw dist="35921" dir="2700000" algn="ctr" rotWithShape="0">
                       <a:schemeClr val="bg2"/>
@@ -12882,14 +12893,14 @@
             <a:effectLst/>
             <a:extLst>
               <a:ext uri="{909E8E84-426E-40DD-AFC4-6F175D3DCCD1}">
-                <a14:hiddenFill xmlns:a14="http://schemas.microsoft.com/office/drawing/2010/main" xmlns="">
+                <a14:hiddenFill xmlns="" xmlns:a14="http://schemas.microsoft.com/office/drawing/2010/main">
                   <a:solidFill>
                     <a:srgbClr val="FFFF99"/>
                   </a:solidFill>
                 </a14:hiddenFill>
               </a:ext>
               <a:ext uri="{91240B29-F687-4F45-9708-019B960494DF}">
-                <a14:hiddenLine xmlns:a14="http://schemas.microsoft.com/office/drawing/2010/main" xmlns="" w="9525">
+                <a14:hiddenLine xmlns="" xmlns:a14="http://schemas.microsoft.com/office/drawing/2010/main" w="9525">
                   <a:solidFill>
                     <a:schemeClr val="tx1"/>
                   </a:solidFill>
@@ -12899,7 +12910,7 @@
                 </a14:hiddenLine>
               </a:ext>
               <a:ext uri="{AF507438-7753-43E0-B8FC-AC1667EBCBE1}">
-                <a14:hiddenEffects xmlns:a14="http://schemas.microsoft.com/office/drawing/2010/main" xmlns="">
+                <a14:hiddenEffects xmlns="" xmlns:a14="http://schemas.microsoft.com/office/drawing/2010/main">
                   <a:effectLst>
                     <a:outerShdw dist="35921" dir="2700000" algn="ctr" rotWithShape="0">
                       <a:schemeClr val="bg2"/>
@@ -13105,12 +13116,12 @@
             <a:effectLst/>
             <a:extLst>
               <a:ext uri="{909E8E84-426E-40DD-AFC4-6F175D3DCCD1}">
-                <a14:hiddenFill xmlns:a14="http://schemas.microsoft.com/office/drawing/2010/main" xmlns="">
+                <a14:hiddenFill xmlns="" xmlns:a14="http://schemas.microsoft.com/office/drawing/2010/main">
                   <a:noFill/>
                 </a14:hiddenFill>
               </a:ext>
               <a:ext uri="{AF507438-7753-43E0-B8FC-AC1667EBCBE1}">
-                <a14:hiddenEffects xmlns:a14="http://schemas.microsoft.com/office/drawing/2010/main" xmlns="">
+                <a14:hiddenEffects xmlns="" xmlns:a14="http://schemas.microsoft.com/office/drawing/2010/main">
                   <a:effectLst>
                     <a:outerShdw dist="35921" dir="2700000" algn="ctr" rotWithShape="0">
                       <a:schemeClr val="bg2"/>
@@ -13156,12 +13167,12 @@
             <a:effectLst/>
             <a:extLst>
               <a:ext uri="{909E8E84-426E-40DD-AFC4-6F175D3DCCD1}">
-                <a14:hiddenFill xmlns:a14="http://schemas.microsoft.com/office/drawing/2010/main" xmlns="">
+                <a14:hiddenFill xmlns="" xmlns:a14="http://schemas.microsoft.com/office/drawing/2010/main">
                   <a:noFill/>
                 </a14:hiddenFill>
               </a:ext>
               <a:ext uri="{AF507438-7753-43E0-B8FC-AC1667EBCBE1}">
-                <a14:hiddenEffects xmlns:a14="http://schemas.microsoft.com/office/drawing/2010/main" xmlns="">
+                <a14:hiddenEffects xmlns="" xmlns:a14="http://schemas.microsoft.com/office/drawing/2010/main">
                   <a:effectLst>
                     <a:outerShdw dist="35921" dir="2700000" algn="ctr" rotWithShape="0">
                       <a:schemeClr val="bg2"/>
@@ -13361,7 +13372,7 @@
     </p:spTree>
     <p:extLst>
       <p:ext uri="{BB962C8B-B14F-4D97-AF65-F5344CB8AC3E}">
-        <p14:creationId xmlns:p14="http://schemas.microsoft.com/office/powerpoint/2010/main" xmlns="" val="1577090773"/>
+        <p14:creationId xmlns="" xmlns:p14="http://schemas.microsoft.com/office/powerpoint/2010/main" val="1577090773"/>
       </p:ext>
     </p:extLst>
   </p:cSld>
@@ -13489,14 +13500,14 @@
           <a:effectLst/>
           <a:extLst>
             <a:ext uri="{909E8E84-426E-40DD-AFC4-6F175D3DCCD1}">
-              <a14:hiddenFill xmlns:a14="http://schemas.microsoft.com/office/drawing/2010/main" xmlns="">
+              <a14:hiddenFill xmlns="" xmlns:a14="http://schemas.microsoft.com/office/drawing/2010/main">
                 <a:solidFill>
                   <a:srgbClr val="FFFF99"/>
                 </a:solidFill>
               </a14:hiddenFill>
             </a:ext>
             <a:ext uri="{91240B29-F687-4F45-9708-019B960494DF}">
-              <a14:hiddenLine xmlns:a14="http://schemas.microsoft.com/office/drawing/2010/main" xmlns="" w="6350">
+              <a14:hiddenLine xmlns="" xmlns:a14="http://schemas.microsoft.com/office/drawing/2010/main" w="6350">
                 <a:solidFill>
                   <a:schemeClr val="tx1"/>
                 </a:solidFill>
@@ -13506,7 +13517,7 @@
               </a14:hiddenLine>
             </a:ext>
             <a:ext uri="{AF507438-7753-43E0-B8FC-AC1667EBCBE1}">
-              <a14:hiddenEffects xmlns:a14="http://schemas.microsoft.com/office/drawing/2010/main" xmlns="">
+              <a14:hiddenEffects xmlns="" xmlns:a14="http://schemas.microsoft.com/office/drawing/2010/main">
                 <a:effectLst>
                   <a:outerShdw dist="35921" dir="2700000" algn="ctr" rotWithShape="0">
                     <a:schemeClr val="bg2"/>
@@ -13782,12 +13793,12 @@
               <a:effectLst/>
               <a:extLst>
                 <a:ext uri="{909E8E84-426E-40DD-AFC4-6F175D3DCCD1}">
-                  <a14:hiddenFill xmlns:a14="http://schemas.microsoft.com/office/drawing/2010/main" xmlns="">
+                  <a14:hiddenFill xmlns="" xmlns:a14="http://schemas.microsoft.com/office/drawing/2010/main">
                     <a:noFill/>
                   </a14:hiddenFill>
                 </a:ext>
                 <a:ext uri="{AF507438-7753-43E0-B8FC-AC1667EBCBE1}">
-                  <a14:hiddenEffects xmlns:a14="http://schemas.microsoft.com/office/drawing/2010/main" xmlns="">
+                  <a14:hiddenEffects xmlns="" xmlns:a14="http://schemas.microsoft.com/office/drawing/2010/main">
                     <a:effectLst>
                       <a:outerShdw dist="35921" dir="2700000" algn="ctr" rotWithShape="0">
                         <a:schemeClr val="bg2"/>
@@ -13833,12 +13844,12 @@
               <a:effectLst/>
               <a:extLst>
                 <a:ext uri="{909E8E84-426E-40DD-AFC4-6F175D3DCCD1}">
-                  <a14:hiddenFill xmlns:a14="http://schemas.microsoft.com/office/drawing/2010/main" xmlns="">
+                  <a14:hiddenFill xmlns="" xmlns:a14="http://schemas.microsoft.com/office/drawing/2010/main">
                     <a:noFill/>
                   </a14:hiddenFill>
                 </a:ext>
                 <a:ext uri="{AF507438-7753-43E0-B8FC-AC1667EBCBE1}">
-                  <a14:hiddenEffects xmlns:a14="http://schemas.microsoft.com/office/drawing/2010/main" xmlns="">
+                  <a14:hiddenEffects xmlns="" xmlns:a14="http://schemas.microsoft.com/office/drawing/2010/main">
                     <a:effectLst>
                       <a:outerShdw dist="35921" dir="2700000" algn="ctr" rotWithShape="0">
                         <a:schemeClr val="bg2"/>
@@ -13886,7 +13897,7 @@
               <a:effectLst/>
               <a:extLst>
                 <a:ext uri="{AF507438-7753-43E0-B8FC-AC1667EBCBE1}">
-                  <a14:hiddenEffects xmlns:a14="http://schemas.microsoft.com/office/drawing/2010/main" xmlns="">
+                  <a14:hiddenEffects xmlns="" xmlns:a14="http://schemas.microsoft.com/office/drawing/2010/main">
                     <a:effectLst>
                       <a:outerShdw dist="35921" dir="2700000" algn="ctr" rotWithShape="0">
                         <a:schemeClr val="bg2"/>
@@ -14089,7 +14100,7 @@
               <a:effectLst/>
               <a:extLst>
                 <a:ext uri="{AF507438-7753-43E0-B8FC-AC1667EBCBE1}">
-                  <a14:hiddenEffects xmlns:a14="http://schemas.microsoft.com/office/drawing/2010/main" xmlns="">
+                  <a14:hiddenEffects xmlns="" xmlns:a14="http://schemas.microsoft.com/office/drawing/2010/main">
                     <a:effectLst>
                       <a:outerShdw dist="35921" dir="2700000" algn="ctr" rotWithShape="0">
                         <a:schemeClr val="bg2"/>
@@ -14292,7 +14303,7 @@
               <a:effectLst/>
               <a:extLst>
                 <a:ext uri="{AF507438-7753-43E0-B8FC-AC1667EBCBE1}">
-                  <a14:hiddenEffects xmlns:a14="http://schemas.microsoft.com/office/drawing/2010/main" xmlns="">
+                  <a14:hiddenEffects xmlns="" xmlns:a14="http://schemas.microsoft.com/office/drawing/2010/main">
                     <a:effectLst>
                       <a:outerShdw dist="35921" dir="2700000" algn="ctr" rotWithShape="0">
                         <a:schemeClr val="bg2"/>
@@ -14495,7 +14506,7 @@
               <a:effectLst/>
               <a:extLst>
                 <a:ext uri="{AF507438-7753-43E0-B8FC-AC1667EBCBE1}">
-                  <a14:hiddenEffects xmlns:a14="http://schemas.microsoft.com/office/drawing/2010/main" xmlns="">
+                  <a14:hiddenEffects xmlns="" xmlns:a14="http://schemas.microsoft.com/office/drawing/2010/main">
                     <a:effectLst>
                       <a:outerShdw dist="35921" dir="2700000" algn="ctr" rotWithShape="0">
                         <a:schemeClr val="bg2"/>
@@ -14698,7 +14709,7 @@
               <a:effectLst/>
               <a:extLst>
                 <a:ext uri="{AF507438-7753-43E0-B8FC-AC1667EBCBE1}">
-                  <a14:hiddenEffects xmlns:a14="http://schemas.microsoft.com/office/drawing/2010/main" xmlns="">
+                  <a14:hiddenEffects xmlns="" xmlns:a14="http://schemas.microsoft.com/office/drawing/2010/main">
                     <a:effectLst>
                       <a:outerShdw dist="35921" dir="2700000" algn="ctr" rotWithShape="0">
                         <a:schemeClr val="bg2"/>
@@ -14901,7 +14912,7 @@
               <a:effectLst/>
               <a:extLst>
                 <a:ext uri="{AF507438-7753-43E0-B8FC-AC1667EBCBE1}">
-                  <a14:hiddenEffects xmlns:a14="http://schemas.microsoft.com/office/drawing/2010/main" xmlns="">
+                  <a14:hiddenEffects xmlns="" xmlns:a14="http://schemas.microsoft.com/office/drawing/2010/main">
                     <a:effectLst>
                       <a:outerShdw dist="35921" dir="2700000" algn="ctr" rotWithShape="0">
                         <a:schemeClr val="bg2"/>
@@ -15104,7 +15115,7 @@
               <a:effectLst/>
               <a:extLst>
                 <a:ext uri="{AF507438-7753-43E0-B8FC-AC1667EBCBE1}">
-                  <a14:hiddenEffects xmlns:a14="http://schemas.microsoft.com/office/drawing/2010/main" xmlns="">
+                  <a14:hiddenEffects xmlns="" xmlns:a14="http://schemas.microsoft.com/office/drawing/2010/main">
                     <a:effectLst>
                       <a:outerShdw dist="35921" dir="2700000" algn="ctr" rotWithShape="0">
                         <a:schemeClr val="bg2"/>
@@ -15307,7 +15318,7 @@
               <a:effectLst/>
               <a:extLst>
                 <a:ext uri="{AF507438-7753-43E0-B8FC-AC1667EBCBE1}">
-                  <a14:hiddenEffects xmlns:a14="http://schemas.microsoft.com/office/drawing/2010/main" xmlns="">
+                  <a14:hiddenEffects xmlns="" xmlns:a14="http://schemas.microsoft.com/office/drawing/2010/main">
                     <a:effectLst>
                       <a:outerShdw dist="35921" dir="2700000" algn="ctr" rotWithShape="0">
                         <a:schemeClr val="bg2"/>
@@ -15510,7 +15521,7 @@
               <a:effectLst/>
               <a:extLst>
                 <a:ext uri="{AF507438-7753-43E0-B8FC-AC1667EBCBE1}">
-                  <a14:hiddenEffects xmlns:a14="http://schemas.microsoft.com/office/drawing/2010/main" xmlns="">
+                  <a14:hiddenEffects xmlns="" xmlns:a14="http://schemas.microsoft.com/office/drawing/2010/main">
                     <a:effectLst>
                       <a:outerShdw dist="35921" dir="2700000" algn="ctr" rotWithShape="0">
                         <a:schemeClr val="bg2"/>
@@ -15706,14 +15717,14 @@
               <a:effectLst/>
               <a:extLst>
                 <a:ext uri="{909E8E84-426E-40DD-AFC4-6F175D3DCCD1}">
-                  <a14:hiddenFill xmlns:a14="http://schemas.microsoft.com/office/drawing/2010/main" xmlns="">
+                  <a14:hiddenFill xmlns="" xmlns:a14="http://schemas.microsoft.com/office/drawing/2010/main">
                     <a:solidFill>
                       <a:srgbClr val="FFFF99"/>
                     </a:solidFill>
                   </a14:hiddenFill>
                 </a:ext>
                 <a:ext uri="{91240B29-F687-4F45-9708-019B960494DF}">
-                  <a14:hiddenLine xmlns:a14="http://schemas.microsoft.com/office/drawing/2010/main" xmlns="" w="9525">
+                  <a14:hiddenLine xmlns="" xmlns:a14="http://schemas.microsoft.com/office/drawing/2010/main" w="9525">
                     <a:solidFill>
                       <a:schemeClr val="tx1"/>
                     </a:solidFill>
@@ -15723,7 +15734,7 @@
                   </a14:hiddenLine>
                 </a:ext>
                 <a:ext uri="{AF507438-7753-43E0-B8FC-AC1667EBCBE1}">
-                  <a14:hiddenEffects xmlns:a14="http://schemas.microsoft.com/office/drawing/2010/main" xmlns="">
+                  <a14:hiddenEffects xmlns="" xmlns:a14="http://schemas.microsoft.com/office/drawing/2010/main">
                     <a:effectLst>
                       <a:outerShdw dist="35921" dir="2700000" algn="ctr" rotWithShape="0">
                         <a:schemeClr val="bg2"/>
@@ -15929,12 +15940,12 @@
               <a:effectLst/>
               <a:extLst>
                 <a:ext uri="{909E8E84-426E-40DD-AFC4-6F175D3DCCD1}">
-                  <a14:hiddenFill xmlns:a14="http://schemas.microsoft.com/office/drawing/2010/main" xmlns="">
+                  <a14:hiddenFill xmlns="" xmlns:a14="http://schemas.microsoft.com/office/drawing/2010/main">
                     <a:noFill/>
                   </a14:hiddenFill>
                 </a:ext>
                 <a:ext uri="{AF507438-7753-43E0-B8FC-AC1667EBCBE1}">
-                  <a14:hiddenEffects xmlns:a14="http://schemas.microsoft.com/office/drawing/2010/main" xmlns="">
+                  <a14:hiddenEffects xmlns="" xmlns:a14="http://schemas.microsoft.com/office/drawing/2010/main">
                     <a:effectLst>
                       <a:outerShdw dist="35921" dir="2700000" algn="ctr" rotWithShape="0">
                         <a:schemeClr val="bg2"/>
@@ -15975,14 +15986,14 @@
               <a:effectLst/>
               <a:extLst>
                 <a:ext uri="{909E8E84-426E-40DD-AFC4-6F175D3DCCD1}">
-                  <a14:hiddenFill xmlns:a14="http://schemas.microsoft.com/office/drawing/2010/main" xmlns="">
+                  <a14:hiddenFill xmlns="" xmlns:a14="http://schemas.microsoft.com/office/drawing/2010/main">
                     <a:solidFill>
                       <a:srgbClr val="FFFF99"/>
                     </a:solidFill>
                   </a14:hiddenFill>
                 </a:ext>
                 <a:ext uri="{91240B29-F687-4F45-9708-019B960494DF}">
-                  <a14:hiddenLine xmlns:a14="http://schemas.microsoft.com/office/drawing/2010/main" xmlns="" w="9525">
+                  <a14:hiddenLine xmlns="" xmlns:a14="http://schemas.microsoft.com/office/drawing/2010/main" w="9525">
                     <a:solidFill>
                       <a:schemeClr val="tx1"/>
                     </a:solidFill>
@@ -15992,7 +16003,7 @@
                   </a14:hiddenLine>
                 </a:ext>
                 <a:ext uri="{AF507438-7753-43E0-B8FC-AC1667EBCBE1}">
-                  <a14:hiddenEffects xmlns:a14="http://schemas.microsoft.com/office/drawing/2010/main" xmlns="">
+                  <a14:hiddenEffects xmlns="" xmlns:a14="http://schemas.microsoft.com/office/drawing/2010/main">
                     <a:effectLst>
                       <a:outerShdw dist="35921" dir="2700000" algn="ctr" rotWithShape="0">
                         <a:schemeClr val="bg2"/>
@@ -16198,12 +16209,12 @@
               <a:effectLst/>
               <a:extLst>
                 <a:ext uri="{909E8E84-426E-40DD-AFC4-6F175D3DCCD1}">
-                  <a14:hiddenFill xmlns:a14="http://schemas.microsoft.com/office/drawing/2010/main" xmlns="">
+                  <a14:hiddenFill xmlns="" xmlns:a14="http://schemas.microsoft.com/office/drawing/2010/main">
                     <a:noFill/>
                   </a14:hiddenFill>
                 </a:ext>
                 <a:ext uri="{AF507438-7753-43E0-B8FC-AC1667EBCBE1}">
-                  <a14:hiddenEffects xmlns:a14="http://schemas.microsoft.com/office/drawing/2010/main" xmlns="">
+                  <a14:hiddenEffects xmlns="" xmlns:a14="http://schemas.microsoft.com/office/drawing/2010/main">
                     <a:effectLst>
                       <a:outerShdw dist="35921" dir="2700000" algn="ctr" rotWithShape="0">
                         <a:schemeClr val="bg2"/>
@@ -16249,12 +16260,12 @@
               <a:effectLst/>
               <a:extLst>
                 <a:ext uri="{909E8E84-426E-40DD-AFC4-6F175D3DCCD1}">
-                  <a14:hiddenFill xmlns:a14="http://schemas.microsoft.com/office/drawing/2010/main" xmlns="">
+                  <a14:hiddenFill xmlns="" xmlns:a14="http://schemas.microsoft.com/office/drawing/2010/main">
                     <a:noFill/>
                   </a14:hiddenFill>
                 </a:ext>
                 <a:ext uri="{AF507438-7753-43E0-B8FC-AC1667EBCBE1}">
-                  <a14:hiddenEffects xmlns:a14="http://schemas.microsoft.com/office/drawing/2010/main" xmlns="">
+                  <a14:hiddenEffects xmlns="" xmlns:a14="http://schemas.microsoft.com/office/drawing/2010/main">
                     <a:effectLst>
                       <a:outerShdw dist="35921" dir="2700000" algn="ctr" rotWithShape="0">
                         <a:schemeClr val="bg2"/>
@@ -16302,12 +16313,12 @@
               <a:effectLst/>
               <a:extLst>
                 <a:ext uri="{909E8E84-426E-40DD-AFC4-6F175D3DCCD1}">
-                  <a14:hiddenFill xmlns:a14="http://schemas.microsoft.com/office/drawing/2010/main" xmlns="">
+                  <a14:hiddenFill xmlns="" xmlns:a14="http://schemas.microsoft.com/office/drawing/2010/main">
                     <a:noFill/>
                   </a14:hiddenFill>
                 </a:ext>
                 <a:ext uri="{AF507438-7753-43E0-B8FC-AC1667EBCBE1}">
-                  <a14:hiddenEffects xmlns:a14="http://schemas.microsoft.com/office/drawing/2010/main" xmlns="">
+                  <a14:hiddenEffects xmlns="" xmlns:a14="http://schemas.microsoft.com/office/drawing/2010/main">
                     <a:effectLst>
                       <a:outerShdw dist="35921" dir="2700000" algn="ctr" rotWithShape="0">
                         <a:schemeClr val="bg2"/>
@@ -16353,12 +16364,12 @@
               <a:effectLst/>
               <a:extLst>
                 <a:ext uri="{909E8E84-426E-40DD-AFC4-6F175D3DCCD1}">
-                  <a14:hiddenFill xmlns:a14="http://schemas.microsoft.com/office/drawing/2010/main" xmlns="">
+                  <a14:hiddenFill xmlns="" xmlns:a14="http://schemas.microsoft.com/office/drawing/2010/main">
                     <a:noFill/>
                   </a14:hiddenFill>
                 </a:ext>
                 <a:ext uri="{AF507438-7753-43E0-B8FC-AC1667EBCBE1}">
-                  <a14:hiddenEffects xmlns:a14="http://schemas.microsoft.com/office/drawing/2010/main" xmlns="">
+                  <a14:hiddenEffects xmlns="" xmlns:a14="http://schemas.microsoft.com/office/drawing/2010/main">
                     <a:effectLst>
                       <a:outerShdw dist="35921" dir="2700000" algn="ctr" rotWithShape="0">
                         <a:schemeClr val="bg2"/>
@@ -16406,7 +16417,7 @@
               <a:effectLst/>
               <a:extLst>
                 <a:ext uri="{AF507438-7753-43E0-B8FC-AC1667EBCBE1}">
-                  <a14:hiddenEffects xmlns:a14="http://schemas.microsoft.com/office/drawing/2010/main" xmlns="">
+                  <a14:hiddenEffects xmlns="" xmlns:a14="http://schemas.microsoft.com/office/drawing/2010/main">
                     <a:effectLst>
                       <a:outerShdw dist="35921" dir="2700000" algn="ctr" rotWithShape="0">
                         <a:schemeClr val="bg2"/>
@@ -16609,7 +16620,7 @@
               <a:effectLst/>
               <a:extLst>
                 <a:ext uri="{AF507438-7753-43E0-B8FC-AC1667EBCBE1}">
-                  <a14:hiddenEffects xmlns:a14="http://schemas.microsoft.com/office/drawing/2010/main" xmlns="">
+                  <a14:hiddenEffects xmlns="" xmlns:a14="http://schemas.microsoft.com/office/drawing/2010/main">
                     <a:effectLst>
                       <a:outerShdw dist="35921" dir="2700000" algn="ctr" rotWithShape="0">
                         <a:schemeClr val="bg2"/>
@@ -16812,7 +16823,7 @@
               <a:effectLst/>
               <a:extLst>
                 <a:ext uri="{AF507438-7753-43E0-B8FC-AC1667EBCBE1}">
-                  <a14:hiddenEffects xmlns:a14="http://schemas.microsoft.com/office/drawing/2010/main" xmlns="">
+                  <a14:hiddenEffects xmlns="" xmlns:a14="http://schemas.microsoft.com/office/drawing/2010/main">
                     <a:effectLst>
                       <a:outerShdw dist="35921" dir="2700000" algn="ctr" rotWithShape="0">
                         <a:schemeClr val="bg2"/>
@@ -17015,7 +17026,7 @@
               <a:effectLst/>
               <a:extLst>
                 <a:ext uri="{AF507438-7753-43E0-B8FC-AC1667EBCBE1}">
-                  <a14:hiddenEffects xmlns:a14="http://schemas.microsoft.com/office/drawing/2010/main" xmlns="">
+                  <a14:hiddenEffects xmlns="" xmlns:a14="http://schemas.microsoft.com/office/drawing/2010/main">
                     <a:effectLst>
                       <a:outerShdw dist="35921" dir="2700000" algn="ctr" rotWithShape="0">
                         <a:schemeClr val="bg2"/>
@@ -17218,7 +17229,7 @@
               <a:effectLst/>
               <a:extLst>
                 <a:ext uri="{AF507438-7753-43E0-B8FC-AC1667EBCBE1}">
-                  <a14:hiddenEffects xmlns:a14="http://schemas.microsoft.com/office/drawing/2010/main" xmlns="">
+                  <a14:hiddenEffects xmlns="" xmlns:a14="http://schemas.microsoft.com/office/drawing/2010/main">
                     <a:effectLst>
                       <a:outerShdw dist="35921" dir="2700000" algn="ctr" rotWithShape="0">
                         <a:schemeClr val="bg2"/>
@@ -17421,7 +17432,7 @@
               <a:effectLst/>
               <a:extLst>
                 <a:ext uri="{AF507438-7753-43E0-B8FC-AC1667EBCBE1}">
-                  <a14:hiddenEffects xmlns:a14="http://schemas.microsoft.com/office/drawing/2010/main" xmlns="">
+                  <a14:hiddenEffects xmlns="" xmlns:a14="http://schemas.microsoft.com/office/drawing/2010/main">
                     <a:effectLst>
                       <a:outerShdw dist="35921" dir="2700000" algn="ctr" rotWithShape="0">
                         <a:schemeClr val="bg2"/>
@@ -17624,7 +17635,7 @@
               <a:effectLst/>
               <a:extLst>
                 <a:ext uri="{AF507438-7753-43E0-B8FC-AC1667EBCBE1}">
-                  <a14:hiddenEffects xmlns:a14="http://schemas.microsoft.com/office/drawing/2010/main" xmlns="">
+                  <a14:hiddenEffects xmlns="" xmlns:a14="http://schemas.microsoft.com/office/drawing/2010/main">
                     <a:effectLst>
                       <a:outerShdw dist="35921" dir="2700000" algn="ctr" rotWithShape="0">
                         <a:schemeClr val="bg2"/>
@@ -17827,7 +17838,7 @@
               <a:effectLst/>
               <a:extLst>
                 <a:ext uri="{AF507438-7753-43E0-B8FC-AC1667EBCBE1}">
-                  <a14:hiddenEffects xmlns:a14="http://schemas.microsoft.com/office/drawing/2010/main" xmlns="">
+                  <a14:hiddenEffects xmlns="" xmlns:a14="http://schemas.microsoft.com/office/drawing/2010/main">
                     <a:effectLst>
                       <a:outerShdw dist="35921" dir="2700000" algn="ctr" rotWithShape="0">
                         <a:schemeClr val="bg2"/>
@@ -18030,7 +18041,7 @@
               <a:effectLst/>
               <a:extLst>
                 <a:ext uri="{AF507438-7753-43E0-B8FC-AC1667EBCBE1}">
-                  <a14:hiddenEffects xmlns:a14="http://schemas.microsoft.com/office/drawing/2010/main" xmlns="">
+                  <a14:hiddenEffects xmlns="" xmlns:a14="http://schemas.microsoft.com/office/drawing/2010/main">
                     <a:effectLst>
                       <a:outerShdw dist="35921" dir="2700000" algn="ctr" rotWithShape="0">
                         <a:schemeClr val="bg2"/>
@@ -18226,14 +18237,14 @@
               <a:effectLst/>
               <a:extLst>
                 <a:ext uri="{909E8E84-426E-40DD-AFC4-6F175D3DCCD1}">
-                  <a14:hiddenFill xmlns:a14="http://schemas.microsoft.com/office/drawing/2010/main" xmlns="">
+                  <a14:hiddenFill xmlns="" xmlns:a14="http://schemas.microsoft.com/office/drawing/2010/main">
                     <a:solidFill>
                       <a:srgbClr val="FFFF99"/>
                     </a:solidFill>
                   </a14:hiddenFill>
                 </a:ext>
                 <a:ext uri="{91240B29-F687-4F45-9708-019B960494DF}">
-                  <a14:hiddenLine xmlns:a14="http://schemas.microsoft.com/office/drawing/2010/main" xmlns="" w="9525">
+                  <a14:hiddenLine xmlns="" xmlns:a14="http://schemas.microsoft.com/office/drawing/2010/main" w="9525">
                     <a:solidFill>
                       <a:schemeClr val="tx1"/>
                     </a:solidFill>
@@ -18243,7 +18254,7 @@
                   </a14:hiddenLine>
                 </a:ext>
                 <a:ext uri="{AF507438-7753-43E0-B8FC-AC1667EBCBE1}">
-                  <a14:hiddenEffects xmlns:a14="http://schemas.microsoft.com/office/drawing/2010/main" xmlns="">
+                  <a14:hiddenEffects xmlns="" xmlns:a14="http://schemas.microsoft.com/office/drawing/2010/main">
                     <a:effectLst>
                       <a:outerShdw dist="35921" dir="2700000" algn="ctr" rotWithShape="0">
                         <a:schemeClr val="bg2"/>
@@ -18449,12 +18460,12 @@
               <a:effectLst/>
               <a:extLst>
                 <a:ext uri="{909E8E84-426E-40DD-AFC4-6F175D3DCCD1}">
-                  <a14:hiddenFill xmlns:a14="http://schemas.microsoft.com/office/drawing/2010/main" xmlns="">
+                  <a14:hiddenFill xmlns="" xmlns:a14="http://schemas.microsoft.com/office/drawing/2010/main">
                     <a:noFill/>
                   </a14:hiddenFill>
                 </a:ext>
                 <a:ext uri="{AF507438-7753-43E0-B8FC-AC1667EBCBE1}">
-                  <a14:hiddenEffects xmlns:a14="http://schemas.microsoft.com/office/drawing/2010/main" xmlns="">
+                  <a14:hiddenEffects xmlns="" xmlns:a14="http://schemas.microsoft.com/office/drawing/2010/main">
                     <a:effectLst>
                       <a:outerShdw dist="35921" dir="2700000" algn="ctr" rotWithShape="0">
                         <a:schemeClr val="bg2"/>
@@ -18495,14 +18506,14 @@
               <a:effectLst/>
               <a:extLst>
                 <a:ext uri="{909E8E84-426E-40DD-AFC4-6F175D3DCCD1}">
-                  <a14:hiddenFill xmlns:a14="http://schemas.microsoft.com/office/drawing/2010/main" xmlns="">
+                  <a14:hiddenFill xmlns="" xmlns:a14="http://schemas.microsoft.com/office/drawing/2010/main">
                     <a:solidFill>
                       <a:srgbClr val="FFFF99"/>
                     </a:solidFill>
                   </a14:hiddenFill>
                 </a:ext>
                 <a:ext uri="{91240B29-F687-4F45-9708-019B960494DF}">
-                  <a14:hiddenLine xmlns:a14="http://schemas.microsoft.com/office/drawing/2010/main" xmlns="" w="9525">
+                  <a14:hiddenLine xmlns="" xmlns:a14="http://schemas.microsoft.com/office/drawing/2010/main" w="9525">
                     <a:solidFill>
                       <a:schemeClr val="tx1"/>
                     </a:solidFill>
@@ -18512,7 +18523,7 @@
                   </a14:hiddenLine>
                 </a:ext>
                 <a:ext uri="{AF507438-7753-43E0-B8FC-AC1667EBCBE1}">
-                  <a14:hiddenEffects xmlns:a14="http://schemas.microsoft.com/office/drawing/2010/main" xmlns="">
+                  <a14:hiddenEffects xmlns="" xmlns:a14="http://schemas.microsoft.com/office/drawing/2010/main">
                     <a:effectLst>
                       <a:outerShdw dist="35921" dir="2700000" algn="ctr" rotWithShape="0">
                         <a:schemeClr val="bg2"/>
@@ -18718,12 +18729,12 @@
               <a:effectLst/>
               <a:extLst>
                 <a:ext uri="{909E8E84-426E-40DD-AFC4-6F175D3DCCD1}">
-                  <a14:hiddenFill xmlns:a14="http://schemas.microsoft.com/office/drawing/2010/main" xmlns="">
+                  <a14:hiddenFill xmlns="" xmlns:a14="http://schemas.microsoft.com/office/drawing/2010/main">
                     <a:noFill/>
                   </a14:hiddenFill>
                 </a:ext>
                 <a:ext uri="{AF507438-7753-43E0-B8FC-AC1667EBCBE1}">
-                  <a14:hiddenEffects xmlns:a14="http://schemas.microsoft.com/office/drawing/2010/main" xmlns="">
+                  <a14:hiddenEffects xmlns="" xmlns:a14="http://schemas.microsoft.com/office/drawing/2010/main">
                     <a:effectLst>
                       <a:outerShdw dist="35921" dir="2700000" algn="ctr" rotWithShape="0">
                         <a:schemeClr val="bg2"/>
@@ -18769,12 +18780,12 @@
               <a:effectLst/>
               <a:extLst>
                 <a:ext uri="{909E8E84-426E-40DD-AFC4-6F175D3DCCD1}">
-                  <a14:hiddenFill xmlns:a14="http://schemas.microsoft.com/office/drawing/2010/main" xmlns="">
+                  <a14:hiddenFill xmlns="" xmlns:a14="http://schemas.microsoft.com/office/drawing/2010/main">
                     <a:noFill/>
                   </a14:hiddenFill>
                 </a:ext>
                 <a:ext uri="{AF507438-7753-43E0-B8FC-AC1667EBCBE1}">
-                  <a14:hiddenEffects xmlns:a14="http://schemas.microsoft.com/office/drawing/2010/main" xmlns="">
+                  <a14:hiddenEffects xmlns="" xmlns:a14="http://schemas.microsoft.com/office/drawing/2010/main">
                     <a:effectLst>
                       <a:outerShdw dist="35921" dir="2700000" algn="ctr" rotWithShape="0">
                         <a:schemeClr val="bg2"/>
@@ -18822,12 +18833,12 @@
               <a:effectLst/>
               <a:extLst>
                 <a:ext uri="{909E8E84-426E-40DD-AFC4-6F175D3DCCD1}">
-                  <a14:hiddenFill xmlns:a14="http://schemas.microsoft.com/office/drawing/2010/main" xmlns="">
+                  <a14:hiddenFill xmlns="" xmlns:a14="http://schemas.microsoft.com/office/drawing/2010/main">
                     <a:noFill/>
                   </a14:hiddenFill>
                 </a:ext>
                 <a:ext uri="{AF507438-7753-43E0-B8FC-AC1667EBCBE1}">
-                  <a14:hiddenEffects xmlns:a14="http://schemas.microsoft.com/office/drawing/2010/main" xmlns="">
+                  <a14:hiddenEffects xmlns="" xmlns:a14="http://schemas.microsoft.com/office/drawing/2010/main">
                     <a:effectLst>
                       <a:outerShdw dist="35921" dir="2700000" algn="ctr" rotWithShape="0">
                         <a:schemeClr val="bg2"/>
@@ -18873,12 +18884,12 @@
               <a:effectLst/>
               <a:extLst>
                 <a:ext uri="{909E8E84-426E-40DD-AFC4-6F175D3DCCD1}">
-                  <a14:hiddenFill xmlns:a14="http://schemas.microsoft.com/office/drawing/2010/main" xmlns="">
+                  <a14:hiddenFill xmlns="" xmlns:a14="http://schemas.microsoft.com/office/drawing/2010/main">
                     <a:noFill/>
                   </a14:hiddenFill>
                 </a:ext>
                 <a:ext uri="{AF507438-7753-43E0-B8FC-AC1667EBCBE1}">
-                  <a14:hiddenEffects xmlns:a14="http://schemas.microsoft.com/office/drawing/2010/main" xmlns="">
+                  <a14:hiddenEffects xmlns="" xmlns:a14="http://schemas.microsoft.com/office/drawing/2010/main">
                     <a:effectLst>
                       <a:outerShdw dist="35921" dir="2700000" algn="ctr" rotWithShape="0">
                         <a:schemeClr val="bg2"/>
@@ -18926,7 +18937,7 @@
               <a:effectLst/>
               <a:extLst>
                 <a:ext uri="{AF507438-7753-43E0-B8FC-AC1667EBCBE1}">
-                  <a14:hiddenEffects xmlns:a14="http://schemas.microsoft.com/office/drawing/2010/main" xmlns="">
+                  <a14:hiddenEffects xmlns="" xmlns:a14="http://schemas.microsoft.com/office/drawing/2010/main">
                     <a:effectLst>
                       <a:outerShdw dist="35921" dir="2700000" algn="ctr" rotWithShape="0">
                         <a:schemeClr val="bg2"/>
@@ -19129,7 +19140,7 @@
               <a:effectLst/>
               <a:extLst>
                 <a:ext uri="{AF507438-7753-43E0-B8FC-AC1667EBCBE1}">
-                  <a14:hiddenEffects xmlns:a14="http://schemas.microsoft.com/office/drawing/2010/main" xmlns="">
+                  <a14:hiddenEffects xmlns="" xmlns:a14="http://schemas.microsoft.com/office/drawing/2010/main">
                     <a:effectLst>
                       <a:outerShdw dist="35921" dir="2700000" algn="ctr" rotWithShape="0">
                         <a:schemeClr val="bg2"/>
@@ -19332,7 +19343,7 @@
               <a:effectLst/>
               <a:extLst>
                 <a:ext uri="{AF507438-7753-43E0-B8FC-AC1667EBCBE1}">
-                  <a14:hiddenEffects xmlns:a14="http://schemas.microsoft.com/office/drawing/2010/main" xmlns="">
+                  <a14:hiddenEffects xmlns="" xmlns:a14="http://schemas.microsoft.com/office/drawing/2010/main">
                     <a:effectLst>
                       <a:outerShdw dist="35921" dir="2700000" algn="ctr" rotWithShape="0">
                         <a:schemeClr val="bg2"/>
@@ -19535,7 +19546,7 @@
               <a:effectLst/>
               <a:extLst>
                 <a:ext uri="{AF507438-7753-43E0-B8FC-AC1667EBCBE1}">
-                  <a14:hiddenEffects xmlns:a14="http://schemas.microsoft.com/office/drawing/2010/main" xmlns="">
+                  <a14:hiddenEffects xmlns="" xmlns:a14="http://schemas.microsoft.com/office/drawing/2010/main">
                     <a:effectLst>
                       <a:outerShdw dist="35921" dir="2700000" algn="ctr" rotWithShape="0">
                         <a:schemeClr val="bg2"/>
@@ -19738,7 +19749,7 @@
               <a:effectLst/>
               <a:extLst>
                 <a:ext uri="{AF507438-7753-43E0-B8FC-AC1667EBCBE1}">
-                  <a14:hiddenEffects xmlns:a14="http://schemas.microsoft.com/office/drawing/2010/main" xmlns="">
+                  <a14:hiddenEffects xmlns="" xmlns:a14="http://schemas.microsoft.com/office/drawing/2010/main">
                     <a:effectLst>
                       <a:outerShdw dist="35921" dir="2700000" algn="ctr" rotWithShape="0">
                         <a:schemeClr val="bg2"/>
@@ -19941,7 +19952,7 @@
               <a:effectLst/>
               <a:extLst>
                 <a:ext uri="{AF507438-7753-43E0-B8FC-AC1667EBCBE1}">
-                  <a14:hiddenEffects xmlns:a14="http://schemas.microsoft.com/office/drawing/2010/main" xmlns="">
+                  <a14:hiddenEffects xmlns="" xmlns:a14="http://schemas.microsoft.com/office/drawing/2010/main">
                     <a:effectLst>
                       <a:outerShdw dist="35921" dir="2700000" algn="ctr" rotWithShape="0">
                         <a:schemeClr val="bg2"/>
@@ -20144,7 +20155,7 @@
               <a:effectLst/>
               <a:extLst>
                 <a:ext uri="{AF507438-7753-43E0-B8FC-AC1667EBCBE1}">
-                  <a14:hiddenEffects xmlns:a14="http://schemas.microsoft.com/office/drawing/2010/main" xmlns="">
+                  <a14:hiddenEffects xmlns="" xmlns:a14="http://schemas.microsoft.com/office/drawing/2010/main">
                     <a:effectLst>
                       <a:outerShdw dist="35921" dir="2700000" algn="ctr" rotWithShape="0">
                         <a:schemeClr val="bg2"/>
@@ -20347,7 +20358,7 @@
               <a:effectLst/>
               <a:extLst>
                 <a:ext uri="{AF507438-7753-43E0-B8FC-AC1667EBCBE1}">
-                  <a14:hiddenEffects xmlns:a14="http://schemas.microsoft.com/office/drawing/2010/main" xmlns="">
+                  <a14:hiddenEffects xmlns="" xmlns:a14="http://schemas.microsoft.com/office/drawing/2010/main">
                     <a:effectLst>
                       <a:outerShdw dist="35921" dir="2700000" algn="ctr" rotWithShape="0">
                         <a:schemeClr val="bg2"/>
@@ -20550,7 +20561,7 @@
               <a:effectLst/>
               <a:extLst>
                 <a:ext uri="{AF507438-7753-43E0-B8FC-AC1667EBCBE1}">
-                  <a14:hiddenEffects xmlns:a14="http://schemas.microsoft.com/office/drawing/2010/main" xmlns="">
+                  <a14:hiddenEffects xmlns="" xmlns:a14="http://schemas.microsoft.com/office/drawing/2010/main">
                     <a:effectLst>
                       <a:outerShdw dist="35921" dir="2700000" algn="ctr" rotWithShape="0">
                         <a:schemeClr val="bg2"/>
@@ -20746,14 +20757,14 @@
               <a:effectLst/>
               <a:extLst>
                 <a:ext uri="{909E8E84-426E-40DD-AFC4-6F175D3DCCD1}">
-                  <a14:hiddenFill xmlns:a14="http://schemas.microsoft.com/office/drawing/2010/main" xmlns="">
+                  <a14:hiddenFill xmlns="" xmlns:a14="http://schemas.microsoft.com/office/drawing/2010/main">
                     <a:solidFill>
                       <a:srgbClr val="FFFF99"/>
                     </a:solidFill>
                   </a14:hiddenFill>
                 </a:ext>
                 <a:ext uri="{91240B29-F687-4F45-9708-019B960494DF}">
-                  <a14:hiddenLine xmlns:a14="http://schemas.microsoft.com/office/drawing/2010/main" xmlns="" w="9525">
+                  <a14:hiddenLine xmlns="" xmlns:a14="http://schemas.microsoft.com/office/drawing/2010/main" w="9525">
                     <a:solidFill>
                       <a:schemeClr val="tx1"/>
                     </a:solidFill>
@@ -20763,7 +20774,7 @@
                   </a14:hiddenLine>
                 </a:ext>
                 <a:ext uri="{AF507438-7753-43E0-B8FC-AC1667EBCBE1}">
-                  <a14:hiddenEffects xmlns:a14="http://schemas.microsoft.com/office/drawing/2010/main" xmlns="">
+                  <a14:hiddenEffects xmlns="" xmlns:a14="http://schemas.microsoft.com/office/drawing/2010/main">
                     <a:effectLst>
                       <a:outerShdw dist="35921" dir="2700000" algn="ctr" rotWithShape="0">
                         <a:schemeClr val="bg2"/>
@@ -20969,12 +20980,12 @@
               <a:effectLst/>
               <a:extLst>
                 <a:ext uri="{909E8E84-426E-40DD-AFC4-6F175D3DCCD1}">
-                  <a14:hiddenFill xmlns:a14="http://schemas.microsoft.com/office/drawing/2010/main" xmlns="">
+                  <a14:hiddenFill xmlns="" xmlns:a14="http://schemas.microsoft.com/office/drawing/2010/main">
                     <a:noFill/>
                   </a14:hiddenFill>
                 </a:ext>
                 <a:ext uri="{AF507438-7753-43E0-B8FC-AC1667EBCBE1}">
-                  <a14:hiddenEffects xmlns:a14="http://schemas.microsoft.com/office/drawing/2010/main" xmlns="">
+                  <a14:hiddenEffects xmlns="" xmlns:a14="http://schemas.microsoft.com/office/drawing/2010/main">
                     <a:effectLst>
                       <a:outerShdw dist="35921" dir="2700000" algn="ctr" rotWithShape="0">
                         <a:schemeClr val="bg2"/>
@@ -21015,14 +21026,14 @@
               <a:effectLst/>
               <a:extLst>
                 <a:ext uri="{909E8E84-426E-40DD-AFC4-6F175D3DCCD1}">
-                  <a14:hiddenFill xmlns:a14="http://schemas.microsoft.com/office/drawing/2010/main" xmlns="">
+                  <a14:hiddenFill xmlns="" xmlns:a14="http://schemas.microsoft.com/office/drawing/2010/main">
                     <a:solidFill>
                       <a:srgbClr val="FFFF99"/>
                     </a:solidFill>
                   </a14:hiddenFill>
                 </a:ext>
                 <a:ext uri="{91240B29-F687-4F45-9708-019B960494DF}">
-                  <a14:hiddenLine xmlns:a14="http://schemas.microsoft.com/office/drawing/2010/main" xmlns="" w="9525">
+                  <a14:hiddenLine xmlns="" xmlns:a14="http://schemas.microsoft.com/office/drawing/2010/main" w="9525">
                     <a:solidFill>
                       <a:schemeClr val="tx1"/>
                     </a:solidFill>
@@ -21032,7 +21043,7 @@
                   </a14:hiddenLine>
                 </a:ext>
                 <a:ext uri="{AF507438-7753-43E0-B8FC-AC1667EBCBE1}">
-                  <a14:hiddenEffects xmlns:a14="http://schemas.microsoft.com/office/drawing/2010/main" xmlns="">
+                  <a14:hiddenEffects xmlns="" xmlns:a14="http://schemas.microsoft.com/office/drawing/2010/main">
                     <a:effectLst>
                       <a:outerShdw dist="35921" dir="2700000" algn="ctr" rotWithShape="0">
                         <a:schemeClr val="bg2"/>
@@ -21238,12 +21249,12 @@
               <a:effectLst/>
               <a:extLst>
                 <a:ext uri="{909E8E84-426E-40DD-AFC4-6F175D3DCCD1}">
-                  <a14:hiddenFill xmlns:a14="http://schemas.microsoft.com/office/drawing/2010/main" xmlns="">
+                  <a14:hiddenFill xmlns="" xmlns:a14="http://schemas.microsoft.com/office/drawing/2010/main">
                     <a:noFill/>
                   </a14:hiddenFill>
                 </a:ext>
                 <a:ext uri="{AF507438-7753-43E0-B8FC-AC1667EBCBE1}">
-                  <a14:hiddenEffects xmlns:a14="http://schemas.microsoft.com/office/drawing/2010/main" xmlns="">
+                  <a14:hiddenEffects xmlns="" xmlns:a14="http://schemas.microsoft.com/office/drawing/2010/main">
                     <a:effectLst>
                       <a:outerShdw dist="35921" dir="2700000" algn="ctr" rotWithShape="0">
                         <a:schemeClr val="bg2"/>
@@ -21289,12 +21300,12 @@
               <a:effectLst/>
               <a:extLst>
                 <a:ext uri="{909E8E84-426E-40DD-AFC4-6F175D3DCCD1}">
-                  <a14:hiddenFill xmlns:a14="http://schemas.microsoft.com/office/drawing/2010/main" xmlns="">
+                  <a14:hiddenFill xmlns="" xmlns:a14="http://schemas.microsoft.com/office/drawing/2010/main">
                     <a:noFill/>
                   </a14:hiddenFill>
                 </a:ext>
                 <a:ext uri="{AF507438-7753-43E0-B8FC-AC1667EBCBE1}">
-                  <a14:hiddenEffects xmlns:a14="http://schemas.microsoft.com/office/drawing/2010/main" xmlns="">
+                  <a14:hiddenEffects xmlns="" xmlns:a14="http://schemas.microsoft.com/office/drawing/2010/main">
                     <a:effectLst>
                       <a:outerShdw dist="35921" dir="2700000" algn="ctr" rotWithShape="0">
                         <a:schemeClr val="bg2"/>
@@ -21342,12 +21353,12 @@
               <a:effectLst/>
               <a:extLst>
                 <a:ext uri="{909E8E84-426E-40DD-AFC4-6F175D3DCCD1}">
-                  <a14:hiddenFill xmlns:a14="http://schemas.microsoft.com/office/drawing/2010/main" xmlns="">
+                  <a14:hiddenFill xmlns="" xmlns:a14="http://schemas.microsoft.com/office/drawing/2010/main">
                     <a:noFill/>
                   </a14:hiddenFill>
                 </a:ext>
                 <a:ext uri="{AF507438-7753-43E0-B8FC-AC1667EBCBE1}">
-                  <a14:hiddenEffects xmlns:a14="http://schemas.microsoft.com/office/drawing/2010/main" xmlns="">
+                  <a14:hiddenEffects xmlns="" xmlns:a14="http://schemas.microsoft.com/office/drawing/2010/main">
                     <a:effectLst>
                       <a:outerShdw dist="35921" dir="2700000" algn="ctr" rotWithShape="0">
                         <a:schemeClr val="bg2"/>
@@ -21393,12 +21404,12 @@
               <a:effectLst/>
               <a:extLst>
                 <a:ext uri="{909E8E84-426E-40DD-AFC4-6F175D3DCCD1}">
-                  <a14:hiddenFill xmlns:a14="http://schemas.microsoft.com/office/drawing/2010/main" xmlns="">
+                  <a14:hiddenFill xmlns="" xmlns:a14="http://schemas.microsoft.com/office/drawing/2010/main">
                     <a:noFill/>
                   </a14:hiddenFill>
                 </a:ext>
                 <a:ext uri="{AF507438-7753-43E0-B8FC-AC1667EBCBE1}">
-                  <a14:hiddenEffects xmlns:a14="http://schemas.microsoft.com/office/drawing/2010/main" xmlns="">
+                  <a14:hiddenEffects xmlns="" xmlns:a14="http://schemas.microsoft.com/office/drawing/2010/main">
                     <a:effectLst>
                       <a:outerShdw dist="35921" dir="2700000" algn="ctr" rotWithShape="0">
                         <a:schemeClr val="bg2"/>
@@ -21446,7 +21457,7 @@
               <a:effectLst/>
               <a:extLst>
                 <a:ext uri="{AF507438-7753-43E0-B8FC-AC1667EBCBE1}">
-                  <a14:hiddenEffects xmlns:a14="http://schemas.microsoft.com/office/drawing/2010/main" xmlns="">
+                  <a14:hiddenEffects xmlns="" xmlns:a14="http://schemas.microsoft.com/office/drawing/2010/main">
                     <a:effectLst>
                       <a:outerShdw dist="35921" dir="2700000" algn="ctr" rotWithShape="0">
                         <a:schemeClr val="bg2"/>
@@ -21649,7 +21660,7 @@
               <a:effectLst/>
               <a:extLst>
                 <a:ext uri="{AF507438-7753-43E0-B8FC-AC1667EBCBE1}">
-                  <a14:hiddenEffects xmlns:a14="http://schemas.microsoft.com/office/drawing/2010/main" xmlns="">
+                  <a14:hiddenEffects xmlns="" xmlns:a14="http://schemas.microsoft.com/office/drawing/2010/main">
                     <a:effectLst>
                       <a:outerShdw dist="35921" dir="2700000" algn="ctr" rotWithShape="0">
                         <a:schemeClr val="bg2"/>
@@ -21852,7 +21863,7 @@
               <a:effectLst/>
               <a:extLst>
                 <a:ext uri="{AF507438-7753-43E0-B8FC-AC1667EBCBE1}">
-                  <a14:hiddenEffects xmlns:a14="http://schemas.microsoft.com/office/drawing/2010/main" xmlns="">
+                  <a14:hiddenEffects xmlns="" xmlns:a14="http://schemas.microsoft.com/office/drawing/2010/main">
                     <a:effectLst>
                       <a:outerShdw dist="35921" dir="2700000" algn="ctr" rotWithShape="0">
                         <a:schemeClr val="bg2"/>
@@ -22055,7 +22066,7 @@
               <a:effectLst/>
               <a:extLst>
                 <a:ext uri="{AF507438-7753-43E0-B8FC-AC1667EBCBE1}">
-                  <a14:hiddenEffects xmlns:a14="http://schemas.microsoft.com/office/drawing/2010/main" xmlns="">
+                  <a14:hiddenEffects xmlns="" xmlns:a14="http://schemas.microsoft.com/office/drawing/2010/main">
                     <a:effectLst>
                       <a:outerShdw dist="35921" dir="2700000" algn="ctr" rotWithShape="0">
                         <a:schemeClr val="bg2"/>
@@ -22258,7 +22269,7 @@
               <a:effectLst/>
               <a:extLst>
                 <a:ext uri="{AF507438-7753-43E0-B8FC-AC1667EBCBE1}">
-                  <a14:hiddenEffects xmlns:a14="http://schemas.microsoft.com/office/drawing/2010/main" xmlns="">
+                  <a14:hiddenEffects xmlns="" xmlns:a14="http://schemas.microsoft.com/office/drawing/2010/main">
                     <a:effectLst>
                       <a:outerShdw dist="35921" dir="2700000" algn="ctr" rotWithShape="0">
                         <a:schemeClr val="bg2"/>
@@ -22461,7 +22472,7 @@
               <a:effectLst/>
               <a:extLst>
                 <a:ext uri="{AF507438-7753-43E0-B8FC-AC1667EBCBE1}">
-                  <a14:hiddenEffects xmlns:a14="http://schemas.microsoft.com/office/drawing/2010/main" xmlns="">
+                  <a14:hiddenEffects xmlns="" xmlns:a14="http://schemas.microsoft.com/office/drawing/2010/main">
                     <a:effectLst>
                       <a:outerShdw dist="35921" dir="2700000" algn="ctr" rotWithShape="0">
                         <a:schemeClr val="bg2"/>
@@ -22664,7 +22675,7 @@
               <a:effectLst/>
               <a:extLst>
                 <a:ext uri="{AF507438-7753-43E0-B8FC-AC1667EBCBE1}">
-                  <a14:hiddenEffects xmlns:a14="http://schemas.microsoft.com/office/drawing/2010/main" xmlns="">
+                  <a14:hiddenEffects xmlns="" xmlns:a14="http://schemas.microsoft.com/office/drawing/2010/main">
                     <a:effectLst>
                       <a:outerShdw dist="35921" dir="2700000" algn="ctr" rotWithShape="0">
                         <a:schemeClr val="bg2"/>
@@ -22867,7 +22878,7 @@
               <a:effectLst/>
               <a:extLst>
                 <a:ext uri="{AF507438-7753-43E0-B8FC-AC1667EBCBE1}">
-                  <a14:hiddenEffects xmlns:a14="http://schemas.microsoft.com/office/drawing/2010/main" xmlns="">
+                  <a14:hiddenEffects xmlns="" xmlns:a14="http://schemas.microsoft.com/office/drawing/2010/main">
                     <a:effectLst>
                       <a:outerShdw dist="35921" dir="2700000" algn="ctr" rotWithShape="0">
                         <a:schemeClr val="bg2"/>
@@ -23070,7 +23081,7 @@
               <a:effectLst/>
               <a:extLst>
                 <a:ext uri="{AF507438-7753-43E0-B8FC-AC1667EBCBE1}">
-                  <a14:hiddenEffects xmlns:a14="http://schemas.microsoft.com/office/drawing/2010/main" xmlns="">
+                  <a14:hiddenEffects xmlns="" xmlns:a14="http://schemas.microsoft.com/office/drawing/2010/main">
                     <a:effectLst>
                       <a:outerShdw dist="35921" dir="2700000" algn="ctr" rotWithShape="0">
                         <a:schemeClr val="bg2"/>
@@ -23266,14 +23277,14 @@
               <a:effectLst/>
               <a:extLst>
                 <a:ext uri="{909E8E84-426E-40DD-AFC4-6F175D3DCCD1}">
-                  <a14:hiddenFill xmlns:a14="http://schemas.microsoft.com/office/drawing/2010/main" xmlns="">
+                  <a14:hiddenFill xmlns="" xmlns:a14="http://schemas.microsoft.com/office/drawing/2010/main">
                     <a:solidFill>
                       <a:srgbClr val="FFFF99"/>
                     </a:solidFill>
                   </a14:hiddenFill>
                 </a:ext>
                 <a:ext uri="{91240B29-F687-4F45-9708-019B960494DF}">
-                  <a14:hiddenLine xmlns:a14="http://schemas.microsoft.com/office/drawing/2010/main" xmlns="" w="9525">
+                  <a14:hiddenLine xmlns="" xmlns:a14="http://schemas.microsoft.com/office/drawing/2010/main" w="9525">
                     <a:solidFill>
                       <a:schemeClr val="tx1"/>
                     </a:solidFill>
@@ -23283,7 +23294,7 @@
                   </a14:hiddenLine>
                 </a:ext>
                 <a:ext uri="{AF507438-7753-43E0-B8FC-AC1667EBCBE1}">
-                  <a14:hiddenEffects xmlns:a14="http://schemas.microsoft.com/office/drawing/2010/main" xmlns="">
+                  <a14:hiddenEffects xmlns="" xmlns:a14="http://schemas.microsoft.com/office/drawing/2010/main">
                     <a:effectLst>
                       <a:outerShdw dist="35921" dir="2700000" algn="ctr" rotWithShape="0">
                         <a:schemeClr val="bg2"/>
@@ -23489,12 +23500,12 @@
               <a:effectLst/>
               <a:extLst>
                 <a:ext uri="{909E8E84-426E-40DD-AFC4-6F175D3DCCD1}">
-                  <a14:hiddenFill xmlns:a14="http://schemas.microsoft.com/office/drawing/2010/main" xmlns="">
+                  <a14:hiddenFill xmlns="" xmlns:a14="http://schemas.microsoft.com/office/drawing/2010/main">
                     <a:noFill/>
                   </a14:hiddenFill>
                 </a:ext>
                 <a:ext uri="{AF507438-7753-43E0-B8FC-AC1667EBCBE1}">
-                  <a14:hiddenEffects xmlns:a14="http://schemas.microsoft.com/office/drawing/2010/main" xmlns="">
+                  <a14:hiddenEffects xmlns="" xmlns:a14="http://schemas.microsoft.com/office/drawing/2010/main">
                     <a:effectLst>
                       <a:outerShdw dist="35921" dir="2700000" algn="ctr" rotWithShape="0">
                         <a:schemeClr val="bg2"/>
@@ -23535,14 +23546,14 @@
               <a:effectLst/>
               <a:extLst>
                 <a:ext uri="{909E8E84-426E-40DD-AFC4-6F175D3DCCD1}">
-                  <a14:hiddenFill xmlns:a14="http://schemas.microsoft.com/office/drawing/2010/main" xmlns="">
+                  <a14:hiddenFill xmlns="" xmlns:a14="http://schemas.microsoft.com/office/drawing/2010/main">
                     <a:solidFill>
                       <a:srgbClr val="FFFF99"/>
                     </a:solidFill>
                   </a14:hiddenFill>
                 </a:ext>
                 <a:ext uri="{91240B29-F687-4F45-9708-019B960494DF}">
-                  <a14:hiddenLine xmlns:a14="http://schemas.microsoft.com/office/drawing/2010/main" xmlns="" w="9525">
+                  <a14:hiddenLine xmlns="" xmlns:a14="http://schemas.microsoft.com/office/drawing/2010/main" w="9525">
                     <a:solidFill>
                       <a:schemeClr val="tx1"/>
                     </a:solidFill>
@@ -23552,7 +23563,7 @@
                   </a14:hiddenLine>
                 </a:ext>
                 <a:ext uri="{AF507438-7753-43E0-B8FC-AC1667EBCBE1}">
-                  <a14:hiddenEffects xmlns:a14="http://schemas.microsoft.com/office/drawing/2010/main" xmlns="">
+                  <a14:hiddenEffects xmlns="" xmlns:a14="http://schemas.microsoft.com/office/drawing/2010/main">
                     <a:effectLst>
                       <a:outerShdw dist="35921" dir="2700000" algn="ctr" rotWithShape="0">
                         <a:schemeClr val="bg2"/>
@@ -23758,12 +23769,12 @@
               <a:effectLst/>
               <a:extLst>
                 <a:ext uri="{909E8E84-426E-40DD-AFC4-6F175D3DCCD1}">
-                  <a14:hiddenFill xmlns:a14="http://schemas.microsoft.com/office/drawing/2010/main" xmlns="">
+                  <a14:hiddenFill xmlns="" xmlns:a14="http://schemas.microsoft.com/office/drawing/2010/main">
                     <a:noFill/>
                   </a14:hiddenFill>
                 </a:ext>
                 <a:ext uri="{AF507438-7753-43E0-B8FC-AC1667EBCBE1}">
-                  <a14:hiddenEffects xmlns:a14="http://schemas.microsoft.com/office/drawing/2010/main" xmlns="">
+                  <a14:hiddenEffects xmlns="" xmlns:a14="http://schemas.microsoft.com/office/drawing/2010/main">
                     <a:effectLst>
                       <a:outerShdw dist="35921" dir="2700000" algn="ctr" rotWithShape="0">
                         <a:schemeClr val="bg2"/>
@@ -23809,12 +23820,12 @@
               <a:effectLst/>
               <a:extLst>
                 <a:ext uri="{909E8E84-426E-40DD-AFC4-6F175D3DCCD1}">
-                  <a14:hiddenFill xmlns:a14="http://schemas.microsoft.com/office/drawing/2010/main" xmlns="">
+                  <a14:hiddenFill xmlns="" xmlns:a14="http://schemas.microsoft.com/office/drawing/2010/main">
                     <a:noFill/>
                   </a14:hiddenFill>
                 </a:ext>
                 <a:ext uri="{AF507438-7753-43E0-B8FC-AC1667EBCBE1}">
-                  <a14:hiddenEffects xmlns:a14="http://schemas.microsoft.com/office/drawing/2010/main" xmlns="">
+                  <a14:hiddenEffects xmlns="" xmlns:a14="http://schemas.microsoft.com/office/drawing/2010/main">
                     <a:effectLst>
                       <a:outerShdw dist="35921" dir="2700000" algn="ctr" rotWithShape="0">
                         <a:schemeClr val="bg2"/>
@@ -23862,12 +23873,12 @@
               <a:effectLst/>
               <a:extLst>
                 <a:ext uri="{909E8E84-426E-40DD-AFC4-6F175D3DCCD1}">
-                  <a14:hiddenFill xmlns:a14="http://schemas.microsoft.com/office/drawing/2010/main" xmlns="">
+                  <a14:hiddenFill xmlns="" xmlns:a14="http://schemas.microsoft.com/office/drawing/2010/main">
                     <a:noFill/>
                   </a14:hiddenFill>
                 </a:ext>
                 <a:ext uri="{AF507438-7753-43E0-B8FC-AC1667EBCBE1}">
-                  <a14:hiddenEffects xmlns:a14="http://schemas.microsoft.com/office/drawing/2010/main" xmlns="">
+                  <a14:hiddenEffects xmlns="" xmlns:a14="http://schemas.microsoft.com/office/drawing/2010/main">
                     <a:effectLst>
                       <a:outerShdw dist="35921" dir="2700000" algn="ctr" rotWithShape="0">
                         <a:schemeClr val="bg2"/>
@@ -23913,12 +23924,12 @@
               <a:effectLst/>
               <a:extLst>
                 <a:ext uri="{909E8E84-426E-40DD-AFC4-6F175D3DCCD1}">
-                  <a14:hiddenFill xmlns:a14="http://schemas.microsoft.com/office/drawing/2010/main" xmlns="">
+                  <a14:hiddenFill xmlns="" xmlns:a14="http://schemas.microsoft.com/office/drawing/2010/main">
                     <a:noFill/>
                   </a14:hiddenFill>
                 </a:ext>
                 <a:ext uri="{AF507438-7753-43E0-B8FC-AC1667EBCBE1}">
-                  <a14:hiddenEffects xmlns:a14="http://schemas.microsoft.com/office/drawing/2010/main" xmlns="">
+                  <a14:hiddenEffects xmlns="" xmlns:a14="http://schemas.microsoft.com/office/drawing/2010/main">
                     <a:effectLst>
                       <a:outerShdw dist="35921" dir="2700000" algn="ctr" rotWithShape="0">
                         <a:schemeClr val="bg2"/>
@@ -23966,7 +23977,7 @@
               <a:effectLst/>
               <a:extLst>
                 <a:ext uri="{AF507438-7753-43E0-B8FC-AC1667EBCBE1}">
-                  <a14:hiddenEffects xmlns:a14="http://schemas.microsoft.com/office/drawing/2010/main" xmlns="">
+                  <a14:hiddenEffects xmlns="" xmlns:a14="http://schemas.microsoft.com/office/drawing/2010/main">
                     <a:effectLst>
                       <a:outerShdw dist="35921" dir="2700000" algn="ctr" rotWithShape="0">
                         <a:schemeClr val="bg2"/>
@@ -24169,7 +24180,7 @@
               <a:effectLst/>
               <a:extLst>
                 <a:ext uri="{AF507438-7753-43E0-B8FC-AC1667EBCBE1}">
-                  <a14:hiddenEffects xmlns:a14="http://schemas.microsoft.com/office/drawing/2010/main" xmlns="">
+                  <a14:hiddenEffects xmlns="" xmlns:a14="http://schemas.microsoft.com/office/drawing/2010/main">
                     <a:effectLst>
                       <a:outerShdw dist="35921" dir="2700000" algn="ctr" rotWithShape="0">
                         <a:schemeClr val="bg2"/>
@@ -24372,7 +24383,7 @@
               <a:effectLst/>
               <a:extLst>
                 <a:ext uri="{AF507438-7753-43E0-B8FC-AC1667EBCBE1}">
-                  <a14:hiddenEffects xmlns:a14="http://schemas.microsoft.com/office/drawing/2010/main" xmlns="">
+                  <a14:hiddenEffects xmlns="" xmlns:a14="http://schemas.microsoft.com/office/drawing/2010/main">
                     <a:effectLst>
                       <a:outerShdw dist="35921" dir="2700000" algn="ctr" rotWithShape="0">
                         <a:schemeClr val="bg2"/>
@@ -24575,7 +24586,7 @@
               <a:effectLst/>
               <a:extLst>
                 <a:ext uri="{AF507438-7753-43E0-B8FC-AC1667EBCBE1}">
-                  <a14:hiddenEffects xmlns:a14="http://schemas.microsoft.com/office/drawing/2010/main" xmlns="">
+                  <a14:hiddenEffects xmlns="" xmlns:a14="http://schemas.microsoft.com/office/drawing/2010/main">
                     <a:effectLst>
                       <a:outerShdw dist="35921" dir="2700000" algn="ctr" rotWithShape="0">
                         <a:schemeClr val="bg2"/>
@@ -24778,7 +24789,7 @@
               <a:effectLst/>
               <a:extLst>
                 <a:ext uri="{AF507438-7753-43E0-B8FC-AC1667EBCBE1}">
-                  <a14:hiddenEffects xmlns:a14="http://schemas.microsoft.com/office/drawing/2010/main" xmlns="">
+                  <a14:hiddenEffects xmlns="" xmlns:a14="http://schemas.microsoft.com/office/drawing/2010/main">
                     <a:effectLst>
                       <a:outerShdw dist="35921" dir="2700000" algn="ctr" rotWithShape="0">
                         <a:schemeClr val="bg2"/>
@@ -24981,7 +24992,7 @@
               <a:effectLst/>
               <a:extLst>
                 <a:ext uri="{AF507438-7753-43E0-B8FC-AC1667EBCBE1}">
-                  <a14:hiddenEffects xmlns:a14="http://schemas.microsoft.com/office/drawing/2010/main" xmlns="">
+                  <a14:hiddenEffects xmlns="" xmlns:a14="http://schemas.microsoft.com/office/drawing/2010/main">
                     <a:effectLst>
                       <a:outerShdw dist="35921" dir="2700000" algn="ctr" rotWithShape="0">
                         <a:schemeClr val="bg2"/>
@@ -25184,7 +25195,7 @@
               <a:effectLst/>
               <a:extLst>
                 <a:ext uri="{AF507438-7753-43E0-B8FC-AC1667EBCBE1}">
-                  <a14:hiddenEffects xmlns:a14="http://schemas.microsoft.com/office/drawing/2010/main" xmlns="">
+                  <a14:hiddenEffects xmlns="" xmlns:a14="http://schemas.microsoft.com/office/drawing/2010/main">
                     <a:effectLst>
                       <a:outerShdw dist="35921" dir="2700000" algn="ctr" rotWithShape="0">
                         <a:schemeClr val="bg2"/>
@@ -25387,7 +25398,7 @@
               <a:effectLst/>
               <a:extLst>
                 <a:ext uri="{AF507438-7753-43E0-B8FC-AC1667EBCBE1}">
-                  <a14:hiddenEffects xmlns:a14="http://schemas.microsoft.com/office/drawing/2010/main" xmlns="">
+                  <a14:hiddenEffects xmlns="" xmlns:a14="http://schemas.microsoft.com/office/drawing/2010/main">
                     <a:effectLst>
                       <a:outerShdw dist="35921" dir="2700000" algn="ctr" rotWithShape="0">
                         <a:schemeClr val="bg2"/>
@@ -25590,7 +25601,7 @@
               <a:effectLst/>
               <a:extLst>
                 <a:ext uri="{AF507438-7753-43E0-B8FC-AC1667EBCBE1}">
-                  <a14:hiddenEffects xmlns:a14="http://schemas.microsoft.com/office/drawing/2010/main" xmlns="">
+                  <a14:hiddenEffects xmlns="" xmlns:a14="http://schemas.microsoft.com/office/drawing/2010/main">
                     <a:effectLst>
                       <a:outerShdw dist="35921" dir="2700000" algn="ctr" rotWithShape="0">
                         <a:schemeClr val="bg2"/>
@@ -25786,14 +25797,14 @@
               <a:effectLst/>
               <a:extLst>
                 <a:ext uri="{909E8E84-426E-40DD-AFC4-6F175D3DCCD1}">
-                  <a14:hiddenFill xmlns:a14="http://schemas.microsoft.com/office/drawing/2010/main" xmlns="">
+                  <a14:hiddenFill xmlns="" xmlns:a14="http://schemas.microsoft.com/office/drawing/2010/main">
                     <a:solidFill>
                       <a:srgbClr val="FFFF99"/>
                     </a:solidFill>
                   </a14:hiddenFill>
                 </a:ext>
                 <a:ext uri="{91240B29-F687-4F45-9708-019B960494DF}">
-                  <a14:hiddenLine xmlns:a14="http://schemas.microsoft.com/office/drawing/2010/main" xmlns="" w="9525">
+                  <a14:hiddenLine xmlns="" xmlns:a14="http://schemas.microsoft.com/office/drawing/2010/main" w="9525">
                     <a:solidFill>
                       <a:schemeClr val="tx1"/>
                     </a:solidFill>
@@ -25803,7 +25814,7 @@
                   </a14:hiddenLine>
                 </a:ext>
                 <a:ext uri="{AF507438-7753-43E0-B8FC-AC1667EBCBE1}">
-                  <a14:hiddenEffects xmlns:a14="http://schemas.microsoft.com/office/drawing/2010/main" xmlns="">
+                  <a14:hiddenEffects xmlns="" xmlns:a14="http://schemas.microsoft.com/office/drawing/2010/main">
                     <a:effectLst>
                       <a:outerShdw dist="35921" dir="2700000" algn="ctr" rotWithShape="0">
                         <a:schemeClr val="bg2"/>
@@ -26009,12 +26020,12 @@
               <a:effectLst/>
               <a:extLst>
                 <a:ext uri="{909E8E84-426E-40DD-AFC4-6F175D3DCCD1}">
-                  <a14:hiddenFill xmlns:a14="http://schemas.microsoft.com/office/drawing/2010/main" xmlns="">
+                  <a14:hiddenFill xmlns="" xmlns:a14="http://schemas.microsoft.com/office/drawing/2010/main">
                     <a:noFill/>
                   </a14:hiddenFill>
                 </a:ext>
                 <a:ext uri="{AF507438-7753-43E0-B8FC-AC1667EBCBE1}">
-                  <a14:hiddenEffects xmlns:a14="http://schemas.microsoft.com/office/drawing/2010/main" xmlns="">
+                  <a14:hiddenEffects xmlns="" xmlns:a14="http://schemas.microsoft.com/office/drawing/2010/main">
                     <a:effectLst>
                       <a:outerShdw dist="35921" dir="2700000" algn="ctr" rotWithShape="0">
                         <a:schemeClr val="bg2"/>
@@ -26055,14 +26066,14 @@
               <a:effectLst/>
               <a:extLst>
                 <a:ext uri="{909E8E84-426E-40DD-AFC4-6F175D3DCCD1}">
-                  <a14:hiddenFill xmlns:a14="http://schemas.microsoft.com/office/drawing/2010/main" xmlns="">
+                  <a14:hiddenFill xmlns="" xmlns:a14="http://schemas.microsoft.com/office/drawing/2010/main">
                     <a:solidFill>
                       <a:srgbClr val="FFFF99"/>
                     </a:solidFill>
                   </a14:hiddenFill>
                 </a:ext>
                 <a:ext uri="{91240B29-F687-4F45-9708-019B960494DF}">
-                  <a14:hiddenLine xmlns:a14="http://schemas.microsoft.com/office/drawing/2010/main" xmlns="" w="9525">
+                  <a14:hiddenLine xmlns="" xmlns:a14="http://schemas.microsoft.com/office/drawing/2010/main" w="9525">
                     <a:solidFill>
                       <a:schemeClr val="tx1"/>
                     </a:solidFill>
@@ -26072,7 +26083,7 @@
                   </a14:hiddenLine>
                 </a:ext>
                 <a:ext uri="{AF507438-7753-43E0-B8FC-AC1667EBCBE1}">
-                  <a14:hiddenEffects xmlns:a14="http://schemas.microsoft.com/office/drawing/2010/main" xmlns="">
+                  <a14:hiddenEffects xmlns="" xmlns:a14="http://schemas.microsoft.com/office/drawing/2010/main">
                     <a:effectLst>
                       <a:outerShdw dist="35921" dir="2700000" algn="ctr" rotWithShape="0">
                         <a:schemeClr val="bg2"/>
@@ -26278,12 +26289,12 @@
               <a:effectLst/>
               <a:extLst>
                 <a:ext uri="{909E8E84-426E-40DD-AFC4-6F175D3DCCD1}">
-                  <a14:hiddenFill xmlns:a14="http://schemas.microsoft.com/office/drawing/2010/main" xmlns="">
+                  <a14:hiddenFill xmlns="" xmlns:a14="http://schemas.microsoft.com/office/drawing/2010/main">
                     <a:noFill/>
                   </a14:hiddenFill>
                 </a:ext>
                 <a:ext uri="{AF507438-7753-43E0-B8FC-AC1667EBCBE1}">
-                  <a14:hiddenEffects xmlns:a14="http://schemas.microsoft.com/office/drawing/2010/main" xmlns="">
+                  <a14:hiddenEffects xmlns="" xmlns:a14="http://schemas.microsoft.com/office/drawing/2010/main">
                     <a:effectLst>
                       <a:outerShdw dist="35921" dir="2700000" algn="ctr" rotWithShape="0">
                         <a:schemeClr val="bg2"/>
@@ -26329,12 +26340,12 @@
               <a:effectLst/>
               <a:extLst>
                 <a:ext uri="{909E8E84-426E-40DD-AFC4-6F175D3DCCD1}">
-                  <a14:hiddenFill xmlns:a14="http://schemas.microsoft.com/office/drawing/2010/main" xmlns="">
+                  <a14:hiddenFill xmlns="" xmlns:a14="http://schemas.microsoft.com/office/drawing/2010/main">
                     <a:noFill/>
                   </a14:hiddenFill>
                 </a:ext>
                 <a:ext uri="{AF507438-7753-43E0-B8FC-AC1667EBCBE1}">
-                  <a14:hiddenEffects xmlns:a14="http://schemas.microsoft.com/office/drawing/2010/main" xmlns="">
+                  <a14:hiddenEffects xmlns="" xmlns:a14="http://schemas.microsoft.com/office/drawing/2010/main">
                     <a:effectLst>
                       <a:outerShdw dist="35921" dir="2700000" algn="ctr" rotWithShape="0">
                         <a:schemeClr val="bg2"/>
@@ -26382,12 +26393,12 @@
               <a:effectLst/>
               <a:extLst>
                 <a:ext uri="{909E8E84-426E-40DD-AFC4-6F175D3DCCD1}">
-                  <a14:hiddenFill xmlns:a14="http://schemas.microsoft.com/office/drawing/2010/main" xmlns="">
+                  <a14:hiddenFill xmlns="" xmlns:a14="http://schemas.microsoft.com/office/drawing/2010/main">
                     <a:noFill/>
                   </a14:hiddenFill>
                 </a:ext>
                 <a:ext uri="{AF507438-7753-43E0-B8FC-AC1667EBCBE1}">
-                  <a14:hiddenEffects xmlns:a14="http://schemas.microsoft.com/office/drawing/2010/main" xmlns="">
+                  <a14:hiddenEffects xmlns="" xmlns:a14="http://schemas.microsoft.com/office/drawing/2010/main">
                     <a:effectLst>
                       <a:outerShdw dist="35921" dir="2700000" algn="ctr" rotWithShape="0">
                         <a:schemeClr val="bg2"/>
@@ -26433,12 +26444,12 @@
               <a:effectLst/>
               <a:extLst>
                 <a:ext uri="{909E8E84-426E-40DD-AFC4-6F175D3DCCD1}">
-                  <a14:hiddenFill xmlns:a14="http://schemas.microsoft.com/office/drawing/2010/main" xmlns="">
+                  <a14:hiddenFill xmlns="" xmlns:a14="http://schemas.microsoft.com/office/drawing/2010/main">
                     <a:noFill/>
                   </a14:hiddenFill>
                 </a:ext>
                 <a:ext uri="{AF507438-7753-43E0-B8FC-AC1667EBCBE1}">
-                  <a14:hiddenEffects xmlns:a14="http://schemas.microsoft.com/office/drawing/2010/main" xmlns="">
+                  <a14:hiddenEffects xmlns="" xmlns:a14="http://schemas.microsoft.com/office/drawing/2010/main">
                     <a:effectLst>
                       <a:outerShdw dist="35921" dir="2700000" algn="ctr" rotWithShape="0">
                         <a:schemeClr val="bg2"/>
@@ -26486,7 +26497,7 @@
               <a:effectLst/>
               <a:extLst>
                 <a:ext uri="{AF507438-7753-43E0-B8FC-AC1667EBCBE1}">
-                  <a14:hiddenEffects xmlns:a14="http://schemas.microsoft.com/office/drawing/2010/main" xmlns="">
+                  <a14:hiddenEffects xmlns="" xmlns:a14="http://schemas.microsoft.com/office/drawing/2010/main">
                     <a:effectLst>
                       <a:outerShdw dist="35921" dir="2700000" algn="ctr" rotWithShape="0">
                         <a:schemeClr val="bg2"/>
@@ -26689,7 +26700,7 @@
               <a:effectLst/>
               <a:extLst>
                 <a:ext uri="{AF507438-7753-43E0-B8FC-AC1667EBCBE1}">
-                  <a14:hiddenEffects xmlns:a14="http://schemas.microsoft.com/office/drawing/2010/main" xmlns="">
+                  <a14:hiddenEffects xmlns="" xmlns:a14="http://schemas.microsoft.com/office/drawing/2010/main">
                     <a:effectLst>
                       <a:outerShdw dist="35921" dir="2700000" algn="ctr" rotWithShape="0">
                         <a:schemeClr val="bg2"/>
@@ -26892,7 +26903,7 @@
               <a:effectLst/>
               <a:extLst>
                 <a:ext uri="{AF507438-7753-43E0-B8FC-AC1667EBCBE1}">
-                  <a14:hiddenEffects xmlns:a14="http://schemas.microsoft.com/office/drawing/2010/main" xmlns="">
+                  <a14:hiddenEffects xmlns="" xmlns:a14="http://schemas.microsoft.com/office/drawing/2010/main">
                     <a:effectLst>
                       <a:outerShdw dist="35921" dir="2700000" algn="ctr" rotWithShape="0">
                         <a:schemeClr val="bg2"/>
@@ -27095,7 +27106,7 @@
               <a:effectLst/>
               <a:extLst>
                 <a:ext uri="{AF507438-7753-43E0-B8FC-AC1667EBCBE1}">
-                  <a14:hiddenEffects xmlns:a14="http://schemas.microsoft.com/office/drawing/2010/main" xmlns="">
+                  <a14:hiddenEffects xmlns="" xmlns:a14="http://schemas.microsoft.com/office/drawing/2010/main">
                     <a:effectLst>
                       <a:outerShdw dist="35921" dir="2700000" algn="ctr" rotWithShape="0">
                         <a:schemeClr val="bg2"/>
@@ -27298,7 +27309,7 @@
               <a:effectLst/>
               <a:extLst>
                 <a:ext uri="{AF507438-7753-43E0-B8FC-AC1667EBCBE1}">
-                  <a14:hiddenEffects xmlns:a14="http://schemas.microsoft.com/office/drawing/2010/main" xmlns="">
+                  <a14:hiddenEffects xmlns="" xmlns:a14="http://schemas.microsoft.com/office/drawing/2010/main">
                     <a:effectLst>
                       <a:outerShdw dist="35921" dir="2700000" algn="ctr" rotWithShape="0">
                         <a:schemeClr val="bg2"/>
@@ -27501,7 +27512,7 @@
               <a:effectLst/>
               <a:extLst>
                 <a:ext uri="{AF507438-7753-43E0-B8FC-AC1667EBCBE1}">
-                  <a14:hiddenEffects xmlns:a14="http://schemas.microsoft.com/office/drawing/2010/main" xmlns="">
+                  <a14:hiddenEffects xmlns="" xmlns:a14="http://schemas.microsoft.com/office/drawing/2010/main">
                     <a:effectLst>
                       <a:outerShdw dist="35921" dir="2700000" algn="ctr" rotWithShape="0">
                         <a:schemeClr val="bg2"/>
@@ -27704,7 +27715,7 @@
               <a:effectLst/>
               <a:extLst>
                 <a:ext uri="{AF507438-7753-43E0-B8FC-AC1667EBCBE1}">
-                  <a14:hiddenEffects xmlns:a14="http://schemas.microsoft.com/office/drawing/2010/main" xmlns="">
+                  <a14:hiddenEffects xmlns="" xmlns:a14="http://schemas.microsoft.com/office/drawing/2010/main">
                     <a:effectLst>
                       <a:outerShdw dist="35921" dir="2700000" algn="ctr" rotWithShape="0">
                         <a:schemeClr val="bg2"/>
@@ -27907,7 +27918,7 @@
               <a:effectLst/>
               <a:extLst>
                 <a:ext uri="{AF507438-7753-43E0-B8FC-AC1667EBCBE1}">
-                  <a14:hiddenEffects xmlns:a14="http://schemas.microsoft.com/office/drawing/2010/main" xmlns="">
+                  <a14:hiddenEffects xmlns="" xmlns:a14="http://schemas.microsoft.com/office/drawing/2010/main">
                     <a:effectLst>
                       <a:outerShdw dist="35921" dir="2700000" algn="ctr" rotWithShape="0">
                         <a:schemeClr val="bg2"/>
@@ -28110,7 +28121,7 @@
               <a:effectLst/>
               <a:extLst>
                 <a:ext uri="{AF507438-7753-43E0-B8FC-AC1667EBCBE1}">
-                  <a14:hiddenEffects xmlns:a14="http://schemas.microsoft.com/office/drawing/2010/main" xmlns="">
+                  <a14:hiddenEffects xmlns="" xmlns:a14="http://schemas.microsoft.com/office/drawing/2010/main">
                     <a:effectLst>
                       <a:outerShdw dist="35921" dir="2700000" algn="ctr" rotWithShape="0">
                         <a:schemeClr val="bg2"/>
@@ -28306,14 +28317,14 @@
               <a:effectLst/>
               <a:extLst>
                 <a:ext uri="{909E8E84-426E-40DD-AFC4-6F175D3DCCD1}">
-                  <a14:hiddenFill xmlns:a14="http://schemas.microsoft.com/office/drawing/2010/main" xmlns="">
+                  <a14:hiddenFill xmlns="" xmlns:a14="http://schemas.microsoft.com/office/drawing/2010/main">
                     <a:solidFill>
                       <a:srgbClr val="FFFF99"/>
                     </a:solidFill>
                   </a14:hiddenFill>
                 </a:ext>
                 <a:ext uri="{91240B29-F687-4F45-9708-019B960494DF}">
-                  <a14:hiddenLine xmlns:a14="http://schemas.microsoft.com/office/drawing/2010/main" xmlns="" w="9525">
+                  <a14:hiddenLine xmlns="" xmlns:a14="http://schemas.microsoft.com/office/drawing/2010/main" w="9525">
                     <a:solidFill>
                       <a:schemeClr val="tx1"/>
                     </a:solidFill>
@@ -28323,7 +28334,7 @@
                   </a14:hiddenLine>
                 </a:ext>
                 <a:ext uri="{AF507438-7753-43E0-B8FC-AC1667EBCBE1}">
-                  <a14:hiddenEffects xmlns:a14="http://schemas.microsoft.com/office/drawing/2010/main" xmlns="">
+                  <a14:hiddenEffects xmlns="" xmlns:a14="http://schemas.microsoft.com/office/drawing/2010/main">
                     <a:effectLst>
                       <a:outerShdw dist="35921" dir="2700000" algn="ctr" rotWithShape="0">
                         <a:schemeClr val="bg2"/>
@@ -28529,12 +28540,12 @@
               <a:effectLst/>
               <a:extLst>
                 <a:ext uri="{909E8E84-426E-40DD-AFC4-6F175D3DCCD1}">
-                  <a14:hiddenFill xmlns:a14="http://schemas.microsoft.com/office/drawing/2010/main" xmlns="">
+                  <a14:hiddenFill xmlns="" xmlns:a14="http://schemas.microsoft.com/office/drawing/2010/main">
                     <a:noFill/>
                   </a14:hiddenFill>
                 </a:ext>
                 <a:ext uri="{AF507438-7753-43E0-B8FC-AC1667EBCBE1}">
-                  <a14:hiddenEffects xmlns:a14="http://schemas.microsoft.com/office/drawing/2010/main" xmlns="">
+                  <a14:hiddenEffects xmlns="" xmlns:a14="http://schemas.microsoft.com/office/drawing/2010/main">
                     <a:effectLst>
                       <a:outerShdw dist="35921" dir="2700000" algn="ctr" rotWithShape="0">
                         <a:schemeClr val="bg2"/>
@@ -28575,14 +28586,14 @@
               <a:effectLst/>
               <a:extLst>
                 <a:ext uri="{909E8E84-426E-40DD-AFC4-6F175D3DCCD1}">
-                  <a14:hiddenFill xmlns:a14="http://schemas.microsoft.com/office/drawing/2010/main" xmlns="">
+                  <a14:hiddenFill xmlns="" xmlns:a14="http://schemas.microsoft.com/office/drawing/2010/main">
                     <a:solidFill>
                       <a:srgbClr val="FFFF99"/>
                     </a:solidFill>
                   </a14:hiddenFill>
                 </a:ext>
                 <a:ext uri="{91240B29-F687-4F45-9708-019B960494DF}">
-                  <a14:hiddenLine xmlns:a14="http://schemas.microsoft.com/office/drawing/2010/main" xmlns="" w="9525">
+                  <a14:hiddenLine xmlns="" xmlns:a14="http://schemas.microsoft.com/office/drawing/2010/main" w="9525">
                     <a:solidFill>
                       <a:schemeClr val="tx1"/>
                     </a:solidFill>
@@ -28592,7 +28603,7 @@
                   </a14:hiddenLine>
                 </a:ext>
                 <a:ext uri="{AF507438-7753-43E0-B8FC-AC1667EBCBE1}">
-                  <a14:hiddenEffects xmlns:a14="http://schemas.microsoft.com/office/drawing/2010/main" xmlns="">
+                  <a14:hiddenEffects xmlns="" xmlns:a14="http://schemas.microsoft.com/office/drawing/2010/main">
                     <a:effectLst>
                       <a:outerShdw dist="35921" dir="2700000" algn="ctr" rotWithShape="0">
                         <a:schemeClr val="bg2"/>
@@ -28798,12 +28809,12 @@
               <a:effectLst/>
               <a:extLst>
                 <a:ext uri="{909E8E84-426E-40DD-AFC4-6F175D3DCCD1}">
-                  <a14:hiddenFill xmlns:a14="http://schemas.microsoft.com/office/drawing/2010/main" xmlns="">
+                  <a14:hiddenFill xmlns="" xmlns:a14="http://schemas.microsoft.com/office/drawing/2010/main">
                     <a:noFill/>
                   </a14:hiddenFill>
                 </a:ext>
                 <a:ext uri="{AF507438-7753-43E0-B8FC-AC1667EBCBE1}">
-                  <a14:hiddenEffects xmlns:a14="http://schemas.microsoft.com/office/drawing/2010/main" xmlns="">
+                  <a14:hiddenEffects xmlns="" xmlns:a14="http://schemas.microsoft.com/office/drawing/2010/main">
                     <a:effectLst>
                       <a:outerShdw dist="35921" dir="2700000" algn="ctr" rotWithShape="0">
                         <a:schemeClr val="bg2"/>
@@ -28849,12 +28860,12 @@
               <a:effectLst/>
               <a:extLst>
                 <a:ext uri="{909E8E84-426E-40DD-AFC4-6F175D3DCCD1}">
-                  <a14:hiddenFill xmlns:a14="http://schemas.microsoft.com/office/drawing/2010/main" xmlns="">
+                  <a14:hiddenFill xmlns="" xmlns:a14="http://schemas.microsoft.com/office/drawing/2010/main">
                     <a:noFill/>
                   </a14:hiddenFill>
                 </a:ext>
                 <a:ext uri="{AF507438-7753-43E0-B8FC-AC1667EBCBE1}">
-                  <a14:hiddenEffects xmlns:a14="http://schemas.microsoft.com/office/drawing/2010/main" xmlns="">
+                  <a14:hiddenEffects xmlns="" xmlns:a14="http://schemas.microsoft.com/office/drawing/2010/main">
                     <a:effectLst>
                       <a:outerShdw dist="35921" dir="2700000" algn="ctr" rotWithShape="0">
                         <a:schemeClr val="bg2"/>
@@ -28902,12 +28913,12 @@
               <a:effectLst/>
               <a:extLst>
                 <a:ext uri="{909E8E84-426E-40DD-AFC4-6F175D3DCCD1}">
-                  <a14:hiddenFill xmlns:a14="http://schemas.microsoft.com/office/drawing/2010/main" xmlns="">
+                  <a14:hiddenFill xmlns="" xmlns:a14="http://schemas.microsoft.com/office/drawing/2010/main">
                     <a:noFill/>
                   </a14:hiddenFill>
                 </a:ext>
                 <a:ext uri="{AF507438-7753-43E0-B8FC-AC1667EBCBE1}">
-                  <a14:hiddenEffects xmlns:a14="http://schemas.microsoft.com/office/drawing/2010/main" xmlns="">
+                  <a14:hiddenEffects xmlns="" xmlns:a14="http://schemas.microsoft.com/office/drawing/2010/main">
                     <a:effectLst>
                       <a:outerShdw dist="35921" dir="2700000" algn="ctr" rotWithShape="0">
                         <a:schemeClr val="bg2"/>
@@ -28953,12 +28964,12 @@
               <a:effectLst/>
               <a:extLst>
                 <a:ext uri="{909E8E84-426E-40DD-AFC4-6F175D3DCCD1}">
-                  <a14:hiddenFill xmlns:a14="http://schemas.microsoft.com/office/drawing/2010/main" xmlns="">
+                  <a14:hiddenFill xmlns="" xmlns:a14="http://schemas.microsoft.com/office/drawing/2010/main">
                     <a:noFill/>
                   </a14:hiddenFill>
                 </a:ext>
                 <a:ext uri="{AF507438-7753-43E0-B8FC-AC1667EBCBE1}">
-                  <a14:hiddenEffects xmlns:a14="http://schemas.microsoft.com/office/drawing/2010/main" xmlns="">
+                  <a14:hiddenEffects xmlns="" xmlns:a14="http://schemas.microsoft.com/office/drawing/2010/main">
                     <a:effectLst>
                       <a:outerShdw dist="35921" dir="2700000" algn="ctr" rotWithShape="0">
                         <a:schemeClr val="bg2"/>
@@ -29006,7 +29017,7 @@
               <a:effectLst/>
               <a:extLst>
                 <a:ext uri="{AF507438-7753-43E0-B8FC-AC1667EBCBE1}">
-                  <a14:hiddenEffects xmlns:a14="http://schemas.microsoft.com/office/drawing/2010/main" xmlns="">
+                  <a14:hiddenEffects xmlns="" xmlns:a14="http://schemas.microsoft.com/office/drawing/2010/main">
                     <a:effectLst>
                       <a:outerShdw dist="35921" dir="2700000" algn="ctr" rotWithShape="0">
                         <a:schemeClr val="bg2"/>
@@ -29209,7 +29220,7 @@
               <a:effectLst/>
               <a:extLst>
                 <a:ext uri="{AF507438-7753-43E0-B8FC-AC1667EBCBE1}">
-                  <a14:hiddenEffects xmlns:a14="http://schemas.microsoft.com/office/drawing/2010/main" xmlns="">
+                  <a14:hiddenEffects xmlns="" xmlns:a14="http://schemas.microsoft.com/office/drawing/2010/main">
                     <a:effectLst>
                       <a:outerShdw dist="35921" dir="2700000" algn="ctr" rotWithShape="0">
                         <a:schemeClr val="bg2"/>
@@ -29412,7 +29423,7 @@
               <a:effectLst/>
               <a:extLst>
                 <a:ext uri="{AF507438-7753-43E0-B8FC-AC1667EBCBE1}">
-                  <a14:hiddenEffects xmlns:a14="http://schemas.microsoft.com/office/drawing/2010/main" xmlns="">
+                  <a14:hiddenEffects xmlns="" xmlns:a14="http://schemas.microsoft.com/office/drawing/2010/main">
                     <a:effectLst>
                       <a:outerShdw dist="35921" dir="2700000" algn="ctr" rotWithShape="0">
                         <a:schemeClr val="bg2"/>
@@ -29615,7 +29626,7 @@
               <a:effectLst/>
               <a:extLst>
                 <a:ext uri="{AF507438-7753-43E0-B8FC-AC1667EBCBE1}">
-                  <a14:hiddenEffects xmlns:a14="http://schemas.microsoft.com/office/drawing/2010/main" xmlns="">
+                  <a14:hiddenEffects xmlns="" xmlns:a14="http://schemas.microsoft.com/office/drawing/2010/main">
                     <a:effectLst>
                       <a:outerShdw dist="35921" dir="2700000" algn="ctr" rotWithShape="0">
                         <a:schemeClr val="bg2"/>
@@ -29818,7 +29829,7 @@
               <a:effectLst/>
               <a:extLst>
                 <a:ext uri="{AF507438-7753-43E0-B8FC-AC1667EBCBE1}">
-                  <a14:hiddenEffects xmlns:a14="http://schemas.microsoft.com/office/drawing/2010/main" xmlns="">
+                  <a14:hiddenEffects xmlns="" xmlns:a14="http://schemas.microsoft.com/office/drawing/2010/main">
                     <a:effectLst>
                       <a:outerShdw dist="35921" dir="2700000" algn="ctr" rotWithShape="0">
                         <a:schemeClr val="bg2"/>
@@ -30021,7 +30032,7 @@
               <a:effectLst/>
               <a:extLst>
                 <a:ext uri="{AF507438-7753-43E0-B8FC-AC1667EBCBE1}">
-                  <a14:hiddenEffects xmlns:a14="http://schemas.microsoft.com/office/drawing/2010/main" xmlns="">
+                  <a14:hiddenEffects xmlns="" xmlns:a14="http://schemas.microsoft.com/office/drawing/2010/main">
                     <a:effectLst>
                       <a:outerShdw dist="35921" dir="2700000" algn="ctr" rotWithShape="0">
                         <a:schemeClr val="bg2"/>
@@ -30224,7 +30235,7 @@
               <a:effectLst/>
               <a:extLst>
                 <a:ext uri="{AF507438-7753-43E0-B8FC-AC1667EBCBE1}">
-                  <a14:hiddenEffects xmlns:a14="http://schemas.microsoft.com/office/drawing/2010/main" xmlns="">
+                  <a14:hiddenEffects xmlns="" xmlns:a14="http://schemas.microsoft.com/office/drawing/2010/main">
                     <a:effectLst>
                       <a:outerShdw dist="35921" dir="2700000" algn="ctr" rotWithShape="0">
                         <a:schemeClr val="bg2"/>
@@ -30427,7 +30438,7 @@
               <a:effectLst/>
               <a:extLst>
                 <a:ext uri="{AF507438-7753-43E0-B8FC-AC1667EBCBE1}">
-                  <a14:hiddenEffects xmlns:a14="http://schemas.microsoft.com/office/drawing/2010/main" xmlns="">
+                  <a14:hiddenEffects xmlns="" xmlns:a14="http://schemas.microsoft.com/office/drawing/2010/main">
                     <a:effectLst>
                       <a:outerShdw dist="35921" dir="2700000" algn="ctr" rotWithShape="0">
                         <a:schemeClr val="bg2"/>
@@ -30630,7 +30641,7 @@
               <a:effectLst/>
               <a:extLst>
                 <a:ext uri="{AF507438-7753-43E0-B8FC-AC1667EBCBE1}">
-                  <a14:hiddenEffects xmlns:a14="http://schemas.microsoft.com/office/drawing/2010/main" xmlns="">
+                  <a14:hiddenEffects xmlns="" xmlns:a14="http://schemas.microsoft.com/office/drawing/2010/main">
                     <a:effectLst>
                       <a:outerShdw dist="35921" dir="2700000" algn="ctr" rotWithShape="0">
                         <a:schemeClr val="bg2"/>
@@ -30826,14 +30837,14 @@
               <a:effectLst/>
               <a:extLst>
                 <a:ext uri="{909E8E84-426E-40DD-AFC4-6F175D3DCCD1}">
-                  <a14:hiddenFill xmlns:a14="http://schemas.microsoft.com/office/drawing/2010/main" xmlns="">
+                  <a14:hiddenFill xmlns="" xmlns:a14="http://schemas.microsoft.com/office/drawing/2010/main">
                     <a:solidFill>
                       <a:srgbClr val="FFFF99"/>
                     </a:solidFill>
                   </a14:hiddenFill>
                 </a:ext>
                 <a:ext uri="{91240B29-F687-4F45-9708-019B960494DF}">
-                  <a14:hiddenLine xmlns:a14="http://schemas.microsoft.com/office/drawing/2010/main" xmlns="" w="9525">
+                  <a14:hiddenLine xmlns="" xmlns:a14="http://schemas.microsoft.com/office/drawing/2010/main" w="9525">
                     <a:solidFill>
                       <a:schemeClr val="tx1"/>
                     </a:solidFill>
@@ -30843,7 +30854,7 @@
                   </a14:hiddenLine>
                 </a:ext>
                 <a:ext uri="{AF507438-7753-43E0-B8FC-AC1667EBCBE1}">
-                  <a14:hiddenEffects xmlns:a14="http://schemas.microsoft.com/office/drawing/2010/main" xmlns="">
+                  <a14:hiddenEffects xmlns="" xmlns:a14="http://schemas.microsoft.com/office/drawing/2010/main">
                     <a:effectLst>
                       <a:outerShdw dist="35921" dir="2700000" algn="ctr" rotWithShape="0">
                         <a:schemeClr val="bg2"/>
@@ -31049,12 +31060,12 @@
               <a:effectLst/>
               <a:extLst>
                 <a:ext uri="{909E8E84-426E-40DD-AFC4-6F175D3DCCD1}">
-                  <a14:hiddenFill xmlns:a14="http://schemas.microsoft.com/office/drawing/2010/main" xmlns="">
+                  <a14:hiddenFill xmlns="" xmlns:a14="http://schemas.microsoft.com/office/drawing/2010/main">
                     <a:noFill/>
                   </a14:hiddenFill>
                 </a:ext>
                 <a:ext uri="{AF507438-7753-43E0-B8FC-AC1667EBCBE1}">
-                  <a14:hiddenEffects xmlns:a14="http://schemas.microsoft.com/office/drawing/2010/main" xmlns="">
+                  <a14:hiddenEffects xmlns="" xmlns:a14="http://schemas.microsoft.com/office/drawing/2010/main">
                     <a:effectLst>
                       <a:outerShdw dist="35921" dir="2700000" algn="ctr" rotWithShape="0">
                         <a:schemeClr val="bg2"/>
@@ -31095,14 +31106,14 @@
               <a:effectLst/>
               <a:extLst>
                 <a:ext uri="{909E8E84-426E-40DD-AFC4-6F175D3DCCD1}">
-                  <a14:hiddenFill xmlns:a14="http://schemas.microsoft.com/office/drawing/2010/main" xmlns="">
+                  <a14:hiddenFill xmlns="" xmlns:a14="http://schemas.microsoft.com/office/drawing/2010/main">
                     <a:solidFill>
                       <a:srgbClr val="FFFF99"/>
                     </a:solidFill>
                   </a14:hiddenFill>
                 </a:ext>
                 <a:ext uri="{91240B29-F687-4F45-9708-019B960494DF}">
-                  <a14:hiddenLine xmlns:a14="http://schemas.microsoft.com/office/drawing/2010/main" xmlns="" w="9525">
+                  <a14:hiddenLine xmlns="" xmlns:a14="http://schemas.microsoft.com/office/drawing/2010/main" w="9525">
                     <a:solidFill>
                       <a:schemeClr val="tx1"/>
                     </a:solidFill>
@@ -31112,7 +31123,7 @@
                   </a14:hiddenLine>
                 </a:ext>
                 <a:ext uri="{AF507438-7753-43E0-B8FC-AC1667EBCBE1}">
-                  <a14:hiddenEffects xmlns:a14="http://schemas.microsoft.com/office/drawing/2010/main" xmlns="">
+                  <a14:hiddenEffects xmlns="" xmlns:a14="http://schemas.microsoft.com/office/drawing/2010/main">
                     <a:effectLst>
                       <a:outerShdw dist="35921" dir="2700000" algn="ctr" rotWithShape="0">
                         <a:schemeClr val="bg2"/>
@@ -31318,12 +31329,12 @@
               <a:effectLst/>
               <a:extLst>
                 <a:ext uri="{909E8E84-426E-40DD-AFC4-6F175D3DCCD1}">
-                  <a14:hiddenFill xmlns:a14="http://schemas.microsoft.com/office/drawing/2010/main" xmlns="">
+                  <a14:hiddenFill xmlns="" xmlns:a14="http://schemas.microsoft.com/office/drawing/2010/main">
                     <a:noFill/>
                   </a14:hiddenFill>
                 </a:ext>
                 <a:ext uri="{AF507438-7753-43E0-B8FC-AC1667EBCBE1}">
-                  <a14:hiddenEffects xmlns:a14="http://schemas.microsoft.com/office/drawing/2010/main" xmlns="">
+                  <a14:hiddenEffects xmlns="" xmlns:a14="http://schemas.microsoft.com/office/drawing/2010/main">
                     <a:effectLst>
                       <a:outerShdw dist="35921" dir="2700000" algn="ctr" rotWithShape="0">
                         <a:schemeClr val="bg2"/>
@@ -31369,12 +31380,12 @@
               <a:effectLst/>
               <a:extLst>
                 <a:ext uri="{909E8E84-426E-40DD-AFC4-6F175D3DCCD1}">
-                  <a14:hiddenFill xmlns:a14="http://schemas.microsoft.com/office/drawing/2010/main" xmlns="">
+                  <a14:hiddenFill xmlns="" xmlns:a14="http://schemas.microsoft.com/office/drawing/2010/main">
                     <a:noFill/>
                   </a14:hiddenFill>
                 </a:ext>
                 <a:ext uri="{AF507438-7753-43E0-B8FC-AC1667EBCBE1}">
-                  <a14:hiddenEffects xmlns:a14="http://schemas.microsoft.com/office/drawing/2010/main" xmlns="">
+                  <a14:hiddenEffects xmlns="" xmlns:a14="http://schemas.microsoft.com/office/drawing/2010/main">
                     <a:effectLst>
                       <a:outerShdw dist="35921" dir="2700000" algn="ctr" rotWithShape="0">
                         <a:schemeClr val="bg2"/>
@@ -31422,12 +31433,12 @@
               <a:effectLst/>
               <a:extLst>
                 <a:ext uri="{909E8E84-426E-40DD-AFC4-6F175D3DCCD1}">
-                  <a14:hiddenFill xmlns:a14="http://schemas.microsoft.com/office/drawing/2010/main" xmlns="">
+                  <a14:hiddenFill xmlns="" xmlns:a14="http://schemas.microsoft.com/office/drawing/2010/main">
                     <a:noFill/>
                   </a14:hiddenFill>
                 </a:ext>
                 <a:ext uri="{AF507438-7753-43E0-B8FC-AC1667EBCBE1}">
-                  <a14:hiddenEffects xmlns:a14="http://schemas.microsoft.com/office/drawing/2010/main" xmlns="">
+                  <a14:hiddenEffects xmlns="" xmlns:a14="http://schemas.microsoft.com/office/drawing/2010/main">
                     <a:effectLst>
                       <a:outerShdw dist="35921" dir="2700000" algn="ctr" rotWithShape="0">
                         <a:schemeClr val="bg2"/>
@@ -31473,12 +31484,12 @@
               <a:effectLst/>
               <a:extLst>
                 <a:ext uri="{909E8E84-426E-40DD-AFC4-6F175D3DCCD1}">
-                  <a14:hiddenFill xmlns:a14="http://schemas.microsoft.com/office/drawing/2010/main" xmlns="">
+                  <a14:hiddenFill xmlns="" xmlns:a14="http://schemas.microsoft.com/office/drawing/2010/main">
                     <a:noFill/>
                   </a14:hiddenFill>
                 </a:ext>
                 <a:ext uri="{AF507438-7753-43E0-B8FC-AC1667EBCBE1}">
-                  <a14:hiddenEffects xmlns:a14="http://schemas.microsoft.com/office/drawing/2010/main" xmlns="">
+                  <a14:hiddenEffects xmlns="" xmlns:a14="http://schemas.microsoft.com/office/drawing/2010/main">
                     <a:effectLst>
                       <a:outerShdw dist="35921" dir="2700000" algn="ctr" rotWithShape="0">
                         <a:schemeClr val="bg2"/>
@@ -31526,7 +31537,7 @@
               <a:effectLst/>
               <a:extLst>
                 <a:ext uri="{AF507438-7753-43E0-B8FC-AC1667EBCBE1}">
-                  <a14:hiddenEffects xmlns:a14="http://schemas.microsoft.com/office/drawing/2010/main" xmlns="">
+                  <a14:hiddenEffects xmlns="" xmlns:a14="http://schemas.microsoft.com/office/drawing/2010/main">
                     <a:effectLst>
                       <a:outerShdw dist="35921" dir="2700000" algn="ctr" rotWithShape="0">
                         <a:schemeClr val="bg2"/>
@@ -31729,7 +31740,7 @@
               <a:effectLst/>
               <a:extLst>
                 <a:ext uri="{AF507438-7753-43E0-B8FC-AC1667EBCBE1}">
-                  <a14:hiddenEffects xmlns:a14="http://schemas.microsoft.com/office/drawing/2010/main" xmlns="">
+                  <a14:hiddenEffects xmlns="" xmlns:a14="http://schemas.microsoft.com/office/drawing/2010/main">
                     <a:effectLst>
                       <a:outerShdw dist="35921" dir="2700000" algn="ctr" rotWithShape="0">
                         <a:schemeClr val="bg2"/>
@@ -31932,7 +31943,7 @@
               <a:effectLst/>
               <a:extLst>
                 <a:ext uri="{AF507438-7753-43E0-B8FC-AC1667EBCBE1}">
-                  <a14:hiddenEffects xmlns:a14="http://schemas.microsoft.com/office/drawing/2010/main" xmlns="">
+                  <a14:hiddenEffects xmlns="" xmlns:a14="http://schemas.microsoft.com/office/drawing/2010/main">
                     <a:effectLst>
                       <a:outerShdw dist="35921" dir="2700000" algn="ctr" rotWithShape="0">
                         <a:schemeClr val="bg2"/>
@@ -32135,7 +32146,7 @@
               <a:effectLst/>
               <a:extLst>
                 <a:ext uri="{AF507438-7753-43E0-B8FC-AC1667EBCBE1}">
-                  <a14:hiddenEffects xmlns:a14="http://schemas.microsoft.com/office/drawing/2010/main" xmlns="">
+                  <a14:hiddenEffects xmlns="" xmlns:a14="http://schemas.microsoft.com/office/drawing/2010/main">
                     <a:effectLst>
                       <a:outerShdw dist="35921" dir="2700000" algn="ctr" rotWithShape="0">
                         <a:schemeClr val="bg2"/>
@@ -32338,7 +32349,7 @@
               <a:effectLst/>
               <a:extLst>
                 <a:ext uri="{AF507438-7753-43E0-B8FC-AC1667EBCBE1}">
-                  <a14:hiddenEffects xmlns:a14="http://schemas.microsoft.com/office/drawing/2010/main" xmlns="">
+                  <a14:hiddenEffects xmlns="" xmlns:a14="http://schemas.microsoft.com/office/drawing/2010/main">
                     <a:effectLst>
                       <a:outerShdw dist="35921" dir="2700000" algn="ctr" rotWithShape="0">
                         <a:schemeClr val="bg2"/>
@@ -32541,7 +32552,7 @@
               <a:effectLst/>
               <a:extLst>
                 <a:ext uri="{AF507438-7753-43E0-B8FC-AC1667EBCBE1}">
-                  <a14:hiddenEffects xmlns:a14="http://schemas.microsoft.com/office/drawing/2010/main" xmlns="">
+                  <a14:hiddenEffects xmlns="" xmlns:a14="http://schemas.microsoft.com/office/drawing/2010/main">
                     <a:effectLst>
                       <a:outerShdw dist="35921" dir="2700000" algn="ctr" rotWithShape="0">
                         <a:schemeClr val="bg2"/>
@@ -32744,7 +32755,7 @@
               <a:effectLst/>
               <a:extLst>
                 <a:ext uri="{AF507438-7753-43E0-B8FC-AC1667EBCBE1}">
-                  <a14:hiddenEffects xmlns:a14="http://schemas.microsoft.com/office/drawing/2010/main" xmlns="">
+                  <a14:hiddenEffects xmlns="" xmlns:a14="http://schemas.microsoft.com/office/drawing/2010/main">
                     <a:effectLst>
                       <a:outerShdw dist="35921" dir="2700000" algn="ctr" rotWithShape="0">
                         <a:schemeClr val="bg2"/>
@@ -32947,7 +32958,7 @@
               <a:effectLst/>
               <a:extLst>
                 <a:ext uri="{AF507438-7753-43E0-B8FC-AC1667EBCBE1}">
-                  <a14:hiddenEffects xmlns:a14="http://schemas.microsoft.com/office/drawing/2010/main" xmlns="">
+                  <a14:hiddenEffects xmlns="" xmlns:a14="http://schemas.microsoft.com/office/drawing/2010/main">
                     <a:effectLst>
                       <a:outerShdw dist="35921" dir="2700000" algn="ctr" rotWithShape="0">
                         <a:schemeClr val="bg2"/>
@@ -33150,7 +33161,7 @@
               <a:effectLst/>
               <a:extLst>
                 <a:ext uri="{AF507438-7753-43E0-B8FC-AC1667EBCBE1}">
-                  <a14:hiddenEffects xmlns:a14="http://schemas.microsoft.com/office/drawing/2010/main" xmlns="">
+                  <a14:hiddenEffects xmlns="" xmlns:a14="http://schemas.microsoft.com/office/drawing/2010/main">
                     <a:effectLst>
                       <a:outerShdw dist="35921" dir="2700000" algn="ctr" rotWithShape="0">
                         <a:schemeClr val="bg2"/>
@@ -33346,14 +33357,14 @@
               <a:effectLst/>
               <a:extLst>
                 <a:ext uri="{909E8E84-426E-40DD-AFC4-6F175D3DCCD1}">
-                  <a14:hiddenFill xmlns:a14="http://schemas.microsoft.com/office/drawing/2010/main" xmlns="">
+                  <a14:hiddenFill xmlns="" xmlns:a14="http://schemas.microsoft.com/office/drawing/2010/main">
                     <a:solidFill>
                       <a:srgbClr val="FFFF99"/>
                     </a:solidFill>
                   </a14:hiddenFill>
                 </a:ext>
                 <a:ext uri="{91240B29-F687-4F45-9708-019B960494DF}">
-                  <a14:hiddenLine xmlns:a14="http://schemas.microsoft.com/office/drawing/2010/main" xmlns="" w="9525">
+                  <a14:hiddenLine xmlns="" xmlns:a14="http://schemas.microsoft.com/office/drawing/2010/main" w="9525">
                     <a:solidFill>
                       <a:schemeClr val="tx1"/>
                     </a:solidFill>
@@ -33363,7 +33374,7 @@
                   </a14:hiddenLine>
                 </a:ext>
                 <a:ext uri="{AF507438-7753-43E0-B8FC-AC1667EBCBE1}">
-                  <a14:hiddenEffects xmlns:a14="http://schemas.microsoft.com/office/drawing/2010/main" xmlns="">
+                  <a14:hiddenEffects xmlns="" xmlns:a14="http://schemas.microsoft.com/office/drawing/2010/main">
                     <a:effectLst>
                       <a:outerShdw dist="35921" dir="2700000" algn="ctr" rotWithShape="0">
                         <a:schemeClr val="bg2"/>
@@ -33569,12 +33580,12 @@
               <a:effectLst/>
               <a:extLst>
                 <a:ext uri="{909E8E84-426E-40DD-AFC4-6F175D3DCCD1}">
-                  <a14:hiddenFill xmlns:a14="http://schemas.microsoft.com/office/drawing/2010/main" xmlns="">
+                  <a14:hiddenFill xmlns="" xmlns:a14="http://schemas.microsoft.com/office/drawing/2010/main">
                     <a:noFill/>
                   </a14:hiddenFill>
                 </a:ext>
                 <a:ext uri="{AF507438-7753-43E0-B8FC-AC1667EBCBE1}">
-                  <a14:hiddenEffects xmlns:a14="http://schemas.microsoft.com/office/drawing/2010/main" xmlns="">
+                  <a14:hiddenEffects xmlns="" xmlns:a14="http://schemas.microsoft.com/office/drawing/2010/main">
                     <a:effectLst>
                       <a:outerShdw dist="35921" dir="2700000" algn="ctr" rotWithShape="0">
                         <a:schemeClr val="bg2"/>
@@ -33615,14 +33626,14 @@
               <a:effectLst/>
               <a:extLst>
                 <a:ext uri="{909E8E84-426E-40DD-AFC4-6F175D3DCCD1}">
-                  <a14:hiddenFill xmlns:a14="http://schemas.microsoft.com/office/drawing/2010/main" xmlns="">
+                  <a14:hiddenFill xmlns="" xmlns:a14="http://schemas.microsoft.com/office/drawing/2010/main">
                     <a:solidFill>
                       <a:srgbClr val="FFFF99"/>
                     </a:solidFill>
                   </a14:hiddenFill>
                 </a:ext>
                 <a:ext uri="{91240B29-F687-4F45-9708-019B960494DF}">
-                  <a14:hiddenLine xmlns:a14="http://schemas.microsoft.com/office/drawing/2010/main" xmlns="" w="9525">
+                  <a14:hiddenLine xmlns="" xmlns:a14="http://schemas.microsoft.com/office/drawing/2010/main" w="9525">
                     <a:solidFill>
                       <a:schemeClr val="tx1"/>
                     </a:solidFill>
@@ -33632,7 +33643,7 @@
                   </a14:hiddenLine>
                 </a:ext>
                 <a:ext uri="{AF507438-7753-43E0-B8FC-AC1667EBCBE1}">
-                  <a14:hiddenEffects xmlns:a14="http://schemas.microsoft.com/office/drawing/2010/main" xmlns="">
+                  <a14:hiddenEffects xmlns="" xmlns:a14="http://schemas.microsoft.com/office/drawing/2010/main">
                     <a:effectLst>
                       <a:outerShdw dist="35921" dir="2700000" algn="ctr" rotWithShape="0">
                         <a:schemeClr val="bg2"/>
@@ -33838,12 +33849,12 @@
               <a:effectLst/>
               <a:extLst>
                 <a:ext uri="{909E8E84-426E-40DD-AFC4-6F175D3DCCD1}">
-                  <a14:hiddenFill xmlns:a14="http://schemas.microsoft.com/office/drawing/2010/main" xmlns="">
+                  <a14:hiddenFill xmlns="" xmlns:a14="http://schemas.microsoft.com/office/drawing/2010/main">
                     <a:noFill/>
                   </a14:hiddenFill>
                 </a:ext>
                 <a:ext uri="{AF507438-7753-43E0-B8FC-AC1667EBCBE1}">
-                  <a14:hiddenEffects xmlns:a14="http://schemas.microsoft.com/office/drawing/2010/main" xmlns="">
+                  <a14:hiddenEffects xmlns="" xmlns:a14="http://schemas.microsoft.com/office/drawing/2010/main">
                     <a:effectLst>
                       <a:outerShdw dist="35921" dir="2700000" algn="ctr" rotWithShape="0">
                         <a:schemeClr val="bg2"/>
@@ -33889,12 +33900,12 @@
               <a:effectLst/>
               <a:extLst>
                 <a:ext uri="{909E8E84-426E-40DD-AFC4-6F175D3DCCD1}">
-                  <a14:hiddenFill xmlns:a14="http://schemas.microsoft.com/office/drawing/2010/main" xmlns="">
+                  <a14:hiddenFill xmlns="" xmlns:a14="http://schemas.microsoft.com/office/drawing/2010/main">
                     <a:noFill/>
                   </a14:hiddenFill>
                 </a:ext>
                 <a:ext uri="{AF507438-7753-43E0-B8FC-AC1667EBCBE1}">
-                  <a14:hiddenEffects xmlns:a14="http://schemas.microsoft.com/office/drawing/2010/main" xmlns="">
+                  <a14:hiddenEffects xmlns="" xmlns:a14="http://schemas.microsoft.com/office/drawing/2010/main">
                     <a:effectLst>
                       <a:outerShdw dist="35921" dir="2700000" algn="ctr" rotWithShape="0">
                         <a:schemeClr val="bg2"/>
@@ -33942,12 +33953,12 @@
               <a:effectLst/>
               <a:extLst>
                 <a:ext uri="{909E8E84-426E-40DD-AFC4-6F175D3DCCD1}">
-                  <a14:hiddenFill xmlns:a14="http://schemas.microsoft.com/office/drawing/2010/main" xmlns="">
+                  <a14:hiddenFill xmlns="" xmlns:a14="http://schemas.microsoft.com/office/drawing/2010/main">
                     <a:noFill/>
                   </a14:hiddenFill>
                 </a:ext>
                 <a:ext uri="{AF507438-7753-43E0-B8FC-AC1667EBCBE1}">
-                  <a14:hiddenEffects xmlns:a14="http://schemas.microsoft.com/office/drawing/2010/main" xmlns="">
+                  <a14:hiddenEffects xmlns="" xmlns:a14="http://schemas.microsoft.com/office/drawing/2010/main">
                     <a:effectLst>
                       <a:outerShdw dist="35921" dir="2700000" algn="ctr" rotWithShape="0">
                         <a:schemeClr val="bg2"/>
@@ -33993,12 +34004,12 @@
               <a:effectLst/>
               <a:extLst>
                 <a:ext uri="{909E8E84-426E-40DD-AFC4-6F175D3DCCD1}">
-                  <a14:hiddenFill xmlns:a14="http://schemas.microsoft.com/office/drawing/2010/main" xmlns="">
+                  <a14:hiddenFill xmlns="" xmlns:a14="http://schemas.microsoft.com/office/drawing/2010/main">
                     <a:noFill/>
                   </a14:hiddenFill>
                 </a:ext>
                 <a:ext uri="{AF507438-7753-43E0-B8FC-AC1667EBCBE1}">
-                  <a14:hiddenEffects xmlns:a14="http://schemas.microsoft.com/office/drawing/2010/main" xmlns="">
+                  <a14:hiddenEffects xmlns="" xmlns:a14="http://schemas.microsoft.com/office/drawing/2010/main">
                     <a:effectLst>
                       <a:outerShdw dist="35921" dir="2700000" algn="ctr" rotWithShape="0">
                         <a:schemeClr val="bg2"/>
@@ -34046,7 +34057,7 @@
               <a:effectLst/>
               <a:extLst>
                 <a:ext uri="{AF507438-7753-43E0-B8FC-AC1667EBCBE1}">
-                  <a14:hiddenEffects xmlns:a14="http://schemas.microsoft.com/office/drawing/2010/main" xmlns="">
+                  <a14:hiddenEffects xmlns="" xmlns:a14="http://schemas.microsoft.com/office/drawing/2010/main">
                     <a:effectLst>
                       <a:outerShdw dist="35921" dir="2700000" algn="ctr" rotWithShape="0">
                         <a:schemeClr val="bg2"/>
@@ -34249,7 +34260,7 @@
               <a:effectLst/>
               <a:extLst>
                 <a:ext uri="{AF507438-7753-43E0-B8FC-AC1667EBCBE1}">
-                  <a14:hiddenEffects xmlns:a14="http://schemas.microsoft.com/office/drawing/2010/main" xmlns="">
+                  <a14:hiddenEffects xmlns="" xmlns:a14="http://schemas.microsoft.com/office/drawing/2010/main">
                     <a:effectLst>
                       <a:outerShdw dist="35921" dir="2700000" algn="ctr" rotWithShape="0">
                         <a:schemeClr val="bg2"/>
@@ -34452,7 +34463,7 @@
               <a:effectLst/>
               <a:extLst>
                 <a:ext uri="{AF507438-7753-43E0-B8FC-AC1667EBCBE1}">
-                  <a14:hiddenEffects xmlns:a14="http://schemas.microsoft.com/office/drawing/2010/main" xmlns="">
+                  <a14:hiddenEffects xmlns="" xmlns:a14="http://schemas.microsoft.com/office/drawing/2010/main">
                     <a:effectLst>
                       <a:outerShdw dist="35921" dir="2700000" algn="ctr" rotWithShape="0">
                         <a:schemeClr val="bg2"/>
@@ -34655,7 +34666,7 @@
               <a:effectLst/>
               <a:extLst>
                 <a:ext uri="{AF507438-7753-43E0-B8FC-AC1667EBCBE1}">
-                  <a14:hiddenEffects xmlns:a14="http://schemas.microsoft.com/office/drawing/2010/main" xmlns="">
+                  <a14:hiddenEffects xmlns="" xmlns:a14="http://schemas.microsoft.com/office/drawing/2010/main">
                     <a:effectLst>
                       <a:outerShdw dist="35921" dir="2700000" algn="ctr" rotWithShape="0">
                         <a:schemeClr val="bg2"/>
@@ -34858,7 +34869,7 @@
               <a:effectLst/>
               <a:extLst>
                 <a:ext uri="{AF507438-7753-43E0-B8FC-AC1667EBCBE1}">
-                  <a14:hiddenEffects xmlns:a14="http://schemas.microsoft.com/office/drawing/2010/main" xmlns="">
+                  <a14:hiddenEffects xmlns="" xmlns:a14="http://schemas.microsoft.com/office/drawing/2010/main">
                     <a:effectLst>
                       <a:outerShdw dist="35921" dir="2700000" algn="ctr" rotWithShape="0">
                         <a:schemeClr val="bg2"/>
@@ -35061,7 +35072,7 @@
               <a:effectLst/>
               <a:extLst>
                 <a:ext uri="{AF507438-7753-43E0-B8FC-AC1667EBCBE1}">
-                  <a14:hiddenEffects xmlns:a14="http://schemas.microsoft.com/office/drawing/2010/main" xmlns="">
+                  <a14:hiddenEffects xmlns="" xmlns:a14="http://schemas.microsoft.com/office/drawing/2010/main">
                     <a:effectLst>
                       <a:outerShdw dist="35921" dir="2700000" algn="ctr" rotWithShape="0">
                         <a:schemeClr val="bg2"/>
@@ -35264,7 +35275,7 @@
               <a:effectLst/>
               <a:extLst>
                 <a:ext uri="{AF507438-7753-43E0-B8FC-AC1667EBCBE1}">
-                  <a14:hiddenEffects xmlns:a14="http://schemas.microsoft.com/office/drawing/2010/main" xmlns="">
+                  <a14:hiddenEffects xmlns="" xmlns:a14="http://schemas.microsoft.com/office/drawing/2010/main">
                     <a:effectLst>
                       <a:outerShdw dist="35921" dir="2700000" algn="ctr" rotWithShape="0">
                         <a:schemeClr val="bg2"/>
@@ -35467,7 +35478,7 @@
               <a:effectLst/>
               <a:extLst>
                 <a:ext uri="{AF507438-7753-43E0-B8FC-AC1667EBCBE1}">
-                  <a14:hiddenEffects xmlns:a14="http://schemas.microsoft.com/office/drawing/2010/main" xmlns="">
+                  <a14:hiddenEffects xmlns="" xmlns:a14="http://schemas.microsoft.com/office/drawing/2010/main">
                     <a:effectLst>
                       <a:outerShdw dist="35921" dir="2700000" algn="ctr" rotWithShape="0">
                         <a:schemeClr val="bg2"/>
@@ -35670,7 +35681,7 @@
               <a:effectLst/>
               <a:extLst>
                 <a:ext uri="{AF507438-7753-43E0-B8FC-AC1667EBCBE1}">
-                  <a14:hiddenEffects xmlns:a14="http://schemas.microsoft.com/office/drawing/2010/main" xmlns="">
+                  <a14:hiddenEffects xmlns="" xmlns:a14="http://schemas.microsoft.com/office/drawing/2010/main">
                     <a:effectLst>
                       <a:outerShdw dist="35921" dir="2700000" algn="ctr" rotWithShape="0">
                         <a:schemeClr val="bg2"/>
@@ -35866,14 +35877,14 @@
               <a:effectLst/>
               <a:extLst>
                 <a:ext uri="{909E8E84-426E-40DD-AFC4-6F175D3DCCD1}">
-                  <a14:hiddenFill xmlns:a14="http://schemas.microsoft.com/office/drawing/2010/main" xmlns="">
+                  <a14:hiddenFill xmlns="" xmlns:a14="http://schemas.microsoft.com/office/drawing/2010/main">
                     <a:solidFill>
                       <a:srgbClr val="FFFF99"/>
                     </a:solidFill>
                   </a14:hiddenFill>
                 </a:ext>
                 <a:ext uri="{91240B29-F687-4F45-9708-019B960494DF}">
-                  <a14:hiddenLine xmlns:a14="http://schemas.microsoft.com/office/drawing/2010/main" xmlns="" w="9525">
+                  <a14:hiddenLine xmlns="" xmlns:a14="http://schemas.microsoft.com/office/drawing/2010/main" w="9525">
                     <a:solidFill>
                       <a:schemeClr val="tx1"/>
                     </a:solidFill>
@@ -35883,7 +35894,7 @@
                   </a14:hiddenLine>
                 </a:ext>
                 <a:ext uri="{AF507438-7753-43E0-B8FC-AC1667EBCBE1}">
-                  <a14:hiddenEffects xmlns:a14="http://schemas.microsoft.com/office/drawing/2010/main" xmlns="">
+                  <a14:hiddenEffects xmlns="" xmlns:a14="http://schemas.microsoft.com/office/drawing/2010/main">
                     <a:effectLst>
                       <a:outerShdw dist="35921" dir="2700000" algn="ctr" rotWithShape="0">
                         <a:schemeClr val="bg2"/>
@@ -36089,12 +36100,12 @@
               <a:effectLst/>
               <a:extLst>
                 <a:ext uri="{909E8E84-426E-40DD-AFC4-6F175D3DCCD1}">
-                  <a14:hiddenFill xmlns:a14="http://schemas.microsoft.com/office/drawing/2010/main" xmlns="">
+                  <a14:hiddenFill xmlns="" xmlns:a14="http://schemas.microsoft.com/office/drawing/2010/main">
                     <a:noFill/>
                   </a14:hiddenFill>
                 </a:ext>
                 <a:ext uri="{AF507438-7753-43E0-B8FC-AC1667EBCBE1}">
-                  <a14:hiddenEffects xmlns:a14="http://schemas.microsoft.com/office/drawing/2010/main" xmlns="">
+                  <a14:hiddenEffects xmlns="" xmlns:a14="http://schemas.microsoft.com/office/drawing/2010/main">
                     <a:effectLst>
                       <a:outerShdw dist="35921" dir="2700000" algn="ctr" rotWithShape="0">
                         <a:schemeClr val="bg2"/>
@@ -36135,14 +36146,14 @@
               <a:effectLst/>
               <a:extLst>
                 <a:ext uri="{909E8E84-426E-40DD-AFC4-6F175D3DCCD1}">
-                  <a14:hiddenFill xmlns:a14="http://schemas.microsoft.com/office/drawing/2010/main" xmlns="">
+                  <a14:hiddenFill xmlns="" xmlns:a14="http://schemas.microsoft.com/office/drawing/2010/main">
                     <a:solidFill>
                       <a:srgbClr val="FFFF99"/>
                     </a:solidFill>
                   </a14:hiddenFill>
                 </a:ext>
                 <a:ext uri="{91240B29-F687-4F45-9708-019B960494DF}">
-                  <a14:hiddenLine xmlns:a14="http://schemas.microsoft.com/office/drawing/2010/main" xmlns="" w="9525">
+                  <a14:hiddenLine xmlns="" xmlns:a14="http://schemas.microsoft.com/office/drawing/2010/main" w="9525">
                     <a:solidFill>
                       <a:schemeClr val="tx1"/>
                     </a:solidFill>
@@ -36152,7 +36163,7 @@
                   </a14:hiddenLine>
                 </a:ext>
                 <a:ext uri="{AF507438-7753-43E0-B8FC-AC1667EBCBE1}">
-                  <a14:hiddenEffects xmlns:a14="http://schemas.microsoft.com/office/drawing/2010/main" xmlns="">
+                  <a14:hiddenEffects xmlns="" xmlns:a14="http://schemas.microsoft.com/office/drawing/2010/main">
                     <a:effectLst>
                       <a:outerShdw dist="35921" dir="2700000" algn="ctr" rotWithShape="0">
                         <a:schemeClr val="bg2"/>
@@ -36358,12 +36369,12 @@
               <a:effectLst/>
               <a:extLst>
                 <a:ext uri="{909E8E84-426E-40DD-AFC4-6F175D3DCCD1}">
-                  <a14:hiddenFill xmlns:a14="http://schemas.microsoft.com/office/drawing/2010/main" xmlns="">
+                  <a14:hiddenFill xmlns="" xmlns:a14="http://schemas.microsoft.com/office/drawing/2010/main">
                     <a:noFill/>
                   </a14:hiddenFill>
                 </a:ext>
                 <a:ext uri="{AF507438-7753-43E0-B8FC-AC1667EBCBE1}">
-                  <a14:hiddenEffects xmlns:a14="http://schemas.microsoft.com/office/drawing/2010/main" xmlns="">
+                  <a14:hiddenEffects xmlns="" xmlns:a14="http://schemas.microsoft.com/office/drawing/2010/main">
                     <a:effectLst>
                       <a:outerShdw dist="35921" dir="2700000" algn="ctr" rotWithShape="0">
                         <a:schemeClr val="bg2"/>
@@ -36409,12 +36420,12 @@
               <a:effectLst/>
               <a:extLst>
                 <a:ext uri="{909E8E84-426E-40DD-AFC4-6F175D3DCCD1}">
-                  <a14:hiddenFill xmlns:a14="http://schemas.microsoft.com/office/drawing/2010/main" xmlns="">
+                  <a14:hiddenFill xmlns="" xmlns:a14="http://schemas.microsoft.com/office/drawing/2010/main">
                     <a:noFill/>
                   </a14:hiddenFill>
                 </a:ext>
                 <a:ext uri="{AF507438-7753-43E0-B8FC-AC1667EBCBE1}">
-                  <a14:hiddenEffects xmlns:a14="http://schemas.microsoft.com/office/drawing/2010/main" xmlns="">
+                  <a14:hiddenEffects xmlns="" xmlns:a14="http://schemas.microsoft.com/office/drawing/2010/main">
                     <a:effectLst>
                       <a:outerShdw dist="35921" dir="2700000" algn="ctr" rotWithShape="0">
                         <a:schemeClr val="bg2"/>
@@ -36885,7 +36896,7 @@
     </p:spTree>
     <p:extLst>
       <p:ext uri="{BB962C8B-B14F-4D97-AF65-F5344CB8AC3E}">
-        <p14:creationId xmlns:p14="http://schemas.microsoft.com/office/powerpoint/2010/main" xmlns="" val="1843859788"/>
+        <p14:creationId xmlns="" xmlns:p14="http://schemas.microsoft.com/office/powerpoint/2010/main" val="1843859788"/>
       </p:ext>
     </p:extLst>
   </p:cSld>
@@ -37019,7 +37030,7 @@
           <a:blip r:embed="rId3" cstate="print">
             <a:extLst>
               <a:ext uri="{28A0092B-C50C-407E-A947-70E740481C1C}">
-                <a14:useLocalDpi xmlns:a14="http://schemas.microsoft.com/office/drawing/2010/main" xmlns="" val="0"/>
+                <a14:useLocalDpi xmlns="" xmlns:a14="http://schemas.microsoft.com/office/drawing/2010/main" val="0"/>
               </a:ext>
             </a:extLst>
           </a:blip>
@@ -37039,7 +37050,7 @@
           <a:noFill/>
           <a:extLst>
             <a:ext uri="{909E8E84-426E-40DD-AFC4-6F175D3DCCD1}">
-              <a14:hiddenFill xmlns:a14="http://schemas.microsoft.com/office/drawing/2010/main" xmlns="">
+              <a14:hiddenFill xmlns="" xmlns:a14="http://schemas.microsoft.com/office/drawing/2010/main">
                 <a:solidFill>
                   <a:srgbClr val="FFFFFF"/>
                 </a:solidFill>
@@ -37060,7 +37071,7 @@
           <a:blip r:embed="rId4" cstate="print">
             <a:extLst>
               <a:ext uri="{28A0092B-C50C-407E-A947-70E740481C1C}">
-                <a14:useLocalDpi xmlns:a14="http://schemas.microsoft.com/office/drawing/2010/main" xmlns="" val="0"/>
+                <a14:useLocalDpi xmlns="" xmlns:a14="http://schemas.microsoft.com/office/drawing/2010/main" val="0"/>
               </a:ext>
             </a:extLst>
           </a:blip>
@@ -37080,7 +37091,7 @@
           <a:noFill/>
           <a:extLst>
             <a:ext uri="{909E8E84-426E-40DD-AFC4-6F175D3DCCD1}">
-              <a14:hiddenFill xmlns:a14="http://schemas.microsoft.com/office/drawing/2010/main" xmlns="">
+              <a14:hiddenFill xmlns="" xmlns:a14="http://schemas.microsoft.com/office/drawing/2010/main">
                 <a:solidFill>
                   <a:srgbClr val="FFFFFF"/>
                 </a:solidFill>
@@ -37121,7 +37132,7 @@
     </p:spTree>
     <p:extLst>
       <p:ext uri="{BB962C8B-B14F-4D97-AF65-F5344CB8AC3E}">
-        <p14:creationId xmlns:p14="http://schemas.microsoft.com/office/powerpoint/2010/main" xmlns="" val="1145328383"/>
+        <p14:creationId xmlns="" xmlns:p14="http://schemas.microsoft.com/office/powerpoint/2010/main" val="1145328383"/>
       </p:ext>
     </p:extLst>
   </p:cSld>
@@ -37491,7 +37502,7 @@
           <a:blip r:embed="rId2" cstate="print">
             <a:extLst>
               <a:ext uri="{28A0092B-C50C-407E-A947-70E740481C1C}">
-                <a14:useLocalDpi xmlns:a14="http://schemas.microsoft.com/office/drawing/2010/main" xmlns="" val="0"/>
+                <a14:useLocalDpi xmlns="" xmlns:a14="http://schemas.microsoft.com/office/drawing/2010/main" val="0"/>
               </a:ext>
             </a:extLst>
           </a:blip>
@@ -37511,7 +37522,7 @@
           <a:noFill/>
           <a:extLst>
             <a:ext uri="{909E8E84-426E-40DD-AFC4-6F175D3DCCD1}">
-              <a14:hiddenFill xmlns:a14="http://schemas.microsoft.com/office/drawing/2010/main" xmlns="">
+              <a14:hiddenFill xmlns="" xmlns:a14="http://schemas.microsoft.com/office/drawing/2010/main">
                 <a:solidFill>
                   <a:srgbClr val="FFFFFF"/>
                 </a:solidFill>
@@ -37653,7 +37664,7 @@
     </p:spTree>
     <p:extLst>
       <p:ext uri="{BB962C8B-B14F-4D97-AF65-F5344CB8AC3E}">
-        <p14:creationId xmlns:p14="http://schemas.microsoft.com/office/powerpoint/2010/main" xmlns="" val="2738621160"/>
+        <p14:creationId xmlns="" xmlns:p14="http://schemas.microsoft.com/office/powerpoint/2010/main" val="2738621160"/>
       </p:ext>
     </p:extLst>
   </p:cSld>
@@ -37830,7 +37841,7 @@
     </p:spTree>
     <p:extLst>
       <p:ext uri="{BB962C8B-B14F-4D97-AF65-F5344CB8AC3E}">
-        <p14:creationId xmlns:p14="http://schemas.microsoft.com/office/powerpoint/2010/main" xmlns="" val="3364494703"/>
+        <p14:creationId xmlns="" xmlns:p14="http://schemas.microsoft.com/office/powerpoint/2010/main" val="3364494703"/>
       </p:ext>
     </p:extLst>
   </p:cSld>
@@ -38302,7 +38313,7 @@
     </p:spTree>
     <p:extLst>
       <p:ext uri="{BB962C8B-B14F-4D97-AF65-F5344CB8AC3E}">
-        <p14:creationId xmlns:p14="http://schemas.microsoft.com/office/powerpoint/2010/main" xmlns="" val="440322698"/>
+        <p14:creationId xmlns="" xmlns:p14="http://schemas.microsoft.com/office/powerpoint/2010/main" val="440322698"/>
       </p:ext>
     </p:extLst>
   </p:cSld>
@@ -38494,7 +38505,7 @@
     </p:spTree>
     <p:extLst>
       <p:ext uri="{BB962C8B-B14F-4D97-AF65-F5344CB8AC3E}">
-        <p14:creationId xmlns:p14="http://schemas.microsoft.com/office/powerpoint/2010/main" xmlns="" val="3381139441"/>
+        <p14:creationId xmlns="" xmlns:p14="http://schemas.microsoft.com/office/powerpoint/2010/main" val="3381139441"/>
       </p:ext>
     </p:extLst>
   </p:cSld>
@@ -38611,7 +38622,7 @@
     </p:spTree>
     <p:extLst>
       <p:ext uri="{BB962C8B-B14F-4D97-AF65-F5344CB8AC3E}">
-        <p14:creationId xmlns:p14="http://schemas.microsoft.com/office/powerpoint/2010/main" xmlns="" val="3938001014"/>
+        <p14:creationId xmlns="" xmlns:p14="http://schemas.microsoft.com/office/powerpoint/2010/main" val="3938001014"/>
       </p:ext>
     </p:extLst>
   </p:cSld>
@@ -38767,7 +38778,7 @@
     </p:spTree>
     <p:extLst>
       <p:ext uri="{BB962C8B-B14F-4D97-AF65-F5344CB8AC3E}">
-        <p14:creationId xmlns:p14="http://schemas.microsoft.com/office/powerpoint/2010/main" xmlns="" val="637647072"/>
+        <p14:creationId xmlns="" xmlns:p14="http://schemas.microsoft.com/office/powerpoint/2010/main" val="637647072"/>
       </p:ext>
     </p:extLst>
   </p:cSld>
@@ -38817,7 +38828,7 @@
         </p:txBody>
       </p:sp>
       <mc:AlternateContent xmlns:mc="http://schemas.openxmlformats.org/markup-compatibility/2006">
-        <mc:Choice xmlns:a14="http://schemas.microsoft.com/office/drawing/2010/main" xmlns="" Requires="a14">
+        <mc:Choice xmlns="" xmlns:a14="http://schemas.microsoft.com/office/drawing/2010/main" Requires="a14">
           <p:sp>
             <p:nvSpPr>
               <p:cNvPr id="3" name="Content Placeholder 2"/>
@@ -39103,7 +39114,7 @@
           <a:blip r:embed="rId3" cstate="print">
             <a:extLst>
               <a:ext uri="{28A0092B-C50C-407E-A947-70E740481C1C}">
-                <a14:useLocalDpi xmlns:a14="http://schemas.microsoft.com/office/drawing/2010/main" xmlns="" val="0"/>
+                <a14:useLocalDpi xmlns="" xmlns:a14="http://schemas.microsoft.com/office/drawing/2010/main" val="0"/>
               </a:ext>
             </a:extLst>
           </a:blip>
@@ -39123,7 +39134,7 @@
           <a:noFill/>
           <a:extLst>
             <a:ext uri="{909E8E84-426E-40DD-AFC4-6F175D3DCCD1}">
-              <a14:hiddenFill xmlns:a14="http://schemas.microsoft.com/office/drawing/2010/main" xmlns="">
+              <a14:hiddenFill xmlns="" xmlns:a14="http://schemas.microsoft.com/office/drawing/2010/main">
                 <a:solidFill>
                   <a:srgbClr val="FFFFFF"/>
                 </a:solidFill>
@@ -39144,7 +39155,7 @@
           <a:blip r:embed="rId4" cstate="print">
             <a:extLst>
               <a:ext uri="{28A0092B-C50C-407E-A947-70E740481C1C}">
-                <a14:useLocalDpi xmlns:a14="http://schemas.microsoft.com/office/drawing/2010/main" xmlns="" val="0"/>
+                <a14:useLocalDpi xmlns="" xmlns:a14="http://schemas.microsoft.com/office/drawing/2010/main" val="0"/>
               </a:ext>
             </a:extLst>
           </a:blip>
@@ -39164,7 +39175,7 @@
           <a:noFill/>
           <a:extLst>
             <a:ext uri="{909E8E84-426E-40DD-AFC4-6F175D3DCCD1}">
-              <a14:hiddenFill xmlns:a14="http://schemas.microsoft.com/office/drawing/2010/main" xmlns="">
+              <a14:hiddenFill xmlns="" xmlns:a14="http://schemas.microsoft.com/office/drawing/2010/main">
                 <a:solidFill>
                   <a:srgbClr val="FFFFFF"/>
                 </a:solidFill>
@@ -39245,7 +39256,7 @@
     </p:spTree>
     <p:extLst>
       <p:ext uri="{BB962C8B-B14F-4D97-AF65-F5344CB8AC3E}">
-        <p14:creationId xmlns:p14="http://schemas.microsoft.com/office/powerpoint/2010/main" xmlns="" val="500681545"/>
+        <p14:creationId xmlns="" xmlns:p14="http://schemas.microsoft.com/office/powerpoint/2010/main" val="500681545"/>
       </p:ext>
     </p:extLst>
   </p:cSld>
@@ -39397,7 +39408,7 @@
     </p:spTree>
     <p:extLst>
       <p:ext uri="{BB962C8B-B14F-4D97-AF65-F5344CB8AC3E}">
-        <p14:creationId xmlns:p14="http://schemas.microsoft.com/office/powerpoint/2010/main" xmlns="" val="2819280695"/>
+        <p14:creationId xmlns="" xmlns:p14="http://schemas.microsoft.com/office/powerpoint/2010/main" val="2819280695"/>
       </p:ext>
     </p:extLst>
   </p:cSld>
@@ -39615,7 +39626,7 @@
               <a:lum bright="-12000" contrast="78000"/>
               <a:extLst>
                 <a:ext uri="{28A0092B-C50C-407E-A947-70E740481C1C}">
-                  <a14:useLocalDpi xmlns:a14="http://schemas.microsoft.com/office/drawing/2010/main" xmlns="" val="0"/>
+                  <a14:useLocalDpi xmlns="" xmlns:a14="http://schemas.microsoft.com/office/drawing/2010/main" val="0"/>
                 </a:ext>
               </a:extLst>
             </a:blip>
@@ -39635,7 +39646,7 @@
             <a:noFill/>
             <a:extLst>
               <a:ext uri="{909E8E84-426E-40DD-AFC4-6F175D3DCCD1}">
-                <a14:hiddenFill xmlns:a14="http://schemas.microsoft.com/office/drawing/2010/main" xmlns="">
+                <a14:hiddenFill xmlns="" xmlns:a14="http://schemas.microsoft.com/office/drawing/2010/main">
                   <a:solidFill>
                     <a:srgbClr val="FFFFFF"/>
                   </a:solidFill>
@@ -39667,14 +39678,14 @@
             <a:effectLst/>
             <a:extLst>
               <a:ext uri="{909E8E84-426E-40DD-AFC4-6F175D3DCCD1}">
-                <a14:hiddenFill xmlns:a14="http://schemas.microsoft.com/office/drawing/2010/main" xmlns="">
+                <a14:hiddenFill xmlns="" xmlns:a14="http://schemas.microsoft.com/office/drawing/2010/main">
                   <a:solidFill>
                     <a:schemeClr val="accent1"/>
                   </a:solidFill>
                 </a14:hiddenFill>
               </a:ext>
               <a:ext uri="{91240B29-F687-4F45-9708-019B960494DF}">
-                <a14:hiddenLine xmlns:a14="http://schemas.microsoft.com/office/drawing/2010/main" xmlns="" w="9525">
+                <a14:hiddenLine xmlns="" xmlns:a14="http://schemas.microsoft.com/office/drawing/2010/main" w="9525">
                   <a:solidFill>
                     <a:schemeClr val="tx1"/>
                   </a:solidFill>
@@ -39684,7 +39695,7 @@
                 </a14:hiddenLine>
               </a:ext>
               <a:ext uri="{AF507438-7753-43E0-B8FC-AC1667EBCBE1}">
-                <a14:hiddenEffects xmlns:a14="http://schemas.microsoft.com/office/drawing/2010/main" xmlns="">
+                <a14:hiddenEffects xmlns="" xmlns:a14="http://schemas.microsoft.com/office/drawing/2010/main">
                   <a:effectLst>
                     <a:outerShdw dist="35921" dir="2700000" algn="ctr" rotWithShape="0">
                       <a:schemeClr val="bg2"/>
@@ -39742,14 +39753,14 @@
             <a:effectLst/>
             <a:extLst>
               <a:ext uri="{909E8E84-426E-40DD-AFC4-6F175D3DCCD1}">
-                <a14:hiddenFill xmlns:a14="http://schemas.microsoft.com/office/drawing/2010/main" xmlns="">
+                <a14:hiddenFill xmlns="" xmlns:a14="http://schemas.microsoft.com/office/drawing/2010/main">
                   <a:solidFill>
                     <a:schemeClr val="accent1"/>
                   </a:solidFill>
                 </a14:hiddenFill>
               </a:ext>
               <a:ext uri="{AF507438-7753-43E0-B8FC-AC1667EBCBE1}">
-                <a14:hiddenEffects xmlns:a14="http://schemas.microsoft.com/office/drawing/2010/main" xmlns="">
+                <a14:hiddenEffects xmlns="" xmlns:a14="http://schemas.microsoft.com/office/drawing/2010/main">
                   <a:effectLst>
                     <a:outerShdw dist="35921" dir="2700000" algn="ctr" rotWithShape="0">
                       <a:schemeClr val="bg2"/>
@@ -39797,7 +39808,7 @@
               <a:lum contrast="-12000"/>
               <a:extLst>
                 <a:ext uri="{28A0092B-C50C-407E-A947-70E740481C1C}">
-                  <a14:useLocalDpi xmlns:a14="http://schemas.microsoft.com/office/drawing/2010/main" xmlns="" val="0"/>
+                  <a14:useLocalDpi xmlns="" xmlns:a14="http://schemas.microsoft.com/office/drawing/2010/main" val="0"/>
                 </a:ext>
               </a:extLst>
             </a:blip>
@@ -39817,7 +39828,7 @@
             <a:noFill/>
             <a:extLst>
               <a:ext uri="{909E8E84-426E-40DD-AFC4-6F175D3DCCD1}">
-                <a14:hiddenFill xmlns:a14="http://schemas.microsoft.com/office/drawing/2010/main" xmlns="">
+                <a14:hiddenFill xmlns="" xmlns:a14="http://schemas.microsoft.com/office/drawing/2010/main">
                   <a:solidFill>
                     <a:srgbClr val="FFFFFF"/>
                   </a:solidFill>
@@ -39849,14 +39860,14 @@
             <a:effectLst/>
             <a:extLst>
               <a:ext uri="{909E8E84-426E-40DD-AFC4-6F175D3DCCD1}">
-                <a14:hiddenFill xmlns:a14="http://schemas.microsoft.com/office/drawing/2010/main" xmlns="">
+                <a14:hiddenFill xmlns="" xmlns:a14="http://schemas.microsoft.com/office/drawing/2010/main">
                   <a:solidFill>
                     <a:schemeClr val="accent1"/>
                   </a:solidFill>
                 </a14:hiddenFill>
               </a:ext>
               <a:ext uri="{91240B29-F687-4F45-9708-019B960494DF}">
-                <a14:hiddenLine xmlns:a14="http://schemas.microsoft.com/office/drawing/2010/main" xmlns="" w="9525">
+                <a14:hiddenLine xmlns="" xmlns:a14="http://schemas.microsoft.com/office/drawing/2010/main" w="9525">
                   <a:solidFill>
                     <a:schemeClr val="tx1"/>
                   </a:solidFill>
@@ -39866,7 +39877,7 @@
                 </a14:hiddenLine>
               </a:ext>
               <a:ext uri="{AF507438-7753-43E0-B8FC-AC1667EBCBE1}">
-                <a14:hiddenEffects xmlns:a14="http://schemas.microsoft.com/office/drawing/2010/main" xmlns="">
+                <a14:hiddenEffects xmlns="" xmlns:a14="http://schemas.microsoft.com/office/drawing/2010/main">
                   <a:effectLst>
                     <a:outerShdw dist="35921" dir="2700000" algn="ctr" rotWithShape="0">
                       <a:schemeClr val="bg2"/>
@@ -39924,14 +39935,14 @@
             <a:effectLst/>
             <a:extLst>
               <a:ext uri="{909E8E84-426E-40DD-AFC4-6F175D3DCCD1}">
-                <a14:hiddenFill xmlns:a14="http://schemas.microsoft.com/office/drawing/2010/main" xmlns="">
+                <a14:hiddenFill xmlns="" xmlns:a14="http://schemas.microsoft.com/office/drawing/2010/main">
                   <a:solidFill>
                     <a:schemeClr val="accent1"/>
                   </a:solidFill>
                 </a14:hiddenFill>
               </a:ext>
               <a:ext uri="{AF507438-7753-43E0-B8FC-AC1667EBCBE1}">
-                <a14:hiddenEffects xmlns:a14="http://schemas.microsoft.com/office/drawing/2010/main" xmlns="">
+                <a14:hiddenEffects xmlns="" xmlns:a14="http://schemas.microsoft.com/office/drawing/2010/main">
                   <a:effectLst>
                     <a:outerShdw dist="35921" dir="2700000" algn="ctr" rotWithShape="0">
                       <a:schemeClr val="bg2"/>
@@ -39975,7 +39986,7 @@
           <a:effectLst/>
           <a:extLst>
             <a:ext uri="{91240B29-F687-4F45-9708-019B960494DF}">
-              <a14:hiddenLine xmlns:a14="http://schemas.microsoft.com/office/drawing/2010/main" xmlns="" w="9525">
+              <a14:hiddenLine xmlns="" xmlns:a14="http://schemas.microsoft.com/office/drawing/2010/main" w="9525">
                 <a:solidFill>
                   <a:schemeClr val="tx1"/>
                 </a:solidFill>
@@ -39985,7 +39996,7 @@
               </a14:hiddenLine>
             </a:ext>
             <a:ext uri="{AF507438-7753-43E0-B8FC-AC1667EBCBE1}">
-              <a14:hiddenEffects xmlns:a14="http://schemas.microsoft.com/office/drawing/2010/main" xmlns="">
+              <a14:hiddenEffects xmlns="" xmlns:a14="http://schemas.microsoft.com/office/drawing/2010/main">
                 <a:effectLst>
                   <a:outerShdw dist="35921" dir="2700000" algn="ctr" rotWithShape="0">
                     <a:schemeClr val="bg2"/>
@@ -40204,7 +40215,7 @@
     </p:spTree>
     <p:extLst>
       <p:ext uri="{BB962C8B-B14F-4D97-AF65-F5344CB8AC3E}">
-        <p14:creationId xmlns:p14="http://schemas.microsoft.com/office/powerpoint/2010/main" xmlns="" val="3602386693"/>
+        <p14:creationId xmlns="" xmlns:p14="http://schemas.microsoft.com/office/powerpoint/2010/main" val="3602386693"/>
       </p:ext>
     </p:extLst>
   </p:cSld>
@@ -40351,7 +40362,7 @@
           <a:blip r:embed="rId2" cstate="print">
             <a:extLst>
               <a:ext uri="{28A0092B-C50C-407E-A947-70E740481C1C}">
-                <a14:useLocalDpi xmlns:a14="http://schemas.microsoft.com/office/drawing/2010/main" xmlns="" val="0"/>
+                <a14:useLocalDpi xmlns="" xmlns:a14="http://schemas.microsoft.com/office/drawing/2010/main" val="0"/>
               </a:ext>
             </a:extLst>
           </a:blip>
@@ -40371,7 +40382,7 @@
           <a:noFill/>
           <a:extLst>
             <a:ext uri="{909E8E84-426E-40DD-AFC4-6F175D3DCCD1}">
-              <a14:hiddenFill xmlns:a14="http://schemas.microsoft.com/office/drawing/2010/main" xmlns="">
+              <a14:hiddenFill xmlns="" xmlns:a14="http://schemas.microsoft.com/office/drawing/2010/main">
                 <a:solidFill>
                   <a:srgbClr val="FFFFFF"/>
                 </a:solidFill>
@@ -40719,7 +40730,7 @@
     </p:spTree>
     <p:extLst>
       <p:ext uri="{BB962C8B-B14F-4D97-AF65-F5344CB8AC3E}">
-        <p14:creationId xmlns:p14="http://schemas.microsoft.com/office/powerpoint/2010/main" xmlns="" val="1058320717"/>
+        <p14:creationId xmlns="" xmlns:p14="http://schemas.microsoft.com/office/powerpoint/2010/main" val="1058320717"/>
       </p:ext>
     </p:extLst>
   </p:cSld>
@@ -40988,7 +40999,7 @@
     </p:spTree>
     <p:extLst>
       <p:ext uri="{BB962C8B-B14F-4D97-AF65-F5344CB8AC3E}">
-        <p14:creationId xmlns:p14="http://schemas.microsoft.com/office/powerpoint/2010/main" xmlns="" val="775537391"/>
+        <p14:creationId xmlns="" xmlns:p14="http://schemas.microsoft.com/office/powerpoint/2010/main" val="775537391"/>
       </p:ext>
     </p:extLst>
   </p:cSld>
@@ -41578,7 +41589,7 @@
     </p:spTree>
     <p:extLst>
       <p:ext uri="{BB962C8B-B14F-4D97-AF65-F5344CB8AC3E}">
-        <p14:creationId xmlns:p14="http://schemas.microsoft.com/office/powerpoint/2010/main" xmlns="" val="3316959053"/>
+        <p14:creationId xmlns="" xmlns:p14="http://schemas.microsoft.com/office/powerpoint/2010/main" val="3316959053"/>
       </p:ext>
     </p:extLst>
   </p:cSld>
@@ -41734,7 +41745,7 @@
           <a:blip r:embed="rId3" cstate="print">
             <a:extLst>
               <a:ext uri="{28A0092B-C50C-407E-A947-70E740481C1C}">
-                <a14:useLocalDpi xmlns:a14="http://schemas.microsoft.com/office/drawing/2010/main" xmlns="" val="0"/>
+                <a14:useLocalDpi xmlns="" xmlns:a14="http://schemas.microsoft.com/office/drawing/2010/main" val="0"/>
               </a:ext>
             </a:extLst>
           </a:blip>
@@ -41754,7 +41765,7 @@
           <a:noFill/>
           <a:extLst>
             <a:ext uri="{909E8E84-426E-40DD-AFC4-6F175D3DCCD1}">
-              <a14:hiddenFill xmlns:a14="http://schemas.microsoft.com/office/drawing/2010/main" xmlns="">
+              <a14:hiddenFill xmlns="" xmlns:a14="http://schemas.microsoft.com/office/drawing/2010/main">
                 <a:solidFill>
                   <a:srgbClr val="FFFFFF"/>
                 </a:solidFill>
@@ -41766,7 +41777,7 @@
     </p:spTree>
     <p:extLst>
       <p:ext uri="{BB962C8B-B14F-4D97-AF65-F5344CB8AC3E}">
-        <p14:creationId xmlns:p14="http://schemas.microsoft.com/office/powerpoint/2010/main" xmlns="" val="554728518"/>
+        <p14:creationId xmlns="" xmlns:p14="http://schemas.microsoft.com/office/powerpoint/2010/main" val="554728518"/>
       </p:ext>
     </p:extLst>
   </p:cSld>
@@ -41866,7 +41877,7 @@
     </p:spTree>
     <p:extLst>
       <p:ext uri="{BB962C8B-B14F-4D97-AF65-F5344CB8AC3E}">
-        <p14:creationId xmlns:p14="http://schemas.microsoft.com/office/powerpoint/2010/main" xmlns="" val="1230959388"/>
+        <p14:creationId xmlns="" xmlns:p14="http://schemas.microsoft.com/office/powerpoint/2010/main" val="1230959388"/>
       </p:ext>
     </p:extLst>
   </p:cSld>
@@ -42062,7 +42073,7 @@
     </p:spTree>
     <p:extLst>
       <p:ext uri="{BB962C8B-B14F-4D97-AF65-F5344CB8AC3E}">
-        <p14:creationId xmlns:p14="http://schemas.microsoft.com/office/powerpoint/2010/main" xmlns="" val="2570290743"/>
+        <p14:creationId xmlns="" xmlns:p14="http://schemas.microsoft.com/office/powerpoint/2010/main" val="2570290743"/>
       </p:ext>
     </p:extLst>
   </p:cSld>
@@ -42132,7 +42143,7 @@
           <a:blip r:embed="rId3" cstate="print">
             <a:extLst>
               <a:ext uri="{28A0092B-C50C-407E-A947-70E740481C1C}">
-                <a14:useLocalDpi xmlns:a14="http://schemas.microsoft.com/office/drawing/2010/main" xmlns="" val="0"/>
+                <a14:useLocalDpi xmlns="" xmlns:a14="http://schemas.microsoft.com/office/drawing/2010/main" val="0"/>
               </a:ext>
             </a:extLst>
           </a:blip>
@@ -42156,14 +42167,14 @@
           <a:effectLst/>
           <a:extLst>
             <a:ext uri="{909E8E84-426E-40DD-AFC4-6F175D3DCCD1}">
-              <a14:hiddenFill xmlns:a14="http://schemas.microsoft.com/office/drawing/2010/main" xmlns="">
+              <a14:hiddenFill xmlns="" xmlns:a14="http://schemas.microsoft.com/office/drawing/2010/main">
                 <a:solidFill>
                   <a:schemeClr val="accent1"/>
                 </a:solidFill>
               </a14:hiddenFill>
             </a:ext>
             <a:ext uri="{91240B29-F687-4F45-9708-019B960494DF}">
-              <a14:hiddenLine xmlns:a14="http://schemas.microsoft.com/office/drawing/2010/main" xmlns="" w="9525">
+              <a14:hiddenLine xmlns="" xmlns:a14="http://schemas.microsoft.com/office/drawing/2010/main" w="9525">
                 <a:solidFill>
                   <a:schemeClr val="tx1"/>
                 </a:solidFill>
@@ -42173,7 +42184,7 @@
               </a14:hiddenLine>
             </a:ext>
             <a:ext uri="{AF507438-7753-43E0-B8FC-AC1667EBCBE1}">
-              <a14:hiddenEffects xmlns:a14="http://schemas.microsoft.com/office/drawing/2010/main" xmlns="">
+              <a14:hiddenEffects xmlns="" xmlns:a14="http://schemas.microsoft.com/office/drawing/2010/main">
                 <a:effectLst>
                   <a:outerShdw dist="35921" dir="2700000" algn="ctr" rotWithShape="0">
                     <a:schemeClr val="bg2"/>
@@ -42478,7 +42489,7 @@
     </p:spTree>
     <p:extLst>
       <p:ext uri="{BB962C8B-B14F-4D97-AF65-F5344CB8AC3E}">
-        <p14:creationId xmlns:p14="http://schemas.microsoft.com/office/powerpoint/2010/main" xmlns="" val="882763807"/>
+        <p14:creationId xmlns="" xmlns:p14="http://schemas.microsoft.com/office/powerpoint/2010/main" val="882763807"/>
       </p:ext>
     </p:extLst>
   </p:cSld>
@@ -42595,7 +42606,7 @@
     </p:spTree>
     <p:extLst>
       <p:ext uri="{BB962C8B-B14F-4D97-AF65-F5344CB8AC3E}">
-        <p14:creationId xmlns:p14="http://schemas.microsoft.com/office/powerpoint/2010/main" xmlns="" val="540985854"/>
+        <p14:creationId xmlns="" xmlns:p14="http://schemas.microsoft.com/office/powerpoint/2010/main" val="540985854"/>
       </p:ext>
     </p:extLst>
   </p:cSld>
@@ -42744,7 +42755,7 @@
     </p:spTree>
     <p:extLst>
       <p:ext uri="{BB962C8B-B14F-4D97-AF65-F5344CB8AC3E}">
-        <p14:creationId xmlns:p14="http://schemas.microsoft.com/office/powerpoint/2010/main" xmlns="" val="1517851894"/>
+        <p14:creationId xmlns="" xmlns:p14="http://schemas.microsoft.com/office/powerpoint/2010/main" val="1517851894"/>
       </p:ext>
     </p:extLst>
   </p:cSld>
@@ -43248,7 +43259,7 @@
     </p:spTree>
     <p:extLst>
       <p:ext uri="{BB962C8B-B14F-4D97-AF65-F5344CB8AC3E}">
-        <p14:creationId xmlns:p14="http://schemas.microsoft.com/office/powerpoint/2010/main" xmlns="" val="2546264824"/>
+        <p14:creationId xmlns="" xmlns:p14="http://schemas.microsoft.com/office/powerpoint/2010/main" val="2546264824"/>
       </p:ext>
     </p:extLst>
   </p:cSld>
@@ -43376,7 +43387,7 @@
     </p:spTree>
     <p:extLst>
       <p:ext uri="{BB962C8B-B14F-4D97-AF65-F5344CB8AC3E}">
-        <p14:creationId xmlns:p14="http://schemas.microsoft.com/office/powerpoint/2010/main" xmlns="" val="2888150841"/>
+        <p14:creationId xmlns="" xmlns:p14="http://schemas.microsoft.com/office/powerpoint/2010/main" val="2888150841"/>
       </p:ext>
     </p:extLst>
   </p:cSld>
@@ -43826,7 +43837,7 @@
     </p:spTree>
     <p:extLst>
       <p:ext uri="{BB962C8B-B14F-4D97-AF65-F5344CB8AC3E}">
-        <p14:creationId xmlns:p14="http://schemas.microsoft.com/office/powerpoint/2010/main" xmlns="" val="3755733000"/>
+        <p14:creationId xmlns="" xmlns:p14="http://schemas.microsoft.com/office/powerpoint/2010/main" val="3755733000"/>
       </p:ext>
     </p:extLst>
   </p:cSld>
@@ -44115,7 +44126,7 @@
           <a:blip r:embed="rId2" cstate="print">
             <a:extLst>
               <a:ext uri="{28A0092B-C50C-407E-A947-70E740481C1C}">
-                <a14:useLocalDpi xmlns:a14="http://schemas.microsoft.com/office/drawing/2010/main" xmlns="" val="0"/>
+                <a14:useLocalDpi xmlns="" xmlns:a14="http://schemas.microsoft.com/office/drawing/2010/main" val="0"/>
               </a:ext>
             </a:extLst>
           </a:blip>
@@ -44135,7 +44146,7 @@
           <a:noFill/>
           <a:extLst>
             <a:ext uri="{909E8E84-426E-40DD-AFC4-6F175D3DCCD1}">
-              <a14:hiddenFill xmlns:a14="http://schemas.microsoft.com/office/drawing/2010/main" xmlns="">
+              <a14:hiddenFill xmlns="" xmlns:a14="http://schemas.microsoft.com/office/drawing/2010/main">
                 <a:solidFill>
                   <a:srgbClr val="FFFFFF"/>
                 </a:solidFill>
@@ -44176,7 +44187,7 @@
     </p:spTree>
     <p:extLst>
       <p:ext uri="{BB962C8B-B14F-4D97-AF65-F5344CB8AC3E}">
-        <p14:creationId xmlns:p14="http://schemas.microsoft.com/office/powerpoint/2010/main" xmlns="" val="3441838457"/>
+        <p14:creationId xmlns="" xmlns:p14="http://schemas.microsoft.com/office/powerpoint/2010/main" val="3441838457"/>
       </p:ext>
     </p:extLst>
   </p:cSld>
@@ -44668,7 +44679,7 @@
     </p:spTree>
     <p:extLst>
       <p:ext uri="{BB962C8B-B14F-4D97-AF65-F5344CB8AC3E}">
-        <p14:creationId xmlns:p14="http://schemas.microsoft.com/office/powerpoint/2010/main" xmlns="" val="271058588"/>
+        <p14:creationId xmlns="" xmlns:p14="http://schemas.microsoft.com/office/powerpoint/2010/main" val="271058588"/>
       </p:ext>
     </p:extLst>
   </p:cSld>

--- a/AI-ML-Course-Induction-and-General/cross_validation_ml_advice/imbalanced_classes.pptx
+++ b/AI-ML-Course-Induction-and-General/cross_validation_ml_advice/imbalanced_classes.pptx
@@ -285,11 +285,11 @@
           </c:spPr>
         </c:dropLines>
         <c:marker val="1"/>
-        <c:axId val="59837056"/>
-        <c:axId val="59859712"/>
+        <c:axId val="150640512"/>
+        <c:axId val="150650880"/>
       </c:lineChart>
       <c:catAx>
-        <c:axId val="59837056"/>
+        <c:axId val="150640512"/>
         <c:scaling>
           <c:orientation val="minMax"/>
         </c:scaling>
@@ -320,7 +320,6 @@
               </a:p>
             </c:rich>
           </c:tx>
-          <c:layout/>
           <c:spPr>
             <a:noFill/>
             <a:ln>
@@ -364,14 +363,14 @@
             <a:endParaRPr lang="en-US"/>
           </a:p>
         </c:txPr>
-        <c:crossAx val="59859712"/>
+        <c:crossAx val="150650880"/>
         <c:crosses val="autoZero"/>
         <c:auto val="1"/>
         <c:lblAlgn val="ctr"/>
         <c:lblOffset val="100"/>
       </c:catAx>
       <c:valAx>
-        <c:axId val="59859712"/>
+        <c:axId val="150650880"/>
         <c:scaling>
           <c:orientation val="minMax"/>
         </c:scaling>
@@ -416,7 +415,6 @@
               </a:p>
             </c:rich>
           </c:tx>
-          <c:layout/>
           <c:spPr>
             <a:noFill/>
             <a:ln>
@@ -454,7 +452,7 @@
             <a:endParaRPr lang="en-US"/>
           </a:p>
         </c:txPr>
-        <c:crossAx val="59837056"/>
+        <c:crossAx val="150640512"/>
         <c:crosses val="autoZero"/>
         <c:crossBetween val="between"/>
       </c:valAx>
@@ -573,7 +571,7 @@
             <a:fld id="{3A6D3B18-A9CE-463D-8A62-6601F79831A1}" type="datetimeFigureOut">
               <a:rPr lang="en-US" smtClean="0"/>
               <a:pPr/>
-              <a:t>6/19/2021</a:t>
+              <a:t>6/20/2021</a:t>
             </a:fld>
             <a:endParaRPr lang="en-US"/>
           </a:p>
@@ -937,7 +935,7 @@
     </p:spTree>
     <p:extLst>
       <p:ext uri="{BB962C8B-B14F-4D97-AF65-F5344CB8AC3E}">
-        <p14:creationId xmlns="" xmlns:p14="http://schemas.microsoft.com/office/powerpoint/2010/main" val="2563142751"/>
+        <p14:creationId xmlns:p14="http://schemas.microsoft.com/office/powerpoint/2010/main" xmlns="" val="2563142751"/>
       </p:ext>
     </p:extLst>
   </p:cSld>
@@ -1086,7 +1084,7 @@
     </p:spTree>
     <p:extLst>
       <p:ext uri="{BB962C8B-B14F-4D97-AF65-F5344CB8AC3E}">
-        <p14:creationId xmlns="" xmlns:p14="http://schemas.microsoft.com/office/powerpoint/2010/main" val="1219004654"/>
+        <p14:creationId xmlns:p14="http://schemas.microsoft.com/office/powerpoint/2010/main" xmlns="" val="1219004654"/>
       </p:ext>
     </p:extLst>
   </p:cSld>
@@ -1171,7 +1169,7 @@
     </p:spTree>
     <p:extLst>
       <p:ext uri="{BB962C8B-B14F-4D97-AF65-F5344CB8AC3E}">
-        <p14:creationId xmlns="" xmlns:p14="http://schemas.microsoft.com/office/powerpoint/2010/main" val="775913632"/>
+        <p14:creationId xmlns:p14="http://schemas.microsoft.com/office/powerpoint/2010/main" xmlns="" val="775913632"/>
       </p:ext>
     </p:extLst>
   </p:cSld>
@@ -1284,7 +1282,7 @@
     </p:spTree>
     <p:extLst>
       <p:ext uri="{BB962C8B-B14F-4D97-AF65-F5344CB8AC3E}">
-        <p14:creationId xmlns="" xmlns:p14="http://schemas.microsoft.com/office/powerpoint/2010/main" val="2014011933"/>
+        <p14:creationId xmlns:p14="http://schemas.microsoft.com/office/powerpoint/2010/main" xmlns="" val="2014011933"/>
       </p:ext>
     </p:extLst>
   </p:cSld>
@@ -1372,7 +1370,7 @@
     </p:spTree>
     <p:extLst>
       <p:ext uri="{BB962C8B-B14F-4D97-AF65-F5344CB8AC3E}">
-        <p14:creationId xmlns="" xmlns:p14="http://schemas.microsoft.com/office/powerpoint/2010/main" val="3932297592"/>
+        <p14:creationId xmlns:p14="http://schemas.microsoft.com/office/powerpoint/2010/main" xmlns="" val="3932297592"/>
       </p:ext>
     </p:extLst>
   </p:cSld>
@@ -1460,7 +1458,7 @@
     </p:spTree>
     <p:extLst>
       <p:ext uri="{BB962C8B-B14F-4D97-AF65-F5344CB8AC3E}">
-        <p14:creationId xmlns="" xmlns:p14="http://schemas.microsoft.com/office/powerpoint/2010/main" val="2872808088"/>
+        <p14:creationId xmlns:p14="http://schemas.microsoft.com/office/powerpoint/2010/main" xmlns="" val="2872808088"/>
       </p:ext>
     </p:extLst>
   </p:cSld>
@@ -1549,7 +1547,7 @@
     </p:spTree>
     <p:extLst>
       <p:ext uri="{BB962C8B-B14F-4D97-AF65-F5344CB8AC3E}">
-        <p14:creationId xmlns="" xmlns:p14="http://schemas.microsoft.com/office/powerpoint/2010/main" val="1705752961"/>
+        <p14:creationId xmlns:p14="http://schemas.microsoft.com/office/powerpoint/2010/main" xmlns="" val="1705752961"/>
       </p:ext>
     </p:extLst>
   </p:cSld>
@@ -1654,7 +1652,7 @@
     </p:spTree>
     <p:extLst>
       <p:ext uri="{BB962C8B-B14F-4D97-AF65-F5344CB8AC3E}">
-        <p14:creationId xmlns="" xmlns:p14="http://schemas.microsoft.com/office/powerpoint/2010/main" val="1044291649"/>
+        <p14:creationId xmlns:p14="http://schemas.microsoft.com/office/powerpoint/2010/main" xmlns="" val="1044291649"/>
       </p:ext>
     </p:extLst>
   </p:cSld>
@@ -1739,7 +1737,7 @@
     </p:spTree>
     <p:extLst>
       <p:ext uri="{BB962C8B-B14F-4D97-AF65-F5344CB8AC3E}">
-        <p14:creationId xmlns="" xmlns:p14="http://schemas.microsoft.com/office/powerpoint/2010/main" val="1286518721"/>
+        <p14:creationId xmlns:p14="http://schemas.microsoft.com/office/powerpoint/2010/main" xmlns="" val="1286518721"/>
       </p:ext>
     </p:extLst>
   </p:cSld>
@@ -1827,7 +1825,7 @@
     </p:spTree>
     <p:extLst>
       <p:ext uri="{BB962C8B-B14F-4D97-AF65-F5344CB8AC3E}">
-        <p14:creationId xmlns="" xmlns:p14="http://schemas.microsoft.com/office/powerpoint/2010/main" val="2290190607"/>
+        <p14:creationId xmlns:p14="http://schemas.microsoft.com/office/powerpoint/2010/main" xmlns="" val="2290190607"/>
       </p:ext>
     </p:extLst>
   </p:cSld>
@@ -2039,7 +2037,7 @@
     </p:spTree>
     <p:extLst>
       <p:ext uri="{BB962C8B-B14F-4D97-AF65-F5344CB8AC3E}">
-        <p14:creationId xmlns="" xmlns:p14="http://schemas.microsoft.com/office/powerpoint/2010/main" val="3395544650"/>
+        <p14:creationId xmlns:p14="http://schemas.microsoft.com/office/powerpoint/2010/main" xmlns="" val="3395544650"/>
       </p:ext>
     </p:extLst>
   </p:cSld>
@@ -2251,7 +2249,7 @@
     </p:spTree>
     <p:extLst>
       <p:ext uri="{BB962C8B-B14F-4D97-AF65-F5344CB8AC3E}">
-        <p14:creationId xmlns="" xmlns:p14="http://schemas.microsoft.com/office/powerpoint/2010/main" val="308665894"/>
+        <p14:creationId xmlns:p14="http://schemas.microsoft.com/office/powerpoint/2010/main" xmlns="" val="308665894"/>
       </p:ext>
     </p:extLst>
   </p:cSld>
@@ -2463,7 +2461,7 @@
     </p:spTree>
     <p:extLst>
       <p:ext uri="{BB962C8B-B14F-4D97-AF65-F5344CB8AC3E}">
-        <p14:creationId xmlns="" xmlns:p14="http://schemas.microsoft.com/office/powerpoint/2010/main" val="3423823337"/>
+        <p14:creationId xmlns:p14="http://schemas.microsoft.com/office/powerpoint/2010/main" xmlns="" val="3423823337"/>
       </p:ext>
     </p:extLst>
   </p:cSld>
@@ -2586,7 +2584,7 @@
     </p:spTree>
     <p:extLst>
       <p:ext uri="{BB962C8B-B14F-4D97-AF65-F5344CB8AC3E}">
-        <p14:creationId xmlns="" xmlns:p14="http://schemas.microsoft.com/office/powerpoint/2010/main" val="1340294274"/>
+        <p14:creationId xmlns:p14="http://schemas.microsoft.com/office/powerpoint/2010/main" xmlns="" val="1340294274"/>
       </p:ext>
     </p:extLst>
   </p:cSld>
@@ -2689,7 +2687,7 @@
     </p:spTree>
     <p:extLst>
       <p:ext uri="{BB962C8B-B14F-4D97-AF65-F5344CB8AC3E}">
-        <p14:creationId xmlns="" xmlns:p14="http://schemas.microsoft.com/office/powerpoint/2010/main" val="3821806238"/>
+        <p14:creationId xmlns:p14="http://schemas.microsoft.com/office/powerpoint/2010/main" xmlns="" val="3821806238"/>
       </p:ext>
     </p:extLst>
   </p:cSld>
@@ -2881,7 +2879,7 @@
             <a:fld id="{56883D5B-00E9-45D5-A2E2-F245B222604F}" type="datetimeFigureOut">
               <a:rPr lang="en-US" smtClean="0"/>
               <a:pPr/>
-              <a:t>6/19/2021</a:t>
+              <a:t>6/20/2021</a:t>
             </a:fld>
             <a:endParaRPr lang="en-US"/>
           </a:p>
@@ -3048,7 +3046,7 @@
             <a:fld id="{56883D5B-00E9-45D5-A2E2-F245B222604F}" type="datetimeFigureOut">
               <a:rPr lang="en-US" smtClean="0"/>
               <a:pPr/>
-              <a:t>6/19/2021</a:t>
+              <a:t>6/20/2021</a:t>
             </a:fld>
             <a:endParaRPr lang="en-US"/>
           </a:p>
@@ -3225,7 +3223,7 @@
             <a:fld id="{56883D5B-00E9-45D5-A2E2-F245B222604F}" type="datetimeFigureOut">
               <a:rPr lang="en-US" smtClean="0"/>
               <a:pPr/>
-              <a:t>6/19/2021</a:t>
+              <a:t>6/20/2021</a:t>
             </a:fld>
             <a:endParaRPr lang="en-US"/>
           </a:p>
@@ -3392,7 +3390,7 @@
             <a:fld id="{56883D5B-00E9-45D5-A2E2-F245B222604F}" type="datetimeFigureOut">
               <a:rPr lang="en-US" smtClean="0"/>
               <a:pPr/>
-              <a:t>6/19/2021</a:t>
+              <a:t>6/20/2021</a:t>
             </a:fld>
             <a:endParaRPr lang="en-US"/>
           </a:p>
@@ -3635,7 +3633,7 @@
             <a:fld id="{56883D5B-00E9-45D5-A2E2-F245B222604F}" type="datetimeFigureOut">
               <a:rPr lang="en-US" smtClean="0"/>
               <a:pPr/>
-              <a:t>6/19/2021</a:t>
+              <a:t>6/20/2021</a:t>
             </a:fld>
             <a:endParaRPr lang="en-US"/>
           </a:p>
@@ -3920,7 +3918,7 @@
             <a:fld id="{56883D5B-00E9-45D5-A2E2-F245B222604F}" type="datetimeFigureOut">
               <a:rPr lang="en-US" smtClean="0"/>
               <a:pPr/>
-              <a:t>6/19/2021</a:t>
+              <a:t>6/20/2021</a:t>
             </a:fld>
             <a:endParaRPr lang="en-US"/>
           </a:p>
@@ -4339,7 +4337,7 @@
             <a:fld id="{56883D5B-00E9-45D5-A2E2-F245B222604F}" type="datetimeFigureOut">
               <a:rPr lang="en-US" smtClean="0"/>
               <a:pPr/>
-              <a:t>6/19/2021</a:t>
+              <a:t>6/20/2021</a:t>
             </a:fld>
             <a:endParaRPr lang="en-US"/>
           </a:p>
@@ -4454,7 +4452,7 @@
             <a:fld id="{56883D5B-00E9-45D5-A2E2-F245B222604F}" type="datetimeFigureOut">
               <a:rPr lang="en-US" smtClean="0"/>
               <a:pPr/>
-              <a:t>6/19/2021</a:t>
+              <a:t>6/20/2021</a:t>
             </a:fld>
             <a:endParaRPr lang="en-US"/>
           </a:p>
@@ -4546,7 +4544,7 @@
             <a:fld id="{56883D5B-00E9-45D5-A2E2-F245B222604F}" type="datetimeFigureOut">
               <a:rPr lang="en-US" smtClean="0"/>
               <a:pPr/>
-              <a:t>6/19/2021</a:t>
+              <a:t>6/20/2021</a:t>
             </a:fld>
             <a:endParaRPr lang="en-US"/>
           </a:p>
@@ -4820,7 +4818,7 @@
             <a:fld id="{56883D5B-00E9-45D5-A2E2-F245B222604F}" type="datetimeFigureOut">
               <a:rPr lang="en-US" smtClean="0"/>
               <a:pPr/>
-              <a:t>6/19/2021</a:t>
+              <a:t>6/20/2021</a:t>
             </a:fld>
             <a:endParaRPr lang="en-US"/>
           </a:p>
@@ -5070,7 +5068,7 @@
             <a:fld id="{56883D5B-00E9-45D5-A2E2-F245B222604F}" type="datetimeFigureOut">
               <a:rPr lang="en-US" smtClean="0"/>
               <a:pPr/>
-              <a:t>6/19/2021</a:t>
+              <a:t>6/20/2021</a:t>
             </a:fld>
             <a:endParaRPr lang="en-US"/>
           </a:p>
@@ -5280,7 +5278,7 @@
             <a:fld id="{56883D5B-00E9-45D5-A2E2-F245B222604F}" type="datetimeFigureOut">
               <a:rPr lang="en-US" smtClean="0"/>
               <a:pPr/>
-              <a:t>6/19/2021</a:t>
+              <a:t>6/20/2021</a:t>
             </a:fld>
             <a:endParaRPr lang="en-US"/>
           </a:p>
@@ -5847,7 +5845,7 @@
     </p:spTree>
     <p:extLst>
       <p:ext uri="{BB962C8B-B14F-4D97-AF65-F5344CB8AC3E}">
-        <p14:creationId xmlns="" xmlns:p14="http://schemas.microsoft.com/office/powerpoint/2010/main" val="3951805854"/>
+        <p14:creationId xmlns:p14="http://schemas.microsoft.com/office/powerpoint/2010/main" xmlns="" val="3951805854"/>
       </p:ext>
     </p:extLst>
   </p:cSld>
@@ -6272,7 +6270,7 @@
     </p:spTree>
     <p:extLst>
       <p:ext uri="{BB962C8B-B14F-4D97-AF65-F5344CB8AC3E}">
-        <p14:creationId xmlns="" xmlns:p14="http://schemas.microsoft.com/office/powerpoint/2010/main" val="4177320915"/>
+        <p14:creationId xmlns:p14="http://schemas.microsoft.com/office/powerpoint/2010/main" xmlns="" val="4177320915"/>
       </p:ext>
     </p:extLst>
   </p:cSld>
@@ -6915,7 +6913,7 @@
     </p:spTree>
     <p:extLst>
       <p:ext uri="{BB962C8B-B14F-4D97-AF65-F5344CB8AC3E}">
-        <p14:creationId xmlns="" xmlns:p14="http://schemas.microsoft.com/office/powerpoint/2010/main" val="2865352675"/>
+        <p14:creationId xmlns:p14="http://schemas.microsoft.com/office/powerpoint/2010/main" xmlns="" val="2865352675"/>
       </p:ext>
     </p:extLst>
   </p:cSld>
@@ -7524,7 +7522,7 @@
     </p:spTree>
     <p:extLst>
       <p:ext uri="{BB962C8B-B14F-4D97-AF65-F5344CB8AC3E}">
-        <p14:creationId xmlns="" xmlns:p14="http://schemas.microsoft.com/office/powerpoint/2010/main" val="584524520"/>
+        <p14:creationId xmlns:p14="http://schemas.microsoft.com/office/powerpoint/2010/main" xmlns="" val="584524520"/>
       </p:ext>
     </p:extLst>
   </p:cSld>
@@ -7854,7 +7852,7 @@
     </p:spTree>
     <p:extLst>
       <p:ext uri="{BB962C8B-B14F-4D97-AF65-F5344CB8AC3E}">
-        <p14:creationId xmlns="" xmlns:p14="http://schemas.microsoft.com/office/powerpoint/2010/main" val="3644349158"/>
+        <p14:creationId xmlns:p14="http://schemas.microsoft.com/office/powerpoint/2010/main" xmlns="" val="3644349158"/>
       </p:ext>
     </p:extLst>
   </p:cSld>
@@ -8130,7 +8128,7 @@
           <a:blip r:embed="rId2" cstate="print">
             <a:extLst>
               <a:ext uri="{28A0092B-C50C-407E-A947-70E740481C1C}">
-                <a14:useLocalDpi xmlns="" xmlns:a14="http://schemas.microsoft.com/office/drawing/2010/main" val="0"/>
+                <a14:useLocalDpi xmlns:a14="http://schemas.microsoft.com/office/drawing/2010/main" xmlns="" val="0"/>
               </a:ext>
             </a:extLst>
           </a:blip>
@@ -8150,7 +8148,7 @@
           <a:noFill/>
           <a:extLst>
             <a:ext uri="{909E8E84-426E-40DD-AFC4-6F175D3DCCD1}">
-              <a14:hiddenFill xmlns="" xmlns:a14="http://schemas.microsoft.com/office/drawing/2010/main">
+              <a14:hiddenFill xmlns:a14="http://schemas.microsoft.com/office/drawing/2010/main" xmlns="">
                 <a:solidFill>
                   <a:srgbClr val="FFFFFF"/>
                 </a:solidFill>
@@ -8171,7 +8169,7 @@
           <a:blip r:embed="rId3" cstate="print">
             <a:extLst>
               <a:ext uri="{28A0092B-C50C-407E-A947-70E740481C1C}">
-                <a14:useLocalDpi xmlns="" xmlns:a14="http://schemas.microsoft.com/office/drawing/2010/main" val="0"/>
+                <a14:useLocalDpi xmlns:a14="http://schemas.microsoft.com/office/drawing/2010/main" xmlns="" val="0"/>
               </a:ext>
             </a:extLst>
           </a:blip>
@@ -8191,7 +8189,7 @@
           <a:noFill/>
           <a:extLst>
             <a:ext uri="{909E8E84-426E-40DD-AFC4-6F175D3DCCD1}">
-              <a14:hiddenFill xmlns="" xmlns:a14="http://schemas.microsoft.com/office/drawing/2010/main">
+              <a14:hiddenFill xmlns:a14="http://schemas.microsoft.com/office/drawing/2010/main" xmlns="">
                 <a:solidFill>
                   <a:srgbClr val="FFFFFF"/>
                 </a:solidFill>
@@ -8232,7 +8230,7 @@
     </p:spTree>
     <p:extLst>
       <p:ext uri="{BB962C8B-B14F-4D97-AF65-F5344CB8AC3E}">
-        <p14:creationId xmlns="" xmlns:p14="http://schemas.microsoft.com/office/powerpoint/2010/main" val="718754243"/>
+        <p14:creationId xmlns:p14="http://schemas.microsoft.com/office/powerpoint/2010/main" xmlns="" val="718754243"/>
       </p:ext>
     </p:extLst>
   </p:cSld>
@@ -8769,7 +8767,7 @@
     </p:spTree>
     <p:extLst>
       <p:ext uri="{BB962C8B-B14F-4D97-AF65-F5344CB8AC3E}">
-        <p14:creationId xmlns="" xmlns:p14="http://schemas.microsoft.com/office/powerpoint/2010/main" val="1181055916"/>
+        <p14:creationId xmlns:p14="http://schemas.microsoft.com/office/powerpoint/2010/main" xmlns="" val="1181055916"/>
       </p:ext>
     </p:extLst>
   </p:cSld>
@@ -9101,7 +9099,7 @@
     </p:spTree>
     <p:extLst>
       <p:ext uri="{BB962C8B-B14F-4D97-AF65-F5344CB8AC3E}">
-        <p14:creationId xmlns="" xmlns:p14="http://schemas.microsoft.com/office/powerpoint/2010/main" val="4103476336"/>
+        <p14:creationId xmlns:p14="http://schemas.microsoft.com/office/powerpoint/2010/main" xmlns="" val="4103476336"/>
       </p:ext>
     </p:extLst>
   </p:cSld>
@@ -9322,7 +9320,7 @@
     </p:spTree>
     <p:extLst>
       <p:ext uri="{BB962C8B-B14F-4D97-AF65-F5344CB8AC3E}">
-        <p14:creationId xmlns="" xmlns:p14="http://schemas.microsoft.com/office/powerpoint/2010/main" val="1323717311"/>
+        <p14:creationId xmlns:p14="http://schemas.microsoft.com/office/powerpoint/2010/main" xmlns="" val="1323717311"/>
       </p:ext>
     </p:extLst>
   </p:cSld>
@@ -9740,7 +9738,7 @@
     </p:spTree>
     <p:extLst>
       <p:ext uri="{BB962C8B-B14F-4D97-AF65-F5344CB8AC3E}">
-        <p14:creationId xmlns="" xmlns:p14="http://schemas.microsoft.com/office/powerpoint/2010/main" val="694185338"/>
+        <p14:creationId xmlns:p14="http://schemas.microsoft.com/office/powerpoint/2010/main" xmlns="" val="694185338"/>
       </p:ext>
     </p:extLst>
   </p:cSld>
@@ -9887,7 +9885,7 @@
     </p:spTree>
     <p:extLst>
       <p:ext uri="{BB962C8B-B14F-4D97-AF65-F5344CB8AC3E}">
-        <p14:creationId xmlns="" xmlns:p14="http://schemas.microsoft.com/office/powerpoint/2010/main" val="1408454243"/>
+        <p14:creationId xmlns:p14="http://schemas.microsoft.com/office/powerpoint/2010/main" xmlns="" val="1408454243"/>
       </p:ext>
     </p:extLst>
   </p:cSld>
@@ -10195,14 +10193,14 @@
           <a:effectLst/>
           <a:extLst>
             <a:ext uri="{909E8E84-426E-40DD-AFC4-6F175D3DCCD1}">
-              <a14:hiddenFill xmlns="" xmlns:a14="http://schemas.microsoft.com/office/drawing/2010/main">
+              <a14:hiddenFill xmlns:a14="http://schemas.microsoft.com/office/drawing/2010/main" xmlns="">
                 <a:solidFill>
                   <a:srgbClr val="FFFF99"/>
                 </a:solidFill>
               </a14:hiddenFill>
             </a:ext>
             <a:ext uri="{91240B29-F687-4F45-9708-019B960494DF}">
-              <a14:hiddenLine xmlns="" xmlns:a14="http://schemas.microsoft.com/office/drawing/2010/main" w="6350">
+              <a14:hiddenLine xmlns:a14="http://schemas.microsoft.com/office/drawing/2010/main" xmlns="" w="6350">
                 <a:solidFill>
                   <a:schemeClr val="tx1"/>
                 </a:solidFill>
@@ -10212,7 +10210,7 @@
               </a14:hiddenLine>
             </a:ext>
             <a:ext uri="{AF507438-7753-43E0-B8FC-AC1667EBCBE1}">
-              <a14:hiddenEffects xmlns="" xmlns:a14="http://schemas.microsoft.com/office/drawing/2010/main">
+              <a14:hiddenEffects xmlns:a14="http://schemas.microsoft.com/office/drawing/2010/main" xmlns="">
                 <a:effectLst>
                   <a:outerShdw dist="35921" dir="2700000" algn="ctr" rotWithShape="0">
                     <a:schemeClr val="bg2"/>
@@ -10700,12 +10698,12 @@
             <a:effectLst/>
             <a:extLst>
               <a:ext uri="{909E8E84-426E-40DD-AFC4-6F175D3DCCD1}">
-                <a14:hiddenFill xmlns="" xmlns:a14="http://schemas.microsoft.com/office/drawing/2010/main">
+                <a14:hiddenFill xmlns:a14="http://schemas.microsoft.com/office/drawing/2010/main" xmlns="">
                   <a:noFill/>
                 </a14:hiddenFill>
               </a:ext>
               <a:ext uri="{AF507438-7753-43E0-B8FC-AC1667EBCBE1}">
-                <a14:hiddenEffects xmlns="" xmlns:a14="http://schemas.microsoft.com/office/drawing/2010/main">
+                <a14:hiddenEffects xmlns:a14="http://schemas.microsoft.com/office/drawing/2010/main" xmlns="">
                   <a:effectLst>
                     <a:outerShdw dist="35921" dir="2700000" algn="ctr" rotWithShape="0">
                       <a:schemeClr val="bg2"/>
@@ -10751,12 +10749,12 @@
             <a:effectLst/>
             <a:extLst>
               <a:ext uri="{909E8E84-426E-40DD-AFC4-6F175D3DCCD1}">
-                <a14:hiddenFill xmlns="" xmlns:a14="http://schemas.microsoft.com/office/drawing/2010/main">
+                <a14:hiddenFill xmlns:a14="http://schemas.microsoft.com/office/drawing/2010/main" xmlns="">
                   <a:noFill/>
                 </a14:hiddenFill>
               </a:ext>
               <a:ext uri="{AF507438-7753-43E0-B8FC-AC1667EBCBE1}">
-                <a14:hiddenEffects xmlns="" xmlns:a14="http://schemas.microsoft.com/office/drawing/2010/main">
+                <a14:hiddenEffects xmlns:a14="http://schemas.microsoft.com/office/drawing/2010/main" xmlns="">
                   <a:effectLst>
                     <a:outerShdw dist="35921" dir="2700000" algn="ctr" rotWithShape="0">
                       <a:schemeClr val="bg2"/>
@@ -10804,7 +10802,7 @@
             <a:effectLst/>
             <a:extLst>
               <a:ext uri="{AF507438-7753-43E0-B8FC-AC1667EBCBE1}">
-                <a14:hiddenEffects xmlns="" xmlns:a14="http://schemas.microsoft.com/office/drawing/2010/main">
+                <a14:hiddenEffects xmlns:a14="http://schemas.microsoft.com/office/drawing/2010/main" xmlns="">
                   <a:effectLst>
                     <a:outerShdw dist="35921" dir="2700000" algn="ctr" rotWithShape="0">
                       <a:schemeClr val="bg2"/>
@@ -11007,7 +11005,7 @@
             <a:effectLst/>
             <a:extLst>
               <a:ext uri="{AF507438-7753-43E0-B8FC-AC1667EBCBE1}">
-                <a14:hiddenEffects xmlns="" xmlns:a14="http://schemas.microsoft.com/office/drawing/2010/main">
+                <a14:hiddenEffects xmlns:a14="http://schemas.microsoft.com/office/drawing/2010/main" xmlns="">
                   <a:effectLst>
                     <a:outerShdw dist="35921" dir="2700000" algn="ctr" rotWithShape="0">
                       <a:schemeClr val="bg2"/>
@@ -11210,7 +11208,7 @@
             <a:effectLst/>
             <a:extLst>
               <a:ext uri="{AF507438-7753-43E0-B8FC-AC1667EBCBE1}">
-                <a14:hiddenEffects xmlns="" xmlns:a14="http://schemas.microsoft.com/office/drawing/2010/main">
+                <a14:hiddenEffects xmlns:a14="http://schemas.microsoft.com/office/drawing/2010/main" xmlns="">
                   <a:effectLst>
                     <a:outerShdw dist="35921" dir="2700000" algn="ctr" rotWithShape="0">
                       <a:schemeClr val="bg2"/>
@@ -11413,7 +11411,7 @@
             <a:effectLst/>
             <a:extLst>
               <a:ext uri="{AF507438-7753-43E0-B8FC-AC1667EBCBE1}">
-                <a14:hiddenEffects xmlns="" xmlns:a14="http://schemas.microsoft.com/office/drawing/2010/main">
+                <a14:hiddenEffects xmlns:a14="http://schemas.microsoft.com/office/drawing/2010/main" xmlns="">
                   <a:effectLst>
                     <a:outerShdw dist="35921" dir="2700000" algn="ctr" rotWithShape="0">
                       <a:schemeClr val="bg2"/>
@@ -11616,7 +11614,7 @@
             <a:effectLst/>
             <a:extLst>
               <a:ext uri="{AF507438-7753-43E0-B8FC-AC1667EBCBE1}">
-                <a14:hiddenEffects xmlns="" xmlns:a14="http://schemas.microsoft.com/office/drawing/2010/main">
+                <a14:hiddenEffects xmlns:a14="http://schemas.microsoft.com/office/drawing/2010/main" xmlns="">
                   <a:effectLst>
                     <a:outerShdw dist="35921" dir="2700000" algn="ctr" rotWithShape="0">
                       <a:schemeClr val="bg2"/>
@@ -11819,7 +11817,7 @@
             <a:effectLst/>
             <a:extLst>
               <a:ext uri="{AF507438-7753-43E0-B8FC-AC1667EBCBE1}">
-                <a14:hiddenEffects xmlns="" xmlns:a14="http://schemas.microsoft.com/office/drawing/2010/main">
+                <a14:hiddenEffects xmlns:a14="http://schemas.microsoft.com/office/drawing/2010/main" xmlns="">
                   <a:effectLst>
                     <a:outerShdw dist="35921" dir="2700000" algn="ctr" rotWithShape="0">
                       <a:schemeClr val="bg2"/>
@@ -12022,7 +12020,7 @@
             <a:effectLst/>
             <a:extLst>
               <a:ext uri="{AF507438-7753-43E0-B8FC-AC1667EBCBE1}">
-                <a14:hiddenEffects xmlns="" xmlns:a14="http://schemas.microsoft.com/office/drawing/2010/main">
+                <a14:hiddenEffects xmlns:a14="http://schemas.microsoft.com/office/drawing/2010/main" xmlns="">
                   <a:effectLst>
                     <a:outerShdw dist="35921" dir="2700000" algn="ctr" rotWithShape="0">
                       <a:schemeClr val="bg2"/>
@@ -12225,7 +12223,7 @@
             <a:effectLst/>
             <a:extLst>
               <a:ext uri="{AF507438-7753-43E0-B8FC-AC1667EBCBE1}">
-                <a14:hiddenEffects xmlns="" xmlns:a14="http://schemas.microsoft.com/office/drawing/2010/main">
+                <a14:hiddenEffects xmlns:a14="http://schemas.microsoft.com/office/drawing/2010/main" xmlns="">
                   <a:effectLst>
                     <a:outerShdw dist="35921" dir="2700000" algn="ctr" rotWithShape="0">
                       <a:schemeClr val="bg2"/>
@@ -12428,7 +12426,7 @@
             <a:effectLst/>
             <a:extLst>
               <a:ext uri="{AF507438-7753-43E0-B8FC-AC1667EBCBE1}">
-                <a14:hiddenEffects xmlns="" xmlns:a14="http://schemas.microsoft.com/office/drawing/2010/main">
+                <a14:hiddenEffects xmlns:a14="http://schemas.microsoft.com/office/drawing/2010/main" xmlns="">
                   <a:effectLst>
                     <a:outerShdw dist="35921" dir="2700000" algn="ctr" rotWithShape="0">
                       <a:schemeClr val="bg2"/>
@@ -12624,14 +12622,14 @@
             <a:effectLst/>
             <a:extLst>
               <a:ext uri="{909E8E84-426E-40DD-AFC4-6F175D3DCCD1}">
-                <a14:hiddenFill xmlns="" xmlns:a14="http://schemas.microsoft.com/office/drawing/2010/main">
+                <a14:hiddenFill xmlns:a14="http://schemas.microsoft.com/office/drawing/2010/main" xmlns="">
                   <a:solidFill>
                     <a:srgbClr val="FFFF99"/>
                   </a:solidFill>
                 </a14:hiddenFill>
               </a:ext>
               <a:ext uri="{91240B29-F687-4F45-9708-019B960494DF}">
-                <a14:hiddenLine xmlns="" xmlns:a14="http://schemas.microsoft.com/office/drawing/2010/main" w="9525">
+                <a14:hiddenLine xmlns:a14="http://schemas.microsoft.com/office/drawing/2010/main" xmlns="" w="9525">
                   <a:solidFill>
                     <a:schemeClr val="tx1"/>
                   </a:solidFill>
@@ -12641,7 +12639,7 @@
                 </a14:hiddenLine>
               </a:ext>
               <a:ext uri="{AF507438-7753-43E0-B8FC-AC1667EBCBE1}">
-                <a14:hiddenEffects xmlns="" xmlns:a14="http://schemas.microsoft.com/office/drawing/2010/main">
+                <a14:hiddenEffects xmlns:a14="http://schemas.microsoft.com/office/drawing/2010/main" xmlns="">
                   <a:effectLst>
                     <a:outerShdw dist="35921" dir="2700000" algn="ctr" rotWithShape="0">
                       <a:schemeClr val="bg2"/>
@@ -12847,12 +12845,12 @@
             <a:effectLst/>
             <a:extLst>
               <a:ext uri="{909E8E84-426E-40DD-AFC4-6F175D3DCCD1}">
-                <a14:hiddenFill xmlns="" xmlns:a14="http://schemas.microsoft.com/office/drawing/2010/main">
+                <a14:hiddenFill xmlns:a14="http://schemas.microsoft.com/office/drawing/2010/main" xmlns="">
                   <a:noFill/>
                 </a14:hiddenFill>
               </a:ext>
               <a:ext uri="{AF507438-7753-43E0-B8FC-AC1667EBCBE1}">
-                <a14:hiddenEffects xmlns="" xmlns:a14="http://schemas.microsoft.com/office/drawing/2010/main">
+                <a14:hiddenEffects xmlns:a14="http://schemas.microsoft.com/office/drawing/2010/main" xmlns="">
                   <a:effectLst>
                     <a:outerShdw dist="35921" dir="2700000" algn="ctr" rotWithShape="0">
                       <a:schemeClr val="bg2"/>
@@ -12893,14 +12891,14 @@
             <a:effectLst/>
             <a:extLst>
               <a:ext uri="{909E8E84-426E-40DD-AFC4-6F175D3DCCD1}">
-                <a14:hiddenFill xmlns="" xmlns:a14="http://schemas.microsoft.com/office/drawing/2010/main">
+                <a14:hiddenFill xmlns:a14="http://schemas.microsoft.com/office/drawing/2010/main" xmlns="">
                   <a:solidFill>
                     <a:srgbClr val="FFFF99"/>
                   </a:solidFill>
                 </a14:hiddenFill>
               </a:ext>
               <a:ext uri="{91240B29-F687-4F45-9708-019B960494DF}">
-                <a14:hiddenLine xmlns="" xmlns:a14="http://schemas.microsoft.com/office/drawing/2010/main" w="9525">
+                <a14:hiddenLine xmlns:a14="http://schemas.microsoft.com/office/drawing/2010/main" xmlns="" w="9525">
                   <a:solidFill>
                     <a:schemeClr val="tx1"/>
                   </a:solidFill>
@@ -12910,7 +12908,7 @@
                 </a14:hiddenLine>
               </a:ext>
               <a:ext uri="{AF507438-7753-43E0-B8FC-AC1667EBCBE1}">
-                <a14:hiddenEffects xmlns="" xmlns:a14="http://schemas.microsoft.com/office/drawing/2010/main">
+                <a14:hiddenEffects xmlns:a14="http://schemas.microsoft.com/office/drawing/2010/main" xmlns="">
                   <a:effectLst>
                     <a:outerShdw dist="35921" dir="2700000" algn="ctr" rotWithShape="0">
                       <a:schemeClr val="bg2"/>
@@ -13116,12 +13114,12 @@
             <a:effectLst/>
             <a:extLst>
               <a:ext uri="{909E8E84-426E-40DD-AFC4-6F175D3DCCD1}">
-                <a14:hiddenFill xmlns="" xmlns:a14="http://schemas.microsoft.com/office/drawing/2010/main">
+                <a14:hiddenFill xmlns:a14="http://schemas.microsoft.com/office/drawing/2010/main" xmlns="">
                   <a:noFill/>
                 </a14:hiddenFill>
               </a:ext>
               <a:ext uri="{AF507438-7753-43E0-B8FC-AC1667EBCBE1}">
-                <a14:hiddenEffects xmlns="" xmlns:a14="http://schemas.microsoft.com/office/drawing/2010/main">
+                <a14:hiddenEffects xmlns:a14="http://schemas.microsoft.com/office/drawing/2010/main" xmlns="">
                   <a:effectLst>
                     <a:outerShdw dist="35921" dir="2700000" algn="ctr" rotWithShape="0">
                       <a:schemeClr val="bg2"/>
@@ -13167,12 +13165,12 @@
             <a:effectLst/>
             <a:extLst>
               <a:ext uri="{909E8E84-426E-40DD-AFC4-6F175D3DCCD1}">
-                <a14:hiddenFill xmlns="" xmlns:a14="http://schemas.microsoft.com/office/drawing/2010/main">
+                <a14:hiddenFill xmlns:a14="http://schemas.microsoft.com/office/drawing/2010/main" xmlns="">
                   <a:noFill/>
                 </a14:hiddenFill>
               </a:ext>
               <a:ext uri="{AF507438-7753-43E0-B8FC-AC1667EBCBE1}">
-                <a14:hiddenEffects xmlns="" xmlns:a14="http://schemas.microsoft.com/office/drawing/2010/main">
+                <a14:hiddenEffects xmlns:a14="http://schemas.microsoft.com/office/drawing/2010/main" xmlns="">
                   <a:effectLst>
                     <a:outerShdw dist="35921" dir="2700000" algn="ctr" rotWithShape="0">
                       <a:schemeClr val="bg2"/>
@@ -13372,7 +13370,7 @@
     </p:spTree>
     <p:extLst>
       <p:ext uri="{BB962C8B-B14F-4D97-AF65-F5344CB8AC3E}">
-        <p14:creationId xmlns="" xmlns:p14="http://schemas.microsoft.com/office/powerpoint/2010/main" val="1577090773"/>
+        <p14:creationId xmlns:p14="http://schemas.microsoft.com/office/powerpoint/2010/main" xmlns="" val="1577090773"/>
       </p:ext>
     </p:extLst>
   </p:cSld>
@@ -13500,14 +13498,14 @@
           <a:effectLst/>
           <a:extLst>
             <a:ext uri="{909E8E84-426E-40DD-AFC4-6F175D3DCCD1}">
-              <a14:hiddenFill xmlns="" xmlns:a14="http://schemas.microsoft.com/office/drawing/2010/main">
+              <a14:hiddenFill xmlns:a14="http://schemas.microsoft.com/office/drawing/2010/main" xmlns="">
                 <a:solidFill>
                   <a:srgbClr val="FFFF99"/>
                 </a:solidFill>
               </a14:hiddenFill>
             </a:ext>
             <a:ext uri="{91240B29-F687-4F45-9708-019B960494DF}">
-              <a14:hiddenLine xmlns="" xmlns:a14="http://schemas.microsoft.com/office/drawing/2010/main" w="6350">
+              <a14:hiddenLine xmlns:a14="http://schemas.microsoft.com/office/drawing/2010/main" xmlns="" w="6350">
                 <a:solidFill>
                   <a:schemeClr val="tx1"/>
                 </a:solidFill>
@@ -13517,7 +13515,7 @@
               </a14:hiddenLine>
             </a:ext>
             <a:ext uri="{AF507438-7753-43E0-B8FC-AC1667EBCBE1}">
-              <a14:hiddenEffects xmlns="" xmlns:a14="http://schemas.microsoft.com/office/drawing/2010/main">
+              <a14:hiddenEffects xmlns:a14="http://schemas.microsoft.com/office/drawing/2010/main" xmlns="">
                 <a:effectLst>
                   <a:outerShdw dist="35921" dir="2700000" algn="ctr" rotWithShape="0">
                     <a:schemeClr val="bg2"/>
@@ -13793,12 +13791,12 @@
               <a:effectLst/>
               <a:extLst>
                 <a:ext uri="{909E8E84-426E-40DD-AFC4-6F175D3DCCD1}">
-                  <a14:hiddenFill xmlns="" xmlns:a14="http://schemas.microsoft.com/office/drawing/2010/main">
+                  <a14:hiddenFill xmlns:a14="http://schemas.microsoft.com/office/drawing/2010/main" xmlns="">
                     <a:noFill/>
                   </a14:hiddenFill>
                 </a:ext>
                 <a:ext uri="{AF507438-7753-43E0-B8FC-AC1667EBCBE1}">
-                  <a14:hiddenEffects xmlns="" xmlns:a14="http://schemas.microsoft.com/office/drawing/2010/main">
+                  <a14:hiddenEffects xmlns:a14="http://schemas.microsoft.com/office/drawing/2010/main" xmlns="">
                     <a:effectLst>
                       <a:outerShdw dist="35921" dir="2700000" algn="ctr" rotWithShape="0">
                         <a:schemeClr val="bg2"/>
@@ -13844,12 +13842,12 @@
               <a:effectLst/>
               <a:extLst>
                 <a:ext uri="{909E8E84-426E-40DD-AFC4-6F175D3DCCD1}">
-                  <a14:hiddenFill xmlns="" xmlns:a14="http://schemas.microsoft.com/office/drawing/2010/main">
+                  <a14:hiddenFill xmlns:a14="http://schemas.microsoft.com/office/drawing/2010/main" xmlns="">
                     <a:noFill/>
                   </a14:hiddenFill>
                 </a:ext>
                 <a:ext uri="{AF507438-7753-43E0-B8FC-AC1667EBCBE1}">
-                  <a14:hiddenEffects xmlns="" xmlns:a14="http://schemas.microsoft.com/office/drawing/2010/main">
+                  <a14:hiddenEffects xmlns:a14="http://schemas.microsoft.com/office/drawing/2010/main" xmlns="">
                     <a:effectLst>
                       <a:outerShdw dist="35921" dir="2700000" algn="ctr" rotWithShape="0">
                         <a:schemeClr val="bg2"/>
@@ -13897,7 +13895,7 @@
               <a:effectLst/>
               <a:extLst>
                 <a:ext uri="{AF507438-7753-43E0-B8FC-AC1667EBCBE1}">
-                  <a14:hiddenEffects xmlns="" xmlns:a14="http://schemas.microsoft.com/office/drawing/2010/main">
+                  <a14:hiddenEffects xmlns:a14="http://schemas.microsoft.com/office/drawing/2010/main" xmlns="">
                     <a:effectLst>
                       <a:outerShdw dist="35921" dir="2700000" algn="ctr" rotWithShape="0">
                         <a:schemeClr val="bg2"/>
@@ -14100,7 +14098,7 @@
               <a:effectLst/>
               <a:extLst>
                 <a:ext uri="{AF507438-7753-43E0-B8FC-AC1667EBCBE1}">
-                  <a14:hiddenEffects xmlns="" xmlns:a14="http://schemas.microsoft.com/office/drawing/2010/main">
+                  <a14:hiddenEffects xmlns:a14="http://schemas.microsoft.com/office/drawing/2010/main" xmlns="">
                     <a:effectLst>
                       <a:outerShdw dist="35921" dir="2700000" algn="ctr" rotWithShape="0">
                         <a:schemeClr val="bg2"/>
@@ -14303,7 +14301,7 @@
               <a:effectLst/>
               <a:extLst>
                 <a:ext uri="{AF507438-7753-43E0-B8FC-AC1667EBCBE1}">
-                  <a14:hiddenEffects xmlns="" xmlns:a14="http://schemas.microsoft.com/office/drawing/2010/main">
+                  <a14:hiddenEffects xmlns:a14="http://schemas.microsoft.com/office/drawing/2010/main" xmlns="">
                     <a:effectLst>
                       <a:outerShdw dist="35921" dir="2700000" algn="ctr" rotWithShape="0">
                         <a:schemeClr val="bg2"/>
@@ -14506,7 +14504,7 @@
               <a:effectLst/>
               <a:extLst>
                 <a:ext uri="{AF507438-7753-43E0-B8FC-AC1667EBCBE1}">
-                  <a14:hiddenEffects xmlns="" xmlns:a14="http://schemas.microsoft.com/office/drawing/2010/main">
+                  <a14:hiddenEffects xmlns:a14="http://schemas.microsoft.com/office/drawing/2010/main" xmlns="">
                     <a:effectLst>
                       <a:outerShdw dist="35921" dir="2700000" algn="ctr" rotWithShape="0">
                         <a:schemeClr val="bg2"/>
@@ -14709,7 +14707,7 @@
               <a:effectLst/>
               <a:extLst>
                 <a:ext uri="{AF507438-7753-43E0-B8FC-AC1667EBCBE1}">
-                  <a14:hiddenEffects xmlns="" xmlns:a14="http://schemas.microsoft.com/office/drawing/2010/main">
+                  <a14:hiddenEffects xmlns:a14="http://schemas.microsoft.com/office/drawing/2010/main" xmlns="">
                     <a:effectLst>
                       <a:outerShdw dist="35921" dir="2700000" algn="ctr" rotWithShape="0">
                         <a:schemeClr val="bg2"/>
@@ -14912,7 +14910,7 @@
               <a:effectLst/>
               <a:extLst>
                 <a:ext uri="{AF507438-7753-43E0-B8FC-AC1667EBCBE1}">
-                  <a14:hiddenEffects xmlns="" xmlns:a14="http://schemas.microsoft.com/office/drawing/2010/main">
+                  <a14:hiddenEffects xmlns:a14="http://schemas.microsoft.com/office/drawing/2010/main" xmlns="">
                     <a:effectLst>
                       <a:outerShdw dist="35921" dir="2700000" algn="ctr" rotWithShape="0">
                         <a:schemeClr val="bg2"/>
@@ -15115,7 +15113,7 @@
               <a:effectLst/>
               <a:extLst>
                 <a:ext uri="{AF507438-7753-43E0-B8FC-AC1667EBCBE1}">
-                  <a14:hiddenEffects xmlns="" xmlns:a14="http://schemas.microsoft.com/office/drawing/2010/main">
+                  <a14:hiddenEffects xmlns:a14="http://schemas.microsoft.com/office/drawing/2010/main" xmlns="">
                     <a:effectLst>
                       <a:outerShdw dist="35921" dir="2700000" algn="ctr" rotWithShape="0">
                         <a:schemeClr val="bg2"/>
@@ -15318,7 +15316,7 @@
               <a:effectLst/>
               <a:extLst>
                 <a:ext uri="{AF507438-7753-43E0-B8FC-AC1667EBCBE1}">
-                  <a14:hiddenEffects xmlns="" xmlns:a14="http://schemas.microsoft.com/office/drawing/2010/main">
+                  <a14:hiddenEffects xmlns:a14="http://schemas.microsoft.com/office/drawing/2010/main" xmlns="">
                     <a:effectLst>
                       <a:outerShdw dist="35921" dir="2700000" algn="ctr" rotWithShape="0">
                         <a:schemeClr val="bg2"/>
@@ -15521,7 +15519,7 @@
               <a:effectLst/>
               <a:extLst>
                 <a:ext uri="{AF507438-7753-43E0-B8FC-AC1667EBCBE1}">
-                  <a14:hiddenEffects xmlns="" xmlns:a14="http://schemas.microsoft.com/office/drawing/2010/main">
+                  <a14:hiddenEffects xmlns:a14="http://schemas.microsoft.com/office/drawing/2010/main" xmlns="">
                     <a:effectLst>
                       <a:outerShdw dist="35921" dir="2700000" algn="ctr" rotWithShape="0">
                         <a:schemeClr val="bg2"/>
@@ -15717,14 +15715,14 @@
               <a:effectLst/>
               <a:extLst>
                 <a:ext uri="{909E8E84-426E-40DD-AFC4-6F175D3DCCD1}">
-                  <a14:hiddenFill xmlns="" xmlns:a14="http://schemas.microsoft.com/office/drawing/2010/main">
+                  <a14:hiddenFill xmlns:a14="http://schemas.microsoft.com/office/drawing/2010/main" xmlns="">
                     <a:solidFill>
                       <a:srgbClr val="FFFF99"/>
                     </a:solidFill>
                   </a14:hiddenFill>
                 </a:ext>
                 <a:ext uri="{91240B29-F687-4F45-9708-019B960494DF}">
-                  <a14:hiddenLine xmlns="" xmlns:a14="http://schemas.microsoft.com/office/drawing/2010/main" w="9525">
+                  <a14:hiddenLine xmlns:a14="http://schemas.microsoft.com/office/drawing/2010/main" xmlns="" w="9525">
                     <a:solidFill>
                       <a:schemeClr val="tx1"/>
                     </a:solidFill>
@@ -15734,7 +15732,7 @@
                   </a14:hiddenLine>
                 </a:ext>
                 <a:ext uri="{AF507438-7753-43E0-B8FC-AC1667EBCBE1}">
-                  <a14:hiddenEffects xmlns="" xmlns:a14="http://schemas.microsoft.com/office/drawing/2010/main">
+                  <a14:hiddenEffects xmlns:a14="http://schemas.microsoft.com/office/drawing/2010/main" xmlns="">
                     <a:effectLst>
                       <a:outerShdw dist="35921" dir="2700000" algn="ctr" rotWithShape="0">
                         <a:schemeClr val="bg2"/>
@@ -15940,12 +15938,12 @@
               <a:effectLst/>
               <a:extLst>
                 <a:ext uri="{909E8E84-426E-40DD-AFC4-6F175D3DCCD1}">
-                  <a14:hiddenFill xmlns="" xmlns:a14="http://schemas.microsoft.com/office/drawing/2010/main">
+                  <a14:hiddenFill xmlns:a14="http://schemas.microsoft.com/office/drawing/2010/main" xmlns="">
                     <a:noFill/>
                   </a14:hiddenFill>
                 </a:ext>
                 <a:ext uri="{AF507438-7753-43E0-B8FC-AC1667EBCBE1}">
-                  <a14:hiddenEffects xmlns="" xmlns:a14="http://schemas.microsoft.com/office/drawing/2010/main">
+                  <a14:hiddenEffects xmlns:a14="http://schemas.microsoft.com/office/drawing/2010/main" xmlns="">
                     <a:effectLst>
                       <a:outerShdw dist="35921" dir="2700000" algn="ctr" rotWithShape="0">
                         <a:schemeClr val="bg2"/>
@@ -15986,14 +15984,14 @@
               <a:effectLst/>
               <a:extLst>
                 <a:ext uri="{909E8E84-426E-40DD-AFC4-6F175D3DCCD1}">
-                  <a14:hiddenFill xmlns="" xmlns:a14="http://schemas.microsoft.com/office/drawing/2010/main">
+                  <a14:hiddenFill xmlns:a14="http://schemas.microsoft.com/office/drawing/2010/main" xmlns="">
                     <a:solidFill>
                       <a:srgbClr val="FFFF99"/>
                     </a:solidFill>
                   </a14:hiddenFill>
                 </a:ext>
                 <a:ext uri="{91240B29-F687-4F45-9708-019B960494DF}">
-                  <a14:hiddenLine xmlns="" xmlns:a14="http://schemas.microsoft.com/office/drawing/2010/main" w="9525">
+                  <a14:hiddenLine xmlns:a14="http://schemas.microsoft.com/office/drawing/2010/main" xmlns="" w="9525">
                     <a:solidFill>
                       <a:schemeClr val="tx1"/>
                     </a:solidFill>
@@ -16003,7 +16001,7 @@
                   </a14:hiddenLine>
                 </a:ext>
                 <a:ext uri="{AF507438-7753-43E0-B8FC-AC1667EBCBE1}">
-                  <a14:hiddenEffects xmlns="" xmlns:a14="http://schemas.microsoft.com/office/drawing/2010/main">
+                  <a14:hiddenEffects xmlns:a14="http://schemas.microsoft.com/office/drawing/2010/main" xmlns="">
                     <a:effectLst>
                       <a:outerShdw dist="35921" dir="2700000" algn="ctr" rotWithShape="0">
                         <a:schemeClr val="bg2"/>
@@ -16209,12 +16207,12 @@
               <a:effectLst/>
               <a:extLst>
                 <a:ext uri="{909E8E84-426E-40DD-AFC4-6F175D3DCCD1}">
-                  <a14:hiddenFill xmlns="" xmlns:a14="http://schemas.microsoft.com/office/drawing/2010/main">
+                  <a14:hiddenFill xmlns:a14="http://schemas.microsoft.com/office/drawing/2010/main" xmlns="">
                     <a:noFill/>
                   </a14:hiddenFill>
                 </a:ext>
                 <a:ext uri="{AF507438-7753-43E0-B8FC-AC1667EBCBE1}">
-                  <a14:hiddenEffects xmlns="" xmlns:a14="http://schemas.microsoft.com/office/drawing/2010/main">
+                  <a14:hiddenEffects xmlns:a14="http://schemas.microsoft.com/office/drawing/2010/main" xmlns="">
                     <a:effectLst>
                       <a:outerShdw dist="35921" dir="2700000" algn="ctr" rotWithShape="0">
                         <a:schemeClr val="bg2"/>
@@ -16260,12 +16258,12 @@
               <a:effectLst/>
               <a:extLst>
                 <a:ext uri="{909E8E84-426E-40DD-AFC4-6F175D3DCCD1}">
-                  <a14:hiddenFill xmlns="" xmlns:a14="http://schemas.microsoft.com/office/drawing/2010/main">
+                  <a14:hiddenFill xmlns:a14="http://schemas.microsoft.com/office/drawing/2010/main" xmlns="">
                     <a:noFill/>
                   </a14:hiddenFill>
                 </a:ext>
                 <a:ext uri="{AF507438-7753-43E0-B8FC-AC1667EBCBE1}">
-                  <a14:hiddenEffects xmlns="" xmlns:a14="http://schemas.microsoft.com/office/drawing/2010/main">
+                  <a14:hiddenEffects xmlns:a14="http://schemas.microsoft.com/office/drawing/2010/main" xmlns="">
                     <a:effectLst>
                       <a:outerShdw dist="35921" dir="2700000" algn="ctr" rotWithShape="0">
                         <a:schemeClr val="bg2"/>
@@ -16313,12 +16311,12 @@
               <a:effectLst/>
               <a:extLst>
                 <a:ext uri="{909E8E84-426E-40DD-AFC4-6F175D3DCCD1}">
-                  <a14:hiddenFill xmlns="" xmlns:a14="http://schemas.microsoft.com/office/drawing/2010/main">
+                  <a14:hiddenFill xmlns:a14="http://schemas.microsoft.com/office/drawing/2010/main" xmlns="">
                     <a:noFill/>
                   </a14:hiddenFill>
                 </a:ext>
                 <a:ext uri="{AF507438-7753-43E0-B8FC-AC1667EBCBE1}">
-                  <a14:hiddenEffects xmlns="" xmlns:a14="http://schemas.microsoft.com/office/drawing/2010/main">
+                  <a14:hiddenEffects xmlns:a14="http://schemas.microsoft.com/office/drawing/2010/main" xmlns="">
                     <a:effectLst>
                       <a:outerShdw dist="35921" dir="2700000" algn="ctr" rotWithShape="0">
                         <a:schemeClr val="bg2"/>
@@ -16364,12 +16362,12 @@
               <a:effectLst/>
               <a:extLst>
                 <a:ext uri="{909E8E84-426E-40DD-AFC4-6F175D3DCCD1}">
-                  <a14:hiddenFill xmlns="" xmlns:a14="http://schemas.microsoft.com/office/drawing/2010/main">
+                  <a14:hiddenFill xmlns:a14="http://schemas.microsoft.com/office/drawing/2010/main" xmlns="">
                     <a:noFill/>
                   </a14:hiddenFill>
                 </a:ext>
                 <a:ext uri="{AF507438-7753-43E0-B8FC-AC1667EBCBE1}">
-                  <a14:hiddenEffects xmlns="" xmlns:a14="http://schemas.microsoft.com/office/drawing/2010/main">
+                  <a14:hiddenEffects xmlns:a14="http://schemas.microsoft.com/office/drawing/2010/main" xmlns="">
                     <a:effectLst>
                       <a:outerShdw dist="35921" dir="2700000" algn="ctr" rotWithShape="0">
                         <a:schemeClr val="bg2"/>
@@ -16417,7 +16415,7 @@
               <a:effectLst/>
               <a:extLst>
                 <a:ext uri="{AF507438-7753-43E0-B8FC-AC1667EBCBE1}">
-                  <a14:hiddenEffects xmlns="" xmlns:a14="http://schemas.microsoft.com/office/drawing/2010/main">
+                  <a14:hiddenEffects xmlns:a14="http://schemas.microsoft.com/office/drawing/2010/main" xmlns="">
                     <a:effectLst>
                       <a:outerShdw dist="35921" dir="2700000" algn="ctr" rotWithShape="0">
                         <a:schemeClr val="bg2"/>
@@ -16620,7 +16618,7 @@
               <a:effectLst/>
               <a:extLst>
                 <a:ext uri="{AF507438-7753-43E0-B8FC-AC1667EBCBE1}">
-                  <a14:hiddenEffects xmlns="" xmlns:a14="http://schemas.microsoft.com/office/drawing/2010/main">
+                  <a14:hiddenEffects xmlns:a14="http://schemas.microsoft.com/office/drawing/2010/main" xmlns="">
                     <a:effectLst>
                       <a:outerShdw dist="35921" dir="2700000" algn="ctr" rotWithShape="0">
                         <a:schemeClr val="bg2"/>
@@ -16823,7 +16821,7 @@
               <a:effectLst/>
               <a:extLst>
                 <a:ext uri="{AF507438-7753-43E0-B8FC-AC1667EBCBE1}">
-                  <a14:hiddenEffects xmlns="" xmlns:a14="http://schemas.microsoft.com/office/drawing/2010/main">
+                  <a14:hiddenEffects xmlns:a14="http://schemas.microsoft.com/office/drawing/2010/main" xmlns="">
                     <a:effectLst>
                       <a:outerShdw dist="35921" dir="2700000" algn="ctr" rotWithShape="0">
                         <a:schemeClr val="bg2"/>
@@ -17026,7 +17024,7 @@
               <a:effectLst/>
               <a:extLst>
                 <a:ext uri="{AF507438-7753-43E0-B8FC-AC1667EBCBE1}">
-                  <a14:hiddenEffects xmlns="" xmlns:a14="http://schemas.microsoft.com/office/drawing/2010/main">
+                  <a14:hiddenEffects xmlns:a14="http://schemas.microsoft.com/office/drawing/2010/main" xmlns="">
                     <a:effectLst>
                       <a:outerShdw dist="35921" dir="2700000" algn="ctr" rotWithShape="0">
                         <a:schemeClr val="bg2"/>
@@ -17229,7 +17227,7 @@
               <a:effectLst/>
               <a:extLst>
                 <a:ext uri="{AF507438-7753-43E0-B8FC-AC1667EBCBE1}">
-                  <a14:hiddenEffects xmlns="" xmlns:a14="http://schemas.microsoft.com/office/drawing/2010/main">
+                  <a14:hiddenEffects xmlns:a14="http://schemas.microsoft.com/office/drawing/2010/main" xmlns="">
                     <a:effectLst>
                       <a:outerShdw dist="35921" dir="2700000" algn="ctr" rotWithShape="0">
                         <a:schemeClr val="bg2"/>
@@ -17432,7 +17430,7 @@
               <a:effectLst/>
               <a:extLst>
                 <a:ext uri="{AF507438-7753-43E0-B8FC-AC1667EBCBE1}">
-                  <a14:hiddenEffects xmlns="" xmlns:a14="http://schemas.microsoft.com/office/drawing/2010/main">
+                  <a14:hiddenEffects xmlns:a14="http://schemas.microsoft.com/office/drawing/2010/main" xmlns="">
                     <a:effectLst>
                       <a:outerShdw dist="35921" dir="2700000" algn="ctr" rotWithShape="0">
                         <a:schemeClr val="bg2"/>
@@ -17635,7 +17633,7 @@
               <a:effectLst/>
               <a:extLst>
                 <a:ext uri="{AF507438-7753-43E0-B8FC-AC1667EBCBE1}">
-                  <a14:hiddenEffects xmlns="" xmlns:a14="http://schemas.microsoft.com/office/drawing/2010/main">
+                  <a14:hiddenEffects xmlns:a14="http://schemas.microsoft.com/office/drawing/2010/main" xmlns="">
                     <a:effectLst>
                       <a:outerShdw dist="35921" dir="2700000" algn="ctr" rotWithShape="0">
                         <a:schemeClr val="bg2"/>
@@ -17838,7 +17836,7 @@
               <a:effectLst/>
               <a:extLst>
                 <a:ext uri="{AF507438-7753-43E0-B8FC-AC1667EBCBE1}">
-                  <a14:hiddenEffects xmlns="" xmlns:a14="http://schemas.microsoft.com/office/drawing/2010/main">
+                  <a14:hiddenEffects xmlns:a14="http://schemas.microsoft.com/office/drawing/2010/main" xmlns="">
                     <a:effectLst>
                       <a:outerShdw dist="35921" dir="2700000" algn="ctr" rotWithShape="0">
                         <a:schemeClr val="bg2"/>
@@ -18041,7 +18039,7 @@
               <a:effectLst/>
               <a:extLst>
                 <a:ext uri="{AF507438-7753-43E0-B8FC-AC1667EBCBE1}">
-                  <a14:hiddenEffects xmlns="" xmlns:a14="http://schemas.microsoft.com/office/drawing/2010/main">
+                  <a14:hiddenEffects xmlns:a14="http://schemas.microsoft.com/office/drawing/2010/main" xmlns="">
                     <a:effectLst>
                       <a:outerShdw dist="35921" dir="2700000" algn="ctr" rotWithShape="0">
                         <a:schemeClr val="bg2"/>
@@ -18237,14 +18235,14 @@
               <a:effectLst/>
               <a:extLst>
                 <a:ext uri="{909E8E84-426E-40DD-AFC4-6F175D3DCCD1}">
-                  <a14:hiddenFill xmlns="" xmlns:a14="http://schemas.microsoft.com/office/drawing/2010/main">
+                  <a14:hiddenFill xmlns:a14="http://schemas.microsoft.com/office/drawing/2010/main" xmlns="">
                     <a:solidFill>
                       <a:srgbClr val="FFFF99"/>
                     </a:solidFill>
                   </a14:hiddenFill>
                 </a:ext>
                 <a:ext uri="{91240B29-F687-4F45-9708-019B960494DF}">
-                  <a14:hiddenLine xmlns="" xmlns:a14="http://schemas.microsoft.com/office/drawing/2010/main" w="9525">
+                  <a14:hiddenLine xmlns:a14="http://schemas.microsoft.com/office/drawing/2010/main" xmlns="" w="9525">
                     <a:solidFill>
                       <a:schemeClr val="tx1"/>
                     </a:solidFill>
@@ -18254,7 +18252,7 @@
                   </a14:hiddenLine>
                 </a:ext>
                 <a:ext uri="{AF507438-7753-43E0-B8FC-AC1667EBCBE1}">
-                  <a14:hiddenEffects xmlns="" xmlns:a14="http://schemas.microsoft.com/office/drawing/2010/main">
+                  <a14:hiddenEffects xmlns:a14="http://schemas.microsoft.com/office/drawing/2010/main" xmlns="">
                     <a:effectLst>
                       <a:outerShdw dist="35921" dir="2700000" algn="ctr" rotWithShape="0">
                         <a:schemeClr val="bg2"/>
@@ -18460,12 +18458,12 @@
               <a:effectLst/>
               <a:extLst>
                 <a:ext uri="{909E8E84-426E-40DD-AFC4-6F175D3DCCD1}">
-                  <a14:hiddenFill xmlns="" xmlns:a14="http://schemas.microsoft.com/office/drawing/2010/main">
+                  <a14:hiddenFill xmlns:a14="http://schemas.microsoft.com/office/drawing/2010/main" xmlns="">
                     <a:noFill/>
                   </a14:hiddenFill>
                 </a:ext>
                 <a:ext uri="{AF507438-7753-43E0-B8FC-AC1667EBCBE1}">
-                  <a14:hiddenEffects xmlns="" xmlns:a14="http://schemas.microsoft.com/office/drawing/2010/main">
+                  <a14:hiddenEffects xmlns:a14="http://schemas.microsoft.com/office/drawing/2010/main" xmlns="">
                     <a:effectLst>
                       <a:outerShdw dist="35921" dir="2700000" algn="ctr" rotWithShape="0">
                         <a:schemeClr val="bg2"/>
@@ -18506,14 +18504,14 @@
               <a:effectLst/>
               <a:extLst>
                 <a:ext uri="{909E8E84-426E-40DD-AFC4-6F175D3DCCD1}">
-                  <a14:hiddenFill xmlns="" xmlns:a14="http://schemas.microsoft.com/office/drawing/2010/main">
+                  <a14:hiddenFill xmlns:a14="http://schemas.microsoft.com/office/drawing/2010/main" xmlns="">
                     <a:solidFill>
                       <a:srgbClr val="FFFF99"/>
                     </a:solidFill>
                   </a14:hiddenFill>
                 </a:ext>
                 <a:ext uri="{91240B29-F687-4F45-9708-019B960494DF}">
-                  <a14:hiddenLine xmlns="" xmlns:a14="http://schemas.microsoft.com/office/drawing/2010/main" w="9525">
+                  <a14:hiddenLine xmlns:a14="http://schemas.microsoft.com/office/drawing/2010/main" xmlns="" w="9525">
                     <a:solidFill>
                       <a:schemeClr val="tx1"/>
                     </a:solidFill>
@@ -18523,7 +18521,7 @@
                   </a14:hiddenLine>
                 </a:ext>
                 <a:ext uri="{AF507438-7753-43E0-B8FC-AC1667EBCBE1}">
-                  <a14:hiddenEffects xmlns="" xmlns:a14="http://schemas.microsoft.com/office/drawing/2010/main">
+                  <a14:hiddenEffects xmlns:a14="http://schemas.microsoft.com/office/drawing/2010/main" xmlns="">
                     <a:effectLst>
                       <a:outerShdw dist="35921" dir="2700000" algn="ctr" rotWithShape="0">
                         <a:schemeClr val="bg2"/>
@@ -18729,12 +18727,12 @@
               <a:effectLst/>
               <a:extLst>
                 <a:ext uri="{909E8E84-426E-40DD-AFC4-6F175D3DCCD1}">
-                  <a14:hiddenFill xmlns="" xmlns:a14="http://schemas.microsoft.com/office/drawing/2010/main">
+                  <a14:hiddenFill xmlns:a14="http://schemas.microsoft.com/office/drawing/2010/main" xmlns="">
                     <a:noFill/>
                   </a14:hiddenFill>
                 </a:ext>
                 <a:ext uri="{AF507438-7753-43E0-B8FC-AC1667EBCBE1}">
-                  <a14:hiddenEffects xmlns="" xmlns:a14="http://schemas.microsoft.com/office/drawing/2010/main">
+                  <a14:hiddenEffects xmlns:a14="http://schemas.microsoft.com/office/drawing/2010/main" xmlns="">
                     <a:effectLst>
                       <a:outerShdw dist="35921" dir="2700000" algn="ctr" rotWithShape="0">
                         <a:schemeClr val="bg2"/>
@@ -18780,12 +18778,12 @@
               <a:effectLst/>
               <a:extLst>
                 <a:ext uri="{909E8E84-426E-40DD-AFC4-6F175D3DCCD1}">
-                  <a14:hiddenFill xmlns="" xmlns:a14="http://schemas.microsoft.com/office/drawing/2010/main">
+                  <a14:hiddenFill xmlns:a14="http://schemas.microsoft.com/office/drawing/2010/main" xmlns="">
                     <a:noFill/>
                   </a14:hiddenFill>
                 </a:ext>
                 <a:ext uri="{AF507438-7753-43E0-B8FC-AC1667EBCBE1}">
-                  <a14:hiddenEffects xmlns="" xmlns:a14="http://schemas.microsoft.com/office/drawing/2010/main">
+                  <a14:hiddenEffects xmlns:a14="http://schemas.microsoft.com/office/drawing/2010/main" xmlns="">
                     <a:effectLst>
                       <a:outerShdw dist="35921" dir="2700000" algn="ctr" rotWithShape="0">
                         <a:schemeClr val="bg2"/>
@@ -18833,12 +18831,12 @@
               <a:effectLst/>
               <a:extLst>
                 <a:ext uri="{909E8E84-426E-40DD-AFC4-6F175D3DCCD1}">
-                  <a14:hiddenFill xmlns="" xmlns:a14="http://schemas.microsoft.com/office/drawing/2010/main">
+                  <a14:hiddenFill xmlns:a14="http://schemas.microsoft.com/office/drawing/2010/main" xmlns="">
                     <a:noFill/>
                   </a14:hiddenFill>
                 </a:ext>
                 <a:ext uri="{AF507438-7753-43E0-B8FC-AC1667EBCBE1}">
-                  <a14:hiddenEffects xmlns="" xmlns:a14="http://schemas.microsoft.com/office/drawing/2010/main">
+                  <a14:hiddenEffects xmlns:a14="http://schemas.microsoft.com/office/drawing/2010/main" xmlns="">
                     <a:effectLst>
                       <a:outerShdw dist="35921" dir="2700000" algn="ctr" rotWithShape="0">
                         <a:schemeClr val="bg2"/>
@@ -18884,12 +18882,12 @@
               <a:effectLst/>
               <a:extLst>
                 <a:ext uri="{909E8E84-426E-40DD-AFC4-6F175D3DCCD1}">
-                  <a14:hiddenFill xmlns="" xmlns:a14="http://schemas.microsoft.com/office/drawing/2010/main">
+                  <a14:hiddenFill xmlns:a14="http://schemas.microsoft.com/office/drawing/2010/main" xmlns="">
                     <a:noFill/>
                   </a14:hiddenFill>
                 </a:ext>
                 <a:ext uri="{AF507438-7753-43E0-B8FC-AC1667EBCBE1}">
-                  <a14:hiddenEffects xmlns="" xmlns:a14="http://schemas.microsoft.com/office/drawing/2010/main">
+                  <a14:hiddenEffects xmlns:a14="http://schemas.microsoft.com/office/drawing/2010/main" xmlns="">
                     <a:effectLst>
                       <a:outerShdw dist="35921" dir="2700000" algn="ctr" rotWithShape="0">
                         <a:schemeClr val="bg2"/>
@@ -18937,7 +18935,7 @@
               <a:effectLst/>
               <a:extLst>
                 <a:ext uri="{AF507438-7753-43E0-B8FC-AC1667EBCBE1}">
-                  <a14:hiddenEffects xmlns="" xmlns:a14="http://schemas.microsoft.com/office/drawing/2010/main">
+                  <a14:hiddenEffects xmlns:a14="http://schemas.microsoft.com/office/drawing/2010/main" xmlns="">
                     <a:effectLst>
                       <a:outerShdw dist="35921" dir="2700000" algn="ctr" rotWithShape="0">
                         <a:schemeClr val="bg2"/>
@@ -19140,7 +19138,7 @@
               <a:effectLst/>
               <a:extLst>
                 <a:ext uri="{AF507438-7753-43E0-B8FC-AC1667EBCBE1}">
-                  <a14:hiddenEffects xmlns="" xmlns:a14="http://schemas.microsoft.com/office/drawing/2010/main">
+                  <a14:hiddenEffects xmlns:a14="http://schemas.microsoft.com/office/drawing/2010/main" xmlns="">
                     <a:effectLst>
                       <a:outerShdw dist="35921" dir="2700000" algn="ctr" rotWithShape="0">
                         <a:schemeClr val="bg2"/>
@@ -19343,7 +19341,7 @@
               <a:effectLst/>
               <a:extLst>
                 <a:ext uri="{AF507438-7753-43E0-B8FC-AC1667EBCBE1}">
-                  <a14:hiddenEffects xmlns="" xmlns:a14="http://schemas.microsoft.com/office/drawing/2010/main">
+                  <a14:hiddenEffects xmlns:a14="http://schemas.microsoft.com/office/drawing/2010/main" xmlns="">
                     <a:effectLst>
                       <a:outerShdw dist="35921" dir="2700000" algn="ctr" rotWithShape="0">
                         <a:schemeClr val="bg2"/>
@@ -19546,7 +19544,7 @@
               <a:effectLst/>
               <a:extLst>
                 <a:ext uri="{AF507438-7753-43E0-B8FC-AC1667EBCBE1}">
-                  <a14:hiddenEffects xmlns="" xmlns:a14="http://schemas.microsoft.com/office/drawing/2010/main">
+                  <a14:hiddenEffects xmlns:a14="http://schemas.microsoft.com/office/drawing/2010/main" xmlns="">
                     <a:effectLst>
                       <a:outerShdw dist="35921" dir="2700000" algn="ctr" rotWithShape="0">
                         <a:schemeClr val="bg2"/>
@@ -19749,7 +19747,7 @@
               <a:effectLst/>
               <a:extLst>
                 <a:ext uri="{AF507438-7753-43E0-B8FC-AC1667EBCBE1}">
-                  <a14:hiddenEffects xmlns="" xmlns:a14="http://schemas.microsoft.com/office/drawing/2010/main">
+                  <a14:hiddenEffects xmlns:a14="http://schemas.microsoft.com/office/drawing/2010/main" xmlns="">
                     <a:effectLst>
                       <a:outerShdw dist="35921" dir="2700000" algn="ctr" rotWithShape="0">
                         <a:schemeClr val="bg2"/>
@@ -19952,7 +19950,7 @@
               <a:effectLst/>
               <a:extLst>
                 <a:ext uri="{AF507438-7753-43E0-B8FC-AC1667EBCBE1}">
-                  <a14:hiddenEffects xmlns="" xmlns:a14="http://schemas.microsoft.com/office/drawing/2010/main">
+                  <a14:hiddenEffects xmlns:a14="http://schemas.microsoft.com/office/drawing/2010/main" xmlns="">
                     <a:effectLst>
                       <a:outerShdw dist="35921" dir="2700000" algn="ctr" rotWithShape="0">
                         <a:schemeClr val="bg2"/>
@@ -20155,7 +20153,7 @@
               <a:effectLst/>
               <a:extLst>
                 <a:ext uri="{AF507438-7753-43E0-B8FC-AC1667EBCBE1}">
-                  <a14:hiddenEffects xmlns="" xmlns:a14="http://schemas.microsoft.com/office/drawing/2010/main">
+                  <a14:hiddenEffects xmlns:a14="http://schemas.microsoft.com/office/drawing/2010/main" xmlns="">
                     <a:effectLst>
                       <a:outerShdw dist="35921" dir="2700000" algn="ctr" rotWithShape="0">
                         <a:schemeClr val="bg2"/>
@@ -20358,7 +20356,7 @@
               <a:effectLst/>
               <a:extLst>
                 <a:ext uri="{AF507438-7753-43E0-B8FC-AC1667EBCBE1}">
-                  <a14:hiddenEffects xmlns="" xmlns:a14="http://schemas.microsoft.com/office/drawing/2010/main">
+                  <a14:hiddenEffects xmlns:a14="http://schemas.microsoft.com/office/drawing/2010/main" xmlns="">
                     <a:effectLst>
                       <a:outerShdw dist="35921" dir="2700000" algn="ctr" rotWithShape="0">
                         <a:schemeClr val="bg2"/>
@@ -20561,7 +20559,7 @@
               <a:effectLst/>
               <a:extLst>
                 <a:ext uri="{AF507438-7753-43E0-B8FC-AC1667EBCBE1}">
-                  <a14:hiddenEffects xmlns="" xmlns:a14="http://schemas.microsoft.com/office/drawing/2010/main">
+                  <a14:hiddenEffects xmlns:a14="http://schemas.microsoft.com/office/drawing/2010/main" xmlns="">
                     <a:effectLst>
                       <a:outerShdw dist="35921" dir="2700000" algn="ctr" rotWithShape="0">
                         <a:schemeClr val="bg2"/>
@@ -20757,14 +20755,14 @@
               <a:effectLst/>
               <a:extLst>
                 <a:ext uri="{909E8E84-426E-40DD-AFC4-6F175D3DCCD1}">
-                  <a14:hiddenFill xmlns="" xmlns:a14="http://schemas.microsoft.com/office/drawing/2010/main">
+                  <a14:hiddenFill xmlns:a14="http://schemas.microsoft.com/office/drawing/2010/main" xmlns="">
                     <a:solidFill>
                       <a:srgbClr val="FFFF99"/>
                     </a:solidFill>
                   </a14:hiddenFill>
                 </a:ext>
                 <a:ext uri="{91240B29-F687-4F45-9708-019B960494DF}">
-                  <a14:hiddenLine xmlns="" xmlns:a14="http://schemas.microsoft.com/office/drawing/2010/main" w="9525">
+                  <a14:hiddenLine xmlns:a14="http://schemas.microsoft.com/office/drawing/2010/main" xmlns="" w="9525">
                     <a:solidFill>
                       <a:schemeClr val="tx1"/>
                     </a:solidFill>
@@ -20774,7 +20772,7 @@
                   </a14:hiddenLine>
                 </a:ext>
                 <a:ext uri="{AF507438-7753-43E0-B8FC-AC1667EBCBE1}">
-                  <a14:hiddenEffects xmlns="" xmlns:a14="http://schemas.microsoft.com/office/drawing/2010/main">
+                  <a14:hiddenEffects xmlns:a14="http://schemas.microsoft.com/office/drawing/2010/main" xmlns="">
                     <a:effectLst>
                       <a:outerShdw dist="35921" dir="2700000" algn="ctr" rotWithShape="0">
                         <a:schemeClr val="bg2"/>
@@ -20980,12 +20978,12 @@
               <a:effectLst/>
               <a:extLst>
                 <a:ext uri="{909E8E84-426E-40DD-AFC4-6F175D3DCCD1}">
-                  <a14:hiddenFill xmlns="" xmlns:a14="http://schemas.microsoft.com/office/drawing/2010/main">
+                  <a14:hiddenFill xmlns:a14="http://schemas.microsoft.com/office/drawing/2010/main" xmlns="">
                     <a:noFill/>
                   </a14:hiddenFill>
                 </a:ext>
                 <a:ext uri="{AF507438-7753-43E0-B8FC-AC1667EBCBE1}">
-                  <a14:hiddenEffects xmlns="" xmlns:a14="http://schemas.microsoft.com/office/drawing/2010/main">
+                  <a14:hiddenEffects xmlns:a14="http://schemas.microsoft.com/office/drawing/2010/main" xmlns="">
                     <a:effectLst>
                       <a:outerShdw dist="35921" dir="2700000" algn="ctr" rotWithShape="0">
                         <a:schemeClr val="bg2"/>
@@ -21026,14 +21024,14 @@
               <a:effectLst/>
               <a:extLst>
                 <a:ext uri="{909E8E84-426E-40DD-AFC4-6F175D3DCCD1}">
-                  <a14:hiddenFill xmlns="" xmlns:a14="http://schemas.microsoft.com/office/drawing/2010/main">
+                  <a14:hiddenFill xmlns:a14="http://schemas.microsoft.com/office/drawing/2010/main" xmlns="">
                     <a:solidFill>
                       <a:srgbClr val="FFFF99"/>
                     </a:solidFill>
                   </a14:hiddenFill>
                 </a:ext>
                 <a:ext uri="{91240B29-F687-4F45-9708-019B960494DF}">
-                  <a14:hiddenLine xmlns="" xmlns:a14="http://schemas.microsoft.com/office/drawing/2010/main" w="9525">
+                  <a14:hiddenLine xmlns:a14="http://schemas.microsoft.com/office/drawing/2010/main" xmlns="" w="9525">
                     <a:solidFill>
                       <a:schemeClr val="tx1"/>
                     </a:solidFill>
@@ -21043,7 +21041,7 @@
                   </a14:hiddenLine>
                 </a:ext>
                 <a:ext uri="{AF507438-7753-43E0-B8FC-AC1667EBCBE1}">
-                  <a14:hiddenEffects xmlns="" xmlns:a14="http://schemas.microsoft.com/office/drawing/2010/main">
+                  <a14:hiddenEffects xmlns:a14="http://schemas.microsoft.com/office/drawing/2010/main" xmlns="">
                     <a:effectLst>
                       <a:outerShdw dist="35921" dir="2700000" algn="ctr" rotWithShape="0">
                         <a:schemeClr val="bg2"/>
@@ -21249,12 +21247,12 @@
               <a:effectLst/>
               <a:extLst>
                 <a:ext uri="{909E8E84-426E-40DD-AFC4-6F175D3DCCD1}">
-                  <a14:hiddenFill xmlns="" xmlns:a14="http://schemas.microsoft.com/office/drawing/2010/main">
+                  <a14:hiddenFill xmlns:a14="http://schemas.microsoft.com/office/drawing/2010/main" xmlns="">
                     <a:noFill/>
                   </a14:hiddenFill>
                 </a:ext>
                 <a:ext uri="{AF507438-7753-43E0-B8FC-AC1667EBCBE1}">
-                  <a14:hiddenEffects xmlns="" xmlns:a14="http://schemas.microsoft.com/office/drawing/2010/main">
+                  <a14:hiddenEffects xmlns:a14="http://schemas.microsoft.com/office/drawing/2010/main" xmlns="">
                     <a:effectLst>
                       <a:outerShdw dist="35921" dir="2700000" algn="ctr" rotWithShape="0">
                         <a:schemeClr val="bg2"/>
@@ -21300,12 +21298,12 @@
               <a:effectLst/>
               <a:extLst>
                 <a:ext uri="{909E8E84-426E-40DD-AFC4-6F175D3DCCD1}">
-                  <a14:hiddenFill xmlns="" xmlns:a14="http://schemas.microsoft.com/office/drawing/2010/main">
+                  <a14:hiddenFill xmlns:a14="http://schemas.microsoft.com/office/drawing/2010/main" xmlns="">
                     <a:noFill/>
                   </a14:hiddenFill>
                 </a:ext>
                 <a:ext uri="{AF507438-7753-43E0-B8FC-AC1667EBCBE1}">
-                  <a14:hiddenEffects xmlns="" xmlns:a14="http://schemas.microsoft.com/office/drawing/2010/main">
+                  <a14:hiddenEffects xmlns:a14="http://schemas.microsoft.com/office/drawing/2010/main" xmlns="">
                     <a:effectLst>
                       <a:outerShdw dist="35921" dir="2700000" algn="ctr" rotWithShape="0">
                         <a:schemeClr val="bg2"/>
@@ -21353,12 +21351,12 @@
               <a:effectLst/>
               <a:extLst>
                 <a:ext uri="{909E8E84-426E-40DD-AFC4-6F175D3DCCD1}">
-                  <a14:hiddenFill xmlns="" xmlns:a14="http://schemas.microsoft.com/office/drawing/2010/main">
+                  <a14:hiddenFill xmlns:a14="http://schemas.microsoft.com/office/drawing/2010/main" xmlns="">
                     <a:noFill/>
                   </a14:hiddenFill>
                 </a:ext>
                 <a:ext uri="{AF507438-7753-43E0-B8FC-AC1667EBCBE1}">
-                  <a14:hiddenEffects xmlns="" xmlns:a14="http://schemas.microsoft.com/office/drawing/2010/main">
+                  <a14:hiddenEffects xmlns:a14="http://schemas.microsoft.com/office/drawing/2010/main" xmlns="">
                     <a:effectLst>
                       <a:outerShdw dist="35921" dir="2700000" algn="ctr" rotWithShape="0">
                         <a:schemeClr val="bg2"/>
@@ -21404,12 +21402,12 @@
               <a:effectLst/>
               <a:extLst>
                 <a:ext uri="{909E8E84-426E-40DD-AFC4-6F175D3DCCD1}">
-                  <a14:hiddenFill xmlns="" xmlns:a14="http://schemas.microsoft.com/office/drawing/2010/main">
+                  <a14:hiddenFill xmlns:a14="http://schemas.microsoft.com/office/drawing/2010/main" xmlns="">
                     <a:noFill/>
                   </a14:hiddenFill>
                 </a:ext>
                 <a:ext uri="{AF507438-7753-43E0-B8FC-AC1667EBCBE1}">
-                  <a14:hiddenEffects xmlns="" xmlns:a14="http://schemas.microsoft.com/office/drawing/2010/main">
+                  <a14:hiddenEffects xmlns:a14="http://schemas.microsoft.com/office/drawing/2010/main" xmlns="">
                     <a:effectLst>
                       <a:outerShdw dist="35921" dir="2700000" algn="ctr" rotWithShape="0">
                         <a:schemeClr val="bg2"/>
@@ -21457,7 +21455,7 @@
               <a:effectLst/>
               <a:extLst>
                 <a:ext uri="{AF507438-7753-43E0-B8FC-AC1667EBCBE1}">
-                  <a14:hiddenEffects xmlns="" xmlns:a14="http://schemas.microsoft.com/office/drawing/2010/main">
+                  <a14:hiddenEffects xmlns:a14="http://schemas.microsoft.com/office/drawing/2010/main" xmlns="">
                     <a:effectLst>
                       <a:outerShdw dist="35921" dir="2700000" algn="ctr" rotWithShape="0">
                         <a:schemeClr val="bg2"/>
@@ -21660,7 +21658,7 @@
               <a:effectLst/>
               <a:extLst>
                 <a:ext uri="{AF507438-7753-43E0-B8FC-AC1667EBCBE1}">
-                  <a14:hiddenEffects xmlns="" xmlns:a14="http://schemas.microsoft.com/office/drawing/2010/main">
+                  <a14:hiddenEffects xmlns:a14="http://schemas.microsoft.com/office/drawing/2010/main" xmlns="">
                     <a:effectLst>
                       <a:outerShdw dist="35921" dir="2700000" algn="ctr" rotWithShape="0">
                         <a:schemeClr val="bg2"/>
@@ -21863,7 +21861,7 @@
               <a:effectLst/>
               <a:extLst>
                 <a:ext uri="{AF507438-7753-43E0-B8FC-AC1667EBCBE1}">
-                  <a14:hiddenEffects xmlns="" xmlns:a14="http://schemas.microsoft.com/office/drawing/2010/main">
+                  <a14:hiddenEffects xmlns:a14="http://schemas.microsoft.com/office/drawing/2010/main" xmlns="">
                     <a:effectLst>
                       <a:outerShdw dist="35921" dir="2700000" algn="ctr" rotWithShape="0">
                         <a:schemeClr val="bg2"/>
@@ -22066,7 +22064,7 @@
               <a:effectLst/>
               <a:extLst>
                 <a:ext uri="{AF507438-7753-43E0-B8FC-AC1667EBCBE1}">
-                  <a14:hiddenEffects xmlns="" xmlns:a14="http://schemas.microsoft.com/office/drawing/2010/main">
+                  <a14:hiddenEffects xmlns:a14="http://schemas.microsoft.com/office/drawing/2010/main" xmlns="">
                     <a:effectLst>
                       <a:outerShdw dist="35921" dir="2700000" algn="ctr" rotWithShape="0">
                         <a:schemeClr val="bg2"/>
@@ -22269,7 +22267,7 @@
               <a:effectLst/>
               <a:extLst>
                 <a:ext uri="{AF507438-7753-43E0-B8FC-AC1667EBCBE1}">
-                  <a14:hiddenEffects xmlns="" xmlns:a14="http://schemas.microsoft.com/office/drawing/2010/main">
+                  <a14:hiddenEffects xmlns:a14="http://schemas.microsoft.com/office/drawing/2010/main" xmlns="">
                     <a:effectLst>
                       <a:outerShdw dist="35921" dir="2700000" algn="ctr" rotWithShape="0">
                         <a:schemeClr val="bg2"/>
@@ -22472,7 +22470,7 @@
               <a:effectLst/>
               <a:extLst>
                 <a:ext uri="{AF507438-7753-43E0-B8FC-AC1667EBCBE1}">
-                  <a14:hiddenEffects xmlns="" xmlns:a14="http://schemas.microsoft.com/office/drawing/2010/main">
+                  <a14:hiddenEffects xmlns:a14="http://schemas.microsoft.com/office/drawing/2010/main" xmlns="">
                     <a:effectLst>
                       <a:outerShdw dist="35921" dir="2700000" algn="ctr" rotWithShape="0">
                         <a:schemeClr val="bg2"/>
@@ -22675,7 +22673,7 @@
               <a:effectLst/>
               <a:extLst>
                 <a:ext uri="{AF507438-7753-43E0-B8FC-AC1667EBCBE1}">
-                  <a14:hiddenEffects xmlns="" xmlns:a14="http://schemas.microsoft.com/office/drawing/2010/main">
+                  <a14:hiddenEffects xmlns:a14="http://schemas.microsoft.com/office/drawing/2010/main" xmlns="">
                     <a:effectLst>
                       <a:outerShdw dist="35921" dir="2700000" algn="ctr" rotWithShape="0">
                         <a:schemeClr val="bg2"/>
@@ -22878,7 +22876,7 @@
               <a:effectLst/>
               <a:extLst>
                 <a:ext uri="{AF507438-7753-43E0-B8FC-AC1667EBCBE1}">
-                  <a14:hiddenEffects xmlns="" xmlns:a14="http://schemas.microsoft.com/office/drawing/2010/main">
+                  <a14:hiddenEffects xmlns:a14="http://schemas.microsoft.com/office/drawing/2010/main" xmlns="">
                     <a:effectLst>
                       <a:outerShdw dist="35921" dir="2700000" algn="ctr" rotWithShape="0">
                         <a:schemeClr val="bg2"/>
@@ -23081,7 +23079,7 @@
               <a:effectLst/>
               <a:extLst>
                 <a:ext uri="{AF507438-7753-43E0-B8FC-AC1667EBCBE1}">
-                  <a14:hiddenEffects xmlns="" xmlns:a14="http://schemas.microsoft.com/office/drawing/2010/main">
+                  <a14:hiddenEffects xmlns:a14="http://schemas.microsoft.com/office/drawing/2010/main" xmlns="">
                     <a:effectLst>
                       <a:outerShdw dist="35921" dir="2700000" algn="ctr" rotWithShape="0">
                         <a:schemeClr val="bg2"/>
@@ -23277,14 +23275,14 @@
               <a:effectLst/>
               <a:extLst>
                 <a:ext uri="{909E8E84-426E-40DD-AFC4-6F175D3DCCD1}">
-                  <a14:hiddenFill xmlns="" xmlns:a14="http://schemas.microsoft.com/office/drawing/2010/main">
+                  <a14:hiddenFill xmlns:a14="http://schemas.microsoft.com/office/drawing/2010/main" xmlns="">
                     <a:solidFill>
                       <a:srgbClr val="FFFF99"/>
                     </a:solidFill>
                   </a14:hiddenFill>
                 </a:ext>
                 <a:ext uri="{91240B29-F687-4F45-9708-019B960494DF}">
-                  <a14:hiddenLine xmlns="" xmlns:a14="http://schemas.microsoft.com/office/drawing/2010/main" w="9525">
+                  <a14:hiddenLine xmlns:a14="http://schemas.microsoft.com/office/drawing/2010/main" xmlns="" w="9525">
                     <a:solidFill>
                       <a:schemeClr val="tx1"/>
                     </a:solidFill>
@@ -23294,7 +23292,7 @@
                   </a14:hiddenLine>
                 </a:ext>
                 <a:ext uri="{AF507438-7753-43E0-B8FC-AC1667EBCBE1}">
-                  <a14:hiddenEffects xmlns="" xmlns:a14="http://schemas.microsoft.com/office/drawing/2010/main">
+                  <a14:hiddenEffects xmlns:a14="http://schemas.microsoft.com/office/drawing/2010/main" xmlns="">
                     <a:effectLst>
                       <a:outerShdw dist="35921" dir="2700000" algn="ctr" rotWithShape="0">
                         <a:schemeClr val="bg2"/>
@@ -23500,12 +23498,12 @@
               <a:effectLst/>
               <a:extLst>
                 <a:ext uri="{909E8E84-426E-40DD-AFC4-6F175D3DCCD1}">
-                  <a14:hiddenFill xmlns="" xmlns:a14="http://schemas.microsoft.com/office/drawing/2010/main">
+                  <a14:hiddenFill xmlns:a14="http://schemas.microsoft.com/office/drawing/2010/main" xmlns="">
                     <a:noFill/>
                   </a14:hiddenFill>
                 </a:ext>
                 <a:ext uri="{AF507438-7753-43E0-B8FC-AC1667EBCBE1}">
-                  <a14:hiddenEffects xmlns="" xmlns:a14="http://schemas.microsoft.com/office/drawing/2010/main">
+                  <a14:hiddenEffects xmlns:a14="http://schemas.microsoft.com/office/drawing/2010/main" xmlns="">
                     <a:effectLst>
                       <a:outerShdw dist="35921" dir="2700000" algn="ctr" rotWithShape="0">
                         <a:schemeClr val="bg2"/>
@@ -23546,14 +23544,14 @@
               <a:effectLst/>
               <a:extLst>
                 <a:ext uri="{909E8E84-426E-40DD-AFC4-6F175D3DCCD1}">
-                  <a14:hiddenFill xmlns="" xmlns:a14="http://schemas.microsoft.com/office/drawing/2010/main">
+                  <a14:hiddenFill xmlns:a14="http://schemas.microsoft.com/office/drawing/2010/main" xmlns="">
                     <a:solidFill>
                       <a:srgbClr val="FFFF99"/>
                     </a:solidFill>
                   </a14:hiddenFill>
                 </a:ext>
                 <a:ext uri="{91240B29-F687-4F45-9708-019B960494DF}">
-                  <a14:hiddenLine xmlns="" xmlns:a14="http://schemas.microsoft.com/office/drawing/2010/main" w="9525">
+                  <a14:hiddenLine xmlns:a14="http://schemas.microsoft.com/office/drawing/2010/main" xmlns="" w="9525">
                     <a:solidFill>
                       <a:schemeClr val="tx1"/>
                     </a:solidFill>
@@ -23563,7 +23561,7 @@
                   </a14:hiddenLine>
                 </a:ext>
                 <a:ext uri="{AF507438-7753-43E0-B8FC-AC1667EBCBE1}">
-                  <a14:hiddenEffects xmlns="" xmlns:a14="http://schemas.microsoft.com/office/drawing/2010/main">
+                  <a14:hiddenEffects xmlns:a14="http://schemas.microsoft.com/office/drawing/2010/main" xmlns="">
                     <a:effectLst>
                       <a:outerShdw dist="35921" dir="2700000" algn="ctr" rotWithShape="0">
                         <a:schemeClr val="bg2"/>
@@ -23769,12 +23767,12 @@
               <a:effectLst/>
               <a:extLst>
                 <a:ext uri="{909E8E84-426E-40DD-AFC4-6F175D3DCCD1}">
-                  <a14:hiddenFill xmlns="" xmlns:a14="http://schemas.microsoft.com/office/drawing/2010/main">
+                  <a14:hiddenFill xmlns:a14="http://schemas.microsoft.com/office/drawing/2010/main" xmlns="">
                     <a:noFill/>
                   </a14:hiddenFill>
                 </a:ext>
                 <a:ext uri="{AF507438-7753-43E0-B8FC-AC1667EBCBE1}">
-                  <a14:hiddenEffects xmlns="" xmlns:a14="http://schemas.microsoft.com/office/drawing/2010/main">
+                  <a14:hiddenEffects xmlns:a14="http://schemas.microsoft.com/office/drawing/2010/main" xmlns="">
                     <a:effectLst>
                       <a:outerShdw dist="35921" dir="2700000" algn="ctr" rotWithShape="0">
                         <a:schemeClr val="bg2"/>
@@ -23820,12 +23818,12 @@
               <a:effectLst/>
               <a:extLst>
                 <a:ext uri="{909E8E84-426E-40DD-AFC4-6F175D3DCCD1}">
-                  <a14:hiddenFill xmlns="" xmlns:a14="http://schemas.microsoft.com/office/drawing/2010/main">
+                  <a14:hiddenFill xmlns:a14="http://schemas.microsoft.com/office/drawing/2010/main" xmlns="">
                     <a:noFill/>
                   </a14:hiddenFill>
                 </a:ext>
                 <a:ext uri="{AF507438-7753-43E0-B8FC-AC1667EBCBE1}">
-                  <a14:hiddenEffects xmlns="" xmlns:a14="http://schemas.microsoft.com/office/drawing/2010/main">
+                  <a14:hiddenEffects xmlns:a14="http://schemas.microsoft.com/office/drawing/2010/main" xmlns="">
                     <a:effectLst>
                       <a:outerShdw dist="35921" dir="2700000" algn="ctr" rotWithShape="0">
                         <a:schemeClr val="bg2"/>
@@ -23873,12 +23871,12 @@
               <a:effectLst/>
               <a:extLst>
                 <a:ext uri="{909E8E84-426E-40DD-AFC4-6F175D3DCCD1}">
-                  <a14:hiddenFill xmlns="" xmlns:a14="http://schemas.microsoft.com/office/drawing/2010/main">
+                  <a14:hiddenFill xmlns:a14="http://schemas.microsoft.com/office/drawing/2010/main" xmlns="">
                     <a:noFill/>
                   </a14:hiddenFill>
                 </a:ext>
                 <a:ext uri="{AF507438-7753-43E0-B8FC-AC1667EBCBE1}">
-                  <a14:hiddenEffects xmlns="" xmlns:a14="http://schemas.microsoft.com/office/drawing/2010/main">
+                  <a14:hiddenEffects xmlns:a14="http://schemas.microsoft.com/office/drawing/2010/main" xmlns="">
                     <a:effectLst>
                       <a:outerShdw dist="35921" dir="2700000" algn="ctr" rotWithShape="0">
                         <a:schemeClr val="bg2"/>
@@ -23924,12 +23922,12 @@
               <a:effectLst/>
               <a:extLst>
                 <a:ext uri="{909E8E84-426E-40DD-AFC4-6F175D3DCCD1}">
-                  <a14:hiddenFill xmlns="" xmlns:a14="http://schemas.microsoft.com/office/drawing/2010/main">
+                  <a14:hiddenFill xmlns:a14="http://schemas.microsoft.com/office/drawing/2010/main" xmlns="">
                     <a:noFill/>
                   </a14:hiddenFill>
                 </a:ext>
                 <a:ext uri="{AF507438-7753-43E0-B8FC-AC1667EBCBE1}">
-                  <a14:hiddenEffects xmlns="" xmlns:a14="http://schemas.microsoft.com/office/drawing/2010/main">
+                  <a14:hiddenEffects xmlns:a14="http://schemas.microsoft.com/office/drawing/2010/main" xmlns="">
                     <a:effectLst>
                       <a:outerShdw dist="35921" dir="2700000" algn="ctr" rotWithShape="0">
                         <a:schemeClr val="bg2"/>
@@ -23977,7 +23975,7 @@
               <a:effectLst/>
               <a:extLst>
                 <a:ext uri="{AF507438-7753-43E0-B8FC-AC1667EBCBE1}">
-                  <a14:hiddenEffects xmlns="" xmlns:a14="http://schemas.microsoft.com/office/drawing/2010/main">
+                  <a14:hiddenEffects xmlns:a14="http://schemas.microsoft.com/office/drawing/2010/main" xmlns="">
                     <a:effectLst>
                       <a:outerShdw dist="35921" dir="2700000" algn="ctr" rotWithShape="0">
                         <a:schemeClr val="bg2"/>
@@ -24180,7 +24178,7 @@
               <a:effectLst/>
               <a:extLst>
                 <a:ext uri="{AF507438-7753-43E0-B8FC-AC1667EBCBE1}">
-                  <a14:hiddenEffects xmlns="" xmlns:a14="http://schemas.microsoft.com/office/drawing/2010/main">
+                  <a14:hiddenEffects xmlns:a14="http://schemas.microsoft.com/office/drawing/2010/main" xmlns="">
                     <a:effectLst>
                       <a:outerShdw dist="35921" dir="2700000" algn="ctr" rotWithShape="0">
                         <a:schemeClr val="bg2"/>
@@ -24383,7 +24381,7 @@
               <a:effectLst/>
               <a:extLst>
                 <a:ext uri="{AF507438-7753-43E0-B8FC-AC1667EBCBE1}">
-                  <a14:hiddenEffects xmlns="" xmlns:a14="http://schemas.microsoft.com/office/drawing/2010/main">
+                  <a14:hiddenEffects xmlns:a14="http://schemas.microsoft.com/office/drawing/2010/main" xmlns="">
                     <a:effectLst>
                       <a:outerShdw dist="35921" dir="2700000" algn="ctr" rotWithShape="0">
                         <a:schemeClr val="bg2"/>
@@ -24586,7 +24584,7 @@
               <a:effectLst/>
               <a:extLst>
                 <a:ext uri="{AF507438-7753-43E0-B8FC-AC1667EBCBE1}">
-                  <a14:hiddenEffects xmlns="" xmlns:a14="http://schemas.microsoft.com/office/drawing/2010/main">
+                  <a14:hiddenEffects xmlns:a14="http://schemas.microsoft.com/office/drawing/2010/main" xmlns="">
                     <a:effectLst>
                       <a:outerShdw dist="35921" dir="2700000" algn="ctr" rotWithShape="0">
                         <a:schemeClr val="bg2"/>
@@ -24789,7 +24787,7 @@
               <a:effectLst/>
               <a:extLst>
                 <a:ext uri="{AF507438-7753-43E0-B8FC-AC1667EBCBE1}">
-                  <a14:hiddenEffects xmlns="" xmlns:a14="http://schemas.microsoft.com/office/drawing/2010/main">
+                  <a14:hiddenEffects xmlns:a14="http://schemas.microsoft.com/office/drawing/2010/main" xmlns="">
                     <a:effectLst>
                       <a:outerShdw dist="35921" dir="2700000" algn="ctr" rotWithShape="0">
                         <a:schemeClr val="bg2"/>
@@ -24992,7 +24990,7 @@
               <a:effectLst/>
               <a:extLst>
                 <a:ext uri="{AF507438-7753-43E0-B8FC-AC1667EBCBE1}">
-                  <a14:hiddenEffects xmlns="" xmlns:a14="http://schemas.microsoft.com/office/drawing/2010/main">
+                  <a14:hiddenEffects xmlns:a14="http://schemas.microsoft.com/office/drawing/2010/main" xmlns="">
                     <a:effectLst>
                       <a:outerShdw dist="35921" dir="2700000" algn="ctr" rotWithShape="0">
                         <a:schemeClr val="bg2"/>
@@ -25195,7 +25193,7 @@
               <a:effectLst/>
               <a:extLst>
                 <a:ext uri="{AF507438-7753-43E0-B8FC-AC1667EBCBE1}">
-                  <a14:hiddenEffects xmlns="" xmlns:a14="http://schemas.microsoft.com/office/drawing/2010/main">
+                  <a14:hiddenEffects xmlns:a14="http://schemas.microsoft.com/office/drawing/2010/main" xmlns="">
                     <a:effectLst>
                       <a:outerShdw dist="35921" dir="2700000" algn="ctr" rotWithShape="0">
                         <a:schemeClr val="bg2"/>
@@ -25398,7 +25396,7 @@
               <a:effectLst/>
               <a:extLst>
                 <a:ext uri="{AF507438-7753-43E0-B8FC-AC1667EBCBE1}">
-                  <a14:hiddenEffects xmlns="" xmlns:a14="http://schemas.microsoft.com/office/drawing/2010/main">
+                  <a14:hiddenEffects xmlns:a14="http://schemas.microsoft.com/office/drawing/2010/main" xmlns="">
                     <a:effectLst>
                       <a:outerShdw dist="35921" dir="2700000" algn="ctr" rotWithShape="0">
                         <a:schemeClr val="bg2"/>
@@ -25601,7 +25599,7 @@
               <a:effectLst/>
               <a:extLst>
                 <a:ext uri="{AF507438-7753-43E0-B8FC-AC1667EBCBE1}">
-                  <a14:hiddenEffects xmlns="" xmlns:a14="http://schemas.microsoft.com/office/drawing/2010/main">
+                  <a14:hiddenEffects xmlns:a14="http://schemas.microsoft.com/office/drawing/2010/main" xmlns="">
                     <a:effectLst>
                       <a:outerShdw dist="35921" dir="2700000" algn="ctr" rotWithShape="0">
                         <a:schemeClr val="bg2"/>
@@ -25797,14 +25795,14 @@
               <a:effectLst/>
               <a:extLst>
                 <a:ext uri="{909E8E84-426E-40DD-AFC4-6F175D3DCCD1}">
-                  <a14:hiddenFill xmlns="" xmlns:a14="http://schemas.microsoft.com/office/drawing/2010/main">
+                  <a14:hiddenFill xmlns:a14="http://schemas.microsoft.com/office/drawing/2010/main" xmlns="">
                     <a:solidFill>
                       <a:srgbClr val="FFFF99"/>
                     </a:solidFill>
                   </a14:hiddenFill>
                 </a:ext>
                 <a:ext uri="{91240B29-F687-4F45-9708-019B960494DF}">
-                  <a14:hiddenLine xmlns="" xmlns:a14="http://schemas.microsoft.com/office/drawing/2010/main" w="9525">
+                  <a14:hiddenLine xmlns:a14="http://schemas.microsoft.com/office/drawing/2010/main" xmlns="" w="9525">
                     <a:solidFill>
                       <a:schemeClr val="tx1"/>
                     </a:solidFill>
@@ -25814,7 +25812,7 @@
                   </a14:hiddenLine>
                 </a:ext>
                 <a:ext uri="{AF507438-7753-43E0-B8FC-AC1667EBCBE1}">
-                  <a14:hiddenEffects xmlns="" xmlns:a14="http://schemas.microsoft.com/office/drawing/2010/main">
+                  <a14:hiddenEffects xmlns:a14="http://schemas.microsoft.com/office/drawing/2010/main" xmlns="">
                     <a:effectLst>
                       <a:outerShdw dist="35921" dir="2700000" algn="ctr" rotWithShape="0">
                         <a:schemeClr val="bg2"/>
@@ -26020,12 +26018,12 @@
               <a:effectLst/>
               <a:extLst>
                 <a:ext uri="{909E8E84-426E-40DD-AFC4-6F175D3DCCD1}">
-                  <a14:hiddenFill xmlns="" xmlns:a14="http://schemas.microsoft.com/office/drawing/2010/main">
+                  <a14:hiddenFill xmlns:a14="http://schemas.microsoft.com/office/drawing/2010/main" xmlns="">
                     <a:noFill/>
                   </a14:hiddenFill>
                 </a:ext>
                 <a:ext uri="{AF507438-7753-43E0-B8FC-AC1667EBCBE1}">
-                  <a14:hiddenEffects xmlns="" xmlns:a14="http://schemas.microsoft.com/office/drawing/2010/main">
+                  <a14:hiddenEffects xmlns:a14="http://schemas.microsoft.com/office/drawing/2010/main" xmlns="">
                     <a:effectLst>
                       <a:outerShdw dist="35921" dir="2700000" algn="ctr" rotWithShape="0">
                         <a:schemeClr val="bg2"/>
@@ -26066,14 +26064,14 @@
               <a:effectLst/>
               <a:extLst>
                 <a:ext uri="{909E8E84-426E-40DD-AFC4-6F175D3DCCD1}">
-                  <a14:hiddenFill xmlns="" xmlns:a14="http://schemas.microsoft.com/office/drawing/2010/main">
+                  <a14:hiddenFill xmlns:a14="http://schemas.microsoft.com/office/drawing/2010/main" xmlns="">
                     <a:solidFill>
                       <a:srgbClr val="FFFF99"/>
                     </a:solidFill>
                   </a14:hiddenFill>
                 </a:ext>
                 <a:ext uri="{91240B29-F687-4F45-9708-019B960494DF}">
-                  <a14:hiddenLine xmlns="" xmlns:a14="http://schemas.microsoft.com/office/drawing/2010/main" w="9525">
+                  <a14:hiddenLine xmlns:a14="http://schemas.microsoft.com/office/drawing/2010/main" xmlns="" w="9525">
                     <a:solidFill>
                       <a:schemeClr val="tx1"/>
                     </a:solidFill>
@@ -26083,7 +26081,7 @@
                   </a14:hiddenLine>
                 </a:ext>
                 <a:ext uri="{AF507438-7753-43E0-B8FC-AC1667EBCBE1}">
-                  <a14:hiddenEffects xmlns="" xmlns:a14="http://schemas.microsoft.com/office/drawing/2010/main">
+                  <a14:hiddenEffects xmlns:a14="http://schemas.microsoft.com/office/drawing/2010/main" xmlns="">
                     <a:effectLst>
                       <a:outerShdw dist="35921" dir="2700000" algn="ctr" rotWithShape="0">
                         <a:schemeClr val="bg2"/>
@@ -26289,12 +26287,12 @@
               <a:effectLst/>
               <a:extLst>
                 <a:ext uri="{909E8E84-426E-40DD-AFC4-6F175D3DCCD1}">
-                  <a14:hiddenFill xmlns="" xmlns:a14="http://schemas.microsoft.com/office/drawing/2010/main">
+                  <a14:hiddenFill xmlns:a14="http://schemas.microsoft.com/office/drawing/2010/main" xmlns="">
                     <a:noFill/>
                   </a14:hiddenFill>
                 </a:ext>
                 <a:ext uri="{AF507438-7753-43E0-B8FC-AC1667EBCBE1}">
-                  <a14:hiddenEffects xmlns="" xmlns:a14="http://schemas.microsoft.com/office/drawing/2010/main">
+                  <a14:hiddenEffects xmlns:a14="http://schemas.microsoft.com/office/drawing/2010/main" xmlns="">
                     <a:effectLst>
                       <a:outerShdw dist="35921" dir="2700000" algn="ctr" rotWithShape="0">
                         <a:schemeClr val="bg2"/>
@@ -26340,12 +26338,12 @@
               <a:effectLst/>
               <a:extLst>
                 <a:ext uri="{909E8E84-426E-40DD-AFC4-6F175D3DCCD1}">
-                  <a14:hiddenFill xmlns="" xmlns:a14="http://schemas.microsoft.com/office/drawing/2010/main">
+                  <a14:hiddenFill xmlns:a14="http://schemas.microsoft.com/office/drawing/2010/main" xmlns="">
                     <a:noFill/>
                   </a14:hiddenFill>
                 </a:ext>
                 <a:ext uri="{AF507438-7753-43E0-B8FC-AC1667EBCBE1}">
-                  <a14:hiddenEffects xmlns="" xmlns:a14="http://schemas.microsoft.com/office/drawing/2010/main">
+                  <a14:hiddenEffects xmlns:a14="http://schemas.microsoft.com/office/drawing/2010/main" xmlns="">
                     <a:effectLst>
                       <a:outerShdw dist="35921" dir="2700000" algn="ctr" rotWithShape="0">
                         <a:schemeClr val="bg2"/>
@@ -26393,12 +26391,12 @@
               <a:effectLst/>
               <a:extLst>
                 <a:ext uri="{909E8E84-426E-40DD-AFC4-6F175D3DCCD1}">
-                  <a14:hiddenFill xmlns="" xmlns:a14="http://schemas.microsoft.com/office/drawing/2010/main">
+                  <a14:hiddenFill xmlns:a14="http://schemas.microsoft.com/office/drawing/2010/main" xmlns="">
                     <a:noFill/>
                   </a14:hiddenFill>
                 </a:ext>
                 <a:ext uri="{AF507438-7753-43E0-B8FC-AC1667EBCBE1}">
-                  <a14:hiddenEffects xmlns="" xmlns:a14="http://schemas.microsoft.com/office/drawing/2010/main">
+                  <a14:hiddenEffects xmlns:a14="http://schemas.microsoft.com/office/drawing/2010/main" xmlns="">
                     <a:effectLst>
                       <a:outerShdw dist="35921" dir="2700000" algn="ctr" rotWithShape="0">
                         <a:schemeClr val="bg2"/>
@@ -26444,12 +26442,12 @@
               <a:effectLst/>
               <a:extLst>
                 <a:ext uri="{909E8E84-426E-40DD-AFC4-6F175D3DCCD1}">
-                  <a14:hiddenFill xmlns="" xmlns:a14="http://schemas.microsoft.com/office/drawing/2010/main">
+                  <a14:hiddenFill xmlns:a14="http://schemas.microsoft.com/office/drawing/2010/main" xmlns="">
                     <a:noFill/>
                   </a14:hiddenFill>
                 </a:ext>
                 <a:ext uri="{AF507438-7753-43E0-B8FC-AC1667EBCBE1}">
-                  <a14:hiddenEffects xmlns="" xmlns:a14="http://schemas.microsoft.com/office/drawing/2010/main">
+                  <a14:hiddenEffects xmlns:a14="http://schemas.microsoft.com/office/drawing/2010/main" xmlns="">
                     <a:effectLst>
                       <a:outerShdw dist="35921" dir="2700000" algn="ctr" rotWithShape="0">
                         <a:schemeClr val="bg2"/>
@@ -26497,7 +26495,7 @@
               <a:effectLst/>
               <a:extLst>
                 <a:ext uri="{AF507438-7753-43E0-B8FC-AC1667EBCBE1}">
-                  <a14:hiddenEffects xmlns="" xmlns:a14="http://schemas.microsoft.com/office/drawing/2010/main">
+                  <a14:hiddenEffects xmlns:a14="http://schemas.microsoft.com/office/drawing/2010/main" xmlns="">
                     <a:effectLst>
                       <a:outerShdw dist="35921" dir="2700000" algn="ctr" rotWithShape="0">
                         <a:schemeClr val="bg2"/>
@@ -26700,7 +26698,7 @@
               <a:effectLst/>
               <a:extLst>
                 <a:ext uri="{AF507438-7753-43E0-B8FC-AC1667EBCBE1}">
-                  <a14:hiddenEffects xmlns="" xmlns:a14="http://schemas.microsoft.com/office/drawing/2010/main">
+                  <a14:hiddenEffects xmlns:a14="http://schemas.microsoft.com/office/drawing/2010/main" xmlns="">
                     <a:effectLst>
                       <a:outerShdw dist="35921" dir="2700000" algn="ctr" rotWithShape="0">
                         <a:schemeClr val="bg2"/>
@@ -26903,7 +26901,7 @@
               <a:effectLst/>
               <a:extLst>
                 <a:ext uri="{AF507438-7753-43E0-B8FC-AC1667EBCBE1}">
-                  <a14:hiddenEffects xmlns="" xmlns:a14="http://schemas.microsoft.com/office/drawing/2010/main">
+                  <a14:hiddenEffects xmlns:a14="http://schemas.microsoft.com/office/drawing/2010/main" xmlns="">
                     <a:effectLst>
                       <a:outerShdw dist="35921" dir="2700000" algn="ctr" rotWithShape="0">
                         <a:schemeClr val="bg2"/>
@@ -27106,7 +27104,7 @@
               <a:effectLst/>
               <a:extLst>
                 <a:ext uri="{AF507438-7753-43E0-B8FC-AC1667EBCBE1}">
-                  <a14:hiddenEffects xmlns="" xmlns:a14="http://schemas.microsoft.com/office/drawing/2010/main">
+                  <a14:hiddenEffects xmlns:a14="http://schemas.microsoft.com/office/drawing/2010/main" xmlns="">
                     <a:effectLst>
                       <a:outerShdw dist="35921" dir="2700000" algn="ctr" rotWithShape="0">
                         <a:schemeClr val="bg2"/>
@@ -27309,7 +27307,7 @@
               <a:effectLst/>
               <a:extLst>
                 <a:ext uri="{AF507438-7753-43E0-B8FC-AC1667EBCBE1}">
-                  <a14:hiddenEffects xmlns="" xmlns:a14="http://schemas.microsoft.com/office/drawing/2010/main">
+                  <a14:hiddenEffects xmlns:a14="http://schemas.microsoft.com/office/drawing/2010/main" xmlns="">
                     <a:effectLst>
                       <a:outerShdw dist="35921" dir="2700000" algn="ctr" rotWithShape="0">
                         <a:schemeClr val="bg2"/>
@@ -27512,7 +27510,7 @@
               <a:effectLst/>
               <a:extLst>
                 <a:ext uri="{AF507438-7753-43E0-B8FC-AC1667EBCBE1}">
-                  <a14:hiddenEffects xmlns="" xmlns:a14="http://schemas.microsoft.com/office/drawing/2010/main">
+                  <a14:hiddenEffects xmlns:a14="http://schemas.microsoft.com/office/drawing/2010/main" xmlns="">
                     <a:effectLst>
                       <a:outerShdw dist="35921" dir="2700000" algn="ctr" rotWithShape="0">
                         <a:schemeClr val="bg2"/>
@@ -27715,7 +27713,7 @@
               <a:effectLst/>
               <a:extLst>
                 <a:ext uri="{AF507438-7753-43E0-B8FC-AC1667EBCBE1}">
-                  <a14:hiddenEffects xmlns="" xmlns:a14="http://schemas.microsoft.com/office/drawing/2010/main">
+                  <a14:hiddenEffects xmlns:a14="http://schemas.microsoft.com/office/drawing/2010/main" xmlns="">
                     <a:effectLst>
                       <a:outerShdw dist="35921" dir="2700000" algn="ctr" rotWithShape="0">
                         <a:schemeClr val="bg2"/>
@@ -27918,7 +27916,7 @@
               <a:effectLst/>
               <a:extLst>
                 <a:ext uri="{AF507438-7753-43E0-B8FC-AC1667EBCBE1}">
-                  <a14:hiddenEffects xmlns="" xmlns:a14="http://schemas.microsoft.com/office/drawing/2010/main">
+                  <a14:hiddenEffects xmlns:a14="http://schemas.microsoft.com/office/drawing/2010/main" xmlns="">
                     <a:effectLst>
                       <a:outerShdw dist="35921" dir="2700000" algn="ctr" rotWithShape="0">
                         <a:schemeClr val="bg2"/>
@@ -28121,7 +28119,7 @@
               <a:effectLst/>
               <a:extLst>
                 <a:ext uri="{AF507438-7753-43E0-B8FC-AC1667EBCBE1}">
-                  <a14:hiddenEffects xmlns="" xmlns:a14="http://schemas.microsoft.com/office/drawing/2010/main">
+                  <a14:hiddenEffects xmlns:a14="http://schemas.microsoft.com/office/drawing/2010/main" xmlns="">
                     <a:effectLst>
                       <a:outerShdw dist="35921" dir="2700000" algn="ctr" rotWithShape="0">
                         <a:schemeClr val="bg2"/>
@@ -28317,14 +28315,14 @@
               <a:effectLst/>
               <a:extLst>
                 <a:ext uri="{909E8E84-426E-40DD-AFC4-6F175D3DCCD1}">
-                  <a14:hiddenFill xmlns="" xmlns:a14="http://schemas.microsoft.com/office/drawing/2010/main">
+                  <a14:hiddenFill xmlns:a14="http://schemas.microsoft.com/office/drawing/2010/main" xmlns="">
                     <a:solidFill>
                       <a:srgbClr val="FFFF99"/>
                     </a:solidFill>
                   </a14:hiddenFill>
                 </a:ext>
                 <a:ext uri="{91240B29-F687-4F45-9708-019B960494DF}">
-                  <a14:hiddenLine xmlns="" xmlns:a14="http://schemas.microsoft.com/office/drawing/2010/main" w="9525">
+                  <a14:hiddenLine xmlns:a14="http://schemas.microsoft.com/office/drawing/2010/main" xmlns="" w="9525">
                     <a:solidFill>
                       <a:schemeClr val="tx1"/>
                     </a:solidFill>
@@ -28334,7 +28332,7 @@
                   </a14:hiddenLine>
                 </a:ext>
                 <a:ext uri="{AF507438-7753-43E0-B8FC-AC1667EBCBE1}">
-                  <a14:hiddenEffects xmlns="" xmlns:a14="http://schemas.microsoft.com/office/drawing/2010/main">
+                  <a14:hiddenEffects xmlns:a14="http://schemas.microsoft.com/office/drawing/2010/main" xmlns="">
                     <a:effectLst>
                       <a:outerShdw dist="35921" dir="2700000" algn="ctr" rotWithShape="0">
                         <a:schemeClr val="bg2"/>
@@ -28540,12 +28538,12 @@
               <a:effectLst/>
               <a:extLst>
                 <a:ext uri="{909E8E84-426E-40DD-AFC4-6F175D3DCCD1}">
-                  <a14:hiddenFill xmlns="" xmlns:a14="http://schemas.microsoft.com/office/drawing/2010/main">
+                  <a14:hiddenFill xmlns:a14="http://schemas.microsoft.com/office/drawing/2010/main" xmlns="">
                     <a:noFill/>
                   </a14:hiddenFill>
                 </a:ext>
                 <a:ext uri="{AF507438-7753-43E0-B8FC-AC1667EBCBE1}">
-                  <a14:hiddenEffects xmlns="" xmlns:a14="http://schemas.microsoft.com/office/drawing/2010/main">
+                  <a14:hiddenEffects xmlns:a14="http://schemas.microsoft.com/office/drawing/2010/main" xmlns="">
                     <a:effectLst>
                       <a:outerShdw dist="35921" dir="2700000" algn="ctr" rotWithShape="0">
                         <a:schemeClr val="bg2"/>
@@ -28586,14 +28584,14 @@
               <a:effectLst/>
               <a:extLst>
                 <a:ext uri="{909E8E84-426E-40DD-AFC4-6F175D3DCCD1}">
-                  <a14:hiddenFill xmlns="" xmlns:a14="http://schemas.microsoft.com/office/drawing/2010/main">
+                  <a14:hiddenFill xmlns:a14="http://schemas.microsoft.com/office/drawing/2010/main" xmlns="">
                     <a:solidFill>
                       <a:srgbClr val="FFFF99"/>
                     </a:solidFill>
                   </a14:hiddenFill>
                 </a:ext>
                 <a:ext uri="{91240B29-F687-4F45-9708-019B960494DF}">
-                  <a14:hiddenLine xmlns="" xmlns:a14="http://schemas.microsoft.com/office/drawing/2010/main" w="9525">
+                  <a14:hiddenLine xmlns:a14="http://schemas.microsoft.com/office/drawing/2010/main" xmlns="" w="9525">
                     <a:solidFill>
                       <a:schemeClr val="tx1"/>
                     </a:solidFill>
@@ -28603,7 +28601,7 @@
                   </a14:hiddenLine>
                 </a:ext>
                 <a:ext uri="{AF507438-7753-43E0-B8FC-AC1667EBCBE1}">
-                  <a14:hiddenEffects xmlns="" xmlns:a14="http://schemas.microsoft.com/office/drawing/2010/main">
+                  <a14:hiddenEffects xmlns:a14="http://schemas.microsoft.com/office/drawing/2010/main" xmlns="">
                     <a:effectLst>
                       <a:outerShdw dist="35921" dir="2700000" algn="ctr" rotWithShape="0">
                         <a:schemeClr val="bg2"/>
@@ -28809,12 +28807,12 @@
               <a:effectLst/>
               <a:extLst>
                 <a:ext uri="{909E8E84-426E-40DD-AFC4-6F175D3DCCD1}">
-                  <a14:hiddenFill xmlns="" xmlns:a14="http://schemas.microsoft.com/office/drawing/2010/main">
+                  <a14:hiddenFill xmlns:a14="http://schemas.microsoft.com/office/drawing/2010/main" xmlns="">
                     <a:noFill/>
                   </a14:hiddenFill>
                 </a:ext>
                 <a:ext uri="{AF507438-7753-43E0-B8FC-AC1667EBCBE1}">
-                  <a14:hiddenEffects xmlns="" xmlns:a14="http://schemas.microsoft.com/office/drawing/2010/main">
+                  <a14:hiddenEffects xmlns:a14="http://schemas.microsoft.com/office/drawing/2010/main" xmlns="">
                     <a:effectLst>
                       <a:outerShdw dist="35921" dir="2700000" algn="ctr" rotWithShape="0">
                         <a:schemeClr val="bg2"/>
@@ -28860,12 +28858,12 @@
               <a:effectLst/>
               <a:extLst>
                 <a:ext uri="{909E8E84-426E-40DD-AFC4-6F175D3DCCD1}">
-                  <a14:hiddenFill xmlns="" xmlns:a14="http://schemas.microsoft.com/office/drawing/2010/main">
+                  <a14:hiddenFill xmlns:a14="http://schemas.microsoft.com/office/drawing/2010/main" xmlns="">
                     <a:noFill/>
                   </a14:hiddenFill>
                 </a:ext>
                 <a:ext uri="{AF507438-7753-43E0-B8FC-AC1667EBCBE1}">
-                  <a14:hiddenEffects xmlns="" xmlns:a14="http://schemas.microsoft.com/office/drawing/2010/main">
+                  <a14:hiddenEffects xmlns:a14="http://schemas.microsoft.com/office/drawing/2010/main" xmlns="">
                     <a:effectLst>
                       <a:outerShdw dist="35921" dir="2700000" algn="ctr" rotWithShape="0">
                         <a:schemeClr val="bg2"/>
@@ -28913,12 +28911,12 @@
               <a:effectLst/>
               <a:extLst>
                 <a:ext uri="{909E8E84-426E-40DD-AFC4-6F175D3DCCD1}">
-                  <a14:hiddenFill xmlns="" xmlns:a14="http://schemas.microsoft.com/office/drawing/2010/main">
+                  <a14:hiddenFill xmlns:a14="http://schemas.microsoft.com/office/drawing/2010/main" xmlns="">
                     <a:noFill/>
                   </a14:hiddenFill>
                 </a:ext>
                 <a:ext uri="{AF507438-7753-43E0-B8FC-AC1667EBCBE1}">
-                  <a14:hiddenEffects xmlns="" xmlns:a14="http://schemas.microsoft.com/office/drawing/2010/main">
+                  <a14:hiddenEffects xmlns:a14="http://schemas.microsoft.com/office/drawing/2010/main" xmlns="">
                     <a:effectLst>
                       <a:outerShdw dist="35921" dir="2700000" algn="ctr" rotWithShape="0">
                         <a:schemeClr val="bg2"/>
@@ -28964,12 +28962,12 @@
               <a:effectLst/>
               <a:extLst>
                 <a:ext uri="{909E8E84-426E-40DD-AFC4-6F175D3DCCD1}">
-                  <a14:hiddenFill xmlns="" xmlns:a14="http://schemas.microsoft.com/office/drawing/2010/main">
+                  <a14:hiddenFill xmlns:a14="http://schemas.microsoft.com/office/drawing/2010/main" xmlns="">
                     <a:noFill/>
                   </a14:hiddenFill>
                 </a:ext>
                 <a:ext uri="{AF507438-7753-43E0-B8FC-AC1667EBCBE1}">
-                  <a14:hiddenEffects xmlns="" xmlns:a14="http://schemas.microsoft.com/office/drawing/2010/main">
+                  <a14:hiddenEffects xmlns:a14="http://schemas.microsoft.com/office/drawing/2010/main" xmlns="">
                     <a:effectLst>
                       <a:outerShdw dist="35921" dir="2700000" algn="ctr" rotWithShape="0">
                         <a:schemeClr val="bg2"/>
@@ -29017,7 +29015,7 @@
               <a:effectLst/>
               <a:extLst>
                 <a:ext uri="{AF507438-7753-43E0-B8FC-AC1667EBCBE1}">
-                  <a14:hiddenEffects xmlns="" xmlns:a14="http://schemas.microsoft.com/office/drawing/2010/main">
+                  <a14:hiddenEffects xmlns:a14="http://schemas.microsoft.com/office/drawing/2010/main" xmlns="">
                     <a:effectLst>
                       <a:outerShdw dist="35921" dir="2700000" algn="ctr" rotWithShape="0">
                         <a:schemeClr val="bg2"/>
@@ -29220,7 +29218,7 @@
               <a:effectLst/>
               <a:extLst>
                 <a:ext uri="{AF507438-7753-43E0-B8FC-AC1667EBCBE1}">
-                  <a14:hiddenEffects xmlns="" xmlns:a14="http://schemas.microsoft.com/office/drawing/2010/main">
+                  <a14:hiddenEffects xmlns:a14="http://schemas.microsoft.com/office/drawing/2010/main" xmlns="">
                     <a:effectLst>
                       <a:outerShdw dist="35921" dir="2700000" algn="ctr" rotWithShape="0">
                         <a:schemeClr val="bg2"/>
@@ -29423,7 +29421,7 @@
               <a:effectLst/>
               <a:extLst>
                 <a:ext uri="{AF507438-7753-43E0-B8FC-AC1667EBCBE1}">
-                  <a14:hiddenEffects xmlns="" xmlns:a14="http://schemas.microsoft.com/office/drawing/2010/main">
+                  <a14:hiddenEffects xmlns:a14="http://schemas.microsoft.com/office/drawing/2010/main" xmlns="">
                     <a:effectLst>
                       <a:outerShdw dist="35921" dir="2700000" algn="ctr" rotWithShape="0">
                         <a:schemeClr val="bg2"/>
@@ -29626,7 +29624,7 @@
               <a:effectLst/>
               <a:extLst>
                 <a:ext uri="{AF507438-7753-43E0-B8FC-AC1667EBCBE1}">
-                  <a14:hiddenEffects xmlns="" xmlns:a14="http://schemas.microsoft.com/office/drawing/2010/main">
+                  <a14:hiddenEffects xmlns:a14="http://schemas.microsoft.com/office/drawing/2010/main" xmlns="">
                     <a:effectLst>
                       <a:outerShdw dist="35921" dir="2700000" algn="ctr" rotWithShape="0">
                         <a:schemeClr val="bg2"/>
@@ -29829,7 +29827,7 @@
               <a:effectLst/>
               <a:extLst>
                 <a:ext uri="{AF507438-7753-43E0-B8FC-AC1667EBCBE1}">
-                  <a14:hiddenEffects xmlns="" xmlns:a14="http://schemas.microsoft.com/office/drawing/2010/main">
+                  <a14:hiddenEffects xmlns:a14="http://schemas.microsoft.com/office/drawing/2010/main" xmlns="">
                     <a:effectLst>
                       <a:outerShdw dist="35921" dir="2700000" algn="ctr" rotWithShape="0">
                         <a:schemeClr val="bg2"/>
@@ -30032,7 +30030,7 @@
               <a:effectLst/>
               <a:extLst>
                 <a:ext uri="{AF507438-7753-43E0-B8FC-AC1667EBCBE1}">
-                  <a14:hiddenEffects xmlns="" xmlns:a14="http://schemas.microsoft.com/office/drawing/2010/main">
+                  <a14:hiddenEffects xmlns:a14="http://schemas.microsoft.com/office/drawing/2010/main" xmlns="">
                     <a:effectLst>
                       <a:outerShdw dist="35921" dir="2700000" algn="ctr" rotWithShape="0">
                         <a:schemeClr val="bg2"/>
@@ -30235,7 +30233,7 @@
               <a:effectLst/>
               <a:extLst>
                 <a:ext uri="{AF507438-7753-43E0-B8FC-AC1667EBCBE1}">
-                  <a14:hiddenEffects xmlns="" xmlns:a14="http://schemas.microsoft.com/office/drawing/2010/main">
+                  <a14:hiddenEffects xmlns:a14="http://schemas.microsoft.com/office/drawing/2010/main" xmlns="">
                     <a:effectLst>
                       <a:outerShdw dist="35921" dir="2700000" algn="ctr" rotWithShape="0">
                         <a:schemeClr val="bg2"/>
@@ -30438,7 +30436,7 @@
               <a:effectLst/>
               <a:extLst>
                 <a:ext uri="{AF507438-7753-43E0-B8FC-AC1667EBCBE1}">
-                  <a14:hiddenEffects xmlns="" xmlns:a14="http://schemas.microsoft.com/office/drawing/2010/main">
+                  <a14:hiddenEffects xmlns:a14="http://schemas.microsoft.com/office/drawing/2010/main" xmlns="">
                     <a:effectLst>
                       <a:outerShdw dist="35921" dir="2700000" algn="ctr" rotWithShape="0">
                         <a:schemeClr val="bg2"/>
@@ -30641,7 +30639,7 @@
               <a:effectLst/>
               <a:extLst>
                 <a:ext uri="{AF507438-7753-43E0-B8FC-AC1667EBCBE1}">
-                  <a14:hiddenEffects xmlns="" xmlns:a14="http://schemas.microsoft.com/office/drawing/2010/main">
+                  <a14:hiddenEffects xmlns:a14="http://schemas.microsoft.com/office/drawing/2010/main" xmlns="">
                     <a:effectLst>
                       <a:outerShdw dist="35921" dir="2700000" algn="ctr" rotWithShape="0">
                         <a:schemeClr val="bg2"/>
@@ -30837,14 +30835,14 @@
               <a:effectLst/>
               <a:extLst>
                 <a:ext uri="{909E8E84-426E-40DD-AFC4-6F175D3DCCD1}">
-                  <a14:hiddenFill xmlns="" xmlns:a14="http://schemas.microsoft.com/office/drawing/2010/main">
+                  <a14:hiddenFill xmlns:a14="http://schemas.microsoft.com/office/drawing/2010/main" xmlns="">
                     <a:solidFill>
                       <a:srgbClr val="FFFF99"/>
                     </a:solidFill>
                   </a14:hiddenFill>
                 </a:ext>
                 <a:ext uri="{91240B29-F687-4F45-9708-019B960494DF}">
-                  <a14:hiddenLine xmlns="" xmlns:a14="http://schemas.microsoft.com/office/drawing/2010/main" w="9525">
+                  <a14:hiddenLine xmlns:a14="http://schemas.microsoft.com/office/drawing/2010/main" xmlns="" w="9525">
                     <a:solidFill>
                       <a:schemeClr val="tx1"/>
                     </a:solidFill>
@@ -30854,7 +30852,7 @@
                   </a14:hiddenLine>
                 </a:ext>
                 <a:ext uri="{AF507438-7753-43E0-B8FC-AC1667EBCBE1}">
-                  <a14:hiddenEffects xmlns="" xmlns:a14="http://schemas.microsoft.com/office/drawing/2010/main">
+                  <a14:hiddenEffects xmlns:a14="http://schemas.microsoft.com/office/drawing/2010/main" xmlns="">
                     <a:effectLst>
                       <a:outerShdw dist="35921" dir="2700000" algn="ctr" rotWithShape="0">
                         <a:schemeClr val="bg2"/>
@@ -31060,12 +31058,12 @@
               <a:effectLst/>
               <a:extLst>
                 <a:ext uri="{909E8E84-426E-40DD-AFC4-6F175D3DCCD1}">
-                  <a14:hiddenFill xmlns="" xmlns:a14="http://schemas.microsoft.com/office/drawing/2010/main">
+                  <a14:hiddenFill xmlns:a14="http://schemas.microsoft.com/office/drawing/2010/main" xmlns="">
                     <a:noFill/>
                   </a14:hiddenFill>
                 </a:ext>
                 <a:ext uri="{AF507438-7753-43E0-B8FC-AC1667EBCBE1}">
-                  <a14:hiddenEffects xmlns="" xmlns:a14="http://schemas.microsoft.com/office/drawing/2010/main">
+                  <a14:hiddenEffects xmlns:a14="http://schemas.microsoft.com/office/drawing/2010/main" xmlns="">
                     <a:effectLst>
                       <a:outerShdw dist="35921" dir="2700000" algn="ctr" rotWithShape="0">
                         <a:schemeClr val="bg2"/>
@@ -31106,14 +31104,14 @@
               <a:effectLst/>
               <a:extLst>
                 <a:ext uri="{909E8E84-426E-40DD-AFC4-6F175D3DCCD1}">
-                  <a14:hiddenFill xmlns="" xmlns:a14="http://schemas.microsoft.com/office/drawing/2010/main">
+                  <a14:hiddenFill xmlns:a14="http://schemas.microsoft.com/office/drawing/2010/main" xmlns="">
                     <a:solidFill>
                       <a:srgbClr val="FFFF99"/>
                     </a:solidFill>
                   </a14:hiddenFill>
                 </a:ext>
                 <a:ext uri="{91240B29-F687-4F45-9708-019B960494DF}">
-                  <a14:hiddenLine xmlns="" xmlns:a14="http://schemas.microsoft.com/office/drawing/2010/main" w="9525">
+                  <a14:hiddenLine xmlns:a14="http://schemas.microsoft.com/office/drawing/2010/main" xmlns="" w="9525">
                     <a:solidFill>
                       <a:schemeClr val="tx1"/>
                     </a:solidFill>
@@ -31123,7 +31121,7 @@
                   </a14:hiddenLine>
                 </a:ext>
                 <a:ext uri="{AF507438-7753-43E0-B8FC-AC1667EBCBE1}">
-                  <a14:hiddenEffects xmlns="" xmlns:a14="http://schemas.microsoft.com/office/drawing/2010/main">
+                  <a14:hiddenEffects xmlns:a14="http://schemas.microsoft.com/office/drawing/2010/main" xmlns="">
                     <a:effectLst>
                       <a:outerShdw dist="35921" dir="2700000" algn="ctr" rotWithShape="0">
                         <a:schemeClr val="bg2"/>
@@ -31329,12 +31327,12 @@
               <a:effectLst/>
               <a:extLst>
                 <a:ext uri="{909E8E84-426E-40DD-AFC4-6F175D3DCCD1}">
-                  <a14:hiddenFill xmlns="" xmlns:a14="http://schemas.microsoft.com/office/drawing/2010/main">
+                  <a14:hiddenFill xmlns:a14="http://schemas.microsoft.com/office/drawing/2010/main" xmlns="">
                     <a:noFill/>
                   </a14:hiddenFill>
                 </a:ext>
                 <a:ext uri="{AF507438-7753-43E0-B8FC-AC1667EBCBE1}">
-                  <a14:hiddenEffects xmlns="" xmlns:a14="http://schemas.microsoft.com/office/drawing/2010/main">
+                  <a14:hiddenEffects xmlns:a14="http://schemas.microsoft.com/office/drawing/2010/main" xmlns="">
                     <a:effectLst>
                       <a:outerShdw dist="35921" dir="2700000" algn="ctr" rotWithShape="0">
                         <a:schemeClr val="bg2"/>
@@ -31380,12 +31378,12 @@
               <a:effectLst/>
               <a:extLst>
                 <a:ext uri="{909E8E84-426E-40DD-AFC4-6F175D3DCCD1}">
-                  <a14:hiddenFill xmlns="" xmlns:a14="http://schemas.microsoft.com/office/drawing/2010/main">
+                  <a14:hiddenFill xmlns:a14="http://schemas.microsoft.com/office/drawing/2010/main" xmlns="">
                     <a:noFill/>
                   </a14:hiddenFill>
                 </a:ext>
                 <a:ext uri="{AF507438-7753-43E0-B8FC-AC1667EBCBE1}">
-                  <a14:hiddenEffects xmlns="" xmlns:a14="http://schemas.microsoft.com/office/drawing/2010/main">
+                  <a14:hiddenEffects xmlns:a14="http://schemas.microsoft.com/office/drawing/2010/main" xmlns="">
                     <a:effectLst>
                       <a:outerShdw dist="35921" dir="2700000" algn="ctr" rotWithShape="0">
                         <a:schemeClr val="bg2"/>
@@ -31433,12 +31431,12 @@
               <a:effectLst/>
               <a:extLst>
                 <a:ext uri="{909E8E84-426E-40DD-AFC4-6F175D3DCCD1}">
-                  <a14:hiddenFill xmlns="" xmlns:a14="http://schemas.microsoft.com/office/drawing/2010/main">
+                  <a14:hiddenFill xmlns:a14="http://schemas.microsoft.com/office/drawing/2010/main" xmlns="">
                     <a:noFill/>
                   </a14:hiddenFill>
                 </a:ext>
                 <a:ext uri="{AF507438-7753-43E0-B8FC-AC1667EBCBE1}">
-                  <a14:hiddenEffects xmlns="" xmlns:a14="http://schemas.microsoft.com/office/drawing/2010/main">
+                  <a14:hiddenEffects xmlns:a14="http://schemas.microsoft.com/office/drawing/2010/main" xmlns="">
                     <a:effectLst>
                       <a:outerShdw dist="35921" dir="2700000" algn="ctr" rotWithShape="0">
                         <a:schemeClr val="bg2"/>
@@ -31484,12 +31482,12 @@
               <a:effectLst/>
               <a:extLst>
                 <a:ext uri="{909E8E84-426E-40DD-AFC4-6F175D3DCCD1}">
-                  <a14:hiddenFill xmlns="" xmlns:a14="http://schemas.microsoft.com/office/drawing/2010/main">
+                  <a14:hiddenFill xmlns:a14="http://schemas.microsoft.com/office/drawing/2010/main" xmlns="">
                     <a:noFill/>
                   </a14:hiddenFill>
                 </a:ext>
                 <a:ext uri="{AF507438-7753-43E0-B8FC-AC1667EBCBE1}">
-                  <a14:hiddenEffects xmlns="" xmlns:a14="http://schemas.microsoft.com/office/drawing/2010/main">
+                  <a14:hiddenEffects xmlns:a14="http://schemas.microsoft.com/office/drawing/2010/main" xmlns="">
                     <a:effectLst>
                       <a:outerShdw dist="35921" dir="2700000" algn="ctr" rotWithShape="0">
                         <a:schemeClr val="bg2"/>
@@ -31537,7 +31535,7 @@
               <a:effectLst/>
               <a:extLst>
                 <a:ext uri="{AF507438-7753-43E0-B8FC-AC1667EBCBE1}">
-                  <a14:hiddenEffects xmlns="" xmlns:a14="http://schemas.microsoft.com/office/drawing/2010/main">
+                  <a14:hiddenEffects xmlns:a14="http://schemas.microsoft.com/office/drawing/2010/main" xmlns="">
                     <a:effectLst>
                       <a:outerShdw dist="35921" dir="2700000" algn="ctr" rotWithShape="0">
                         <a:schemeClr val="bg2"/>
@@ -31740,7 +31738,7 @@
               <a:effectLst/>
               <a:extLst>
                 <a:ext uri="{AF507438-7753-43E0-B8FC-AC1667EBCBE1}">
-                  <a14:hiddenEffects xmlns="" xmlns:a14="http://schemas.microsoft.com/office/drawing/2010/main">
+                  <a14:hiddenEffects xmlns:a14="http://schemas.microsoft.com/office/drawing/2010/main" xmlns="">
                     <a:effectLst>
                       <a:outerShdw dist="35921" dir="2700000" algn="ctr" rotWithShape="0">
                         <a:schemeClr val="bg2"/>
@@ -31943,7 +31941,7 @@
               <a:effectLst/>
               <a:extLst>
                 <a:ext uri="{AF507438-7753-43E0-B8FC-AC1667EBCBE1}">
-                  <a14:hiddenEffects xmlns="" xmlns:a14="http://schemas.microsoft.com/office/drawing/2010/main">
+                  <a14:hiddenEffects xmlns:a14="http://schemas.microsoft.com/office/drawing/2010/main" xmlns="">
                     <a:effectLst>
                       <a:outerShdw dist="35921" dir="2700000" algn="ctr" rotWithShape="0">
                         <a:schemeClr val="bg2"/>
@@ -32146,7 +32144,7 @@
               <a:effectLst/>
               <a:extLst>
                 <a:ext uri="{AF507438-7753-43E0-B8FC-AC1667EBCBE1}">
-                  <a14:hiddenEffects xmlns="" xmlns:a14="http://schemas.microsoft.com/office/drawing/2010/main">
+                  <a14:hiddenEffects xmlns:a14="http://schemas.microsoft.com/office/drawing/2010/main" xmlns="">
                     <a:effectLst>
                       <a:outerShdw dist="35921" dir="2700000" algn="ctr" rotWithShape="0">
                         <a:schemeClr val="bg2"/>
@@ -32349,7 +32347,7 @@
               <a:effectLst/>
               <a:extLst>
                 <a:ext uri="{AF507438-7753-43E0-B8FC-AC1667EBCBE1}">
-                  <a14:hiddenEffects xmlns="" xmlns:a14="http://schemas.microsoft.com/office/drawing/2010/main">
+                  <a14:hiddenEffects xmlns:a14="http://schemas.microsoft.com/office/drawing/2010/main" xmlns="">
                     <a:effectLst>
                       <a:outerShdw dist="35921" dir="2700000" algn="ctr" rotWithShape="0">
                         <a:schemeClr val="bg2"/>
@@ -32552,7 +32550,7 @@
               <a:effectLst/>
               <a:extLst>
                 <a:ext uri="{AF507438-7753-43E0-B8FC-AC1667EBCBE1}">
-                  <a14:hiddenEffects xmlns="" xmlns:a14="http://schemas.microsoft.com/office/drawing/2010/main">
+                  <a14:hiddenEffects xmlns:a14="http://schemas.microsoft.com/office/drawing/2010/main" xmlns="">
                     <a:effectLst>
                       <a:outerShdw dist="35921" dir="2700000" algn="ctr" rotWithShape="0">
                         <a:schemeClr val="bg2"/>
@@ -32755,7 +32753,7 @@
               <a:effectLst/>
               <a:extLst>
                 <a:ext uri="{AF507438-7753-43E0-B8FC-AC1667EBCBE1}">
-                  <a14:hiddenEffects xmlns="" xmlns:a14="http://schemas.microsoft.com/office/drawing/2010/main">
+                  <a14:hiddenEffects xmlns:a14="http://schemas.microsoft.com/office/drawing/2010/main" xmlns="">
                     <a:effectLst>
                       <a:outerShdw dist="35921" dir="2700000" algn="ctr" rotWithShape="0">
                         <a:schemeClr val="bg2"/>
@@ -32958,7 +32956,7 @@
               <a:effectLst/>
               <a:extLst>
                 <a:ext uri="{AF507438-7753-43E0-B8FC-AC1667EBCBE1}">
-                  <a14:hiddenEffects xmlns="" xmlns:a14="http://schemas.microsoft.com/office/drawing/2010/main">
+                  <a14:hiddenEffects xmlns:a14="http://schemas.microsoft.com/office/drawing/2010/main" xmlns="">
                     <a:effectLst>
                       <a:outerShdw dist="35921" dir="2700000" algn="ctr" rotWithShape="0">
                         <a:schemeClr val="bg2"/>
@@ -33161,7 +33159,7 @@
               <a:effectLst/>
               <a:extLst>
                 <a:ext uri="{AF507438-7753-43E0-B8FC-AC1667EBCBE1}">
-                  <a14:hiddenEffects xmlns="" xmlns:a14="http://schemas.microsoft.com/office/drawing/2010/main">
+                  <a14:hiddenEffects xmlns:a14="http://schemas.microsoft.com/office/drawing/2010/main" xmlns="">
                     <a:effectLst>
                       <a:outerShdw dist="35921" dir="2700000" algn="ctr" rotWithShape="0">
                         <a:schemeClr val="bg2"/>
@@ -33357,14 +33355,14 @@
               <a:effectLst/>
               <a:extLst>
                 <a:ext uri="{909E8E84-426E-40DD-AFC4-6F175D3DCCD1}">
-                  <a14:hiddenFill xmlns="" xmlns:a14="http://schemas.microsoft.com/office/drawing/2010/main">
+                  <a14:hiddenFill xmlns:a14="http://schemas.microsoft.com/office/drawing/2010/main" xmlns="">
                     <a:solidFill>
                       <a:srgbClr val="FFFF99"/>
                     </a:solidFill>
                   </a14:hiddenFill>
                 </a:ext>
                 <a:ext uri="{91240B29-F687-4F45-9708-019B960494DF}">
-                  <a14:hiddenLine xmlns="" xmlns:a14="http://schemas.microsoft.com/office/drawing/2010/main" w="9525">
+                  <a14:hiddenLine xmlns:a14="http://schemas.microsoft.com/office/drawing/2010/main" xmlns="" w="9525">
                     <a:solidFill>
                       <a:schemeClr val="tx1"/>
                     </a:solidFill>
@@ -33374,7 +33372,7 @@
                   </a14:hiddenLine>
                 </a:ext>
                 <a:ext uri="{AF507438-7753-43E0-B8FC-AC1667EBCBE1}">
-                  <a14:hiddenEffects xmlns="" xmlns:a14="http://schemas.microsoft.com/office/drawing/2010/main">
+                  <a14:hiddenEffects xmlns:a14="http://schemas.microsoft.com/office/drawing/2010/main" xmlns="">
                     <a:effectLst>
                       <a:outerShdw dist="35921" dir="2700000" algn="ctr" rotWithShape="0">
                         <a:schemeClr val="bg2"/>
@@ -33580,12 +33578,12 @@
               <a:effectLst/>
               <a:extLst>
                 <a:ext uri="{909E8E84-426E-40DD-AFC4-6F175D3DCCD1}">
-                  <a14:hiddenFill xmlns="" xmlns:a14="http://schemas.microsoft.com/office/drawing/2010/main">
+                  <a14:hiddenFill xmlns:a14="http://schemas.microsoft.com/office/drawing/2010/main" xmlns="">
                     <a:noFill/>
                   </a14:hiddenFill>
                 </a:ext>
                 <a:ext uri="{AF507438-7753-43E0-B8FC-AC1667EBCBE1}">
-                  <a14:hiddenEffects xmlns="" xmlns:a14="http://schemas.microsoft.com/office/drawing/2010/main">
+                  <a14:hiddenEffects xmlns:a14="http://schemas.microsoft.com/office/drawing/2010/main" xmlns="">
                     <a:effectLst>
                       <a:outerShdw dist="35921" dir="2700000" algn="ctr" rotWithShape="0">
                         <a:schemeClr val="bg2"/>
@@ -33626,14 +33624,14 @@
               <a:effectLst/>
               <a:extLst>
                 <a:ext uri="{909E8E84-426E-40DD-AFC4-6F175D3DCCD1}">
-                  <a14:hiddenFill xmlns="" xmlns:a14="http://schemas.microsoft.com/office/drawing/2010/main">
+                  <a14:hiddenFill xmlns:a14="http://schemas.microsoft.com/office/drawing/2010/main" xmlns="">
                     <a:solidFill>
                       <a:srgbClr val="FFFF99"/>
                     </a:solidFill>
                   </a14:hiddenFill>
                 </a:ext>
                 <a:ext uri="{91240B29-F687-4F45-9708-019B960494DF}">
-                  <a14:hiddenLine xmlns="" xmlns:a14="http://schemas.microsoft.com/office/drawing/2010/main" w="9525">
+                  <a14:hiddenLine xmlns:a14="http://schemas.microsoft.com/office/drawing/2010/main" xmlns="" w="9525">
                     <a:solidFill>
                       <a:schemeClr val="tx1"/>
                     </a:solidFill>
@@ -33643,7 +33641,7 @@
                   </a14:hiddenLine>
                 </a:ext>
                 <a:ext uri="{AF507438-7753-43E0-B8FC-AC1667EBCBE1}">
-                  <a14:hiddenEffects xmlns="" xmlns:a14="http://schemas.microsoft.com/office/drawing/2010/main">
+                  <a14:hiddenEffects xmlns:a14="http://schemas.microsoft.com/office/drawing/2010/main" xmlns="">
                     <a:effectLst>
                       <a:outerShdw dist="35921" dir="2700000" algn="ctr" rotWithShape="0">
                         <a:schemeClr val="bg2"/>
@@ -33849,12 +33847,12 @@
               <a:effectLst/>
               <a:extLst>
                 <a:ext uri="{909E8E84-426E-40DD-AFC4-6F175D3DCCD1}">
-                  <a14:hiddenFill xmlns="" xmlns:a14="http://schemas.microsoft.com/office/drawing/2010/main">
+                  <a14:hiddenFill xmlns:a14="http://schemas.microsoft.com/office/drawing/2010/main" xmlns="">
                     <a:noFill/>
                   </a14:hiddenFill>
                 </a:ext>
                 <a:ext uri="{AF507438-7753-43E0-B8FC-AC1667EBCBE1}">
-                  <a14:hiddenEffects xmlns="" xmlns:a14="http://schemas.microsoft.com/office/drawing/2010/main">
+                  <a14:hiddenEffects xmlns:a14="http://schemas.microsoft.com/office/drawing/2010/main" xmlns="">
                     <a:effectLst>
                       <a:outerShdw dist="35921" dir="2700000" algn="ctr" rotWithShape="0">
                         <a:schemeClr val="bg2"/>
@@ -33900,12 +33898,12 @@
               <a:effectLst/>
               <a:extLst>
                 <a:ext uri="{909E8E84-426E-40DD-AFC4-6F175D3DCCD1}">
-                  <a14:hiddenFill xmlns="" xmlns:a14="http://schemas.microsoft.com/office/drawing/2010/main">
+                  <a14:hiddenFill xmlns:a14="http://schemas.microsoft.com/office/drawing/2010/main" xmlns="">
                     <a:noFill/>
                   </a14:hiddenFill>
                 </a:ext>
                 <a:ext uri="{AF507438-7753-43E0-B8FC-AC1667EBCBE1}">
-                  <a14:hiddenEffects xmlns="" xmlns:a14="http://schemas.microsoft.com/office/drawing/2010/main">
+                  <a14:hiddenEffects xmlns:a14="http://schemas.microsoft.com/office/drawing/2010/main" xmlns="">
                     <a:effectLst>
                       <a:outerShdw dist="35921" dir="2700000" algn="ctr" rotWithShape="0">
                         <a:schemeClr val="bg2"/>
@@ -33953,12 +33951,12 @@
               <a:effectLst/>
               <a:extLst>
                 <a:ext uri="{909E8E84-426E-40DD-AFC4-6F175D3DCCD1}">
-                  <a14:hiddenFill xmlns="" xmlns:a14="http://schemas.microsoft.com/office/drawing/2010/main">
+                  <a14:hiddenFill xmlns:a14="http://schemas.microsoft.com/office/drawing/2010/main" xmlns="">
                     <a:noFill/>
                   </a14:hiddenFill>
                 </a:ext>
                 <a:ext uri="{AF507438-7753-43E0-B8FC-AC1667EBCBE1}">
-                  <a14:hiddenEffects xmlns="" xmlns:a14="http://schemas.microsoft.com/office/drawing/2010/main">
+                  <a14:hiddenEffects xmlns:a14="http://schemas.microsoft.com/office/drawing/2010/main" xmlns="">
                     <a:effectLst>
                       <a:outerShdw dist="35921" dir="2700000" algn="ctr" rotWithShape="0">
                         <a:schemeClr val="bg2"/>
@@ -34004,12 +34002,12 @@
               <a:effectLst/>
               <a:extLst>
                 <a:ext uri="{909E8E84-426E-40DD-AFC4-6F175D3DCCD1}">
-                  <a14:hiddenFill xmlns="" xmlns:a14="http://schemas.microsoft.com/office/drawing/2010/main">
+                  <a14:hiddenFill xmlns:a14="http://schemas.microsoft.com/office/drawing/2010/main" xmlns="">
                     <a:noFill/>
                   </a14:hiddenFill>
                 </a:ext>
                 <a:ext uri="{AF507438-7753-43E0-B8FC-AC1667EBCBE1}">
-                  <a14:hiddenEffects xmlns="" xmlns:a14="http://schemas.microsoft.com/office/drawing/2010/main">
+                  <a14:hiddenEffects xmlns:a14="http://schemas.microsoft.com/office/drawing/2010/main" xmlns="">
                     <a:effectLst>
                       <a:outerShdw dist="35921" dir="2700000" algn="ctr" rotWithShape="0">
                         <a:schemeClr val="bg2"/>
@@ -34057,7 +34055,7 @@
               <a:effectLst/>
               <a:extLst>
                 <a:ext uri="{AF507438-7753-43E0-B8FC-AC1667EBCBE1}">
-                  <a14:hiddenEffects xmlns="" xmlns:a14="http://schemas.microsoft.com/office/drawing/2010/main">
+                  <a14:hiddenEffects xmlns:a14="http://schemas.microsoft.com/office/drawing/2010/main" xmlns="">
                     <a:effectLst>
                       <a:outerShdw dist="35921" dir="2700000" algn="ctr" rotWithShape="0">
                         <a:schemeClr val="bg2"/>
@@ -34260,7 +34258,7 @@
               <a:effectLst/>
               <a:extLst>
                 <a:ext uri="{AF507438-7753-43E0-B8FC-AC1667EBCBE1}">
-                  <a14:hiddenEffects xmlns="" xmlns:a14="http://schemas.microsoft.com/office/drawing/2010/main">
+                  <a14:hiddenEffects xmlns:a14="http://schemas.microsoft.com/office/drawing/2010/main" xmlns="">
                     <a:effectLst>
                       <a:outerShdw dist="35921" dir="2700000" algn="ctr" rotWithShape="0">
                         <a:schemeClr val="bg2"/>
@@ -34463,7 +34461,7 @@
               <a:effectLst/>
               <a:extLst>
                 <a:ext uri="{AF507438-7753-43E0-B8FC-AC1667EBCBE1}">
-                  <a14:hiddenEffects xmlns="" xmlns:a14="http://schemas.microsoft.com/office/drawing/2010/main">
+                  <a14:hiddenEffects xmlns:a14="http://schemas.microsoft.com/office/drawing/2010/main" xmlns="">
                     <a:effectLst>
                       <a:outerShdw dist="35921" dir="2700000" algn="ctr" rotWithShape="0">
                         <a:schemeClr val="bg2"/>
@@ -34666,7 +34664,7 @@
               <a:effectLst/>
               <a:extLst>
                 <a:ext uri="{AF507438-7753-43E0-B8FC-AC1667EBCBE1}">
-                  <a14:hiddenEffects xmlns="" xmlns:a14="http://schemas.microsoft.com/office/drawing/2010/main">
+                  <a14:hiddenEffects xmlns:a14="http://schemas.microsoft.com/office/drawing/2010/main" xmlns="">
                     <a:effectLst>
                       <a:outerShdw dist="35921" dir="2700000" algn="ctr" rotWithShape="0">
                         <a:schemeClr val="bg2"/>
@@ -34869,7 +34867,7 @@
               <a:effectLst/>
               <a:extLst>
                 <a:ext uri="{AF507438-7753-43E0-B8FC-AC1667EBCBE1}">
-                  <a14:hiddenEffects xmlns="" xmlns:a14="http://schemas.microsoft.com/office/drawing/2010/main">
+                  <a14:hiddenEffects xmlns:a14="http://schemas.microsoft.com/office/drawing/2010/main" xmlns="">
                     <a:effectLst>
                       <a:outerShdw dist="35921" dir="2700000" algn="ctr" rotWithShape="0">
                         <a:schemeClr val="bg2"/>
@@ -35072,7 +35070,7 @@
               <a:effectLst/>
               <a:extLst>
                 <a:ext uri="{AF507438-7753-43E0-B8FC-AC1667EBCBE1}">
-                  <a14:hiddenEffects xmlns="" xmlns:a14="http://schemas.microsoft.com/office/drawing/2010/main">
+                  <a14:hiddenEffects xmlns:a14="http://schemas.microsoft.com/office/drawing/2010/main" xmlns="">
                     <a:effectLst>
                       <a:outerShdw dist="35921" dir="2700000" algn="ctr" rotWithShape="0">
                         <a:schemeClr val="bg2"/>
@@ -35275,7 +35273,7 @@
               <a:effectLst/>
               <a:extLst>
                 <a:ext uri="{AF507438-7753-43E0-B8FC-AC1667EBCBE1}">
-                  <a14:hiddenEffects xmlns="" xmlns:a14="http://schemas.microsoft.com/office/drawing/2010/main">
+                  <a14:hiddenEffects xmlns:a14="http://schemas.microsoft.com/office/drawing/2010/main" xmlns="">
                     <a:effectLst>
                       <a:outerShdw dist="35921" dir="2700000" algn="ctr" rotWithShape="0">
                         <a:schemeClr val="bg2"/>
@@ -35478,7 +35476,7 @@
               <a:effectLst/>
               <a:extLst>
                 <a:ext uri="{AF507438-7753-43E0-B8FC-AC1667EBCBE1}">
-                  <a14:hiddenEffects xmlns="" xmlns:a14="http://schemas.microsoft.com/office/drawing/2010/main">
+                  <a14:hiddenEffects xmlns:a14="http://schemas.microsoft.com/office/drawing/2010/main" xmlns="">
                     <a:effectLst>
                       <a:outerShdw dist="35921" dir="2700000" algn="ctr" rotWithShape="0">
                         <a:schemeClr val="bg2"/>
@@ -35681,7 +35679,7 @@
               <a:effectLst/>
               <a:extLst>
                 <a:ext uri="{AF507438-7753-43E0-B8FC-AC1667EBCBE1}">
-                  <a14:hiddenEffects xmlns="" xmlns:a14="http://schemas.microsoft.com/office/drawing/2010/main">
+                  <a14:hiddenEffects xmlns:a14="http://schemas.microsoft.com/office/drawing/2010/main" xmlns="">
                     <a:effectLst>
                       <a:outerShdw dist="35921" dir="2700000" algn="ctr" rotWithShape="0">
                         <a:schemeClr val="bg2"/>
@@ -35877,14 +35875,14 @@
               <a:effectLst/>
               <a:extLst>
                 <a:ext uri="{909E8E84-426E-40DD-AFC4-6F175D3DCCD1}">
-                  <a14:hiddenFill xmlns="" xmlns:a14="http://schemas.microsoft.com/office/drawing/2010/main">
+                  <a14:hiddenFill xmlns:a14="http://schemas.microsoft.com/office/drawing/2010/main" xmlns="">
                     <a:solidFill>
                       <a:srgbClr val="FFFF99"/>
                     </a:solidFill>
                   </a14:hiddenFill>
                 </a:ext>
                 <a:ext uri="{91240B29-F687-4F45-9708-019B960494DF}">
-                  <a14:hiddenLine xmlns="" xmlns:a14="http://schemas.microsoft.com/office/drawing/2010/main" w="9525">
+                  <a14:hiddenLine xmlns:a14="http://schemas.microsoft.com/office/drawing/2010/main" xmlns="" w="9525">
                     <a:solidFill>
                       <a:schemeClr val="tx1"/>
                     </a:solidFill>
@@ -35894,7 +35892,7 @@
                   </a14:hiddenLine>
                 </a:ext>
                 <a:ext uri="{AF507438-7753-43E0-B8FC-AC1667EBCBE1}">
-                  <a14:hiddenEffects xmlns="" xmlns:a14="http://schemas.microsoft.com/office/drawing/2010/main">
+                  <a14:hiddenEffects xmlns:a14="http://schemas.microsoft.com/office/drawing/2010/main" xmlns="">
                     <a:effectLst>
                       <a:outerShdw dist="35921" dir="2700000" algn="ctr" rotWithShape="0">
                         <a:schemeClr val="bg2"/>
@@ -36100,12 +36098,12 @@
               <a:effectLst/>
               <a:extLst>
                 <a:ext uri="{909E8E84-426E-40DD-AFC4-6F175D3DCCD1}">
-                  <a14:hiddenFill xmlns="" xmlns:a14="http://schemas.microsoft.com/office/drawing/2010/main">
+                  <a14:hiddenFill xmlns:a14="http://schemas.microsoft.com/office/drawing/2010/main" xmlns="">
                     <a:noFill/>
                   </a14:hiddenFill>
                 </a:ext>
                 <a:ext uri="{AF507438-7753-43E0-B8FC-AC1667EBCBE1}">
-                  <a14:hiddenEffects xmlns="" xmlns:a14="http://schemas.microsoft.com/office/drawing/2010/main">
+                  <a14:hiddenEffects xmlns:a14="http://schemas.microsoft.com/office/drawing/2010/main" xmlns="">
                     <a:effectLst>
                       <a:outerShdw dist="35921" dir="2700000" algn="ctr" rotWithShape="0">
                         <a:schemeClr val="bg2"/>
@@ -36146,14 +36144,14 @@
               <a:effectLst/>
               <a:extLst>
                 <a:ext uri="{909E8E84-426E-40DD-AFC4-6F175D3DCCD1}">
-                  <a14:hiddenFill xmlns="" xmlns:a14="http://schemas.microsoft.com/office/drawing/2010/main">
+                  <a14:hiddenFill xmlns:a14="http://schemas.microsoft.com/office/drawing/2010/main" xmlns="">
                     <a:solidFill>
                       <a:srgbClr val="FFFF99"/>
                     </a:solidFill>
                   </a14:hiddenFill>
                 </a:ext>
                 <a:ext uri="{91240B29-F687-4F45-9708-019B960494DF}">
-                  <a14:hiddenLine xmlns="" xmlns:a14="http://schemas.microsoft.com/office/drawing/2010/main" w="9525">
+                  <a14:hiddenLine xmlns:a14="http://schemas.microsoft.com/office/drawing/2010/main" xmlns="" w="9525">
                     <a:solidFill>
                       <a:schemeClr val="tx1"/>
                     </a:solidFill>
@@ -36163,7 +36161,7 @@
                   </a14:hiddenLine>
                 </a:ext>
                 <a:ext uri="{AF507438-7753-43E0-B8FC-AC1667EBCBE1}">
-                  <a14:hiddenEffects xmlns="" xmlns:a14="http://schemas.microsoft.com/office/drawing/2010/main">
+                  <a14:hiddenEffects xmlns:a14="http://schemas.microsoft.com/office/drawing/2010/main" xmlns="">
                     <a:effectLst>
                       <a:outerShdw dist="35921" dir="2700000" algn="ctr" rotWithShape="0">
                         <a:schemeClr val="bg2"/>
@@ -36369,12 +36367,12 @@
               <a:effectLst/>
               <a:extLst>
                 <a:ext uri="{909E8E84-426E-40DD-AFC4-6F175D3DCCD1}">
-                  <a14:hiddenFill xmlns="" xmlns:a14="http://schemas.microsoft.com/office/drawing/2010/main">
+                  <a14:hiddenFill xmlns:a14="http://schemas.microsoft.com/office/drawing/2010/main" xmlns="">
                     <a:noFill/>
                   </a14:hiddenFill>
                 </a:ext>
                 <a:ext uri="{AF507438-7753-43E0-B8FC-AC1667EBCBE1}">
-                  <a14:hiddenEffects xmlns="" xmlns:a14="http://schemas.microsoft.com/office/drawing/2010/main">
+                  <a14:hiddenEffects xmlns:a14="http://schemas.microsoft.com/office/drawing/2010/main" xmlns="">
                     <a:effectLst>
                       <a:outerShdw dist="35921" dir="2700000" algn="ctr" rotWithShape="0">
                         <a:schemeClr val="bg2"/>
@@ -36420,12 +36418,12 @@
               <a:effectLst/>
               <a:extLst>
                 <a:ext uri="{909E8E84-426E-40DD-AFC4-6F175D3DCCD1}">
-                  <a14:hiddenFill xmlns="" xmlns:a14="http://schemas.microsoft.com/office/drawing/2010/main">
+                  <a14:hiddenFill xmlns:a14="http://schemas.microsoft.com/office/drawing/2010/main" xmlns="">
                     <a:noFill/>
                   </a14:hiddenFill>
                 </a:ext>
                 <a:ext uri="{AF507438-7753-43E0-B8FC-AC1667EBCBE1}">
-                  <a14:hiddenEffects xmlns="" xmlns:a14="http://schemas.microsoft.com/office/drawing/2010/main">
+                  <a14:hiddenEffects xmlns:a14="http://schemas.microsoft.com/office/drawing/2010/main" xmlns="">
                     <a:effectLst>
                       <a:outerShdw dist="35921" dir="2700000" algn="ctr" rotWithShape="0">
                         <a:schemeClr val="bg2"/>
@@ -36896,7 +36894,7 @@
     </p:spTree>
     <p:extLst>
       <p:ext uri="{BB962C8B-B14F-4D97-AF65-F5344CB8AC3E}">
-        <p14:creationId xmlns="" xmlns:p14="http://schemas.microsoft.com/office/powerpoint/2010/main" val="1843859788"/>
+        <p14:creationId xmlns:p14="http://schemas.microsoft.com/office/powerpoint/2010/main" xmlns="" val="1843859788"/>
       </p:ext>
     </p:extLst>
   </p:cSld>
@@ -37030,7 +37028,7 @@
           <a:blip r:embed="rId3" cstate="print">
             <a:extLst>
               <a:ext uri="{28A0092B-C50C-407E-A947-70E740481C1C}">
-                <a14:useLocalDpi xmlns="" xmlns:a14="http://schemas.microsoft.com/office/drawing/2010/main" val="0"/>
+                <a14:useLocalDpi xmlns:a14="http://schemas.microsoft.com/office/drawing/2010/main" xmlns="" val="0"/>
               </a:ext>
             </a:extLst>
           </a:blip>
@@ -37050,7 +37048,7 @@
           <a:noFill/>
           <a:extLst>
             <a:ext uri="{909E8E84-426E-40DD-AFC4-6F175D3DCCD1}">
-              <a14:hiddenFill xmlns="" xmlns:a14="http://schemas.microsoft.com/office/drawing/2010/main">
+              <a14:hiddenFill xmlns:a14="http://schemas.microsoft.com/office/drawing/2010/main" xmlns="">
                 <a:solidFill>
                   <a:srgbClr val="FFFFFF"/>
                 </a:solidFill>
@@ -37071,7 +37069,7 @@
           <a:blip r:embed="rId4" cstate="print">
             <a:extLst>
               <a:ext uri="{28A0092B-C50C-407E-A947-70E740481C1C}">
-                <a14:useLocalDpi xmlns="" xmlns:a14="http://schemas.microsoft.com/office/drawing/2010/main" val="0"/>
+                <a14:useLocalDpi xmlns:a14="http://schemas.microsoft.com/office/drawing/2010/main" xmlns="" val="0"/>
               </a:ext>
             </a:extLst>
           </a:blip>
@@ -37091,7 +37089,7 @@
           <a:noFill/>
           <a:extLst>
             <a:ext uri="{909E8E84-426E-40DD-AFC4-6F175D3DCCD1}">
-              <a14:hiddenFill xmlns="" xmlns:a14="http://schemas.microsoft.com/office/drawing/2010/main">
+              <a14:hiddenFill xmlns:a14="http://schemas.microsoft.com/office/drawing/2010/main" xmlns="">
                 <a:solidFill>
                   <a:srgbClr val="FFFFFF"/>
                 </a:solidFill>
@@ -37132,7 +37130,7 @@
     </p:spTree>
     <p:extLst>
       <p:ext uri="{BB962C8B-B14F-4D97-AF65-F5344CB8AC3E}">
-        <p14:creationId xmlns="" xmlns:p14="http://schemas.microsoft.com/office/powerpoint/2010/main" val="1145328383"/>
+        <p14:creationId xmlns:p14="http://schemas.microsoft.com/office/powerpoint/2010/main" xmlns="" val="1145328383"/>
       </p:ext>
     </p:extLst>
   </p:cSld>
@@ -37502,7 +37500,7 @@
           <a:blip r:embed="rId2" cstate="print">
             <a:extLst>
               <a:ext uri="{28A0092B-C50C-407E-A947-70E740481C1C}">
-                <a14:useLocalDpi xmlns="" xmlns:a14="http://schemas.microsoft.com/office/drawing/2010/main" val="0"/>
+                <a14:useLocalDpi xmlns:a14="http://schemas.microsoft.com/office/drawing/2010/main" xmlns="" val="0"/>
               </a:ext>
             </a:extLst>
           </a:blip>
@@ -37522,7 +37520,7 @@
           <a:noFill/>
           <a:extLst>
             <a:ext uri="{909E8E84-426E-40DD-AFC4-6F175D3DCCD1}">
-              <a14:hiddenFill xmlns="" xmlns:a14="http://schemas.microsoft.com/office/drawing/2010/main">
+              <a14:hiddenFill xmlns:a14="http://schemas.microsoft.com/office/drawing/2010/main" xmlns="">
                 <a:solidFill>
                   <a:srgbClr val="FFFFFF"/>
                 </a:solidFill>
@@ -37664,7 +37662,7 @@
     </p:spTree>
     <p:extLst>
       <p:ext uri="{BB962C8B-B14F-4D97-AF65-F5344CB8AC3E}">
-        <p14:creationId xmlns="" xmlns:p14="http://schemas.microsoft.com/office/powerpoint/2010/main" val="2738621160"/>
+        <p14:creationId xmlns:p14="http://schemas.microsoft.com/office/powerpoint/2010/main" xmlns="" val="2738621160"/>
       </p:ext>
     </p:extLst>
   </p:cSld>
@@ -37841,7 +37839,7 @@
     </p:spTree>
     <p:extLst>
       <p:ext uri="{BB962C8B-B14F-4D97-AF65-F5344CB8AC3E}">
-        <p14:creationId xmlns="" xmlns:p14="http://schemas.microsoft.com/office/powerpoint/2010/main" val="3364494703"/>
+        <p14:creationId xmlns:p14="http://schemas.microsoft.com/office/powerpoint/2010/main" xmlns="" val="3364494703"/>
       </p:ext>
     </p:extLst>
   </p:cSld>
@@ -38313,7 +38311,7 @@
     </p:spTree>
     <p:extLst>
       <p:ext uri="{BB962C8B-B14F-4D97-AF65-F5344CB8AC3E}">
-        <p14:creationId xmlns="" xmlns:p14="http://schemas.microsoft.com/office/powerpoint/2010/main" val="440322698"/>
+        <p14:creationId xmlns:p14="http://schemas.microsoft.com/office/powerpoint/2010/main" xmlns="" val="440322698"/>
       </p:ext>
     </p:extLst>
   </p:cSld>
@@ -38505,7 +38503,7 @@
     </p:spTree>
     <p:extLst>
       <p:ext uri="{BB962C8B-B14F-4D97-AF65-F5344CB8AC3E}">
-        <p14:creationId xmlns="" xmlns:p14="http://schemas.microsoft.com/office/powerpoint/2010/main" val="3381139441"/>
+        <p14:creationId xmlns:p14="http://schemas.microsoft.com/office/powerpoint/2010/main" xmlns="" val="3381139441"/>
       </p:ext>
     </p:extLst>
   </p:cSld>
@@ -38622,7 +38620,7 @@
     </p:spTree>
     <p:extLst>
       <p:ext uri="{BB962C8B-B14F-4D97-AF65-F5344CB8AC3E}">
-        <p14:creationId xmlns="" xmlns:p14="http://schemas.microsoft.com/office/powerpoint/2010/main" val="3938001014"/>
+        <p14:creationId xmlns:p14="http://schemas.microsoft.com/office/powerpoint/2010/main" xmlns="" val="3938001014"/>
       </p:ext>
     </p:extLst>
   </p:cSld>
@@ -38778,7 +38776,7 @@
     </p:spTree>
     <p:extLst>
       <p:ext uri="{BB962C8B-B14F-4D97-AF65-F5344CB8AC3E}">
-        <p14:creationId xmlns="" xmlns:p14="http://schemas.microsoft.com/office/powerpoint/2010/main" val="637647072"/>
+        <p14:creationId xmlns:p14="http://schemas.microsoft.com/office/powerpoint/2010/main" xmlns="" val="637647072"/>
       </p:ext>
     </p:extLst>
   </p:cSld>
@@ -38828,7 +38826,7 @@
         </p:txBody>
       </p:sp>
       <mc:AlternateContent xmlns:mc="http://schemas.openxmlformats.org/markup-compatibility/2006">
-        <mc:Choice xmlns="" xmlns:a14="http://schemas.microsoft.com/office/drawing/2010/main" Requires="a14">
+        <mc:Choice xmlns:a14="http://schemas.microsoft.com/office/drawing/2010/main" xmlns="" Requires="a14">
           <p:sp>
             <p:nvSpPr>
               <p:cNvPr id="3" name="Content Placeholder 2"/>
@@ -39114,7 +39112,7 @@
           <a:blip r:embed="rId3" cstate="print">
             <a:extLst>
               <a:ext uri="{28A0092B-C50C-407E-A947-70E740481C1C}">
-                <a14:useLocalDpi xmlns="" xmlns:a14="http://schemas.microsoft.com/office/drawing/2010/main" val="0"/>
+                <a14:useLocalDpi xmlns:a14="http://schemas.microsoft.com/office/drawing/2010/main" xmlns="" val="0"/>
               </a:ext>
             </a:extLst>
           </a:blip>
@@ -39134,7 +39132,7 @@
           <a:noFill/>
           <a:extLst>
             <a:ext uri="{909E8E84-426E-40DD-AFC4-6F175D3DCCD1}">
-              <a14:hiddenFill xmlns="" xmlns:a14="http://schemas.microsoft.com/office/drawing/2010/main">
+              <a14:hiddenFill xmlns:a14="http://schemas.microsoft.com/office/drawing/2010/main" xmlns="">
                 <a:solidFill>
                   <a:srgbClr val="FFFFFF"/>
                 </a:solidFill>
@@ -39155,7 +39153,7 @@
           <a:blip r:embed="rId4" cstate="print">
             <a:extLst>
               <a:ext uri="{28A0092B-C50C-407E-A947-70E740481C1C}">
-                <a14:useLocalDpi xmlns="" xmlns:a14="http://schemas.microsoft.com/office/drawing/2010/main" val="0"/>
+                <a14:useLocalDpi xmlns:a14="http://schemas.microsoft.com/office/drawing/2010/main" xmlns="" val="0"/>
               </a:ext>
             </a:extLst>
           </a:blip>
@@ -39175,7 +39173,7 @@
           <a:noFill/>
           <a:extLst>
             <a:ext uri="{909E8E84-426E-40DD-AFC4-6F175D3DCCD1}">
-              <a14:hiddenFill xmlns="" xmlns:a14="http://schemas.microsoft.com/office/drawing/2010/main">
+              <a14:hiddenFill xmlns:a14="http://schemas.microsoft.com/office/drawing/2010/main" xmlns="">
                 <a:solidFill>
                   <a:srgbClr val="FFFFFF"/>
                 </a:solidFill>
@@ -39256,7 +39254,7 @@
     </p:spTree>
     <p:extLst>
       <p:ext uri="{BB962C8B-B14F-4D97-AF65-F5344CB8AC3E}">
-        <p14:creationId xmlns="" xmlns:p14="http://schemas.microsoft.com/office/powerpoint/2010/main" val="500681545"/>
+        <p14:creationId xmlns:p14="http://schemas.microsoft.com/office/powerpoint/2010/main" xmlns="" val="500681545"/>
       </p:ext>
     </p:extLst>
   </p:cSld>
@@ -39408,7 +39406,7 @@
     </p:spTree>
     <p:extLst>
       <p:ext uri="{BB962C8B-B14F-4D97-AF65-F5344CB8AC3E}">
-        <p14:creationId xmlns="" xmlns:p14="http://schemas.microsoft.com/office/powerpoint/2010/main" val="2819280695"/>
+        <p14:creationId xmlns:p14="http://schemas.microsoft.com/office/powerpoint/2010/main" xmlns="" val="2819280695"/>
       </p:ext>
     </p:extLst>
   </p:cSld>
@@ -39626,7 +39624,7 @@
               <a:lum bright="-12000" contrast="78000"/>
               <a:extLst>
                 <a:ext uri="{28A0092B-C50C-407E-A947-70E740481C1C}">
-                  <a14:useLocalDpi xmlns="" xmlns:a14="http://schemas.microsoft.com/office/drawing/2010/main" val="0"/>
+                  <a14:useLocalDpi xmlns:a14="http://schemas.microsoft.com/office/drawing/2010/main" xmlns="" val="0"/>
                 </a:ext>
               </a:extLst>
             </a:blip>
@@ -39646,7 +39644,7 @@
             <a:noFill/>
             <a:extLst>
               <a:ext uri="{909E8E84-426E-40DD-AFC4-6F175D3DCCD1}">
-                <a14:hiddenFill xmlns="" xmlns:a14="http://schemas.microsoft.com/office/drawing/2010/main">
+                <a14:hiddenFill xmlns:a14="http://schemas.microsoft.com/office/drawing/2010/main" xmlns="">
                   <a:solidFill>
                     <a:srgbClr val="FFFFFF"/>
                   </a:solidFill>
@@ -39678,14 +39676,14 @@
             <a:effectLst/>
             <a:extLst>
               <a:ext uri="{909E8E84-426E-40DD-AFC4-6F175D3DCCD1}">
-                <a14:hiddenFill xmlns="" xmlns:a14="http://schemas.microsoft.com/office/drawing/2010/main">
+                <a14:hiddenFill xmlns:a14="http://schemas.microsoft.com/office/drawing/2010/main" xmlns="">
                   <a:solidFill>
                     <a:schemeClr val="accent1"/>
                   </a:solidFill>
                 </a14:hiddenFill>
               </a:ext>
               <a:ext uri="{91240B29-F687-4F45-9708-019B960494DF}">
-                <a14:hiddenLine xmlns="" xmlns:a14="http://schemas.microsoft.com/office/drawing/2010/main" w="9525">
+                <a14:hiddenLine xmlns:a14="http://schemas.microsoft.com/office/drawing/2010/main" xmlns="" w="9525">
                   <a:solidFill>
                     <a:schemeClr val="tx1"/>
                   </a:solidFill>
@@ -39695,7 +39693,7 @@
                 </a14:hiddenLine>
               </a:ext>
               <a:ext uri="{AF507438-7753-43E0-B8FC-AC1667EBCBE1}">
-                <a14:hiddenEffects xmlns="" xmlns:a14="http://schemas.microsoft.com/office/drawing/2010/main">
+                <a14:hiddenEffects xmlns:a14="http://schemas.microsoft.com/office/drawing/2010/main" xmlns="">
                   <a:effectLst>
                     <a:outerShdw dist="35921" dir="2700000" algn="ctr" rotWithShape="0">
                       <a:schemeClr val="bg2"/>
@@ -39753,14 +39751,14 @@
             <a:effectLst/>
             <a:extLst>
               <a:ext uri="{909E8E84-426E-40DD-AFC4-6F175D3DCCD1}">
-                <a14:hiddenFill xmlns="" xmlns:a14="http://schemas.microsoft.com/office/drawing/2010/main">
+                <a14:hiddenFill xmlns:a14="http://schemas.microsoft.com/office/drawing/2010/main" xmlns="">
                   <a:solidFill>
                     <a:schemeClr val="accent1"/>
                   </a:solidFill>
                 </a14:hiddenFill>
               </a:ext>
               <a:ext uri="{AF507438-7753-43E0-B8FC-AC1667EBCBE1}">
-                <a14:hiddenEffects xmlns="" xmlns:a14="http://schemas.microsoft.com/office/drawing/2010/main">
+                <a14:hiddenEffects xmlns:a14="http://schemas.microsoft.com/office/drawing/2010/main" xmlns="">
                   <a:effectLst>
                     <a:outerShdw dist="35921" dir="2700000" algn="ctr" rotWithShape="0">
                       <a:schemeClr val="bg2"/>
@@ -39808,7 +39806,7 @@
               <a:lum contrast="-12000"/>
               <a:extLst>
                 <a:ext uri="{28A0092B-C50C-407E-A947-70E740481C1C}">
-                  <a14:useLocalDpi xmlns="" xmlns:a14="http://schemas.microsoft.com/office/drawing/2010/main" val="0"/>
+                  <a14:useLocalDpi xmlns:a14="http://schemas.microsoft.com/office/drawing/2010/main" xmlns="" val="0"/>
                 </a:ext>
               </a:extLst>
             </a:blip>
@@ -39828,7 +39826,7 @@
             <a:noFill/>
             <a:extLst>
               <a:ext uri="{909E8E84-426E-40DD-AFC4-6F175D3DCCD1}">
-                <a14:hiddenFill xmlns="" xmlns:a14="http://schemas.microsoft.com/office/drawing/2010/main">
+                <a14:hiddenFill xmlns:a14="http://schemas.microsoft.com/office/drawing/2010/main" xmlns="">
                   <a:solidFill>
                     <a:srgbClr val="FFFFFF"/>
                   </a:solidFill>
@@ -39860,14 +39858,14 @@
             <a:effectLst/>
             <a:extLst>
               <a:ext uri="{909E8E84-426E-40DD-AFC4-6F175D3DCCD1}">
-                <a14:hiddenFill xmlns="" xmlns:a14="http://schemas.microsoft.com/office/drawing/2010/main">
+                <a14:hiddenFill xmlns:a14="http://schemas.microsoft.com/office/drawing/2010/main" xmlns="">
                   <a:solidFill>
                     <a:schemeClr val="accent1"/>
                   </a:solidFill>
                 </a14:hiddenFill>
               </a:ext>
               <a:ext uri="{91240B29-F687-4F45-9708-019B960494DF}">
-                <a14:hiddenLine xmlns="" xmlns:a14="http://schemas.microsoft.com/office/drawing/2010/main" w="9525">
+                <a14:hiddenLine xmlns:a14="http://schemas.microsoft.com/office/drawing/2010/main" xmlns="" w="9525">
                   <a:solidFill>
                     <a:schemeClr val="tx1"/>
                   </a:solidFill>
@@ -39877,7 +39875,7 @@
                 </a14:hiddenLine>
               </a:ext>
               <a:ext uri="{AF507438-7753-43E0-B8FC-AC1667EBCBE1}">
-                <a14:hiddenEffects xmlns="" xmlns:a14="http://schemas.microsoft.com/office/drawing/2010/main">
+                <a14:hiddenEffects xmlns:a14="http://schemas.microsoft.com/office/drawing/2010/main" xmlns="">
                   <a:effectLst>
                     <a:outerShdw dist="35921" dir="2700000" algn="ctr" rotWithShape="0">
                       <a:schemeClr val="bg2"/>
@@ -39935,14 +39933,14 @@
             <a:effectLst/>
             <a:extLst>
               <a:ext uri="{909E8E84-426E-40DD-AFC4-6F175D3DCCD1}">
-                <a14:hiddenFill xmlns="" xmlns:a14="http://schemas.microsoft.com/office/drawing/2010/main">
+                <a14:hiddenFill xmlns:a14="http://schemas.microsoft.com/office/drawing/2010/main" xmlns="">
                   <a:solidFill>
                     <a:schemeClr val="accent1"/>
                   </a:solidFill>
                 </a14:hiddenFill>
               </a:ext>
               <a:ext uri="{AF507438-7753-43E0-B8FC-AC1667EBCBE1}">
-                <a14:hiddenEffects xmlns="" xmlns:a14="http://schemas.microsoft.com/office/drawing/2010/main">
+                <a14:hiddenEffects xmlns:a14="http://schemas.microsoft.com/office/drawing/2010/main" xmlns="">
                   <a:effectLst>
                     <a:outerShdw dist="35921" dir="2700000" algn="ctr" rotWithShape="0">
                       <a:schemeClr val="bg2"/>
@@ -39986,7 +39984,7 @@
           <a:effectLst/>
           <a:extLst>
             <a:ext uri="{91240B29-F687-4F45-9708-019B960494DF}">
-              <a14:hiddenLine xmlns="" xmlns:a14="http://schemas.microsoft.com/office/drawing/2010/main" w="9525">
+              <a14:hiddenLine xmlns:a14="http://schemas.microsoft.com/office/drawing/2010/main" xmlns="" w="9525">
                 <a:solidFill>
                   <a:schemeClr val="tx1"/>
                 </a:solidFill>
@@ -39996,7 +39994,7 @@
               </a14:hiddenLine>
             </a:ext>
             <a:ext uri="{AF507438-7753-43E0-B8FC-AC1667EBCBE1}">
-              <a14:hiddenEffects xmlns="" xmlns:a14="http://schemas.microsoft.com/office/drawing/2010/main">
+              <a14:hiddenEffects xmlns:a14="http://schemas.microsoft.com/office/drawing/2010/main" xmlns="">
                 <a:effectLst>
                   <a:outerShdw dist="35921" dir="2700000" algn="ctr" rotWithShape="0">
                     <a:schemeClr val="bg2"/>
@@ -40215,7 +40213,7 @@
     </p:spTree>
     <p:extLst>
       <p:ext uri="{BB962C8B-B14F-4D97-AF65-F5344CB8AC3E}">
-        <p14:creationId xmlns="" xmlns:p14="http://schemas.microsoft.com/office/powerpoint/2010/main" val="3602386693"/>
+        <p14:creationId xmlns:p14="http://schemas.microsoft.com/office/powerpoint/2010/main" xmlns="" val="3602386693"/>
       </p:ext>
     </p:extLst>
   </p:cSld>
@@ -40362,7 +40360,7 @@
           <a:blip r:embed="rId2" cstate="print">
             <a:extLst>
               <a:ext uri="{28A0092B-C50C-407E-A947-70E740481C1C}">
-                <a14:useLocalDpi xmlns="" xmlns:a14="http://schemas.microsoft.com/office/drawing/2010/main" val="0"/>
+                <a14:useLocalDpi xmlns:a14="http://schemas.microsoft.com/office/drawing/2010/main" xmlns="" val="0"/>
               </a:ext>
             </a:extLst>
           </a:blip>
@@ -40382,7 +40380,7 @@
           <a:noFill/>
           <a:extLst>
             <a:ext uri="{909E8E84-426E-40DD-AFC4-6F175D3DCCD1}">
-              <a14:hiddenFill xmlns="" xmlns:a14="http://schemas.microsoft.com/office/drawing/2010/main">
+              <a14:hiddenFill xmlns:a14="http://schemas.microsoft.com/office/drawing/2010/main" xmlns="">
                 <a:solidFill>
                   <a:srgbClr val="FFFFFF"/>
                 </a:solidFill>
@@ -40730,7 +40728,7 @@
     </p:spTree>
     <p:extLst>
       <p:ext uri="{BB962C8B-B14F-4D97-AF65-F5344CB8AC3E}">
-        <p14:creationId xmlns="" xmlns:p14="http://schemas.microsoft.com/office/powerpoint/2010/main" val="1058320717"/>
+        <p14:creationId xmlns:p14="http://schemas.microsoft.com/office/powerpoint/2010/main" xmlns="" val="1058320717"/>
       </p:ext>
     </p:extLst>
   </p:cSld>
@@ -40999,7 +40997,7 @@
     </p:spTree>
     <p:extLst>
       <p:ext uri="{BB962C8B-B14F-4D97-AF65-F5344CB8AC3E}">
-        <p14:creationId xmlns="" xmlns:p14="http://schemas.microsoft.com/office/powerpoint/2010/main" val="775537391"/>
+        <p14:creationId xmlns:p14="http://schemas.microsoft.com/office/powerpoint/2010/main" xmlns="" val="775537391"/>
       </p:ext>
     </p:extLst>
   </p:cSld>
@@ -41589,7 +41587,7 @@
     </p:spTree>
     <p:extLst>
       <p:ext uri="{BB962C8B-B14F-4D97-AF65-F5344CB8AC3E}">
-        <p14:creationId xmlns="" xmlns:p14="http://schemas.microsoft.com/office/powerpoint/2010/main" val="3316959053"/>
+        <p14:creationId xmlns:p14="http://schemas.microsoft.com/office/powerpoint/2010/main" xmlns="" val="3316959053"/>
       </p:ext>
     </p:extLst>
   </p:cSld>
@@ -41745,7 +41743,7 @@
           <a:blip r:embed="rId3" cstate="print">
             <a:extLst>
               <a:ext uri="{28A0092B-C50C-407E-A947-70E740481C1C}">
-                <a14:useLocalDpi xmlns="" xmlns:a14="http://schemas.microsoft.com/office/drawing/2010/main" val="0"/>
+                <a14:useLocalDpi xmlns:a14="http://schemas.microsoft.com/office/drawing/2010/main" xmlns="" val="0"/>
               </a:ext>
             </a:extLst>
           </a:blip>
@@ -41765,7 +41763,7 @@
           <a:noFill/>
           <a:extLst>
             <a:ext uri="{909E8E84-426E-40DD-AFC4-6F175D3DCCD1}">
-              <a14:hiddenFill xmlns="" xmlns:a14="http://schemas.microsoft.com/office/drawing/2010/main">
+              <a14:hiddenFill xmlns:a14="http://schemas.microsoft.com/office/drawing/2010/main" xmlns="">
                 <a:solidFill>
                   <a:srgbClr val="FFFFFF"/>
                 </a:solidFill>
@@ -41777,7 +41775,7 @@
     </p:spTree>
     <p:extLst>
       <p:ext uri="{BB962C8B-B14F-4D97-AF65-F5344CB8AC3E}">
-        <p14:creationId xmlns="" xmlns:p14="http://schemas.microsoft.com/office/powerpoint/2010/main" val="554728518"/>
+        <p14:creationId xmlns:p14="http://schemas.microsoft.com/office/powerpoint/2010/main" xmlns="" val="554728518"/>
       </p:ext>
     </p:extLst>
   </p:cSld>
@@ -41877,7 +41875,7 @@
     </p:spTree>
     <p:extLst>
       <p:ext uri="{BB962C8B-B14F-4D97-AF65-F5344CB8AC3E}">
-        <p14:creationId xmlns="" xmlns:p14="http://schemas.microsoft.com/office/powerpoint/2010/main" val="1230959388"/>
+        <p14:creationId xmlns:p14="http://schemas.microsoft.com/office/powerpoint/2010/main" xmlns="" val="1230959388"/>
       </p:ext>
     </p:extLst>
   </p:cSld>
@@ -42073,7 +42071,7 @@
     </p:spTree>
     <p:extLst>
       <p:ext uri="{BB962C8B-B14F-4D97-AF65-F5344CB8AC3E}">
-        <p14:creationId xmlns="" xmlns:p14="http://schemas.microsoft.com/office/powerpoint/2010/main" val="2570290743"/>
+        <p14:creationId xmlns:p14="http://schemas.microsoft.com/office/powerpoint/2010/main" xmlns="" val="2570290743"/>
       </p:ext>
     </p:extLst>
   </p:cSld>
@@ -42143,7 +42141,7 @@
           <a:blip r:embed="rId3" cstate="print">
             <a:extLst>
               <a:ext uri="{28A0092B-C50C-407E-A947-70E740481C1C}">
-                <a14:useLocalDpi xmlns="" xmlns:a14="http://schemas.microsoft.com/office/drawing/2010/main" val="0"/>
+                <a14:useLocalDpi xmlns:a14="http://schemas.microsoft.com/office/drawing/2010/main" xmlns="" val="0"/>
               </a:ext>
             </a:extLst>
           </a:blip>
@@ -42167,14 +42165,14 @@
           <a:effectLst/>
           <a:extLst>
             <a:ext uri="{909E8E84-426E-40DD-AFC4-6F175D3DCCD1}">
-              <a14:hiddenFill xmlns="" xmlns:a14="http://schemas.microsoft.com/office/drawing/2010/main">
+              <a14:hiddenFill xmlns:a14="http://schemas.microsoft.com/office/drawing/2010/main" xmlns="">
                 <a:solidFill>
                   <a:schemeClr val="accent1"/>
                 </a:solidFill>
               </a14:hiddenFill>
             </a:ext>
             <a:ext uri="{91240B29-F687-4F45-9708-019B960494DF}">
-              <a14:hiddenLine xmlns="" xmlns:a14="http://schemas.microsoft.com/office/drawing/2010/main" w="9525">
+              <a14:hiddenLine xmlns:a14="http://schemas.microsoft.com/office/drawing/2010/main" xmlns="" w="9525">
                 <a:solidFill>
                   <a:schemeClr val="tx1"/>
                 </a:solidFill>
@@ -42184,7 +42182,7 @@
               </a14:hiddenLine>
             </a:ext>
             <a:ext uri="{AF507438-7753-43E0-B8FC-AC1667EBCBE1}">
-              <a14:hiddenEffects xmlns="" xmlns:a14="http://schemas.microsoft.com/office/drawing/2010/main">
+              <a14:hiddenEffects xmlns:a14="http://schemas.microsoft.com/office/drawing/2010/main" xmlns="">
                 <a:effectLst>
                   <a:outerShdw dist="35921" dir="2700000" algn="ctr" rotWithShape="0">
                     <a:schemeClr val="bg2"/>
@@ -42489,7 +42487,7 @@
     </p:spTree>
     <p:extLst>
       <p:ext uri="{BB962C8B-B14F-4D97-AF65-F5344CB8AC3E}">
-        <p14:creationId xmlns="" xmlns:p14="http://schemas.microsoft.com/office/powerpoint/2010/main" val="882763807"/>
+        <p14:creationId xmlns:p14="http://schemas.microsoft.com/office/powerpoint/2010/main" xmlns="" val="882763807"/>
       </p:ext>
     </p:extLst>
   </p:cSld>
@@ -42606,7 +42604,7 @@
     </p:spTree>
     <p:extLst>
       <p:ext uri="{BB962C8B-B14F-4D97-AF65-F5344CB8AC3E}">
-        <p14:creationId xmlns="" xmlns:p14="http://schemas.microsoft.com/office/powerpoint/2010/main" val="540985854"/>
+        <p14:creationId xmlns:p14="http://schemas.microsoft.com/office/powerpoint/2010/main" xmlns="" val="540985854"/>
       </p:ext>
     </p:extLst>
   </p:cSld>
@@ -42755,7 +42753,7 @@
     </p:spTree>
     <p:extLst>
       <p:ext uri="{BB962C8B-B14F-4D97-AF65-F5344CB8AC3E}">
-        <p14:creationId xmlns="" xmlns:p14="http://schemas.microsoft.com/office/powerpoint/2010/main" val="1517851894"/>
+        <p14:creationId xmlns:p14="http://schemas.microsoft.com/office/powerpoint/2010/main" xmlns="" val="1517851894"/>
       </p:ext>
     </p:extLst>
   </p:cSld>
@@ -43259,7 +43257,7 @@
     </p:spTree>
     <p:extLst>
       <p:ext uri="{BB962C8B-B14F-4D97-AF65-F5344CB8AC3E}">
-        <p14:creationId xmlns="" xmlns:p14="http://schemas.microsoft.com/office/powerpoint/2010/main" val="2546264824"/>
+        <p14:creationId xmlns:p14="http://schemas.microsoft.com/office/powerpoint/2010/main" xmlns="" val="2546264824"/>
       </p:ext>
     </p:extLst>
   </p:cSld>
@@ -43387,7 +43385,7 @@
     </p:spTree>
     <p:extLst>
       <p:ext uri="{BB962C8B-B14F-4D97-AF65-F5344CB8AC3E}">
-        <p14:creationId xmlns="" xmlns:p14="http://schemas.microsoft.com/office/powerpoint/2010/main" val="2888150841"/>
+        <p14:creationId xmlns:p14="http://schemas.microsoft.com/office/powerpoint/2010/main" xmlns="" val="2888150841"/>
       </p:ext>
     </p:extLst>
   </p:cSld>
@@ -43837,7 +43835,7 @@
     </p:spTree>
     <p:extLst>
       <p:ext uri="{BB962C8B-B14F-4D97-AF65-F5344CB8AC3E}">
-        <p14:creationId xmlns="" xmlns:p14="http://schemas.microsoft.com/office/powerpoint/2010/main" val="3755733000"/>
+        <p14:creationId xmlns:p14="http://schemas.microsoft.com/office/powerpoint/2010/main" xmlns="" val="3755733000"/>
       </p:ext>
     </p:extLst>
   </p:cSld>
@@ -44126,7 +44124,7 @@
           <a:blip r:embed="rId2" cstate="print">
             <a:extLst>
               <a:ext uri="{28A0092B-C50C-407E-A947-70E740481C1C}">
-                <a14:useLocalDpi xmlns="" xmlns:a14="http://schemas.microsoft.com/office/drawing/2010/main" val="0"/>
+                <a14:useLocalDpi xmlns:a14="http://schemas.microsoft.com/office/drawing/2010/main" xmlns="" val="0"/>
               </a:ext>
             </a:extLst>
           </a:blip>
@@ -44146,7 +44144,7 @@
           <a:noFill/>
           <a:extLst>
             <a:ext uri="{909E8E84-426E-40DD-AFC4-6F175D3DCCD1}">
-              <a14:hiddenFill xmlns="" xmlns:a14="http://schemas.microsoft.com/office/drawing/2010/main">
+              <a14:hiddenFill xmlns:a14="http://schemas.microsoft.com/office/drawing/2010/main" xmlns="">
                 <a:solidFill>
                   <a:srgbClr val="FFFFFF"/>
                 </a:solidFill>
@@ -44187,7 +44185,7 @@
     </p:spTree>
     <p:extLst>
       <p:ext uri="{BB962C8B-B14F-4D97-AF65-F5344CB8AC3E}">
-        <p14:creationId xmlns="" xmlns:p14="http://schemas.microsoft.com/office/powerpoint/2010/main" val="3441838457"/>
+        <p14:creationId xmlns:p14="http://schemas.microsoft.com/office/powerpoint/2010/main" xmlns="" val="3441838457"/>
       </p:ext>
     </p:extLst>
   </p:cSld>
@@ -44679,7 +44677,7 @@
     </p:spTree>
     <p:extLst>
       <p:ext uri="{BB962C8B-B14F-4D97-AF65-F5344CB8AC3E}">
-        <p14:creationId xmlns="" xmlns:p14="http://schemas.microsoft.com/office/powerpoint/2010/main" val="271058588"/>
+        <p14:creationId xmlns:p14="http://schemas.microsoft.com/office/powerpoint/2010/main" xmlns="" val="271058588"/>
       </p:ext>
     </p:extLst>
   </p:cSld>
